--- a/basic_new/Module 01 - Basic Concepts.pptx
+++ b/basic_new/Module 01 - Basic Concepts.pptx
@@ -5,38 +5,39 @@
     <p:sldMasterId id="2147483648" r:id="rId1"/>
   </p:sldMasterIdLst>
   <p:notesMasterIdLst>
-    <p:notesMasterId r:id="rId31"/>
+    <p:notesMasterId r:id="rId32"/>
   </p:notesMasterIdLst>
   <p:sldIdLst>
     <p:sldId id="321" r:id="rId2"/>
     <p:sldId id="258" r:id="rId3"/>
     <p:sldId id="264" r:id="rId4"/>
-    <p:sldId id="322" r:id="rId5"/>
-    <p:sldId id="265" r:id="rId6"/>
-    <p:sldId id="320" r:id="rId7"/>
-    <p:sldId id="266" r:id="rId8"/>
-    <p:sldId id="325" r:id="rId9"/>
-    <p:sldId id="324" r:id="rId10"/>
-    <p:sldId id="326" r:id="rId11"/>
-    <p:sldId id="327" r:id="rId12"/>
-    <p:sldId id="328" r:id="rId13"/>
-    <p:sldId id="323" r:id="rId14"/>
-    <p:sldId id="267" r:id="rId15"/>
-    <p:sldId id="270" r:id="rId16"/>
-    <p:sldId id="271" r:id="rId17"/>
-    <p:sldId id="273" r:id="rId18"/>
-    <p:sldId id="329" r:id="rId19"/>
-    <p:sldId id="330" r:id="rId20"/>
-    <p:sldId id="331" r:id="rId21"/>
-    <p:sldId id="332" r:id="rId22"/>
-    <p:sldId id="279" r:id="rId23"/>
-    <p:sldId id="280" r:id="rId24"/>
-    <p:sldId id="308" r:id="rId25"/>
-    <p:sldId id="309" r:id="rId26"/>
-    <p:sldId id="333" r:id="rId27"/>
-    <p:sldId id="314" r:id="rId28"/>
-    <p:sldId id="294" r:id="rId29"/>
-    <p:sldId id="316" r:id="rId30"/>
+    <p:sldId id="334" r:id="rId5"/>
+    <p:sldId id="322" r:id="rId6"/>
+    <p:sldId id="265" r:id="rId7"/>
+    <p:sldId id="320" r:id="rId8"/>
+    <p:sldId id="266" r:id="rId9"/>
+    <p:sldId id="325" r:id="rId10"/>
+    <p:sldId id="324" r:id="rId11"/>
+    <p:sldId id="326" r:id="rId12"/>
+    <p:sldId id="327" r:id="rId13"/>
+    <p:sldId id="328" r:id="rId14"/>
+    <p:sldId id="323" r:id="rId15"/>
+    <p:sldId id="267" r:id="rId16"/>
+    <p:sldId id="270" r:id="rId17"/>
+    <p:sldId id="271" r:id="rId18"/>
+    <p:sldId id="273" r:id="rId19"/>
+    <p:sldId id="329" r:id="rId20"/>
+    <p:sldId id="330" r:id="rId21"/>
+    <p:sldId id="331" r:id="rId22"/>
+    <p:sldId id="332" r:id="rId23"/>
+    <p:sldId id="279" r:id="rId24"/>
+    <p:sldId id="280" r:id="rId25"/>
+    <p:sldId id="308" r:id="rId26"/>
+    <p:sldId id="309" r:id="rId27"/>
+    <p:sldId id="333" r:id="rId28"/>
+    <p:sldId id="314" r:id="rId29"/>
+    <p:sldId id="294" r:id="rId30"/>
+    <p:sldId id="316" r:id="rId31"/>
   </p:sldIdLst>
   <p:sldSz cx="12192000" cy="6858000"/>
   <p:notesSz cx="6858000" cy="9144000"/>
@@ -509,7 +510,7 @@
           <a:p>
             <a:fld id="{81043921-7569-41A3-B947-8944ED878C50}" type="datetimeFigureOut">
               <a:rPr lang="he-IL" smtClean="0"/>
-              <a:t>א'/תמוז/תשפ"ג</a:t>
+              <a:t>ט"ז/תמוז/תשפ"ג</a:t>
             </a:fld>
             <a:endParaRPr lang="he-IL"/>
           </a:p>
@@ -1048,13 +1049,123 @@
           <a:bodyPr/>
           <a:lstStyle/>
           <a:p>
-            <a:pPr algn="l" rtl="0" eaLnBrk="1" hangingPunct="1">
-              <a:lnSpc>
-                <a:spcPct val="80000"/>
-              </a:lnSpc>
+            <a:r>
+              <a:rPr lang="en-US" dirty="0">
+                <a:solidFill>
+                  <a:srgbClr val="000000"/>
+                </a:solidFill>
+                <a:latin typeface="Tahoma"/>
+                <a:ea typeface="Tahoma"/>
+                <a:cs typeface="Tahoma"/>
+              </a:rPr>
+              <a:t>PyCharm is currently one of the most used IDE for python development, It provides code analysis, a graphical debugger, an integrated unit tester, integration with version control systems (VCSes), and supports web development with Django as well as data science with Anaconda.</a:t>
+            </a:r>
+          </a:p>
+          <a:p>
+            <a:endParaRPr lang="en-US" dirty="0">
+              <a:solidFill>
+                <a:srgbClr val="000000"/>
+              </a:solidFill>
+              <a:latin typeface="Tahoma"/>
+              <a:ea typeface="Tahoma"/>
+              <a:cs typeface="Tahoma"/>
+            </a:endParaRPr>
+          </a:p>
+          <a:p>
+            <a:r>
+              <a:rPr lang="en-US" dirty="0">
+                <a:solidFill>
+                  <a:srgbClr val="000000"/>
+                </a:solidFill>
+                <a:latin typeface="Tahoma"/>
+                <a:ea typeface="Tahoma"/>
+                <a:cs typeface="Tahoma"/>
+              </a:rPr>
+              <a:t>It was created by JetBrains</a:t>
+            </a:r>
+          </a:p>
+          <a:p>
+            <a:endParaRPr lang="en-US" dirty="0">
+              <a:solidFill>
+                <a:srgbClr val="000000"/>
+              </a:solidFill>
+              <a:latin typeface="Tahoma"/>
+              <a:ea typeface="Tahoma"/>
+              <a:cs typeface="Tahoma"/>
+            </a:endParaRPr>
+          </a:p>
+          <a:p>
+            <a:r>
+              <a:rPr lang="en-US" dirty="0">
+                <a:solidFill>
+                  <a:srgbClr val="000000"/>
+                </a:solidFill>
+                <a:latin typeface="Tahoma"/>
+                <a:ea typeface="Tahoma"/>
+                <a:cs typeface="Tahoma"/>
+              </a:rPr>
+              <a:t>It is mostly popular because of many things, such as:</a:t>
+            </a:r>
+          </a:p>
+          <a:p>
+            <a:pPr marL="171450" indent="-171450">
+              <a:buFont typeface="Arial"/>
+              <a:buChar char="•"/>
             </a:pPr>
+            <a:r>
+              <a:rPr lang="en-US" dirty="0">
+                <a:solidFill>
+                  <a:srgbClr val="000000"/>
+                </a:solidFill>
+                <a:latin typeface="Tahoma"/>
+                <a:ea typeface="Tahoma"/>
+                <a:cs typeface="Tahoma"/>
+              </a:rPr>
+              <a:t>It is considered as an intelligent code editor, fast and safe refactoring, and smart code.</a:t>
+            </a:r>
+          </a:p>
+          <a:p>
+            <a:pPr marL="171450" indent="-171450">
+              <a:buFont typeface="Arial"/>
+              <a:buChar char="•"/>
+            </a:pPr>
+            <a:r>
+              <a:rPr lang="en-US" dirty="0">
+                <a:solidFill>
+                  <a:srgbClr val="000000"/>
+                </a:solidFill>
+                <a:latin typeface="Tahoma"/>
+                <a:ea typeface="Tahoma"/>
+                <a:cs typeface="Tahoma"/>
+              </a:rPr>
+              <a:t>Features for debugging, profiling, remote development, testing the code, auto code completion, quick fixing, error detection and tools of the database.</a:t>
+            </a:r>
+          </a:p>
+          <a:p>
+            <a:pPr marL="171450" indent="-171450">
+              <a:buFont typeface="Arial"/>
+              <a:buChar char="•"/>
+            </a:pPr>
+            <a:r>
+              <a:rPr lang="en-US" dirty="0">
+                <a:solidFill>
+                  <a:srgbClr val="000000"/>
+                </a:solidFill>
+                <a:latin typeface="Tahoma"/>
+                <a:ea typeface="Tahoma"/>
+                <a:cs typeface="Tahoma"/>
+              </a:rPr>
+              <a:t>Support for Popular web technologies, web frameworks, scientific libraries and version control. </a:t>
+            </a:r>
+          </a:p>
+          <a:p>
             <a:endParaRPr lang="en-US" dirty="0">
-              <a:cs typeface="Calibri"/>
+              <a:solidFill>
+                <a:srgbClr val="000000"/>
+              </a:solidFill>
+              <a:latin typeface="Tahoma"/>
+              <a:ea typeface="Tahoma"/>
+              <a:cs typeface="Tahoma"/>
             </a:endParaRPr>
           </a:p>
         </p:txBody>
@@ -1086,7 +1197,7 @@
     </p:spTree>
     <p:extLst>
       <p:ext uri="{BB962C8B-B14F-4D97-AF65-F5344CB8AC3E}">
-        <p14:creationId xmlns:p14="http://schemas.microsoft.com/office/powerpoint/2010/main" val="662288823"/>
+        <p14:creationId xmlns:p14="http://schemas.microsoft.com/office/powerpoint/2010/main" val="925471829"/>
       </p:ext>
     </p:extLst>
   </p:cSld>
@@ -1140,7 +1251,14 @@
           <a:bodyPr/>
           <a:lstStyle/>
           <a:p>
-            <a:endParaRPr lang="en-US"/>
+            <a:pPr algn="l" rtl="0" eaLnBrk="1" hangingPunct="1">
+              <a:lnSpc>
+                <a:spcPct val="80000"/>
+              </a:lnSpc>
+            </a:pPr>
+            <a:endParaRPr lang="en-US" dirty="0">
+              <a:cs typeface="Calibri"/>
+            </a:endParaRPr>
           </a:p>
         </p:txBody>
       </p:sp>
@@ -1171,7 +1289,7 @@
     </p:spTree>
     <p:extLst>
       <p:ext uri="{BB962C8B-B14F-4D97-AF65-F5344CB8AC3E}">
-        <p14:creationId xmlns:p14="http://schemas.microsoft.com/office/powerpoint/2010/main" val="3896666901"/>
+        <p14:creationId xmlns:p14="http://schemas.microsoft.com/office/powerpoint/2010/main" val="662288823"/>
       </p:ext>
     </p:extLst>
   </p:cSld>
@@ -1225,78 +1343,7 @@
           <a:bodyPr/>
           <a:lstStyle/>
           <a:p>
-            <a:pPr>
-              <a:defRPr/>
-            </a:pPr>
-            <a:r>
-              <a:rPr lang="en-US" dirty="0">
-                <a:cs typeface="Calibri"/>
-              </a:rPr>
-              <a:t>This is the main screen for opening a new project, all project are "of the same type" but not really.</a:t>
-            </a:r>
-          </a:p>
-          <a:p>
-            <a:pPr>
-              <a:defRPr/>
-            </a:pPr>
-            <a:r>
-              <a:rPr lang="en-US" dirty="0">
-                <a:cs typeface="+mn-lt"/>
-              </a:rPr>
-              <a:t>We can choose our projects name by changing the last section of the  location box</a:t>
-            </a:r>
-          </a:p>
-          <a:p>
-            <a:pPr>
-              <a:defRPr/>
-            </a:pPr>
-            <a:br>
-              <a:rPr lang="en-US" dirty="0">
-                <a:cs typeface="+mn-lt"/>
-              </a:rPr>
-            </a:br>
-            <a:r>
-              <a:rPr lang="en-US" dirty="0">
-                <a:cs typeface="Calibri"/>
-              </a:rPr>
-              <a:t>We can choose different environments like Virtualenv(the base one here), or Conda.</a:t>
-            </a:r>
-            <a:endParaRPr lang="en-US" dirty="0"/>
-          </a:p>
-          <a:p>
-            <a:pPr>
-              <a:defRPr/>
-            </a:pPr>
-            <a:endParaRPr lang="en-US" dirty="0">
-              <a:cs typeface="Calibri"/>
-            </a:endParaRPr>
-          </a:p>
-          <a:p>
-            <a:pPr>
-              <a:defRPr/>
-            </a:pPr>
-            <a:r>
-              <a:rPr lang="en-US" dirty="0">
-                <a:cs typeface="Calibri"/>
-              </a:rPr>
-              <a:t>Also, we can use a new (base) interpreter or just pick one of our previously used ones if we choose so.</a:t>
-            </a:r>
-            <a:br>
-              <a:rPr lang="en-US" dirty="0">
-                <a:cs typeface="+mn-lt"/>
-              </a:rPr>
-            </a:br>
-            <a:br>
-              <a:rPr lang="en-US" dirty="0">
-                <a:cs typeface="+mn-lt"/>
-              </a:rPr>
-            </a:br>
-            <a:r>
-              <a:rPr lang="en-US" dirty="0">
-                <a:cs typeface="Calibri"/>
-              </a:rPr>
-              <a:t>For beginners this is all we need to know, we want a new interpreter </a:t>
-            </a:r>
+            <a:endParaRPr lang="en-US"/>
           </a:p>
         </p:txBody>
       </p:sp>
@@ -1327,7 +1374,7 @@
     </p:spTree>
     <p:extLst>
       <p:ext uri="{BB962C8B-B14F-4D97-AF65-F5344CB8AC3E}">
-        <p14:creationId xmlns:p14="http://schemas.microsoft.com/office/powerpoint/2010/main" val="3949587220"/>
+        <p14:creationId xmlns:p14="http://schemas.microsoft.com/office/powerpoint/2010/main" val="3896666901"/>
       </p:ext>
     </p:extLst>
   </p:cSld>
@@ -1381,10 +1428,31 @@
           <a:bodyPr/>
           <a:lstStyle/>
           <a:p>
-            <a:r>
-              <a:rPr lang="en-US" dirty="0"/>
-              <a:t>This is the main work area in PyCharm:</a:t>
-            </a:r>
+            <a:pPr>
+              <a:defRPr/>
+            </a:pPr>
+            <a:r>
+              <a:rPr lang="en-US" dirty="0">
+                <a:cs typeface="Calibri"/>
+              </a:rPr>
+              <a:t>This is the main screen for opening a new project, all project are "of the same type" but not really.</a:t>
+            </a:r>
+          </a:p>
+          <a:p>
+            <a:pPr>
+              <a:defRPr/>
+            </a:pPr>
+            <a:r>
+              <a:rPr lang="en-US" dirty="0">
+                <a:cs typeface="+mn-lt"/>
+              </a:rPr>
+              <a:t>We can choose our projects name by changing the last section of the  location box</a:t>
+            </a:r>
+          </a:p>
+          <a:p>
+            <a:pPr>
+              <a:defRPr/>
+            </a:pPr>
             <a:br>
               <a:rPr lang="en-US" dirty="0">
                 <a:cs typeface="+mn-lt"/>
@@ -1394,45 +1462,44 @@
               <a:rPr lang="en-US" dirty="0">
                 <a:cs typeface="Calibri"/>
               </a:rPr>
-              <a:t>The Coding section is where you write you code</a:t>
-            </a:r>
-          </a:p>
-          <a:p>
-            <a:r>
-              <a:rPr lang="en-US" dirty="0">
-                <a:cs typeface="Calibri"/>
-              </a:rPr>
-              <a:t>Menu bar is all the options, setting etc.</a:t>
-            </a:r>
-          </a:p>
-          <a:p>
-            <a:r>
-              <a:rPr lang="en-US" dirty="0">
-                <a:cs typeface="Calibri"/>
-              </a:rPr>
-              <a:t>Project explorer is where all of our current project files and folders are located, we can navigate between them there</a:t>
-            </a:r>
-          </a:p>
-          <a:p>
-            <a:r>
-              <a:rPr lang="en-US" dirty="0">
-                <a:cs typeface="Calibri"/>
-              </a:rPr>
-              <a:t>The tools are our main uses, like the console, terminal, debug section, etc.</a:t>
-            </a:r>
-          </a:p>
-          <a:p>
-            <a:r>
-              <a:rPr lang="en-US" dirty="0">
-                <a:cs typeface="Calibri"/>
-              </a:rPr>
-              <a:t>The run script section is where we run our current open script, of course our script can run our entire project, depends on what's connected to the script we are running</a:t>
-            </a:r>
-          </a:p>
-          <a:p>
+              <a:t>We can choose different environments like Virtualenv(the base one here), or Conda.</a:t>
+            </a:r>
+            <a:endParaRPr lang="en-US" dirty="0"/>
+          </a:p>
+          <a:p>
+            <a:pPr>
+              <a:defRPr/>
+            </a:pPr>
             <a:endParaRPr lang="en-US" dirty="0">
               <a:cs typeface="Calibri"/>
             </a:endParaRPr>
+          </a:p>
+          <a:p>
+            <a:pPr>
+              <a:defRPr/>
+            </a:pPr>
+            <a:r>
+              <a:rPr lang="en-US" dirty="0">
+                <a:cs typeface="Calibri"/>
+              </a:rPr>
+              <a:t>Also, we can use a new (base) interpreter or just pick one of our previously used ones if we choose so.</a:t>
+            </a:r>
+            <a:br>
+              <a:rPr lang="en-US" dirty="0">
+                <a:cs typeface="+mn-lt"/>
+              </a:rPr>
+            </a:br>
+            <a:br>
+              <a:rPr lang="en-US" dirty="0">
+                <a:cs typeface="+mn-lt"/>
+              </a:rPr>
+            </a:br>
+            <a:r>
+              <a:rPr lang="en-US" dirty="0">
+                <a:cs typeface="Calibri"/>
+              </a:rPr>
+              <a:t>For beginners this is all we need to know, we want a new interpreter </a:t>
+            </a:r>
           </a:p>
         </p:txBody>
       </p:sp>
@@ -1463,7 +1530,7 @@
     </p:spTree>
     <p:extLst>
       <p:ext uri="{BB962C8B-B14F-4D97-AF65-F5344CB8AC3E}">
-        <p14:creationId xmlns:p14="http://schemas.microsoft.com/office/powerpoint/2010/main" val="2368652420"/>
+        <p14:creationId xmlns:p14="http://schemas.microsoft.com/office/powerpoint/2010/main" val="3949587220"/>
       </p:ext>
     </p:extLst>
   </p:cSld>
@@ -1599,7 +1666,7 @@
     </p:spTree>
     <p:extLst>
       <p:ext uri="{BB962C8B-B14F-4D97-AF65-F5344CB8AC3E}">
-        <p14:creationId xmlns:p14="http://schemas.microsoft.com/office/powerpoint/2010/main" val="2292869806"/>
+        <p14:creationId xmlns:p14="http://schemas.microsoft.com/office/powerpoint/2010/main" val="2368652420"/>
       </p:ext>
     </p:extLst>
   </p:cSld>
@@ -1735,7 +1802,7 @@
     </p:spTree>
     <p:extLst>
       <p:ext uri="{BB962C8B-B14F-4D97-AF65-F5344CB8AC3E}">
-        <p14:creationId xmlns:p14="http://schemas.microsoft.com/office/powerpoint/2010/main" val="1504573229"/>
+        <p14:creationId xmlns:p14="http://schemas.microsoft.com/office/powerpoint/2010/main" val="2292869806"/>
       </p:ext>
     </p:extLst>
   </p:cSld>
@@ -1871,7 +1938,7 @@
     </p:spTree>
     <p:extLst>
       <p:ext uri="{BB962C8B-B14F-4D97-AF65-F5344CB8AC3E}">
-        <p14:creationId xmlns:p14="http://schemas.microsoft.com/office/powerpoint/2010/main" val="852432278"/>
+        <p14:creationId xmlns:p14="http://schemas.microsoft.com/office/powerpoint/2010/main" val="1504573229"/>
       </p:ext>
     </p:extLst>
   </p:cSld>
@@ -2007,7 +2074,7 @@
     </p:spTree>
     <p:extLst>
       <p:ext uri="{BB962C8B-B14F-4D97-AF65-F5344CB8AC3E}">
-        <p14:creationId xmlns:p14="http://schemas.microsoft.com/office/powerpoint/2010/main" val="418371177"/>
+        <p14:creationId xmlns:p14="http://schemas.microsoft.com/office/powerpoint/2010/main" val="852432278"/>
       </p:ext>
     </p:extLst>
   </p:cSld>
@@ -2062,18 +2129,8 @@
           <a:lstStyle/>
           <a:p>
             <a:r>
-              <a:rPr lang="en-US" dirty="0">
-                <a:cs typeface="Calibri"/>
-              </a:rPr>
-              <a:t>The Python console has two main methods: print and input.</a:t>
-            </a:r>
-          </a:p>
-          <a:p>
-            <a:r>
-              <a:rPr lang="en-US" dirty="0">
-                <a:cs typeface="Calibri"/>
-              </a:rPr>
-              <a:t>Print, like its name, prints whatever is between the brackets, sometimes things might not be printed like we think they will (like Classes instances), we will see them as we progress.</a:t>
+              <a:rPr lang="en-US" dirty="0"/>
+              <a:t>This is the main work area in PyCharm:</a:t>
             </a:r>
             <a:br>
               <a:rPr lang="en-US" dirty="0">
@@ -2084,20 +2141,45 @@
               <a:rPr lang="en-US" dirty="0">
                 <a:cs typeface="Calibri"/>
               </a:rPr>
-              <a:t>Input, like its name, receives an input from the user in the console, and we can of course use them to do different things (</a:t>
-            </a:r>
-            <a:r>
-              <a:rPr lang="en-US" b="1" dirty="0">
-                <a:cs typeface="Calibri"/>
-              </a:rPr>
-              <a:t>inputs are always of type string! Remember that!</a:t>
-            </a:r>
+              <a:t>The Coding section is where you write you code</a:t>
+            </a:r>
+          </a:p>
+          <a:p>
             <a:r>
               <a:rPr lang="en-US" dirty="0">
                 <a:cs typeface="Calibri"/>
               </a:rPr>
-              <a:t>)</a:t>
-            </a:r>
+              <a:t>Menu bar is all the options, setting etc.</a:t>
+            </a:r>
+          </a:p>
+          <a:p>
+            <a:r>
+              <a:rPr lang="en-US" dirty="0">
+                <a:cs typeface="Calibri"/>
+              </a:rPr>
+              <a:t>Project explorer is where all of our current project files and folders are located, we can navigate between them there</a:t>
+            </a:r>
+          </a:p>
+          <a:p>
+            <a:r>
+              <a:rPr lang="en-US" dirty="0">
+                <a:cs typeface="Calibri"/>
+              </a:rPr>
+              <a:t>The tools are our main uses, like the console, terminal, debug section, etc.</a:t>
+            </a:r>
+          </a:p>
+          <a:p>
+            <a:r>
+              <a:rPr lang="en-US" dirty="0">
+                <a:cs typeface="Calibri"/>
+              </a:rPr>
+              <a:t>The run script section is where we run our current open script, of course our script can run our entire project, depends on what's connected to the script we are running</a:t>
+            </a:r>
+          </a:p>
+          <a:p>
+            <a:endParaRPr lang="en-US" dirty="0">
+              <a:cs typeface="Calibri"/>
+            </a:endParaRPr>
           </a:p>
         </p:txBody>
       </p:sp>
@@ -2108,7 +2190,7 @@
             <a:spLocks noGrp="1"/>
           </p:cNvSpPr>
           <p:nvPr>
-            <p:ph type="sldNum" sz="quarter" idx="5"/>
+            <p:ph type="sldNum" sz="quarter" idx="10"/>
           </p:nvPr>
         </p:nvSpPr>
         <p:spPr/>
@@ -2119,7 +2201,7 @@
             <a:fld id="{C18343ED-3762-4D46-A439-B4D407E13EF8}" type="slidenum">
               <a:rPr lang="en-US" smtClean="0"/>
               <a:pPr/>
-              <a:t>25</a:t>
+              <a:t>22</a:t>
             </a:fld>
             <a:endParaRPr lang="en-US"/>
           </a:p>
@@ -2128,7 +2210,7 @@
     </p:spTree>
     <p:extLst>
       <p:ext uri="{BB962C8B-B14F-4D97-AF65-F5344CB8AC3E}">
-        <p14:creationId xmlns:p14="http://schemas.microsoft.com/office/powerpoint/2010/main" val="873478548"/>
+        <p14:creationId xmlns:p14="http://schemas.microsoft.com/office/powerpoint/2010/main" val="418371177"/>
       </p:ext>
     </p:extLst>
   </p:cSld>
@@ -2249,7 +2331,7 @@
     </p:spTree>
     <p:extLst>
       <p:ext uri="{BB962C8B-B14F-4D97-AF65-F5344CB8AC3E}">
-        <p14:creationId xmlns:p14="http://schemas.microsoft.com/office/powerpoint/2010/main" val="1334899561"/>
+        <p14:creationId xmlns:p14="http://schemas.microsoft.com/office/powerpoint/2010/main" val="873478548"/>
       </p:ext>
     </p:extLst>
   </p:cSld>
@@ -2476,7 +2558,128 @@
     </p:spTree>
     <p:extLst>
       <p:ext uri="{BB962C8B-B14F-4D97-AF65-F5344CB8AC3E}">
-        <p14:creationId xmlns:p14="http://schemas.microsoft.com/office/powerpoint/2010/main" val="2030585090"/>
+        <p14:creationId xmlns:p14="http://schemas.microsoft.com/office/powerpoint/2010/main" val="118421158"/>
+      </p:ext>
+    </p:extLst>
+  </p:cSld>
+  <p:clrMapOvr>
+    <a:masterClrMapping/>
+  </p:clrMapOvr>
+</p:notes>
+</file>
+
+<file path=ppt/notesSlides/notesSlide20.xml><?xml version="1.0" encoding="utf-8"?>
+<p:notes xmlns:a="http://schemas.openxmlformats.org/drawingml/2006/main" xmlns:r="http://schemas.openxmlformats.org/officeDocument/2006/relationships" xmlns:p="http://schemas.openxmlformats.org/presentationml/2006/main">
+  <p:cSld>
+    <p:spTree>
+      <p:nvGrpSpPr>
+        <p:cNvPr id="1" name=""/>
+        <p:cNvGrpSpPr/>
+        <p:nvPr/>
+      </p:nvGrpSpPr>
+      <p:grpSpPr>
+        <a:xfrm>
+          <a:off x="0" y="0"/>
+          <a:ext cx="0" cy="0"/>
+          <a:chOff x="0" y="0"/>
+          <a:chExt cx="0" cy="0"/>
+        </a:xfrm>
+      </p:grpSpPr>
+      <p:sp>
+        <p:nvSpPr>
+          <p:cNvPr id="2" name="Slide Image Placeholder 1"/>
+          <p:cNvSpPr>
+            <a:spLocks noGrp="1" noRot="1" noChangeAspect="1"/>
+          </p:cNvSpPr>
+          <p:nvPr>
+            <p:ph type="sldImg"/>
+          </p:nvPr>
+        </p:nvSpPr>
+        <p:spPr/>
+      </p:sp>
+      <p:sp>
+        <p:nvSpPr>
+          <p:cNvPr id="3" name="Notes Placeholder 2"/>
+          <p:cNvSpPr>
+            <a:spLocks noGrp="1"/>
+          </p:cNvSpPr>
+          <p:nvPr>
+            <p:ph type="body" idx="1"/>
+          </p:nvPr>
+        </p:nvSpPr>
+        <p:spPr/>
+        <p:txBody>
+          <a:bodyPr/>
+          <a:lstStyle/>
+          <a:p>
+            <a:r>
+              <a:rPr lang="en-US" dirty="0">
+                <a:cs typeface="Calibri"/>
+              </a:rPr>
+              <a:t>The Python console has two main methods: print and input.</a:t>
+            </a:r>
+          </a:p>
+          <a:p>
+            <a:r>
+              <a:rPr lang="en-US" dirty="0">
+                <a:cs typeface="Calibri"/>
+              </a:rPr>
+              <a:t>Print, like its name, prints whatever is between the brackets, sometimes things might not be printed like we think they will (like Classes instances), we will see them as we progress.</a:t>
+            </a:r>
+            <a:br>
+              <a:rPr lang="en-US" dirty="0">
+                <a:cs typeface="+mn-lt"/>
+              </a:rPr>
+            </a:br>
+            <a:r>
+              <a:rPr lang="en-US" dirty="0">
+                <a:cs typeface="Calibri"/>
+              </a:rPr>
+              <a:t>Input, like its name, receives an input from the user in the console, and we can of course use them to do different things (</a:t>
+            </a:r>
+            <a:r>
+              <a:rPr lang="en-US" b="1" dirty="0">
+                <a:cs typeface="Calibri"/>
+              </a:rPr>
+              <a:t>inputs are always of type string! Remember that!</a:t>
+            </a:r>
+            <a:r>
+              <a:rPr lang="en-US" dirty="0">
+                <a:cs typeface="Calibri"/>
+              </a:rPr>
+              <a:t>)</a:t>
+            </a:r>
+          </a:p>
+        </p:txBody>
+      </p:sp>
+      <p:sp>
+        <p:nvSpPr>
+          <p:cNvPr id="4" name="Slide Number Placeholder 3"/>
+          <p:cNvSpPr>
+            <a:spLocks noGrp="1"/>
+          </p:cNvSpPr>
+          <p:nvPr>
+            <p:ph type="sldNum" sz="quarter" idx="5"/>
+          </p:nvPr>
+        </p:nvSpPr>
+        <p:spPr/>
+        <p:txBody>
+          <a:bodyPr/>
+          <a:lstStyle/>
+          <a:p>
+            <a:fld id="{C18343ED-3762-4D46-A439-B4D407E13EF8}" type="slidenum">
+              <a:rPr lang="en-US" smtClean="0"/>
+              <a:pPr/>
+              <a:t>27</a:t>
+            </a:fld>
+            <a:endParaRPr lang="en-US"/>
+          </a:p>
+        </p:txBody>
+      </p:sp>
+    </p:spTree>
+    <p:extLst>
+      <p:ext uri="{BB962C8B-B14F-4D97-AF65-F5344CB8AC3E}">
+        <p14:creationId xmlns:p14="http://schemas.microsoft.com/office/powerpoint/2010/main" val="1334899561"/>
       </p:ext>
     </p:extLst>
   </p:cSld>
@@ -2531,123 +2734,148 @@
           <a:lstStyle/>
           <a:p>
             <a:r>
+              <a:rPr lang="en-US" dirty="0"/>
+              <a:t>Python is dynamically-typed and garbage-collected. It supports multiple programming paradigms, including structured (particularly, procedural), object-oriented and functional programming.</a:t>
+            </a:r>
+          </a:p>
+          <a:p>
+            <a:endParaRPr lang="en-US" sz="1200" dirty="0">
+              <a:cs typeface="Calibri"/>
+            </a:endParaRPr>
+          </a:p>
+          <a:p>
+            <a:r>
               <a:rPr lang="en-US" dirty="0">
-                <a:solidFill>
-                  <a:srgbClr val="000000"/>
-                </a:solidFill>
-                <a:latin typeface="Tahoma"/>
-                <a:ea typeface="Tahoma"/>
-                <a:cs typeface="Tahoma"/>
-              </a:rPr>
-              <a:t>PyCharm is currently one of the most used IDE for python development, It provides code analysis, a graphical debugger, an integrated unit tester, integration with version control systems (VCSes), and supports web development with Django as well as data science with Anaconda.</a:t>
-            </a:r>
-          </a:p>
-          <a:p>
+                <a:cs typeface="Calibri"/>
+              </a:rPr>
+              <a:t>It was built to be as readable as possible, and is </a:t>
+            </a:r>
+            <a:r>
+              <a:rPr lang="en-US" dirty="0"/>
+              <a:t>significant indentation driven (Off-side rule).</a:t>
+            </a:r>
             <a:endParaRPr lang="en-US" dirty="0">
-              <a:solidFill>
-                <a:srgbClr val="000000"/>
-              </a:solidFill>
-              <a:latin typeface="Tahoma"/>
-              <a:ea typeface="Tahoma"/>
-              <a:cs typeface="Tahoma"/>
+              <a:cs typeface="Calibri"/>
             </a:endParaRPr>
           </a:p>
           <a:p>
-            <a:r>
-              <a:rPr lang="en-US" dirty="0">
-                <a:solidFill>
-                  <a:srgbClr val="000000"/>
-                </a:solidFill>
-                <a:latin typeface="Tahoma"/>
-                <a:ea typeface="Tahoma"/>
-                <a:cs typeface="Tahoma"/>
-              </a:rPr>
-              <a:t>It was created by JetBrains</a:t>
-            </a:r>
-          </a:p>
-          <a:p>
+            <a:pPr algn="l" rtl="0" eaLnBrk="1" hangingPunct="1"/>
+            <a:endParaRPr lang="en-US"/>
+          </a:p>
+          <a:p>
+            <a:r>
+              <a:rPr lang="en-US" dirty="0"/>
+              <a:t>The language's core philosophy is summarized in the document </a:t>
+            </a:r>
+            <a:r>
+              <a:rPr lang="en-US" i="1" dirty="0"/>
+              <a:t>The Zen of Python</a:t>
+            </a:r>
+            <a:r>
+              <a:rPr lang="en-US" dirty="0"/>
+              <a:t> (</a:t>
+            </a:r>
+            <a:r>
+              <a:rPr lang="en-US" i="1" dirty="0"/>
+              <a:t>PEP 20</a:t>
+            </a:r>
+            <a:r>
+              <a:rPr lang="en-US" dirty="0"/>
+              <a:t>), which includes aphorisms such as:</a:t>
+            </a:r>
             <a:endParaRPr lang="en-US" dirty="0">
-              <a:solidFill>
-                <a:srgbClr val="000000"/>
-              </a:solidFill>
-              <a:latin typeface="Tahoma"/>
-              <a:ea typeface="Tahoma"/>
-              <a:cs typeface="Tahoma"/>
+              <a:cs typeface="Calibri"/>
             </a:endParaRPr>
           </a:p>
           <a:p>
-            <a:r>
-              <a:rPr lang="en-US" dirty="0">
-                <a:solidFill>
-                  <a:srgbClr val="000000"/>
-                </a:solidFill>
-                <a:latin typeface="Tahoma"/>
-                <a:ea typeface="Tahoma"/>
-                <a:cs typeface="Tahoma"/>
-              </a:rPr>
-              <a:t>It is mostly popular because of many things, such as:</a:t>
-            </a:r>
-          </a:p>
-          <a:p>
-            <a:pPr marL="171450" indent="-171450">
+            <a:pPr marL="285750" indent="-285750">
               <a:buFont typeface="Arial"/>
               <a:buChar char="•"/>
             </a:pPr>
             <a:r>
-              <a:rPr lang="en-US" dirty="0">
-                <a:solidFill>
-                  <a:srgbClr val="000000"/>
-                </a:solidFill>
-                <a:latin typeface="Tahoma"/>
-                <a:ea typeface="Tahoma"/>
-                <a:cs typeface="Tahoma"/>
-              </a:rPr>
-              <a:t>It is considered as an intelligent code editor, fast and safe refactoring, and smart code.</a:t>
-            </a:r>
-          </a:p>
-          <a:p>
-            <a:pPr marL="171450" indent="-171450">
+              <a:rPr lang="en-US" dirty="0"/>
+              <a:t>Beautiful is better than ugly.</a:t>
+            </a:r>
+            <a:endParaRPr lang="en-US" dirty="0">
+              <a:cs typeface="Calibri"/>
+            </a:endParaRPr>
+          </a:p>
+          <a:p>
+            <a:pPr marL="285750" indent="-285750">
               <a:buFont typeface="Arial"/>
               <a:buChar char="•"/>
             </a:pPr>
             <a:r>
-              <a:rPr lang="en-US" dirty="0">
-                <a:solidFill>
-                  <a:srgbClr val="000000"/>
-                </a:solidFill>
-                <a:latin typeface="Tahoma"/>
-                <a:ea typeface="Tahoma"/>
-                <a:cs typeface="Tahoma"/>
-              </a:rPr>
-              <a:t>Features for debugging, profiling, remote development, testing the code, auto code completion, quick fixing, error detection and tools of the database.</a:t>
-            </a:r>
-          </a:p>
-          <a:p>
-            <a:pPr marL="171450" indent="-171450">
+              <a:rPr lang="en-US" dirty="0"/>
+              <a:t>Explicit is better than implicit.</a:t>
+            </a:r>
+            <a:endParaRPr lang="en-US" dirty="0">
+              <a:cs typeface="Calibri"/>
+            </a:endParaRPr>
+          </a:p>
+          <a:p>
+            <a:pPr marL="285750" indent="-285750">
               <a:buFont typeface="Arial"/>
               <a:buChar char="•"/>
             </a:pPr>
             <a:r>
+              <a:rPr lang="en-US" dirty="0"/>
+              <a:t>Simple is better than complex.</a:t>
+            </a:r>
+            <a:endParaRPr lang="en-US" dirty="0">
+              <a:cs typeface="Calibri"/>
+            </a:endParaRPr>
+          </a:p>
+          <a:p>
+            <a:pPr marL="285750" indent="-285750">
+              <a:buFont typeface="Arial"/>
+              <a:buChar char="•"/>
+            </a:pPr>
+            <a:r>
+              <a:rPr lang="en-US" dirty="0"/>
+              <a:t>Complex is better than complicated.</a:t>
+            </a:r>
+            <a:endParaRPr lang="en-US" dirty="0">
+              <a:cs typeface="Calibri"/>
+            </a:endParaRPr>
+          </a:p>
+          <a:p>
+            <a:pPr marL="285750" indent="-285750">
+              <a:buFont typeface="Arial"/>
+              <a:buChar char="•"/>
+            </a:pPr>
+            <a:r>
+              <a:rPr lang="en-US" dirty="0"/>
+              <a:t>Readability counts.</a:t>
+            </a:r>
+            <a:endParaRPr lang="en-US" dirty="0">
+              <a:cs typeface="Calibri"/>
+            </a:endParaRPr>
+          </a:p>
+          <a:p>
+            <a:pPr algn="l"/>
+            <a:endParaRPr lang="en-US" dirty="0">
+              <a:cs typeface="Calibri"/>
+            </a:endParaRPr>
+          </a:p>
+          <a:p>
+            <a:endParaRPr lang="en-US" u="sng"/>
+          </a:p>
+          <a:p>
+            <a:pPr algn="l" rtl="0" eaLnBrk="1" hangingPunct="1"/>
+            <a:r>
+              <a:rPr lang="en-US" u="sng" dirty="0"/>
+              <a:t>For further reading:</a:t>
+            </a:r>
+          </a:p>
+          <a:p>
+            <a:r>
               <a:rPr lang="en-US" dirty="0">
-                <a:solidFill>
-                  <a:srgbClr val="000000"/>
-                </a:solidFill>
-                <a:latin typeface="Tahoma"/>
-                <a:ea typeface="Tahoma"/>
-                <a:cs typeface="Tahoma"/>
-              </a:rPr>
-              <a:t>Support for Popular web technologies, web frameworks, scientific libraries and version control. </a:t>
-            </a:r>
-          </a:p>
-          <a:p>
-            <a:endParaRPr lang="en-US" dirty="0">
-              <a:solidFill>
-                <a:srgbClr val="000000"/>
-              </a:solidFill>
-              <a:latin typeface="Tahoma"/>
-              <a:ea typeface="Tahoma"/>
-              <a:cs typeface="Tahoma"/>
-            </a:endParaRPr>
+                <a:hlinkClick r:id="rId3"/>
+              </a:rPr>
+              <a:t>Python (programming language) - Wikipedia</a:t>
+            </a:r>
+            <a:endParaRPr lang="en-US"/>
           </a:p>
         </p:txBody>
       </p:sp>
@@ -2669,7 +2897,7 @@
             <a:fld id="{C18343ED-3762-4D46-A439-B4D407E13EF8}" type="slidenum">
               <a:rPr lang="en-US" smtClean="0"/>
               <a:pPr/>
-              <a:t>7</a:t>
+              <a:t>5</a:t>
             </a:fld>
             <a:endParaRPr lang="en-US"/>
           </a:p>
@@ -2678,7 +2906,7 @@
     </p:spTree>
     <p:extLst>
       <p:ext uri="{BB962C8B-B14F-4D97-AF65-F5344CB8AC3E}">
-        <p14:creationId xmlns:p14="http://schemas.microsoft.com/office/powerpoint/2010/main" val="3013686146"/>
+        <p14:creationId xmlns:p14="http://schemas.microsoft.com/office/powerpoint/2010/main" val="2030585090"/>
       </p:ext>
     </p:extLst>
   </p:cSld>
@@ -2880,7 +3108,7 @@
     </p:spTree>
     <p:extLst>
       <p:ext uri="{BB962C8B-B14F-4D97-AF65-F5344CB8AC3E}">
-        <p14:creationId xmlns:p14="http://schemas.microsoft.com/office/powerpoint/2010/main" val="4088648762"/>
+        <p14:creationId xmlns:p14="http://schemas.microsoft.com/office/powerpoint/2010/main" val="3013686146"/>
       </p:ext>
     </p:extLst>
   </p:cSld>
@@ -3082,7 +3310,7 @@
     </p:spTree>
     <p:extLst>
       <p:ext uri="{BB962C8B-B14F-4D97-AF65-F5344CB8AC3E}">
-        <p14:creationId xmlns:p14="http://schemas.microsoft.com/office/powerpoint/2010/main" val="1157867576"/>
+        <p14:creationId xmlns:p14="http://schemas.microsoft.com/office/powerpoint/2010/main" val="4088648762"/>
       </p:ext>
     </p:extLst>
   </p:cSld>
@@ -3284,7 +3512,7 @@
     </p:spTree>
     <p:extLst>
       <p:ext uri="{BB962C8B-B14F-4D97-AF65-F5344CB8AC3E}">
-        <p14:creationId xmlns:p14="http://schemas.microsoft.com/office/powerpoint/2010/main" val="849729191"/>
+        <p14:creationId xmlns:p14="http://schemas.microsoft.com/office/powerpoint/2010/main" val="1157867576"/>
       </p:ext>
     </p:extLst>
   </p:cSld>
@@ -3486,7 +3714,7 @@
     </p:spTree>
     <p:extLst>
       <p:ext uri="{BB962C8B-B14F-4D97-AF65-F5344CB8AC3E}">
-        <p14:creationId xmlns:p14="http://schemas.microsoft.com/office/powerpoint/2010/main" val="2779813135"/>
+        <p14:creationId xmlns:p14="http://schemas.microsoft.com/office/powerpoint/2010/main" val="849729191"/>
       </p:ext>
     </p:extLst>
   </p:cSld>
@@ -3688,7 +3916,7 @@
     </p:spTree>
     <p:extLst>
       <p:ext uri="{BB962C8B-B14F-4D97-AF65-F5344CB8AC3E}">
-        <p14:creationId xmlns:p14="http://schemas.microsoft.com/office/powerpoint/2010/main" val="89710469"/>
+        <p14:creationId xmlns:p14="http://schemas.microsoft.com/office/powerpoint/2010/main" val="2779813135"/>
       </p:ext>
     </p:extLst>
   </p:cSld>
@@ -3890,7 +4118,7 @@
     </p:spTree>
     <p:extLst>
       <p:ext uri="{BB962C8B-B14F-4D97-AF65-F5344CB8AC3E}">
-        <p14:creationId xmlns:p14="http://schemas.microsoft.com/office/powerpoint/2010/main" val="925471829"/>
+        <p14:creationId xmlns:p14="http://schemas.microsoft.com/office/powerpoint/2010/main" val="89710469"/>
       </p:ext>
     </p:extLst>
   </p:cSld>
@@ -4049,7 +4277,7 @@
           <a:p>
             <a:fld id="{A9D9B7D1-305C-49A9-9D59-000E5D30F1FD}" type="datetimeFigureOut">
               <a:rPr lang="he-IL" smtClean="0"/>
-              <a:t>א'/תמוז/תשפ"ג</a:t>
+              <a:t>ט"ז/תמוז/תשפ"ג</a:t>
             </a:fld>
             <a:endParaRPr lang="he-IL"/>
           </a:p>
@@ -4249,7 +4477,7 @@
           <a:p>
             <a:fld id="{A9D9B7D1-305C-49A9-9D59-000E5D30F1FD}" type="datetimeFigureOut">
               <a:rPr lang="he-IL" smtClean="0"/>
-              <a:t>א'/תמוז/תשפ"ג</a:t>
+              <a:t>ט"ז/תמוז/תשפ"ג</a:t>
             </a:fld>
             <a:endParaRPr lang="he-IL"/>
           </a:p>
@@ -4459,7 +4687,7 @@
           <a:p>
             <a:fld id="{A9D9B7D1-305C-49A9-9D59-000E5D30F1FD}" type="datetimeFigureOut">
               <a:rPr lang="he-IL" smtClean="0"/>
-              <a:t>א'/תמוז/תשפ"ג</a:t>
+              <a:t>ט"ז/תמוז/תשפ"ג</a:t>
             </a:fld>
             <a:endParaRPr lang="he-IL"/>
           </a:p>
@@ -7028,7 +7256,7 @@
           <a:p>
             <a:fld id="{A9D9B7D1-305C-49A9-9D59-000E5D30F1FD}" type="datetimeFigureOut">
               <a:rPr lang="he-IL" smtClean="0"/>
-              <a:t>א'/תמוז/תשפ"ג</a:t>
+              <a:t>ט"ז/תמוז/תשפ"ג</a:t>
             </a:fld>
             <a:endParaRPr lang="he-IL"/>
           </a:p>
@@ -7304,7 +7532,7 @@
           <a:p>
             <a:fld id="{A9D9B7D1-305C-49A9-9D59-000E5D30F1FD}" type="datetimeFigureOut">
               <a:rPr lang="he-IL" smtClean="0"/>
-              <a:t>א'/תמוז/תשפ"ג</a:t>
+              <a:t>ט"ז/תמוז/תשפ"ג</a:t>
             </a:fld>
             <a:endParaRPr lang="he-IL"/>
           </a:p>
@@ -7572,7 +7800,7 @@
           <a:p>
             <a:fld id="{A9D9B7D1-305C-49A9-9D59-000E5D30F1FD}" type="datetimeFigureOut">
               <a:rPr lang="he-IL" smtClean="0"/>
-              <a:t>א'/תמוז/תשפ"ג</a:t>
+              <a:t>ט"ז/תמוז/תשפ"ג</a:t>
             </a:fld>
             <a:endParaRPr lang="he-IL"/>
           </a:p>
@@ -7987,7 +8215,7 @@
           <a:p>
             <a:fld id="{A9D9B7D1-305C-49A9-9D59-000E5D30F1FD}" type="datetimeFigureOut">
               <a:rPr lang="he-IL" smtClean="0"/>
-              <a:t>א'/תמוז/תשפ"ג</a:t>
+              <a:t>ט"ז/תמוז/תשפ"ג</a:t>
             </a:fld>
             <a:endParaRPr lang="he-IL"/>
           </a:p>
@@ -8129,7 +8357,7 @@
           <a:p>
             <a:fld id="{A9D9B7D1-305C-49A9-9D59-000E5D30F1FD}" type="datetimeFigureOut">
               <a:rPr lang="he-IL" smtClean="0"/>
-              <a:t>א'/תמוז/תשפ"ג</a:t>
+              <a:t>ט"ז/תמוז/תשפ"ג</a:t>
             </a:fld>
             <a:endParaRPr lang="he-IL"/>
           </a:p>
@@ -8242,7 +8470,7 @@
           <a:p>
             <a:fld id="{A9D9B7D1-305C-49A9-9D59-000E5D30F1FD}" type="datetimeFigureOut">
               <a:rPr lang="he-IL" smtClean="0"/>
-              <a:t>א'/תמוז/תשפ"ג</a:t>
+              <a:t>ט"ז/תמוז/תשפ"ג</a:t>
             </a:fld>
             <a:endParaRPr lang="he-IL"/>
           </a:p>
@@ -8555,7 +8783,7 @@
           <a:p>
             <a:fld id="{A9D9B7D1-305C-49A9-9D59-000E5D30F1FD}" type="datetimeFigureOut">
               <a:rPr lang="he-IL" smtClean="0"/>
-              <a:t>א'/תמוז/תשפ"ג</a:t>
+              <a:t>ט"ז/תמוז/תשפ"ג</a:t>
             </a:fld>
             <a:endParaRPr lang="he-IL"/>
           </a:p>
@@ -8844,7 +9072,7 @@
           <a:p>
             <a:fld id="{A9D9B7D1-305C-49A9-9D59-000E5D30F1FD}" type="datetimeFigureOut">
               <a:rPr lang="he-IL" smtClean="0"/>
-              <a:t>א'/תמוז/תשפ"ג</a:t>
+              <a:t>ט"ז/תמוז/תשפ"ג</a:t>
             </a:fld>
             <a:endParaRPr lang="he-IL"/>
           </a:p>
@@ -9087,7 +9315,7 @@
           <a:p>
             <a:fld id="{A9D9B7D1-305C-49A9-9D59-000E5D30F1FD}" type="datetimeFigureOut">
               <a:rPr lang="he-IL" smtClean="0"/>
-              <a:t>א'/תמוז/תשפ"ג</a:t>
+              <a:t>ט"ז/תמוז/תשפ"ג</a:t>
             </a:fld>
             <a:endParaRPr lang="he-IL"/>
           </a:p>
@@ -9595,78 +9823,22 @@
             </a:r>
             <a:r>
               <a:rPr lang="en-GB" dirty="0" err="1"/>
-              <a:t>RunTime</a:t>
+              <a:t>VSCode</a:t>
             </a:r>
             <a:r>
               <a:rPr lang="en-GB" dirty="0"/>
-              <a:t> extension</a:t>
+              <a:t> for Python </a:t>
             </a:r>
             <a:endParaRPr lang="en-US" dirty="0"/>
           </a:p>
         </p:txBody>
       </p:sp>
-      <p:sp>
-        <p:nvSpPr>
-          <p:cNvPr id="10" name="TextBox 9">
+      <p:pic>
+        <p:nvPicPr>
+          <p:cNvPr id="9" name="Content Placeholder 8">
             <a:extLst>
               <a:ext uri="{FF2B5EF4-FFF2-40B4-BE49-F238E27FC236}">
-                <a16:creationId xmlns:a16="http://schemas.microsoft.com/office/drawing/2014/main" id="{3497A8A4-177D-4E9C-BA15-7E47D950F550}"/>
-              </a:ext>
-            </a:extLst>
-          </p:cNvPr>
-          <p:cNvSpPr txBox="1"/>
-          <p:nvPr/>
-        </p:nvSpPr>
-        <p:spPr>
-          <a:xfrm>
-            <a:off x="762000" y="1868486"/>
-            <a:ext cx="4622800" cy="2554545"/>
-          </a:xfrm>
-          <a:prstGeom prst="rect">
-            <a:avLst/>
-          </a:prstGeom>
-          <a:noFill/>
-        </p:spPr>
-        <p:txBody>
-          <a:bodyPr wrap="square" rtlCol="0">
-            <a:spAutoFit/>
-          </a:bodyPr>
-          <a:lstStyle/>
-          <a:p>
-            <a:pPr marL="514350" indent="-514350">
-              <a:buAutoNum type="arabicPeriod"/>
-            </a:pPr>
-            <a:r>
-              <a:rPr lang="en-GB" sz="3200" dirty="0"/>
-              <a:t>Click on extension icon in navigation panel.</a:t>
-            </a:r>
-          </a:p>
-          <a:p>
-            <a:pPr marL="514350" indent="-514350">
-              <a:buAutoNum type="arabicPeriod"/>
-            </a:pPr>
-            <a:r>
-              <a:rPr lang="en-GB" sz="3200" dirty="0"/>
-              <a:t>Write in search field “code runner”.</a:t>
-            </a:r>
-          </a:p>
-          <a:p>
-            <a:pPr marL="514350" indent="-514350">
-              <a:buAutoNum type="arabicPeriod"/>
-            </a:pPr>
-            <a:r>
-              <a:rPr lang="en-GB" sz="3200" dirty="0"/>
-              <a:t>Click “Install”</a:t>
-            </a:r>
-          </a:p>
-        </p:txBody>
-      </p:sp>
-      <p:pic>
-        <p:nvPicPr>
-          <p:cNvPr id="6" name="Content Placeholder 5">
-            <a:extLst>
-              <a:ext uri="{FF2B5EF4-FFF2-40B4-BE49-F238E27FC236}">
-                <a16:creationId xmlns:a16="http://schemas.microsoft.com/office/drawing/2014/main" id="{1F79C886-5EAB-4648-8CA4-8546C15D0F83}"/>
+                <a16:creationId xmlns:a16="http://schemas.microsoft.com/office/drawing/2014/main" id="{930341CC-6F63-4EEE-9590-B3A61A4049E5}"/>
               </a:ext>
             </a:extLst>
           </p:cNvPr>
@@ -9691,17 +9863,174 @@
         </p:blipFill>
         <p:spPr>
           <a:xfrm>
-            <a:off x="5762195" y="1868486"/>
-            <a:ext cx="6027328" cy="4532314"/>
+            <a:off x="5777159" y="1868487"/>
+            <a:ext cx="6000936" cy="4515380"/>
           </a:xfrm>
         </p:spPr>
       </p:pic>
       <p:sp>
         <p:nvSpPr>
-          <p:cNvPr id="14" name="Oval 13">
+          <p:cNvPr id="10" name="TextBox 9">
             <a:extLst>
               <a:ext uri="{FF2B5EF4-FFF2-40B4-BE49-F238E27FC236}">
-                <a16:creationId xmlns:a16="http://schemas.microsoft.com/office/drawing/2014/main" id="{20EA51A2-45AE-4C65-90F0-2B22BC7D68C3}"/>
+                <a16:creationId xmlns:a16="http://schemas.microsoft.com/office/drawing/2014/main" id="{3497A8A4-177D-4E9C-BA15-7E47D950F550}"/>
+              </a:ext>
+            </a:extLst>
+          </p:cNvPr>
+          <p:cNvSpPr txBox="1"/>
+          <p:nvPr/>
+        </p:nvSpPr>
+        <p:spPr>
+          <a:xfrm>
+            <a:off x="762000" y="1868486"/>
+            <a:ext cx="4622800" cy="3046988"/>
+          </a:xfrm>
+          <a:prstGeom prst="rect">
+            <a:avLst/>
+          </a:prstGeom>
+          <a:noFill/>
+        </p:spPr>
+        <p:txBody>
+          <a:bodyPr wrap="square" rtlCol="0">
+            <a:spAutoFit/>
+          </a:bodyPr>
+          <a:lstStyle/>
+          <a:p>
+            <a:pPr marL="514350" indent="-514350">
+              <a:buAutoNum type="arabicPeriod"/>
+            </a:pPr>
+            <a:r>
+              <a:rPr lang="en-GB" sz="3200" dirty="0"/>
+              <a:t>Click on extension icon in navigation panel.</a:t>
+            </a:r>
+          </a:p>
+          <a:p>
+            <a:pPr marL="514350" indent="-514350">
+              <a:buAutoNum type="arabicPeriod"/>
+            </a:pPr>
+            <a:r>
+              <a:rPr lang="en-GB" sz="3200" dirty="0"/>
+              <a:t>Write in search field “python” to find official Python extension.</a:t>
+            </a:r>
+          </a:p>
+          <a:p>
+            <a:pPr marL="514350" indent="-514350">
+              <a:buFontTx/>
+              <a:buAutoNum type="arabicPeriod"/>
+            </a:pPr>
+            <a:r>
+              <a:rPr lang="en-GB" sz="3200" dirty="0"/>
+              <a:t>Click “Install”</a:t>
+            </a:r>
+          </a:p>
+        </p:txBody>
+      </p:sp>
+      <p:sp>
+        <p:nvSpPr>
+          <p:cNvPr id="11" name="Oval 10">
+            <a:extLst>
+              <a:ext uri="{FF2B5EF4-FFF2-40B4-BE49-F238E27FC236}">
+                <a16:creationId xmlns:a16="http://schemas.microsoft.com/office/drawing/2014/main" id="{944518BE-114D-424C-90D4-35CDFABBA0DD}"/>
+              </a:ext>
+            </a:extLst>
+          </p:cNvPr>
+          <p:cNvSpPr/>
+          <p:nvPr/>
+        </p:nvSpPr>
+        <p:spPr>
+          <a:xfrm>
+            <a:off x="8788879" y="2235200"/>
+            <a:ext cx="431800" cy="423333"/>
+          </a:xfrm>
+          <a:prstGeom prst="ellipse">
+            <a:avLst/>
+          </a:prstGeom>
+        </p:spPr>
+        <p:style>
+          <a:lnRef idx="2">
+            <a:schemeClr val="accent1">
+              <a:shade val="50000"/>
+            </a:schemeClr>
+          </a:lnRef>
+          <a:fillRef idx="1">
+            <a:schemeClr val="accent1"/>
+          </a:fillRef>
+          <a:effectRef idx="0">
+            <a:schemeClr val="accent1"/>
+          </a:effectRef>
+          <a:fontRef idx="minor">
+            <a:schemeClr val="lt1"/>
+          </a:fontRef>
+        </p:style>
+        <p:txBody>
+          <a:bodyPr rtlCol="0" anchor="ctr"/>
+          <a:lstStyle/>
+          <a:p>
+            <a:pPr algn="ctr"/>
+            <a:r>
+              <a:rPr lang="en-GB" dirty="0"/>
+              <a:t>2</a:t>
+            </a:r>
+            <a:endParaRPr lang="en-US" dirty="0"/>
+          </a:p>
+        </p:txBody>
+      </p:sp>
+      <p:sp>
+        <p:nvSpPr>
+          <p:cNvPr id="12" name="Oval 11">
+            <a:extLst>
+              <a:ext uri="{FF2B5EF4-FFF2-40B4-BE49-F238E27FC236}">
+                <a16:creationId xmlns:a16="http://schemas.microsoft.com/office/drawing/2014/main" id="{5D2DD891-2CEA-4FBF-9100-A0BCA4CBDD4B}"/>
+              </a:ext>
+            </a:extLst>
+          </p:cNvPr>
+          <p:cNvSpPr/>
+          <p:nvPr/>
+        </p:nvSpPr>
+        <p:spPr>
+          <a:xfrm>
+            <a:off x="8788879" y="2717799"/>
+            <a:ext cx="431800" cy="423333"/>
+          </a:xfrm>
+          <a:prstGeom prst="ellipse">
+            <a:avLst/>
+          </a:prstGeom>
+        </p:spPr>
+        <p:style>
+          <a:lnRef idx="2">
+            <a:schemeClr val="accent1">
+              <a:shade val="50000"/>
+            </a:schemeClr>
+          </a:lnRef>
+          <a:fillRef idx="1">
+            <a:schemeClr val="accent1"/>
+          </a:fillRef>
+          <a:effectRef idx="0">
+            <a:schemeClr val="accent1"/>
+          </a:effectRef>
+          <a:fontRef idx="minor">
+            <a:schemeClr val="lt1"/>
+          </a:fontRef>
+        </p:style>
+        <p:txBody>
+          <a:bodyPr rtlCol="0" anchor="ctr"/>
+          <a:lstStyle/>
+          <a:p>
+            <a:pPr algn="ctr"/>
+            <a:r>
+              <a:rPr lang="en-GB" dirty="0"/>
+              <a:t>3</a:t>
+            </a:r>
+            <a:endParaRPr lang="en-US" dirty="0"/>
+          </a:p>
+        </p:txBody>
+      </p:sp>
+      <p:sp>
+        <p:nvSpPr>
+          <p:cNvPr id="13" name="Oval 12">
+            <a:extLst>
+              <a:ext uri="{FF2B5EF4-FFF2-40B4-BE49-F238E27FC236}">
+                <a16:creationId xmlns:a16="http://schemas.microsoft.com/office/drawing/2014/main" id="{318C1CE2-8DC1-4A51-B529-7A88829DE8B0}"/>
               </a:ext>
             </a:extLst>
           </p:cNvPr>
@@ -9746,6 +10075,210 @@
           </a:p>
         </p:txBody>
       </p:sp>
+    </p:spTree>
+    <p:extLst>
+      <p:ext uri="{BB962C8B-B14F-4D97-AF65-F5344CB8AC3E}">
+        <p14:creationId xmlns:p14="http://schemas.microsoft.com/office/powerpoint/2010/main" val="1294030913"/>
+      </p:ext>
+    </p:extLst>
+  </p:cSld>
+  <p:clrMapOvr>
+    <a:masterClrMapping/>
+  </p:clrMapOvr>
+</p:sld>
+</file>
+
+<file path=ppt/slides/slide11.xml><?xml version="1.0" encoding="utf-8"?>
+<p:sld xmlns:a="http://schemas.openxmlformats.org/drawingml/2006/main" xmlns:r="http://schemas.openxmlformats.org/officeDocument/2006/relationships" xmlns:p="http://schemas.openxmlformats.org/presentationml/2006/main">
+  <p:cSld>
+    <p:spTree>
+      <p:nvGrpSpPr>
+        <p:cNvPr id="1" name=""/>
+        <p:cNvGrpSpPr/>
+        <p:nvPr/>
+      </p:nvGrpSpPr>
+      <p:grpSpPr>
+        <a:xfrm>
+          <a:off x="0" y="0"/>
+          <a:ext cx="0" cy="0"/>
+          <a:chOff x="0" y="0"/>
+          <a:chExt cx="0" cy="0"/>
+        </a:xfrm>
+      </p:grpSpPr>
+      <p:sp>
+        <p:nvSpPr>
+          <p:cNvPr id="2" name="Title 1"/>
+          <p:cNvSpPr>
+            <a:spLocks noGrp="1"/>
+          </p:cNvSpPr>
+          <p:nvPr>
+            <p:ph type="title"/>
+          </p:nvPr>
+        </p:nvSpPr>
+        <p:spPr/>
+        <p:txBody>
+          <a:bodyPr>
+            <a:normAutofit/>
+          </a:bodyPr>
+          <a:lstStyle/>
+          <a:p>
+            <a:r>
+              <a:rPr lang="en-GB" dirty="0"/>
+              <a:t>Setup </a:t>
+            </a:r>
+            <a:r>
+              <a:rPr lang="en-GB" dirty="0" err="1"/>
+              <a:t>RunTime</a:t>
+            </a:r>
+            <a:r>
+              <a:rPr lang="en-GB" dirty="0"/>
+              <a:t> extension</a:t>
+            </a:r>
+            <a:endParaRPr lang="en-US" dirty="0"/>
+          </a:p>
+        </p:txBody>
+      </p:sp>
+      <p:sp>
+        <p:nvSpPr>
+          <p:cNvPr id="10" name="TextBox 9">
+            <a:extLst>
+              <a:ext uri="{FF2B5EF4-FFF2-40B4-BE49-F238E27FC236}">
+                <a16:creationId xmlns:a16="http://schemas.microsoft.com/office/drawing/2014/main" id="{3497A8A4-177D-4E9C-BA15-7E47D950F550}"/>
+              </a:ext>
+            </a:extLst>
+          </p:cNvPr>
+          <p:cNvSpPr txBox="1"/>
+          <p:nvPr/>
+        </p:nvSpPr>
+        <p:spPr>
+          <a:xfrm>
+            <a:off x="762000" y="1868486"/>
+            <a:ext cx="4622800" cy="2554545"/>
+          </a:xfrm>
+          <a:prstGeom prst="rect">
+            <a:avLst/>
+          </a:prstGeom>
+          <a:noFill/>
+        </p:spPr>
+        <p:txBody>
+          <a:bodyPr wrap="square" rtlCol="0">
+            <a:spAutoFit/>
+          </a:bodyPr>
+          <a:lstStyle/>
+          <a:p>
+            <a:pPr marL="514350" indent="-514350">
+              <a:buAutoNum type="arabicPeriod"/>
+            </a:pPr>
+            <a:r>
+              <a:rPr lang="en-GB" sz="3200" dirty="0"/>
+              <a:t>Click on extension icon in navigation panel.</a:t>
+            </a:r>
+          </a:p>
+          <a:p>
+            <a:pPr marL="514350" indent="-514350">
+              <a:buAutoNum type="arabicPeriod"/>
+            </a:pPr>
+            <a:r>
+              <a:rPr lang="en-GB" sz="3200" dirty="0"/>
+              <a:t>Write in search field “code runner”.</a:t>
+            </a:r>
+          </a:p>
+          <a:p>
+            <a:pPr marL="514350" indent="-514350">
+              <a:buAutoNum type="arabicPeriod"/>
+            </a:pPr>
+            <a:r>
+              <a:rPr lang="en-GB" sz="3200" dirty="0"/>
+              <a:t>Click “Install”</a:t>
+            </a:r>
+          </a:p>
+        </p:txBody>
+      </p:sp>
+      <p:pic>
+        <p:nvPicPr>
+          <p:cNvPr id="6" name="Content Placeholder 5">
+            <a:extLst>
+              <a:ext uri="{FF2B5EF4-FFF2-40B4-BE49-F238E27FC236}">
+                <a16:creationId xmlns:a16="http://schemas.microsoft.com/office/drawing/2014/main" id="{1F79C886-5EAB-4648-8CA4-8546C15D0F83}"/>
+              </a:ext>
+            </a:extLst>
+          </p:cNvPr>
+          <p:cNvPicPr>
+            <a:picLocks noGrp="1" noChangeAspect="1"/>
+          </p:cNvPicPr>
+          <p:nvPr>
+            <p:ph idx="1"/>
+          </p:nvPr>
+        </p:nvPicPr>
+        <p:blipFill>
+          <a:blip r:embed="rId3">
+            <a:extLst>
+              <a:ext uri="{28A0092B-C50C-407E-A947-70E740481C1C}">
+                <a14:useLocalDpi xmlns:a14="http://schemas.microsoft.com/office/drawing/2010/main" val="0"/>
+              </a:ext>
+            </a:extLst>
+          </a:blip>
+          <a:stretch>
+            <a:fillRect/>
+          </a:stretch>
+        </p:blipFill>
+        <p:spPr>
+          <a:xfrm>
+            <a:off x="5762195" y="1868486"/>
+            <a:ext cx="6027328" cy="4532314"/>
+          </a:xfrm>
+        </p:spPr>
+      </p:pic>
+      <p:sp>
+        <p:nvSpPr>
+          <p:cNvPr id="14" name="Oval 13">
+            <a:extLst>
+              <a:ext uri="{FF2B5EF4-FFF2-40B4-BE49-F238E27FC236}">
+                <a16:creationId xmlns:a16="http://schemas.microsoft.com/office/drawing/2014/main" id="{20EA51A2-45AE-4C65-90F0-2B22BC7D68C3}"/>
+              </a:ext>
+            </a:extLst>
+          </p:cNvPr>
+          <p:cNvSpPr/>
+          <p:nvPr/>
+        </p:nvSpPr>
+        <p:spPr>
+          <a:xfrm>
+            <a:off x="5707012" y="4492141"/>
+            <a:ext cx="431800" cy="423333"/>
+          </a:xfrm>
+          <a:prstGeom prst="ellipse">
+            <a:avLst/>
+          </a:prstGeom>
+        </p:spPr>
+        <p:style>
+          <a:lnRef idx="2">
+            <a:schemeClr val="accent1">
+              <a:shade val="50000"/>
+            </a:schemeClr>
+          </a:lnRef>
+          <a:fillRef idx="1">
+            <a:schemeClr val="accent1"/>
+          </a:fillRef>
+          <a:effectRef idx="0">
+            <a:schemeClr val="accent1"/>
+          </a:effectRef>
+          <a:fontRef idx="minor">
+            <a:schemeClr val="lt1"/>
+          </a:fontRef>
+        </p:style>
+        <p:txBody>
+          <a:bodyPr rtlCol="0" anchor="ctr"/>
+          <a:lstStyle/>
+          <a:p>
+            <a:pPr algn="ctr"/>
+            <a:r>
+              <a:rPr lang="en-GB" dirty="0"/>
+              <a:t>1</a:t>
+            </a:r>
+            <a:endParaRPr lang="en-US" dirty="0"/>
+          </a:p>
+        </p:txBody>
+      </p:sp>
       <p:sp>
         <p:nvSpPr>
           <p:cNvPr id="15" name="Oval 14">
@@ -9859,7 +10392,7 @@
 </p:sld>
 </file>
 
-<file path=ppt/slides/slide11.xml><?xml version="1.0" encoding="utf-8"?>
+<file path=ppt/slides/slide12.xml><?xml version="1.0" encoding="utf-8"?>
 <p:sld xmlns:a="http://schemas.openxmlformats.org/drawingml/2006/main" xmlns:r="http://schemas.openxmlformats.org/officeDocument/2006/relationships" xmlns:p="http://schemas.openxmlformats.org/presentationml/2006/main">
   <p:cSld>
     <p:spTree>
@@ -10192,7 +10725,7 @@
 </p:sld>
 </file>
 
-<file path=ppt/slides/slide12.xml><?xml version="1.0" encoding="utf-8"?>
+<file path=ppt/slides/slide13.xml><?xml version="1.0" encoding="utf-8"?>
 <p:sld xmlns:a="http://schemas.openxmlformats.org/drawingml/2006/main" xmlns:r="http://schemas.openxmlformats.org/officeDocument/2006/relationships" xmlns:p="http://schemas.openxmlformats.org/presentationml/2006/main">
   <p:cSld>
     <p:spTree>
@@ -10489,100 +11022,6 @@
 </p:sld>
 </file>
 
-<file path=ppt/slides/slide13.xml><?xml version="1.0" encoding="utf-8"?>
-<p:sld xmlns:a="http://schemas.openxmlformats.org/drawingml/2006/main" xmlns:r="http://schemas.openxmlformats.org/officeDocument/2006/relationships" xmlns:p="http://schemas.openxmlformats.org/presentationml/2006/main">
-  <p:cSld>
-    <p:spTree>
-      <p:nvGrpSpPr>
-        <p:cNvPr id="1" name=""/>
-        <p:cNvGrpSpPr/>
-        <p:nvPr/>
-      </p:nvGrpSpPr>
-      <p:grpSpPr>
-        <a:xfrm>
-          <a:off x="0" y="0"/>
-          <a:ext cx="0" cy="0"/>
-          <a:chOff x="0" y="0"/>
-          <a:chExt cx="0" cy="0"/>
-        </a:xfrm>
-      </p:grpSpPr>
-      <p:sp>
-        <p:nvSpPr>
-          <p:cNvPr id="2" name="Title 1"/>
-          <p:cNvSpPr>
-            <a:spLocks noGrp="1"/>
-          </p:cNvSpPr>
-          <p:nvPr>
-            <p:ph type="title"/>
-          </p:nvPr>
-        </p:nvSpPr>
-        <p:spPr/>
-        <p:txBody>
-          <a:bodyPr>
-            <a:normAutofit/>
-          </a:bodyPr>
-          <a:lstStyle/>
-          <a:p>
-            <a:r>
-              <a:rPr lang="en-US" dirty="0"/>
-              <a:t>Python PyCharm Environment - alternative</a:t>
-            </a:r>
-          </a:p>
-        </p:txBody>
-      </p:sp>
-      <p:sp>
-        <p:nvSpPr>
-          <p:cNvPr id="3" name="Content Placeholder 2"/>
-          <p:cNvSpPr>
-            <a:spLocks noGrp="1"/>
-          </p:cNvSpPr>
-          <p:nvPr>
-            <p:ph idx="1"/>
-          </p:nvPr>
-        </p:nvSpPr>
-        <p:spPr/>
-        <p:txBody>
-          <a:bodyPr/>
-          <a:lstStyle/>
-          <a:p>
-            <a:r>
-              <a:rPr lang="en-US"/>
-              <a:t>PyCharm is an IDE for software development in Python</a:t>
-            </a:r>
-          </a:p>
-          <a:p>
-            <a:r>
-              <a:rPr lang="en-US"/>
-              <a:t>It is used and loved by many because all it’s features</a:t>
-            </a:r>
-          </a:p>
-          <a:p>
-            <a:r>
-              <a:rPr lang="en-US"/>
-              <a:t>It has easy to use and read debugger</a:t>
-            </a:r>
-          </a:p>
-          <a:p>
-            <a:pPr marL="0" indent="0">
-              <a:buNone/>
-            </a:pPr>
-            <a:endParaRPr lang="en-US"/>
-          </a:p>
-        </p:txBody>
-      </p:sp>
-    </p:spTree>
-    <p:extLst>
-      <p:ext uri="{BB962C8B-B14F-4D97-AF65-F5344CB8AC3E}">
-        <p14:creationId xmlns:p14="http://schemas.microsoft.com/office/powerpoint/2010/main" val="95739443"/>
-      </p:ext>
-    </p:extLst>
-  </p:cSld>
-  <p:clrMapOvr>
-    <a:masterClrMapping/>
-  </p:clrMapOvr>
-</p:sld>
-</file>
-
 <file path=ppt/slides/slide14.xml><?xml version="1.0" encoding="utf-8"?>
 <p:sld xmlns:a="http://schemas.openxmlformats.org/drawingml/2006/main" xmlns:r="http://schemas.openxmlformats.org/officeDocument/2006/relationships" xmlns:p="http://schemas.openxmlformats.org/presentationml/2006/main">
   <p:cSld>
@@ -10618,6 +11057,100 @@
           <a:lstStyle/>
           <a:p>
             <a:r>
+              <a:rPr lang="en-US" dirty="0"/>
+              <a:t>Python PyCharm Environment - alternative</a:t>
+            </a:r>
+          </a:p>
+        </p:txBody>
+      </p:sp>
+      <p:sp>
+        <p:nvSpPr>
+          <p:cNvPr id="3" name="Content Placeholder 2"/>
+          <p:cNvSpPr>
+            <a:spLocks noGrp="1"/>
+          </p:cNvSpPr>
+          <p:nvPr>
+            <p:ph idx="1"/>
+          </p:nvPr>
+        </p:nvSpPr>
+        <p:spPr/>
+        <p:txBody>
+          <a:bodyPr/>
+          <a:lstStyle/>
+          <a:p>
+            <a:r>
+              <a:rPr lang="en-US"/>
+              <a:t>PyCharm is an IDE for software development in Python</a:t>
+            </a:r>
+          </a:p>
+          <a:p>
+            <a:r>
+              <a:rPr lang="en-US"/>
+              <a:t>It is used and loved by many because all it’s features</a:t>
+            </a:r>
+          </a:p>
+          <a:p>
+            <a:r>
+              <a:rPr lang="en-US"/>
+              <a:t>It has easy to use and read debugger</a:t>
+            </a:r>
+          </a:p>
+          <a:p>
+            <a:pPr marL="0" indent="0">
+              <a:buNone/>
+            </a:pPr>
+            <a:endParaRPr lang="en-US"/>
+          </a:p>
+        </p:txBody>
+      </p:sp>
+    </p:spTree>
+    <p:extLst>
+      <p:ext uri="{BB962C8B-B14F-4D97-AF65-F5344CB8AC3E}">
+        <p14:creationId xmlns:p14="http://schemas.microsoft.com/office/powerpoint/2010/main" val="95739443"/>
+      </p:ext>
+    </p:extLst>
+  </p:cSld>
+  <p:clrMapOvr>
+    <a:masterClrMapping/>
+  </p:clrMapOvr>
+</p:sld>
+</file>
+
+<file path=ppt/slides/slide15.xml><?xml version="1.0" encoding="utf-8"?>
+<p:sld xmlns:a="http://schemas.openxmlformats.org/drawingml/2006/main" xmlns:r="http://schemas.openxmlformats.org/officeDocument/2006/relationships" xmlns:p="http://schemas.openxmlformats.org/presentationml/2006/main">
+  <p:cSld>
+    <p:spTree>
+      <p:nvGrpSpPr>
+        <p:cNvPr id="1" name=""/>
+        <p:cNvGrpSpPr/>
+        <p:nvPr/>
+      </p:nvGrpSpPr>
+      <p:grpSpPr>
+        <a:xfrm>
+          <a:off x="0" y="0"/>
+          <a:ext cx="0" cy="0"/>
+          <a:chOff x="0" y="0"/>
+          <a:chExt cx="0" cy="0"/>
+        </a:xfrm>
+      </p:grpSpPr>
+      <p:sp>
+        <p:nvSpPr>
+          <p:cNvPr id="2" name="Title 1"/>
+          <p:cNvSpPr>
+            <a:spLocks noGrp="1"/>
+          </p:cNvSpPr>
+          <p:nvPr>
+            <p:ph type="title"/>
+          </p:nvPr>
+        </p:nvSpPr>
+        <p:spPr/>
+        <p:txBody>
+          <a:bodyPr>
+            <a:normAutofit/>
+          </a:bodyPr>
+          <a:lstStyle/>
+          <a:p>
+            <a:r>
               <a:rPr lang="en-US" dirty="0">
                 <a:cs typeface="Times New Roman" pitchFamily="18" charset="0"/>
               </a:rPr>
@@ -10665,7 +11198,7 @@
 </p:sld>
 </file>
 
-<file path=ppt/slides/slide15.xml><?xml version="1.0" encoding="utf-8"?>
+<file path=ppt/slides/slide16.xml><?xml version="1.0" encoding="utf-8"?>
 <p:sld xmlns:a="http://schemas.openxmlformats.org/drawingml/2006/main" xmlns:r="http://schemas.openxmlformats.org/officeDocument/2006/relationships" xmlns:p="http://schemas.openxmlformats.org/presentationml/2006/main">
   <p:cSld>
     <p:spTree>
@@ -10786,7 +11319,7 @@
 </p:sld>
 </file>
 
-<file path=ppt/slides/slide16.xml><?xml version="1.0" encoding="utf-8"?>
+<file path=ppt/slides/slide17.xml><?xml version="1.0" encoding="utf-8"?>
 <p:sld xmlns:a="http://schemas.openxmlformats.org/drawingml/2006/main" xmlns:r="http://schemas.openxmlformats.org/officeDocument/2006/relationships" xmlns:p="http://schemas.openxmlformats.org/presentationml/2006/main">
   <p:cSld>
     <p:spTree>
@@ -11145,7 +11678,7 @@
 </p:sld>
 </file>
 
-<file path=ppt/slides/slide17.xml><?xml version="1.0" encoding="utf-8"?>
+<file path=ppt/slides/slide18.xml><?xml version="1.0" encoding="utf-8"?>
 <p:sld xmlns:a="http://schemas.openxmlformats.org/drawingml/2006/main" xmlns:r="http://schemas.openxmlformats.org/officeDocument/2006/relationships" xmlns:p="http://schemas.openxmlformats.org/presentationml/2006/main">
   <p:cSld>
     <p:spTree>
@@ -11836,7 +12369,7 @@
 </p:sld>
 </file>
 
-<file path=ppt/slides/slide18.xml><?xml version="1.0" encoding="utf-8"?>
+<file path=ppt/slides/slide19.xml><?xml version="1.0" encoding="utf-8"?>
 <p:sld xmlns:a="http://schemas.openxmlformats.org/drawingml/2006/main" xmlns:r="http://schemas.openxmlformats.org/officeDocument/2006/relationships" xmlns:p="http://schemas.openxmlformats.org/presentationml/2006/main">
   <p:cSld>
     <p:spTree>
@@ -11964,7 +12497,163 @@
 </p:sld>
 </file>
 
-<file path=ppt/slides/slide19.xml><?xml version="1.0" encoding="utf-8"?>
+<file path=ppt/slides/slide2.xml><?xml version="1.0" encoding="utf-8"?>
+<p:sld xmlns:a="http://schemas.openxmlformats.org/drawingml/2006/main" xmlns:r="http://schemas.openxmlformats.org/officeDocument/2006/relationships" xmlns:p="http://schemas.openxmlformats.org/presentationml/2006/main">
+  <p:cSld>
+    <p:spTree>
+      <p:nvGrpSpPr>
+        <p:cNvPr id="1" name=""/>
+        <p:cNvGrpSpPr/>
+        <p:nvPr/>
+      </p:nvGrpSpPr>
+      <p:grpSpPr>
+        <a:xfrm>
+          <a:off x="0" y="0"/>
+          <a:ext cx="0" cy="0"/>
+          <a:chOff x="0" y="0"/>
+          <a:chExt cx="0" cy="0"/>
+        </a:xfrm>
+      </p:grpSpPr>
+      <p:sp>
+        <p:nvSpPr>
+          <p:cNvPr id="5" name="Text Placeholder 4"/>
+          <p:cNvSpPr>
+            <a:spLocks noGrp="1"/>
+          </p:cNvSpPr>
+          <p:nvPr>
+            <p:ph type="body" sz="quarter" idx="13"/>
+          </p:nvPr>
+        </p:nvSpPr>
+        <p:spPr/>
+        <p:txBody>
+          <a:bodyPr/>
+          <a:lstStyle/>
+          <a:p>
+            <a:pPr>
+              <a:lnSpc>
+                <a:spcPct val="100000"/>
+              </a:lnSpc>
+            </a:pPr>
+            <a:r>
+              <a:rPr lang="en-US" dirty="0"/>
+              <a:t>What is Python?</a:t>
+            </a:r>
+          </a:p>
+          <a:p>
+            <a:pPr>
+              <a:lnSpc>
+                <a:spcPct val="100000"/>
+              </a:lnSpc>
+            </a:pPr>
+            <a:r>
+              <a:rPr lang="en-US" dirty="0"/>
+              <a:t>Growth of python</a:t>
+            </a:r>
+          </a:p>
+          <a:p>
+            <a:pPr>
+              <a:lnSpc>
+                <a:spcPct val="100000"/>
+              </a:lnSpc>
+            </a:pPr>
+            <a:r>
+              <a:rPr lang="en-US" dirty="0"/>
+              <a:t>Python – Getting Started</a:t>
+            </a:r>
+          </a:p>
+          <a:p>
+            <a:pPr>
+              <a:lnSpc>
+                <a:spcPct val="100000"/>
+              </a:lnSpc>
+            </a:pPr>
+            <a:r>
+              <a:rPr lang="en-US" dirty="0"/>
+              <a:t>Python is interpreted language</a:t>
+            </a:r>
+          </a:p>
+          <a:p>
+            <a:pPr>
+              <a:lnSpc>
+                <a:spcPct val="100000"/>
+              </a:lnSpc>
+            </a:pPr>
+            <a:r>
+              <a:rPr lang="en-US" dirty="0"/>
+              <a:t>Python first program</a:t>
+            </a:r>
+          </a:p>
+          <a:p>
+            <a:pPr>
+              <a:lnSpc>
+                <a:spcPct val="100000"/>
+              </a:lnSpc>
+            </a:pPr>
+            <a:r>
+              <a:rPr lang="en-US" dirty="0"/>
+              <a:t>Indentations</a:t>
+            </a:r>
+          </a:p>
+          <a:p>
+            <a:pPr>
+              <a:lnSpc>
+                <a:spcPct val="100000"/>
+              </a:lnSpc>
+            </a:pPr>
+            <a:r>
+              <a:rPr lang="en-US" dirty="0"/>
+              <a:t>Error Messages</a:t>
+            </a:r>
+          </a:p>
+          <a:p>
+            <a:pPr algn="l">
+              <a:lnSpc>
+                <a:spcPct val="150000"/>
+              </a:lnSpc>
+              <a:buFont typeface="Arial" panose="020B0604020202020204" pitchFamily="34" charset="0"/>
+              <a:buChar char="•"/>
+            </a:pPr>
+            <a:endParaRPr lang="en-US" dirty="0"/>
+          </a:p>
+        </p:txBody>
+      </p:sp>
+      <p:sp>
+        <p:nvSpPr>
+          <p:cNvPr id="3" name="Title 2"/>
+          <p:cNvSpPr>
+            <a:spLocks noGrp="1"/>
+          </p:cNvSpPr>
+          <p:nvPr>
+            <p:ph type="title"/>
+          </p:nvPr>
+        </p:nvSpPr>
+        <p:spPr/>
+        <p:txBody>
+          <a:bodyPr/>
+          <a:lstStyle/>
+          <a:p>
+            <a:r>
+              <a:rPr lang="en-US"/>
+              <a:t>Agenda</a:t>
+            </a:r>
+            <a:endParaRPr lang="he-IL"/>
+          </a:p>
+        </p:txBody>
+      </p:sp>
+    </p:spTree>
+    <p:extLst>
+      <p:ext uri="{BB962C8B-B14F-4D97-AF65-F5344CB8AC3E}">
+        <p14:creationId xmlns:p14="http://schemas.microsoft.com/office/powerpoint/2010/main" val="4243087197"/>
+      </p:ext>
+    </p:extLst>
+  </p:cSld>
+  <p:clrMapOvr>
+    <a:masterClrMapping/>
+  </p:clrMapOvr>
+</p:sld>
+</file>
+
+<file path=ppt/slides/slide20.xml><?xml version="1.0" encoding="utf-8"?>
 <p:sld xmlns:a="http://schemas.openxmlformats.org/drawingml/2006/main" xmlns:r="http://schemas.openxmlformats.org/officeDocument/2006/relationships" xmlns:p="http://schemas.openxmlformats.org/presentationml/2006/main">
   <p:cSld>
     <p:spTree>
@@ -12268,152 +12957,7 @@
 </p:sld>
 </file>
 
-<file path=ppt/slides/slide2.xml><?xml version="1.0" encoding="utf-8"?>
-<p:sld xmlns:a="http://schemas.openxmlformats.org/drawingml/2006/main" xmlns:r="http://schemas.openxmlformats.org/officeDocument/2006/relationships" xmlns:p="http://schemas.openxmlformats.org/presentationml/2006/main">
-  <p:cSld>
-    <p:spTree>
-      <p:nvGrpSpPr>
-        <p:cNvPr id="1" name=""/>
-        <p:cNvGrpSpPr/>
-        <p:nvPr/>
-      </p:nvGrpSpPr>
-      <p:grpSpPr>
-        <a:xfrm>
-          <a:off x="0" y="0"/>
-          <a:ext cx="0" cy="0"/>
-          <a:chOff x="0" y="0"/>
-          <a:chExt cx="0" cy="0"/>
-        </a:xfrm>
-      </p:grpSpPr>
-      <p:sp>
-        <p:nvSpPr>
-          <p:cNvPr id="5" name="Text Placeholder 4"/>
-          <p:cNvSpPr>
-            <a:spLocks noGrp="1"/>
-          </p:cNvSpPr>
-          <p:nvPr>
-            <p:ph type="body" sz="quarter" idx="13"/>
-          </p:nvPr>
-        </p:nvSpPr>
-        <p:spPr/>
-        <p:txBody>
-          <a:bodyPr/>
-          <a:lstStyle/>
-          <a:p>
-            <a:pPr>
-              <a:lnSpc>
-                <a:spcPct val="100000"/>
-              </a:lnSpc>
-            </a:pPr>
-            <a:r>
-              <a:rPr lang="en-US" dirty="0"/>
-              <a:t>What is Python?</a:t>
-            </a:r>
-          </a:p>
-          <a:p>
-            <a:pPr>
-              <a:lnSpc>
-                <a:spcPct val="100000"/>
-              </a:lnSpc>
-            </a:pPr>
-            <a:r>
-              <a:rPr lang="en-US" dirty="0"/>
-              <a:t>Python – Getting Started</a:t>
-            </a:r>
-          </a:p>
-          <a:p>
-            <a:pPr>
-              <a:lnSpc>
-                <a:spcPct val="100000"/>
-              </a:lnSpc>
-            </a:pPr>
-            <a:r>
-              <a:rPr lang="en-US" dirty="0"/>
-              <a:t>Python is interpreted language</a:t>
-            </a:r>
-          </a:p>
-          <a:p>
-            <a:pPr>
-              <a:lnSpc>
-                <a:spcPct val="100000"/>
-              </a:lnSpc>
-            </a:pPr>
-            <a:r>
-              <a:rPr lang="en-US" dirty="0"/>
-              <a:t>Python first program</a:t>
-            </a:r>
-          </a:p>
-          <a:p>
-            <a:pPr>
-              <a:lnSpc>
-                <a:spcPct val="100000"/>
-              </a:lnSpc>
-            </a:pPr>
-            <a:r>
-              <a:rPr lang="en-US" dirty="0"/>
-              <a:t>Indentations</a:t>
-            </a:r>
-          </a:p>
-          <a:p>
-            <a:pPr>
-              <a:lnSpc>
-                <a:spcPct val="100000"/>
-              </a:lnSpc>
-            </a:pPr>
-            <a:r>
-              <a:rPr lang="en-US" dirty="0"/>
-              <a:t>Error Messages</a:t>
-            </a:r>
-          </a:p>
-          <a:p>
-            <a:pPr algn="l">
-              <a:lnSpc>
-                <a:spcPct val="150000"/>
-              </a:lnSpc>
-              <a:buFont typeface="Arial" panose="020B0604020202020204" pitchFamily="34" charset="0"/>
-              <a:buChar char="•"/>
-            </a:pPr>
-            <a:endParaRPr lang="en-US" dirty="0"/>
-          </a:p>
-        </p:txBody>
-      </p:sp>
-      <p:sp>
-        <p:nvSpPr>
-          <p:cNvPr id="3" name="Title 2"/>
-          <p:cNvSpPr>
-            <a:spLocks noGrp="1"/>
-          </p:cNvSpPr>
-          <p:nvPr>
-            <p:ph type="title"/>
-          </p:nvPr>
-        </p:nvSpPr>
-        <p:spPr/>
-        <p:txBody>
-          <a:bodyPr/>
-          <a:lstStyle/>
-          <a:p>
-            <a:r>
-              <a:rPr lang="en-US"/>
-              <a:t>Agenda</a:t>
-            </a:r>
-            <a:endParaRPr lang="he-IL"/>
-          </a:p>
-        </p:txBody>
-      </p:sp>
-    </p:spTree>
-    <p:extLst>
-      <p:ext uri="{BB962C8B-B14F-4D97-AF65-F5344CB8AC3E}">
-        <p14:creationId xmlns:p14="http://schemas.microsoft.com/office/powerpoint/2010/main" val="4243087197"/>
-      </p:ext>
-    </p:extLst>
-  </p:cSld>
-  <p:clrMapOvr>
-    <a:masterClrMapping/>
-  </p:clrMapOvr>
-</p:sld>
-</file>
-
-<file path=ppt/slides/slide20.xml><?xml version="1.0" encoding="utf-8"?>
+<file path=ppt/slides/slide21.xml><?xml version="1.0" encoding="utf-8"?>
 <p:sld xmlns:a="http://schemas.openxmlformats.org/drawingml/2006/main" xmlns:r="http://schemas.openxmlformats.org/officeDocument/2006/relationships" xmlns:p="http://schemas.openxmlformats.org/presentationml/2006/main">
   <p:cSld>
     <p:spTree>
@@ -12618,7 +13162,7 @@
 </p:sld>
 </file>
 
-<file path=ppt/slides/slide21.xml><?xml version="1.0" encoding="utf-8"?>
+<file path=ppt/slides/slide22.xml><?xml version="1.0" encoding="utf-8"?>
 <p:sld xmlns:a="http://schemas.openxmlformats.org/drawingml/2006/main" xmlns:r="http://schemas.openxmlformats.org/officeDocument/2006/relationships" xmlns:p="http://schemas.openxmlformats.org/presentationml/2006/main">
   <p:cSld>
     <p:spTree>
@@ -12794,7 +13338,7 @@
 </p:sld>
 </file>
 
-<file path=ppt/slides/slide22.xml><?xml version="1.0" encoding="utf-8"?>
+<file path=ppt/slides/slide23.xml><?xml version="1.0" encoding="utf-8"?>
 <p:sld xmlns:a="http://schemas.openxmlformats.org/drawingml/2006/main" xmlns:r="http://schemas.openxmlformats.org/officeDocument/2006/relationships" xmlns:p="http://schemas.openxmlformats.org/presentationml/2006/main">
   <p:cSld>
     <p:spTree>
@@ -12847,7 +13391,7 @@
 </p:sld>
 </file>
 
-<file path=ppt/slides/slide23.xml><?xml version="1.0" encoding="utf-8"?>
+<file path=ppt/slides/slide24.xml><?xml version="1.0" encoding="utf-8"?>
 <p:sld xmlns:a="http://schemas.openxmlformats.org/drawingml/2006/main" xmlns:r="http://schemas.openxmlformats.org/officeDocument/2006/relationships" xmlns:p="http://schemas.openxmlformats.org/presentationml/2006/main">
   <p:cSld>
     <p:spTree>
@@ -13071,7 +13615,7 @@
 </p:sld>
 </file>
 
-<file path=ppt/slides/slide24.xml><?xml version="1.0" encoding="utf-8"?>
+<file path=ppt/slides/slide25.xml><?xml version="1.0" encoding="utf-8"?>
 <p:sld xmlns:a="http://schemas.openxmlformats.org/drawingml/2006/main" xmlns:r="http://schemas.openxmlformats.org/officeDocument/2006/relationships" xmlns:p="http://schemas.openxmlformats.org/presentationml/2006/main">
   <p:cSld>
     <p:spTree>
@@ -13124,7 +13668,7 @@
 </p:sld>
 </file>
 
-<file path=ppt/slides/slide25.xml><?xml version="1.0" encoding="utf-8"?>
+<file path=ppt/slides/slide26.xml><?xml version="1.0" encoding="utf-8"?>
 <p:sld xmlns:a="http://schemas.openxmlformats.org/drawingml/2006/main" xmlns:r="http://schemas.openxmlformats.org/officeDocument/2006/relationships" xmlns:p="http://schemas.openxmlformats.org/presentationml/2006/main">
   <p:cSld>
     <p:spTree>
@@ -13744,7 +14288,7 @@
 </p:sld>
 </file>
 
-<file path=ppt/slides/slide26.xml><?xml version="1.0" encoding="utf-8"?>
+<file path=ppt/slides/slide27.xml><?xml version="1.0" encoding="utf-8"?>
 <p:sld xmlns:a="http://schemas.openxmlformats.org/drawingml/2006/main" xmlns:r="http://schemas.openxmlformats.org/officeDocument/2006/relationships" xmlns:p="http://schemas.openxmlformats.org/presentationml/2006/main">
   <p:cSld>
     <p:spTree>
@@ -14386,107 +14930,6 @@
 </p:sld>
 </file>
 
-<file path=ppt/slides/slide27.xml><?xml version="1.0" encoding="utf-8"?>
-<p:sld xmlns:a="http://schemas.openxmlformats.org/drawingml/2006/main" xmlns:r="http://schemas.openxmlformats.org/officeDocument/2006/relationships" xmlns:p="http://schemas.openxmlformats.org/presentationml/2006/main">
-  <p:cSld>
-    <p:spTree>
-      <p:nvGrpSpPr>
-        <p:cNvPr id="1" name=""/>
-        <p:cNvGrpSpPr/>
-        <p:nvPr/>
-      </p:nvGrpSpPr>
-      <p:grpSpPr>
-        <a:xfrm>
-          <a:off x="0" y="0"/>
-          <a:ext cx="0" cy="0"/>
-          <a:chOff x="0" y="0"/>
-          <a:chExt cx="0" cy="0"/>
-        </a:xfrm>
-      </p:grpSpPr>
-      <p:sp>
-        <p:nvSpPr>
-          <p:cNvPr id="6" name="Text Placeholder 5"/>
-          <p:cNvSpPr>
-            <a:spLocks noGrp="1"/>
-          </p:cNvSpPr>
-          <p:nvPr>
-            <p:ph type="body" sz="quarter" idx="13"/>
-          </p:nvPr>
-        </p:nvSpPr>
-        <p:spPr/>
-        <p:txBody>
-          <a:bodyPr/>
-          <a:lstStyle/>
-          <a:p>
-            <a:r>
-              <a:rPr lang="en-US" dirty="0"/>
-              <a:t>The Python programming language is an easy to read-write language</a:t>
-            </a:r>
-          </a:p>
-          <a:p>
-            <a:r>
-              <a:rPr lang="en-US" dirty="0"/>
-              <a:t>Python is now gaining more and more popularity (creating jobs demands)</a:t>
-            </a:r>
-          </a:p>
-          <a:p>
-            <a:r>
-              <a:rPr lang="en-US" dirty="0" err="1"/>
-              <a:t>VSCode</a:t>
-            </a:r>
-            <a:r>
-              <a:rPr lang="en-US" dirty="0"/>
-              <a:t> is one of the most used IDE’s for Python</a:t>
-            </a:r>
-          </a:p>
-          <a:p>
-            <a:r>
-              <a:rPr lang="en-US" dirty="0" err="1"/>
-              <a:t>VSCode</a:t>
-            </a:r>
-            <a:r>
-              <a:rPr lang="en-US" dirty="0"/>
-              <a:t> has built in debugger and console</a:t>
-            </a:r>
-          </a:p>
-        </p:txBody>
-      </p:sp>
-      <p:sp>
-        <p:nvSpPr>
-          <p:cNvPr id="7" name="Title 6"/>
-          <p:cNvSpPr>
-            <a:spLocks noGrp="1"/>
-          </p:cNvSpPr>
-          <p:nvPr>
-            <p:ph type="title"/>
-          </p:nvPr>
-        </p:nvSpPr>
-        <p:spPr/>
-        <p:txBody>
-          <a:bodyPr/>
-          <a:lstStyle/>
-          <a:p>
-            <a:r>
-              <a:rPr lang="en-US"/>
-              <a:t>Summary</a:t>
-            </a:r>
-            <a:endParaRPr lang="he-IL"/>
-          </a:p>
-        </p:txBody>
-      </p:sp>
-    </p:spTree>
-    <p:extLst>
-      <p:ext uri="{BB962C8B-B14F-4D97-AF65-F5344CB8AC3E}">
-        <p14:creationId xmlns:p14="http://schemas.microsoft.com/office/powerpoint/2010/main" val="3974120008"/>
-      </p:ext>
-    </p:extLst>
-  </p:cSld>
-  <p:clrMapOvr>
-    <a:masterClrMapping/>
-  </p:clrMapOvr>
-</p:sld>
-</file>
-
 <file path=ppt/slides/slide28.xml><?xml version="1.0" encoding="utf-8"?>
 <p:sld xmlns:a="http://schemas.openxmlformats.org/drawingml/2006/main" xmlns:r="http://schemas.openxmlformats.org/officeDocument/2006/relationships" xmlns:p="http://schemas.openxmlformats.org/presentationml/2006/main">
   <p:cSld>
@@ -14506,6 +14949,107 @@
       </p:grpSpPr>
       <p:sp>
         <p:nvSpPr>
+          <p:cNvPr id="6" name="Text Placeholder 5"/>
+          <p:cNvSpPr>
+            <a:spLocks noGrp="1"/>
+          </p:cNvSpPr>
+          <p:nvPr>
+            <p:ph type="body" sz="quarter" idx="13"/>
+          </p:nvPr>
+        </p:nvSpPr>
+        <p:spPr/>
+        <p:txBody>
+          <a:bodyPr/>
+          <a:lstStyle/>
+          <a:p>
+            <a:r>
+              <a:rPr lang="en-US" dirty="0"/>
+              <a:t>The Python programming language is an easy to read-write language</a:t>
+            </a:r>
+          </a:p>
+          <a:p>
+            <a:r>
+              <a:rPr lang="en-US" dirty="0"/>
+              <a:t>Python is now gaining more and more popularity (creating jobs demands)</a:t>
+            </a:r>
+          </a:p>
+          <a:p>
+            <a:r>
+              <a:rPr lang="en-US" dirty="0" err="1"/>
+              <a:t>VSCode</a:t>
+            </a:r>
+            <a:r>
+              <a:rPr lang="en-US" dirty="0"/>
+              <a:t> is one of the most used IDE’s for Python</a:t>
+            </a:r>
+          </a:p>
+          <a:p>
+            <a:r>
+              <a:rPr lang="en-US" dirty="0" err="1"/>
+              <a:t>VSCode</a:t>
+            </a:r>
+            <a:r>
+              <a:rPr lang="en-US" dirty="0"/>
+              <a:t> has built in debugger and console</a:t>
+            </a:r>
+          </a:p>
+        </p:txBody>
+      </p:sp>
+      <p:sp>
+        <p:nvSpPr>
+          <p:cNvPr id="7" name="Title 6"/>
+          <p:cNvSpPr>
+            <a:spLocks noGrp="1"/>
+          </p:cNvSpPr>
+          <p:nvPr>
+            <p:ph type="title"/>
+          </p:nvPr>
+        </p:nvSpPr>
+        <p:spPr/>
+        <p:txBody>
+          <a:bodyPr/>
+          <a:lstStyle/>
+          <a:p>
+            <a:r>
+              <a:rPr lang="en-US"/>
+              <a:t>Summary</a:t>
+            </a:r>
+            <a:endParaRPr lang="he-IL"/>
+          </a:p>
+        </p:txBody>
+      </p:sp>
+    </p:spTree>
+    <p:extLst>
+      <p:ext uri="{BB962C8B-B14F-4D97-AF65-F5344CB8AC3E}">
+        <p14:creationId xmlns:p14="http://schemas.microsoft.com/office/powerpoint/2010/main" val="3974120008"/>
+      </p:ext>
+    </p:extLst>
+  </p:cSld>
+  <p:clrMapOvr>
+    <a:masterClrMapping/>
+  </p:clrMapOvr>
+</p:sld>
+</file>
+
+<file path=ppt/slides/slide29.xml><?xml version="1.0" encoding="utf-8"?>
+<p:sld xmlns:a="http://schemas.openxmlformats.org/drawingml/2006/main" xmlns:r="http://schemas.openxmlformats.org/officeDocument/2006/relationships" xmlns:p="http://schemas.openxmlformats.org/presentationml/2006/main">
+  <p:cSld>
+    <p:spTree>
+      <p:nvGrpSpPr>
+        <p:cNvPr id="1" name=""/>
+        <p:cNvGrpSpPr/>
+        <p:nvPr/>
+      </p:nvGrpSpPr>
+      <p:grpSpPr>
+        <a:xfrm>
+          <a:off x="0" y="0"/>
+          <a:ext cx="0" cy="0"/>
+          <a:chOff x="0" y="0"/>
+          <a:chExt cx="0" cy="0"/>
+        </a:xfrm>
+      </p:grpSpPr>
+      <p:sp>
+        <p:nvSpPr>
           <p:cNvPr id="3" name="Title 2"/>
           <p:cNvSpPr>
             <a:spLocks noGrp="1"/>
@@ -14540,7 +15084,341 @@
 </p:sld>
 </file>
 
-<file path=ppt/slides/slide29.xml><?xml version="1.0" encoding="utf-8"?>
+<file path=ppt/slides/slide3.xml><?xml version="1.0" encoding="utf-8"?>
+<p:sld xmlns:a="http://schemas.openxmlformats.org/drawingml/2006/main" xmlns:r="http://schemas.openxmlformats.org/officeDocument/2006/relationships" xmlns:p="http://schemas.openxmlformats.org/presentationml/2006/main">
+  <p:cSld>
+    <p:spTree>
+      <p:nvGrpSpPr>
+        <p:cNvPr id="1" name=""/>
+        <p:cNvGrpSpPr/>
+        <p:nvPr/>
+      </p:nvGrpSpPr>
+      <p:grpSpPr>
+        <a:xfrm>
+          <a:off x="0" y="0"/>
+          <a:ext cx="0" cy="0"/>
+          <a:chOff x="0" y="0"/>
+          <a:chExt cx="0" cy="0"/>
+        </a:xfrm>
+      </p:grpSpPr>
+      <p:sp>
+        <p:nvSpPr>
+          <p:cNvPr id="2" name="Title 1"/>
+          <p:cNvSpPr>
+            <a:spLocks noGrp="1"/>
+          </p:cNvSpPr>
+          <p:nvPr>
+            <p:ph type="title"/>
+          </p:nvPr>
+        </p:nvSpPr>
+        <p:spPr/>
+        <p:txBody>
+          <a:bodyPr/>
+          <a:lstStyle/>
+          <a:p>
+            <a:r>
+              <a:rPr lang="en-US" dirty="0"/>
+              <a:t>What is Python?</a:t>
+            </a:r>
+            <a:endParaRPr lang="he-IL" dirty="0"/>
+          </a:p>
+        </p:txBody>
+      </p:sp>
+      <p:sp>
+        <p:nvSpPr>
+          <p:cNvPr id="3" name="Content Placeholder 2"/>
+          <p:cNvSpPr>
+            <a:spLocks noGrp="1"/>
+          </p:cNvSpPr>
+          <p:nvPr>
+            <p:ph idx="1"/>
+          </p:nvPr>
+        </p:nvSpPr>
+        <p:spPr>
+          <a:xfrm>
+            <a:off x="838200" y="1690688"/>
+            <a:ext cx="10515600" cy="4486275"/>
+          </a:xfrm>
+        </p:spPr>
+        <p:txBody>
+          <a:bodyPr>
+            <a:normAutofit/>
+          </a:bodyPr>
+          <a:lstStyle/>
+          <a:p>
+            <a:pPr marL="0" indent="0" algn="l" rtl="0" fontAlgn="base">
+              <a:buNone/>
+            </a:pPr>
+            <a:r>
+              <a:rPr lang="en-US" b="0" i="0" u="none" strike="noStrike" dirty="0">
+                <a:solidFill>
+                  <a:srgbClr val="000000"/>
+                </a:solidFill>
+                <a:effectLst/>
+                <a:latin typeface="Calibri" panose="020F0502020204030204" pitchFamily="34" charset="0"/>
+              </a:rPr>
+              <a:t>• Python is a widely used, interactive, general purpose interpreted language</a:t>
+            </a:r>
+            <a:r>
+              <a:rPr lang="ru-RU" b="0" i="0" dirty="0">
+                <a:solidFill>
+                  <a:srgbClr val="000000"/>
+                </a:solidFill>
+                <a:effectLst/>
+                <a:latin typeface="Calibri" panose="020F0502020204030204" pitchFamily="34" charset="0"/>
+              </a:rPr>
+              <a:t>​</a:t>
+            </a:r>
+            <a:endParaRPr lang="ru-RU" b="0" i="0" dirty="0">
+              <a:solidFill>
+                <a:srgbClr val="000000"/>
+              </a:solidFill>
+              <a:effectLst/>
+              <a:latin typeface="Segoe UI" panose="020B0502040204020203" pitchFamily="34" charset="0"/>
+            </a:endParaRPr>
+          </a:p>
+          <a:p>
+            <a:pPr marL="0" indent="0" algn="l" rtl="0" fontAlgn="base">
+              <a:buNone/>
+            </a:pPr>
+            <a:r>
+              <a:rPr lang="en-US" b="0" i="0" u="none" strike="noStrike" dirty="0">
+                <a:solidFill>
+                  <a:srgbClr val="000000"/>
+                </a:solidFill>
+                <a:effectLst/>
+                <a:latin typeface="Calibri" panose="020F0502020204030204" pitchFamily="34" charset="0"/>
+              </a:rPr>
+              <a:t>• Python is stable, cross platform programming language </a:t>
+            </a:r>
+            <a:r>
+              <a:rPr lang="en-US" b="0" i="0" dirty="0">
+                <a:solidFill>
+                  <a:srgbClr val="000000"/>
+                </a:solidFill>
+                <a:effectLst/>
+                <a:latin typeface="Calibri" panose="020F0502020204030204" pitchFamily="34" charset="0"/>
+              </a:rPr>
+              <a:t>​</a:t>
+            </a:r>
+            <a:endParaRPr lang="en-US" b="0" i="0" dirty="0">
+              <a:solidFill>
+                <a:srgbClr val="000000"/>
+              </a:solidFill>
+              <a:effectLst/>
+              <a:latin typeface="Segoe UI" panose="020B0502040204020203" pitchFamily="34" charset="0"/>
+            </a:endParaRPr>
+          </a:p>
+          <a:p>
+            <a:pPr marL="0" indent="0" algn="l" rtl="0" fontAlgn="base">
+              <a:buNone/>
+            </a:pPr>
+            <a:r>
+              <a:rPr lang="en-US" b="0" i="0" u="none" strike="noStrike" dirty="0">
+                <a:solidFill>
+                  <a:srgbClr val="000000"/>
+                </a:solidFill>
+                <a:effectLst/>
+                <a:latin typeface="Calibri" panose="020F0502020204030204" pitchFamily="34" charset="0"/>
+              </a:rPr>
+              <a:t>• Python is a high level and object-oriented programming language  </a:t>
+            </a:r>
+            <a:r>
+              <a:rPr lang="en-US" b="0" i="0" dirty="0">
+                <a:solidFill>
+                  <a:srgbClr val="000000"/>
+                </a:solidFill>
+                <a:effectLst/>
+                <a:latin typeface="Calibri" panose="020F0502020204030204" pitchFamily="34" charset="0"/>
+              </a:rPr>
+              <a:t>​</a:t>
+            </a:r>
+            <a:endParaRPr lang="en-US" b="0" i="0" dirty="0">
+              <a:solidFill>
+                <a:srgbClr val="000000"/>
+              </a:solidFill>
+              <a:effectLst/>
+              <a:latin typeface="Segoe UI" panose="020B0502040204020203" pitchFamily="34" charset="0"/>
+            </a:endParaRPr>
+          </a:p>
+          <a:p>
+            <a:pPr marL="0" indent="0" algn="l" rtl="0" fontAlgn="base">
+              <a:buNone/>
+            </a:pPr>
+            <a:r>
+              <a:rPr lang="en-US" b="0" i="0" u="none" strike="noStrike" dirty="0">
+                <a:solidFill>
+                  <a:srgbClr val="000000"/>
+                </a:solidFill>
+                <a:effectLst/>
+                <a:latin typeface="Calibri" panose="020F0502020204030204" pitchFamily="34" charset="0"/>
+              </a:rPr>
+              <a:t>• Python is an Open Source software, distributed under a liberal license</a:t>
+            </a:r>
+            <a:r>
+              <a:rPr lang="en-US" b="0" i="0" dirty="0">
+                <a:solidFill>
+                  <a:srgbClr val="000000"/>
+                </a:solidFill>
+                <a:effectLst/>
+                <a:latin typeface="Calibri" panose="020F0502020204030204" pitchFamily="34" charset="0"/>
+              </a:rPr>
+              <a:t>​</a:t>
+            </a:r>
+            <a:endParaRPr lang="en-US" b="0" i="0" dirty="0">
+              <a:solidFill>
+                <a:srgbClr val="000000"/>
+              </a:solidFill>
+              <a:effectLst/>
+              <a:latin typeface="Segoe UI" panose="020B0502040204020203" pitchFamily="34" charset="0"/>
+            </a:endParaRPr>
+          </a:p>
+          <a:p>
+            <a:pPr marL="0" indent="0" algn="l" rtl="0" fontAlgn="base">
+              <a:buNone/>
+            </a:pPr>
+            <a:r>
+              <a:rPr lang="en-US" b="0" i="0" u="none" strike="noStrike" dirty="0">
+                <a:solidFill>
+                  <a:srgbClr val="000000"/>
+                </a:solidFill>
+                <a:effectLst/>
+                <a:latin typeface="Calibri" panose="020F0502020204030204" pitchFamily="34" charset="0"/>
+              </a:rPr>
+              <a:t>• Python is simple, intuitive, dynamic  and is easy to read and understand</a:t>
+            </a:r>
+            <a:r>
+              <a:rPr lang="en-US" b="0" i="0" dirty="0">
+                <a:solidFill>
+                  <a:srgbClr val="000000"/>
+                </a:solidFill>
+                <a:effectLst/>
+                <a:latin typeface="Calibri" panose="020F0502020204030204" pitchFamily="34" charset="0"/>
+              </a:rPr>
+              <a:t>​</a:t>
+            </a:r>
+            <a:endParaRPr lang="en-US" b="0" i="0" dirty="0">
+              <a:solidFill>
+                <a:srgbClr val="000000"/>
+              </a:solidFill>
+              <a:effectLst/>
+              <a:latin typeface="Segoe UI" panose="020B0502040204020203" pitchFamily="34" charset="0"/>
+            </a:endParaRPr>
+          </a:p>
+          <a:p>
+            <a:pPr marL="0" indent="0" algn="l" rtl="0" fontAlgn="base">
+              <a:buNone/>
+            </a:pPr>
+            <a:r>
+              <a:rPr lang="en-US" b="0" i="0" u="none" strike="noStrike" dirty="0">
+                <a:solidFill>
+                  <a:srgbClr val="000000"/>
+                </a:solidFill>
+                <a:effectLst/>
+                <a:latin typeface="Calibri" panose="020F0502020204030204" pitchFamily="34" charset="0"/>
+              </a:rPr>
+              <a:t>• Designed by Guido Rossum in the late eighties </a:t>
+            </a:r>
+            <a:r>
+              <a:rPr lang="en-US" b="0" i="0" dirty="0">
+                <a:solidFill>
+                  <a:srgbClr val="000000"/>
+                </a:solidFill>
+                <a:effectLst/>
+                <a:latin typeface="Calibri" panose="020F0502020204030204" pitchFamily="34" charset="0"/>
+              </a:rPr>
+              <a:t>​</a:t>
+            </a:r>
+            <a:endParaRPr lang="en-US" b="0" i="0" dirty="0">
+              <a:solidFill>
+                <a:srgbClr val="000000"/>
+              </a:solidFill>
+              <a:effectLst/>
+              <a:latin typeface="Segoe UI" panose="020B0502040204020203" pitchFamily="34" charset="0"/>
+            </a:endParaRPr>
+          </a:p>
+        </p:txBody>
+      </p:sp>
+      <p:pic>
+        <p:nvPicPr>
+          <p:cNvPr id="5" name="Picture 4">
+            <a:extLst>
+              <a:ext uri="{FF2B5EF4-FFF2-40B4-BE49-F238E27FC236}">
+                <a16:creationId xmlns:a16="http://schemas.microsoft.com/office/drawing/2014/main" id="{14EDB199-BF58-4CED-B9BF-BC71F89996B2}"/>
+              </a:ext>
+            </a:extLst>
+          </p:cNvPr>
+          <p:cNvPicPr>
+            <a:picLocks noChangeAspect="1"/>
+          </p:cNvPicPr>
+          <p:nvPr/>
+        </p:nvPicPr>
+        <p:blipFill>
+          <a:blip r:embed="rId3"/>
+          <a:stretch>
+            <a:fillRect/>
+          </a:stretch>
+        </p:blipFill>
+        <p:spPr>
+          <a:xfrm>
+            <a:off x="9989840" y="4336432"/>
+            <a:ext cx="1497496" cy="2002901"/>
+          </a:xfrm>
+          <a:prstGeom prst="rect">
+            <a:avLst/>
+          </a:prstGeom>
+        </p:spPr>
+      </p:pic>
+      <p:sp>
+        <p:nvSpPr>
+          <p:cNvPr id="6" name="TextBox 5">
+            <a:extLst>
+              <a:ext uri="{FF2B5EF4-FFF2-40B4-BE49-F238E27FC236}">
+                <a16:creationId xmlns:a16="http://schemas.microsoft.com/office/drawing/2014/main" id="{BBC8551E-88AA-4482-8328-5258F591A550}"/>
+              </a:ext>
+            </a:extLst>
+          </p:cNvPr>
+          <p:cNvSpPr txBox="1"/>
+          <p:nvPr/>
+        </p:nvSpPr>
+        <p:spPr>
+          <a:xfrm>
+            <a:off x="9827581" y="6347534"/>
+            <a:ext cx="2068497" cy="369332"/>
+          </a:xfrm>
+          <a:prstGeom prst="rect">
+            <a:avLst/>
+          </a:prstGeom>
+          <a:noFill/>
+        </p:spPr>
+        <p:txBody>
+          <a:bodyPr wrap="square" rtlCol="0">
+            <a:spAutoFit/>
+          </a:bodyPr>
+          <a:lstStyle/>
+          <a:p>
+            <a:r>
+              <a:rPr lang="en-GB" dirty="0"/>
+              <a:t>Guido van Rossum</a:t>
+            </a:r>
+            <a:endParaRPr lang="en-US" dirty="0"/>
+          </a:p>
+        </p:txBody>
+      </p:sp>
+    </p:spTree>
+    <p:extLst>
+      <p:ext uri="{BB962C8B-B14F-4D97-AF65-F5344CB8AC3E}">
+        <p14:creationId xmlns:p14="http://schemas.microsoft.com/office/powerpoint/2010/main" val="89284741"/>
+      </p:ext>
+    </p:extLst>
+  </p:cSld>
+  <p:clrMapOvr>
+    <a:masterClrMapping/>
+  </p:clrMapOvr>
+</p:sld>
+</file>
+
+<file path=ppt/slides/slide30.xml><?xml version="1.0" encoding="utf-8"?>
 <p:sld xmlns:a="http://schemas.openxmlformats.org/drawingml/2006/main" xmlns:r="http://schemas.openxmlformats.org/officeDocument/2006/relationships" xmlns:p="http://schemas.openxmlformats.org/presentationml/2006/main">
   <p:cSld>
     <p:spTree>
@@ -14570,274 +15448,6 @@
 </p:sld>
 </file>
 
-<file path=ppt/slides/slide3.xml><?xml version="1.0" encoding="utf-8"?>
-<p:sld xmlns:a="http://schemas.openxmlformats.org/drawingml/2006/main" xmlns:r="http://schemas.openxmlformats.org/officeDocument/2006/relationships" xmlns:p="http://schemas.openxmlformats.org/presentationml/2006/main">
-  <p:cSld>
-    <p:spTree>
-      <p:nvGrpSpPr>
-        <p:cNvPr id="1" name=""/>
-        <p:cNvGrpSpPr/>
-        <p:nvPr/>
-      </p:nvGrpSpPr>
-      <p:grpSpPr>
-        <a:xfrm>
-          <a:off x="0" y="0"/>
-          <a:ext cx="0" cy="0"/>
-          <a:chOff x="0" y="0"/>
-          <a:chExt cx="0" cy="0"/>
-        </a:xfrm>
-      </p:grpSpPr>
-      <p:sp>
-        <p:nvSpPr>
-          <p:cNvPr id="2" name="Title 1"/>
-          <p:cNvSpPr>
-            <a:spLocks noGrp="1"/>
-          </p:cNvSpPr>
-          <p:nvPr>
-            <p:ph type="title"/>
-          </p:nvPr>
-        </p:nvSpPr>
-        <p:spPr/>
-        <p:txBody>
-          <a:bodyPr/>
-          <a:lstStyle/>
-          <a:p>
-            <a:r>
-              <a:rPr lang="en-US" dirty="0"/>
-              <a:t>What is Python?</a:t>
-            </a:r>
-            <a:endParaRPr lang="he-IL" dirty="0"/>
-          </a:p>
-        </p:txBody>
-      </p:sp>
-      <p:sp>
-        <p:nvSpPr>
-          <p:cNvPr id="3" name="Content Placeholder 2"/>
-          <p:cNvSpPr>
-            <a:spLocks noGrp="1"/>
-          </p:cNvSpPr>
-          <p:nvPr>
-            <p:ph idx="1"/>
-          </p:nvPr>
-        </p:nvSpPr>
-        <p:spPr>
-          <a:xfrm>
-            <a:off x="838200" y="1690688"/>
-            <a:ext cx="10515600" cy="4486275"/>
-          </a:xfrm>
-        </p:spPr>
-        <p:txBody>
-          <a:bodyPr>
-            <a:normAutofit/>
-          </a:bodyPr>
-          <a:lstStyle/>
-          <a:p>
-            <a:pPr marL="0" indent="0" algn="l" rtl="0" fontAlgn="base">
-              <a:buNone/>
-            </a:pPr>
-            <a:r>
-              <a:rPr lang="en-US" b="0" i="0" u="none" strike="noStrike" dirty="0">
-                <a:solidFill>
-                  <a:srgbClr val="000000"/>
-                </a:solidFill>
-                <a:effectLst/>
-                <a:latin typeface="Calibri" panose="020F0502020204030204" pitchFamily="34" charset="0"/>
-              </a:rPr>
-              <a:t>• Python is a widely used, interactive, general purpose interpreted language</a:t>
-            </a:r>
-            <a:r>
-              <a:rPr lang="ru-RU" b="0" i="0" dirty="0">
-                <a:solidFill>
-                  <a:srgbClr val="000000"/>
-                </a:solidFill>
-                <a:effectLst/>
-                <a:latin typeface="Calibri" panose="020F0502020204030204" pitchFamily="34" charset="0"/>
-              </a:rPr>
-              <a:t>​</a:t>
-            </a:r>
-            <a:endParaRPr lang="ru-RU" b="0" i="0" dirty="0">
-              <a:solidFill>
-                <a:srgbClr val="000000"/>
-              </a:solidFill>
-              <a:effectLst/>
-              <a:latin typeface="Segoe UI" panose="020B0502040204020203" pitchFamily="34" charset="0"/>
-            </a:endParaRPr>
-          </a:p>
-          <a:p>
-            <a:pPr marL="0" indent="0" algn="l" rtl="0" fontAlgn="base">
-              <a:buNone/>
-            </a:pPr>
-            <a:r>
-              <a:rPr lang="en-US" b="0" i="0" u="none" strike="noStrike" dirty="0">
-                <a:solidFill>
-                  <a:srgbClr val="000000"/>
-                </a:solidFill>
-                <a:effectLst/>
-                <a:latin typeface="Calibri" panose="020F0502020204030204" pitchFamily="34" charset="0"/>
-              </a:rPr>
-              <a:t>• Python is stable, cross platform programming language </a:t>
-            </a:r>
-            <a:r>
-              <a:rPr lang="en-US" b="0" i="0" dirty="0">
-                <a:solidFill>
-                  <a:srgbClr val="000000"/>
-                </a:solidFill>
-                <a:effectLst/>
-                <a:latin typeface="Calibri" panose="020F0502020204030204" pitchFamily="34" charset="0"/>
-              </a:rPr>
-              <a:t>​</a:t>
-            </a:r>
-            <a:endParaRPr lang="en-US" b="0" i="0" dirty="0">
-              <a:solidFill>
-                <a:srgbClr val="000000"/>
-              </a:solidFill>
-              <a:effectLst/>
-              <a:latin typeface="Segoe UI" panose="020B0502040204020203" pitchFamily="34" charset="0"/>
-            </a:endParaRPr>
-          </a:p>
-          <a:p>
-            <a:pPr marL="0" indent="0" algn="l" rtl="0" fontAlgn="base">
-              <a:buNone/>
-            </a:pPr>
-            <a:r>
-              <a:rPr lang="en-US" b="0" i="0" u="none" strike="noStrike" dirty="0">
-                <a:solidFill>
-                  <a:srgbClr val="000000"/>
-                </a:solidFill>
-                <a:effectLst/>
-                <a:latin typeface="Calibri" panose="020F0502020204030204" pitchFamily="34" charset="0"/>
-              </a:rPr>
-              <a:t>• Python is a high level and object-oriented programming language  </a:t>
-            </a:r>
-            <a:r>
-              <a:rPr lang="en-US" b="0" i="0" dirty="0">
-                <a:solidFill>
-                  <a:srgbClr val="000000"/>
-                </a:solidFill>
-                <a:effectLst/>
-                <a:latin typeface="Calibri" panose="020F0502020204030204" pitchFamily="34" charset="0"/>
-              </a:rPr>
-              <a:t>​</a:t>
-            </a:r>
-            <a:endParaRPr lang="en-US" b="0" i="0" dirty="0">
-              <a:solidFill>
-                <a:srgbClr val="000000"/>
-              </a:solidFill>
-              <a:effectLst/>
-              <a:latin typeface="Segoe UI" panose="020B0502040204020203" pitchFamily="34" charset="0"/>
-            </a:endParaRPr>
-          </a:p>
-          <a:p>
-            <a:pPr marL="0" indent="0" algn="l" rtl="0" fontAlgn="base">
-              <a:buNone/>
-            </a:pPr>
-            <a:r>
-              <a:rPr lang="en-US" b="0" i="0" u="none" strike="noStrike" dirty="0">
-                <a:solidFill>
-                  <a:srgbClr val="000000"/>
-                </a:solidFill>
-                <a:effectLst/>
-                <a:latin typeface="Calibri" panose="020F0502020204030204" pitchFamily="34" charset="0"/>
-              </a:rPr>
-              <a:t>• Python is an Open Source software, distributed under a liberal license</a:t>
-            </a:r>
-            <a:r>
-              <a:rPr lang="en-US" b="0" i="0" dirty="0">
-                <a:solidFill>
-                  <a:srgbClr val="000000"/>
-                </a:solidFill>
-                <a:effectLst/>
-                <a:latin typeface="Calibri" panose="020F0502020204030204" pitchFamily="34" charset="0"/>
-              </a:rPr>
-              <a:t>​</a:t>
-            </a:r>
-            <a:endParaRPr lang="en-US" b="0" i="0" dirty="0">
-              <a:solidFill>
-                <a:srgbClr val="000000"/>
-              </a:solidFill>
-              <a:effectLst/>
-              <a:latin typeface="Segoe UI" panose="020B0502040204020203" pitchFamily="34" charset="0"/>
-            </a:endParaRPr>
-          </a:p>
-          <a:p>
-            <a:pPr marL="0" indent="0" algn="l" rtl="0" fontAlgn="base">
-              <a:buNone/>
-            </a:pPr>
-            <a:r>
-              <a:rPr lang="en-US" b="0" i="0" u="none" strike="noStrike" dirty="0">
-                <a:solidFill>
-                  <a:srgbClr val="000000"/>
-                </a:solidFill>
-                <a:effectLst/>
-                <a:latin typeface="Calibri" panose="020F0502020204030204" pitchFamily="34" charset="0"/>
-              </a:rPr>
-              <a:t>• Python is simple, intuitive, dynamic  and is easy to read and understand</a:t>
-            </a:r>
-            <a:r>
-              <a:rPr lang="en-US" b="0" i="0" dirty="0">
-                <a:solidFill>
-                  <a:srgbClr val="000000"/>
-                </a:solidFill>
-                <a:effectLst/>
-                <a:latin typeface="Calibri" panose="020F0502020204030204" pitchFamily="34" charset="0"/>
-              </a:rPr>
-              <a:t>​</a:t>
-            </a:r>
-            <a:endParaRPr lang="en-US" b="0" i="0" dirty="0">
-              <a:solidFill>
-                <a:srgbClr val="000000"/>
-              </a:solidFill>
-              <a:effectLst/>
-              <a:latin typeface="Segoe UI" panose="020B0502040204020203" pitchFamily="34" charset="0"/>
-            </a:endParaRPr>
-          </a:p>
-          <a:p>
-            <a:pPr marL="0" indent="0" algn="l" rtl="0" fontAlgn="base">
-              <a:buNone/>
-            </a:pPr>
-            <a:r>
-              <a:rPr lang="en-US" b="0" i="0" u="none" strike="noStrike" dirty="0">
-                <a:solidFill>
-                  <a:srgbClr val="000000"/>
-                </a:solidFill>
-                <a:effectLst/>
-                <a:latin typeface="Calibri" panose="020F0502020204030204" pitchFamily="34" charset="0"/>
-              </a:rPr>
-              <a:t>• Designed by Guido Rossum in the late eighties </a:t>
-            </a:r>
-            <a:r>
-              <a:rPr lang="en-US" b="0" i="0" dirty="0">
-                <a:solidFill>
-                  <a:srgbClr val="000000"/>
-                </a:solidFill>
-                <a:effectLst/>
-                <a:latin typeface="Calibri" panose="020F0502020204030204" pitchFamily="34" charset="0"/>
-              </a:rPr>
-              <a:t>​</a:t>
-            </a:r>
-            <a:endParaRPr lang="en-US" b="0" i="0" dirty="0">
-              <a:solidFill>
-                <a:srgbClr val="000000"/>
-              </a:solidFill>
-              <a:effectLst/>
-              <a:latin typeface="Segoe UI" panose="020B0502040204020203" pitchFamily="34" charset="0"/>
-            </a:endParaRPr>
-          </a:p>
-        </p:txBody>
-      </p:sp>
-    </p:spTree>
-    <p:extLst>
-      <p:ext uri="{BB962C8B-B14F-4D97-AF65-F5344CB8AC3E}">
-        <p14:creationId xmlns:p14="http://schemas.microsoft.com/office/powerpoint/2010/main" val="89284741"/>
-      </p:ext>
-    </p:extLst>
-  </p:cSld>
-  <p:clrMapOvr>
-    <a:masterClrMapping/>
-  </p:clrMapOvr>
-</p:sld>
-</file>
-
 <file path=ppt/slides/slide4.xml><?xml version="1.0" encoding="utf-8"?>
 <p:sld xmlns:a="http://schemas.openxmlformats.org/drawingml/2006/main" xmlns:r="http://schemas.openxmlformats.org/officeDocument/2006/relationships" xmlns:p="http://schemas.openxmlformats.org/presentationml/2006/main">
   <p:cSld>
@@ -14867,6 +15477,166 @@
         </p:nvSpPr>
         <p:spPr/>
         <p:txBody>
+          <a:bodyPr/>
+          <a:lstStyle/>
+          <a:p>
+            <a:r>
+              <a:rPr lang="en-US" dirty="0"/>
+              <a:t>Growth of Python</a:t>
+            </a:r>
+            <a:endParaRPr lang="he-IL" dirty="0"/>
+          </a:p>
+        </p:txBody>
+      </p:sp>
+      <p:pic>
+        <p:nvPicPr>
+          <p:cNvPr id="1026" name="Picture 2" descr="The Incredible Growth of Python | Stack Overflow">
+            <a:extLst>
+              <a:ext uri="{FF2B5EF4-FFF2-40B4-BE49-F238E27FC236}">
+                <a16:creationId xmlns:a16="http://schemas.microsoft.com/office/drawing/2014/main" id="{3444D197-4FF7-4BE2-9E2D-56C3891C9EBD}"/>
+              </a:ext>
+            </a:extLst>
+          </p:cNvPr>
+          <p:cNvPicPr>
+            <a:picLocks noChangeAspect="1" noChangeArrowheads="1"/>
+          </p:cNvPicPr>
+          <p:nvPr/>
+        </p:nvPicPr>
+        <p:blipFill>
+          <a:blip r:embed="rId3">
+            <a:extLst>
+              <a:ext uri="{28A0092B-C50C-407E-A947-70E740481C1C}">
+                <a14:useLocalDpi xmlns:a14="http://schemas.microsoft.com/office/drawing/2010/main" val="0"/>
+              </a:ext>
+            </a:extLst>
+          </a:blip>
+          <a:srcRect/>
+          <a:stretch>
+            <a:fillRect/>
+          </a:stretch>
+        </p:blipFill>
+        <p:spPr bwMode="auto">
+          <a:xfrm>
+            <a:off x="499109" y="1690688"/>
+            <a:ext cx="6792320" cy="4426027"/>
+          </a:xfrm>
+          <a:prstGeom prst="rect">
+            <a:avLst/>
+          </a:prstGeom>
+          <a:noFill/>
+          <a:extLst>
+            <a:ext uri="{909E8E84-426E-40DD-AFC4-6F175D3DCCD1}">
+              <a14:hiddenFill xmlns:a14="http://schemas.microsoft.com/office/drawing/2010/main">
+                <a:solidFill>
+                  <a:srgbClr val="FFFFFF"/>
+                </a:solidFill>
+              </a14:hiddenFill>
+            </a:ext>
+          </a:extLst>
+        </p:spPr>
+      </p:pic>
+      <p:pic>
+        <p:nvPicPr>
+          <p:cNvPr id="9" name="Picture 8">
+            <a:extLst>
+              <a:ext uri="{FF2B5EF4-FFF2-40B4-BE49-F238E27FC236}">
+                <a16:creationId xmlns:a16="http://schemas.microsoft.com/office/drawing/2014/main" id="{CC6389E7-BA7B-4EFA-882E-E7582455671A}"/>
+              </a:ext>
+            </a:extLst>
+          </p:cNvPr>
+          <p:cNvPicPr>
+            <a:picLocks noChangeAspect="1"/>
+          </p:cNvPicPr>
+          <p:nvPr/>
+        </p:nvPicPr>
+        <p:blipFill>
+          <a:blip r:embed="rId4"/>
+          <a:stretch>
+            <a:fillRect/>
+          </a:stretch>
+        </p:blipFill>
+        <p:spPr>
+          <a:xfrm>
+            <a:off x="8204610" y="332178"/>
+            <a:ext cx="3061152" cy="3124341"/>
+          </a:xfrm>
+          <a:prstGeom prst="rect">
+            <a:avLst/>
+          </a:prstGeom>
+        </p:spPr>
+      </p:pic>
+      <p:pic>
+        <p:nvPicPr>
+          <p:cNvPr id="11" name="Picture 10">
+            <a:extLst>
+              <a:ext uri="{FF2B5EF4-FFF2-40B4-BE49-F238E27FC236}">
+                <a16:creationId xmlns:a16="http://schemas.microsoft.com/office/drawing/2014/main" id="{83FEC434-AA61-4771-8FBC-2D1C7570C25A}"/>
+              </a:ext>
+            </a:extLst>
+          </p:cNvPr>
+          <p:cNvPicPr>
+            <a:picLocks noChangeAspect="1"/>
+          </p:cNvPicPr>
+          <p:nvPr/>
+        </p:nvPicPr>
+        <p:blipFill>
+          <a:blip r:embed="rId5"/>
+          <a:stretch>
+            <a:fillRect/>
+          </a:stretch>
+        </p:blipFill>
+        <p:spPr>
+          <a:xfrm>
+            <a:off x="8204610" y="3318569"/>
+            <a:ext cx="3061152" cy="3207253"/>
+          </a:xfrm>
+          <a:prstGeom prst="rect">
+            <a:avLst/>
+          </a:prstGeom>
+        </p:spPr>
+      </p:pic>
+    </p:spTree>
+    <p:extLst>
+      <p:ext uri="{BB962C8B-B14F-4D97-AF65-F5344CB8AC3E}">
+        <p14:creationId xmlns:p14="http://schemas.microsoft.com/office/powerpoint/2010/main" val="3155352744"/>
+      </p:ext>
+    </p:extLst>
+  </p:cSld>
+  <p:clrMapOvr>
+    <a:masterClrMapping/>
+  </p:clrMapOvr>
+</p:sld>
+</file>
+
+<file path=ppt/slides/slide5.xml><?xml version="1.0" encoding="utf-8"?>
+<p:sld xmlns:a="http://schemas.openxmlformats.org/drawingml/2006/main" xmlns:r="http://schemas.openxmlformats.org/officeDocument/2006/relationships" xmlns:p="http://schemas.openxmlformats.org/presentationml/2006/main">
+  <p:cSld>
+    <p:spTree>
+      <p:nvGrpSpPr>
+        <p:cNvPr id="1" name=""/>
+        <p:cNvGrpSpPr/>
+        <p:nvPr/>
+      </p:nvGrpSpPr>
+      <p:grpSpPr>
+        <a:xfrm>
+          <a:off x="0" y="0"/>
+          <a:ext cx="0" cy="0"/>
+          <a:chOff x="0" y="0"/>
+          <a:chExt cx="0" cy="0"/>
+        </a:xfrm>
+      </p:grpSpPr>
+      <p:sp>
+        <p:nvSpPr>
+          <p:cNvPr id="2" name="Title 1"/>
+          <p:cNvSpPr>
+            <a:spLocks noGrp="1"/>
+          </p:cNvSpPr>
+          <p:nvPr>
+            <p:ph type="title"/>
+          </p:nvPr>
+        </p:nvSpPr>
+        <p:spPr/>
+        <p:txBody>
           <a:bodyPr>
             <a:normAutofit/>
           </a:bodyPr>
@@ -15224,7 +15994,7 @@
 </p:sld>
 </file>
 
-<file path=ppt/slides/slide5.xml><?xml version="1.0" encoding="utf-8"?>
+<file path=ppt/slides/slide6.xml><?xml version="1.0" encoding="utf-8"?>
 <p:sld xmlns:a="http://schemas.openxmlformats.org/drawingml/2006/main" xmlns:r="http://schemas.openxmlformats.org/officeDocument/2006/relationships" xmlns:p="http://schemas.openxmlformats.org/presentationml/2006/main">
   <p:cSld>
     <p:spTree>
@@ -15393,7 +16163,7 @@
 </p:sld>
 </file>
 
-<file path=ppt/slides/slide6.xml><?xml version="1.0" encoding="utf-8"?>
+<file path=ppt/slides/slide7.xml><?xml version="1.0" encoding="utf-8"?>
 <p:sld xmlns:a="http://schemas.openxmlformats.org/drawingml/2006/main" xmlns:r="http://schemas.openxmlformats.org/officeDocument/2006/relationships" xmlns:p="http://schemas.openxmlformats.org/presentationml/2006/main">
   <p:cSld>
     <p:spTree>
@@ -15573,138 +16343,6 @@
 </p:sld>
 </file>
 
-<file path=ppt/slides/slide7.xml><?xml version="1.0" encoding="utf-8"?>
-<p:sld xmlns:a="http://schemas.openxmlformats.org/drawingml/2006/main" xmlns:r="http://schemas.openxmlformats.org/officeDocument/2006/relationships" xmlns:p="http://schemas.openxmlformats.org/presentationml/2006/main">
-  <p:cSld>
-    <p:spTree>
-      <p:nvGrpSpPr>
-        <p:cNvPr id="1" name=""/>
-        <p:cNvGrpSpPr/>
-        <p:nvPr/>
-      </p:nvGrpSpPr>
-      <p:grpSpPr>
-        <a:xfrm>
-          <a:off x="0" y="0"/>
-          <a:ext cx="0" cy="0"/>
-          <a:chOff x="0" y="0"/>
-          <a:chExt cx="0" cy="0"/>
-        </a:xfrm>
-      </p:grpSpPr>
-      <p:sp>
-        <p:nvSpPr>
-          <p:cNvPr id="2" name="Title 1"/>
-          <p:cNvSpPr>
-            <a:spLocks noGrp="1"/>
-          </p:cNvSpPr>
-          <p:nvPr>
-            <p:ph type="title"/>
-          </p:nvPr>
-        </p:nvSpPr>
-        <p:spPr/>
-        <p:txBody>
-          <a:bodyPr>
-            <a:normAutofit/>
-          </a:bodyPr>
-          <a:lstStyle/>
-          <a:p>
-            <a:r>
-              <a:rPr lang="en-US" dirty="0"/>
-              <a:t>Python </a:t>
-            </a:r>
-            <a:r>
-              <a:rPr lang="en-US" dirty="0" err="1"/>
-              <a:t>VSCode</a:t>
-            </a:r>
-            <a:r>
-              <a:rPr lang="en-US" dirty="0"/>
-              <a:t> Environment</a:t>
-            </a:r>
-          </a:p>
-        </p:txBody>
-      </p:sp>
-      <p:sp>
-        <p:nvSpPr>
-          <p:cNvPr id="3" name="Content Placeholder 2"/>
-          <p:cNvSpPr>
-            <a:spLocks noGrp="1"/>
-          </p:cNvSpPr>
-          <p:nvPr>
-            <p:ph idx="1"/>
-          </p:nvPr>
-        </p:nvSpPr>
-        <p:spPr/>
-        <p:txBody>
-          <a:bodyPr>
-            <a:normAutofit fontScale="92500" lnSpcReduction="10000"/>
-          </a:bodyPr>
-          <a:lstStyle/>
-          <a:p>
-            <a:pPr marL="0" indent="0">
-              <a:buNone/>
-            </a:pPr>
-            <a:endParaRPr lang="en-US" dirty="0"/>
-          </a:p>
-          <a:p>
-            <a:r>
-              <a:rPr lang="en-US" dirty="0" err="1"/>
-              <a:t>VSCode</a:t>
-            </a:r>
-            <a:r>
-              <a:rPr lang="en-US" dirty="0"/>
-              <a:t> is a popular code editor with extensive Python support, offering features like code completion, debugging, and an integrated terminal.</a:t>
-            </a:r>
-          </a:p>
-          <a:p>
-            <a:pPr marL="0" indent="0">
-              <a:buNone/>
-            </a:pPr>
-            <a:endParaRPr lang="en-US" dirty="0"/>
-          </a:p>
-          <a:p>
-            <a:r>
-              <a:rPr lang="en-US" dirty="0"/>
-              <a:t>With its vast extension ecosystem, </a:t>
-            </a:r>
-            <a:r>
-              <a:rPr lang="en-US" dirty="0" err="1"/>
-              <a:t>VSCode</a:t>
-            </a:r>
-            <a:r>
-              <a:rPr lang="en-US" dirty="0"/>
-              <a:t> allows developers to customize and enhance their Python development experience to suit their specific needs.</a:t>
-            </a:r>
-          </a:p>
-          <a:p>
-            <a:pPr marL="0" indent="0">
-              <a:buNone/>
-            </a:pPr>
-            <a:endParaRPr lang="en-US" dirty="0"/>
-          </a:p>
-          <a:p>
-            <a:r>
-              <a:rPr lang="en-US" dirty="0" err="1"/>
-              <a:t>VSCode's</a:t>
-            </a:r>
-            <a:r>
-              <a:rPr lang="en-US" dirty="0"/>
-              <a:t> cross-platform compatibility and lightweight design make it a flexible choice for Python developers seeking a versatile and efficient coding environment.</a:t>
-            </a:r>
-          </a:p>
-        </p:txBody>
-      </p:sp>
-    </p:spTree>
-    <p:extLst>
-      <p:ext uri="{BB962C8B-B14F-4D97-AF65-F5344CB8AC3E}">
-        <p14:creationId xmlns:p14="http://schemas.microsoft.com/office/powerpoint/2010/main" val="2304337233"/>
-      </p:ext>
-    </p:extLst>
-  </p:cSld>
-  <p:clrMapOvr>
-    <a:masterClrMapping/>
-  </p:clrMapOvr>
-</p:sld>
-</file>
-
 <file path=ppt/slides/slide8.xml><?xml version="1.0" encoding="utf-8"?>
 <p:sld xmlns:a="http://schemas.openxmlformats.org/drawingml/2006/main" xmlns:r="http://schemas.openxmlformats.org/officeDocument/2006/relationships" xmlns:p="http://schemas.openxmlformats.org/presentationml/2006/main">
   <p:cSld>
@@ -15741,15 +16379,16 @@
           <a:p>
             <a:r>
               <a:rPr lang="en-US" dirty="0"/>
-              <a:t>Download Visual Studio Code</a:t>
-            </a:r>
-            <a:endParaRPr lang="en-US" i="0" dirty="0">
-              <a:solidFill>
-                <a:srgbClr val="242424"/>
-              </a:solidFill>
-              <a:effectLst/>
-              <a:latin typeface="Segoe UI" panose="020B0502040204020203" pitchFamily="34" charset="0"/>
-            </a:endParaRPr>
+              <a:t>Python </a:t>
+            </a:r>
+            <a:r>
+              <a:rPr lang="en-US" dirty="0" err="1"/>
+              <a:t>VSCode</a:t>
+            </a:r>
+            <a:r>
+              <a:rPr lang="en-US" dirty="0"/>
+              <a:t> Environment</a:t>
+            </a:r>
           </a:p>
         </p:txBody>
       </p:sp>
@@ -15766,16 +16405,59 @@
         <p:spPr/>
         <p:txBody>
           <a:bodyPr>
-            <a:normAutofit/>
+            <a:normAutofit fontScale="92500" lnSpcReduction="10000"/>
           </a:bodyPr>
           <a:lstStyle/>
           <a:p>
             <a:pPr marL="0" indent="0">
               <a:buNone/>
             </a:pPr>
+            <a:endParaRPr lang="en-US" dirty="0"/>
+          </a:p>
+          <a:p>
+            <a:r>
+              <a:rPr lang="en-US" dirty="0" err="1"/>
+              <a:t>VSCode</a:t>
+            </a:r>
             <a:r>
               <a:rPr lang="en-US" dirty="0"/>
-              <a:t>https://code.visualstudio.com/download</a:t>
+              <a:t> is a popular code editor with extensive Python support, offering features like code completion, debugging, and an integrated terminal.</a:t>
+            </a:r>
+          </a:p>
+          <a:p>
+            <a:pPr marL="0" indent="0">
+              <a:buNone/>
+            </a:pPr>
+            <a:endParaRPr lang="en-US" dirty="0"/>
+          </a:p>
+          <a:p>
+            <a:r>
+              <a:rPr lang="en-US" dirty="0"/>
+              <a:t>With its vast extension ecosystem, </a:t>
+            </a:r>
+            <a:r>
+              <a:rPr lang="en-US" dirty="0" err="1"/>
+              <a:t>VSCode</a:t>
+            </a:r>
+            <a:r>
+              <a:rPr lang="en-US" dirty="0"/>
+              <a:t> allows developers to customize and enhance their Python development experience to suit their specific needs.</a:t>
+            </a:r>
+          </a:p>
+          <a:p>
+            <a:pPr marL="0" indent="0">
+              <a:buNone/>
+            </a:pPr>
+            <a:endParaRPr lang="en-US" dirty="0"/>
+          </a:p>
+          <a:p>
+            <a:r>
+              <a:rPr lang="en-US" dirty="0" err="1"/>
+              <a:t>VSCode's</a:t>
+            </a:r>
+            <a:r>
+              <a:rPr lang="en-US" dirty="0"/>
+              <a:t> cross-platform compatibility and lightweight design make it a flexible choice for Python developers seeking a versatile and efficient coding environment.</a:t>
             </a:r>
           </a:p>
         </p:txBody>
@@ -15783,7 +16465,7 @@
     </p:spTree>
     <p:extLst>
       <p:ext uri="{BB962C8B-B14F-4D97-AF65-F5344CB8AC3E}">
-        <p14:creationId xmlns:p14="http://schemas.microsoft.com/office/powerpoint/2010/main" val="1848218500"/>
+        <p14:creationId xmlns:p14="http://schemas.microsoft.com/office/powerpoint/2010/main" val="2304337233"/>
       </p:ext>
     </p:extLst>
   </p:cSld>
@@ -15828,267 +16510,50 @@
           <a:lstStyle/>
           <a:p>
             <a:r>
-              <a:rPr lang="en-GB" dirty="0"/>
-              <a:t>Setup </a:t>
-            </a:r>
-            <a:r>
-              <a:rPr lang="en-GB" dirty="0" err="1"/>
-              <a:t>VSCode</a:t>
-            </a:r>
-            <a:r>
-              <a:rPr lang="en-GB" dirty="0"/>
-              <a:t> for Python </a:t>
-            </a:r>
-            <a:endParaRPr lang="en-US" dirty="0"/>
-          </a:p>
-        </p:txBody>
-      </p:sp>
-      <p:pic>
-        <p:nvPicPr>
-          <p:cNvPr id="9" name="Content Placeholder 8">
-            <a:extLst>
-              <a:ext uri="{FF2B5EF4-FFF2-40B4-BE49-F238E27FC236}">
-                <a16:creationId xmlns:a16="http://schemas.microsoft.com/office/drawing/2014/main" id="{930341CC-6F63-4EEE-9590-B3A61A4049E5}"/>
-              </a:ext>
-            </a:extLst>
-          </p:cNvPr>
-          <p:cNvPicPr>
-            <a:picLocks noGrp="1" noChangeAspect="1"/>
-          </p:cNvPicPr>
+              <a:rPr lang="en-US" dirty="0"/>
+              <a:t>Download Visual Studio Code</a:t>
+            </a:r>
+            <a:endParaRPr lang="en-US" i="0" dirty="0">
+              <a:solidFill>
+                <a:srgbClr val="242424"/>
+              </a:solidFill>
+              <a:effectLst/>
+              <a:latin typeface="Segoe UI" panose="020B0502040204020203" pitchFamily="34" charset="0"/>
+            </a:endParaRPr>
+          </a:p>
+        </p:txBody>
+      </p:sp>
+      <p:sp>
+        <p:nvSpPr>
+          <p:cNvPr id="3" name="Content Placeholder 2"/>
+          <p:cNvSpPr>
+            <a:spLocks noGrp="1"/>
+          </p:cNvSpPr>
           <p:nvPr>
             <p:ph idx="1"/>
           </p:nvPr>
-        </p:nvPicPr>
-        <p:blipFill>
-          <a:blip r:embed="rId3">
-            <a:extLst>
-              <a:ext uri="{28A0092B-C50C-407E-A947-70E740481C1C}">
-                <a14:useLocalDpi xmlns:a14="http://schemas.microsoft.com/office/drawing/2010/main" val="0"/>
-              </a:ext>
-            </a:extLst>
-          </a:blip>
-          <a:stretch>
-            <a:fillRect/>
-          </a:stretch>
-        </p:blipFill>
-        <p:spPr>
-          <a:xfrm>
-            <a:off x="5777159" y="1868487"/>
-            <a:ext cx="6000936" cy="4515380"/>
-          </a:xfrm>
-        </p:spPr>
-      </p:pic>
-      <p:sp>
-        <p:nvSpPr>
-          <p:cNvPr id="10" name="TextBox 9">
-            <a:extLst>
-              <a:ext uri="{FF2B5EF4-FFF2-40B4-BE49-F238E27FC236}">
-                <a16:creationId xmlns:a16="http://schemas.microsoft.com/office/drawing/2014/main" id="{3497A8A4-177D-4E9C-BA15-7E47D950F550}"/>
-              </a:ext>
-            </a:extLst>
-          </p:cNvPr>
-          <p:cNvSpPr txBox="1"/>
-          <p:nvPr/>
-        </p:nvSpPr>
-        <p:spPr>
-          <a:xfrm>
-            <a:off x="762000" y="1868486"/>
-            <a:ext cx="4622800" cy="3046988"/>
-          </a:xfrm>
-          <a:prstGeom prst="rect">
-            <a:avLst/>
-          </a:prstGeom>
-          <a:noFill/>
-        </p:spPr>
-        <p:txBody>
-          <a:bodyPr wrap="square" rtlCol="0">
-            <a:spAutoFit/>
+        </p:nvSpPr>
+        <p:spPr/>
+        <p:txBody>
+          <a:bodyPr>
+            <a:normAutofit/>
           </a:bodyPr>
           <a:lstStyle/>
           <a:p>
-            <a:pPr marL="514350" indent="-514350">
-              <a:buAutoNum type="arabicPeriod"/>
+            <a:pPr marL="0" indent="0">
+              <a:buNone/>
             </a:pPr>
             <a:r>
-              <a:rPr lang="en-GB" sz="3200" dirty="0"/>
-              <a:t>Click on extension icon in navigation panel.</a:t>
-            </a:r>
-          </a:p>
-          <a:p>
-            <a:pPr marL="514350" indent="-514350">
-              <a:buAutoNum type="arabicPeriod"/>
-            </a:pPr>
-            <a:r>
-              <a:rPr lang="en-GB" sz="3200" dirty="0"/>
-              <a:t>Write in search field “python” to find official Python extension.</a:t>
-            </a:r>
-          </a:p>
-          <a:p>
-            <a:pPr marL="514350" indent="-514350">
-              <a:buFontTx/>
-              <a:buAutoNum type="arabicPeriod"/>
-            </a:pPr>
-            <a:r>
-              <a:rPr lang="en-GB" sz="3200" dirty="0"/>
-              <a:t>Click “Install”</a:t>
-            </a:r>
-          </a:p>
-        </p:txBody>
-      </p:sp>
-      <p:sp>
-        <p:nvSpPr>
-          <p:cNvPr id="11" name="Oval 10">
-            <a:extLst>
-              <a:ext uri="{FF2B5EF4-FFF2-40B4-BE49-F238E27FC236}">
-                <a16:creationId xmlns:a16="http://schemas.microsoft.com/office/drawing/2014/main" id="{944518BE-114D-424C-90D4-35CDFABBA0DD}"/>
-              </a:ext>
-            </a:extLst>
-          </p:cNvPr>
-          <p:cNvSpPr/>
-          <p:nvPr/>
-        </p:nvSpPr>
-        <p:spPr>
-          <a:xfrm>
-            <a:off x="8788879" y="2235200"/>
-            <a:ext cx="431800" cy="423333"/>
-          </a:xfrm>
-          <a:prstGeom prst="ellipse">
-            <a:avLst/>
-          </a:prstGeom>
-        </p:spPr>
-        <p:style>
-          <a:lnRef idx="2">
-            <a:schemeClr val="accent1">
-              <a:shade val="50000"/>
-            </a:schemeClr>
-          </a:lnRef>
-          <a:fillRef idx="1">
-            <a:schemeClr val="accent1"/>
-          </a:fillRef>
-          <a:effectRef idx="0">
-            <a:schemeClr val="accent1"/>
-          </a:effectRef>
-          <a:fontRef idx="minor">
-            <a:schemeClr val="lt1"/>
-          </a:fontRef>
-        </p:style>
-        <p:txBody>
-          <a:bodyPr rtlCol="0" anchor="ctr"/>
-          <a:lstStyle/>
-          <a:p>
-            <a:pPr algn="ctr"/>
-            <a:r>
-              <a:rPr lang="en-GB" dirty="0"/>
-              <a:t>2</a:t>
-            </a:r>
-            <a:endParaRPr lang="en-US" dirty="0"/>
-          </a:p>
-        </p:txBody>
-      </p:sp>
-      <p:sp>
-        <p:nvSpPr>
-          <p:cNvPr id="12" name="Oval 11">
-            <a:extLst>
-              <a:ext uri="{FF2B5EF4-FFF2-40B4-BE49-F238E27FC236}">
-                <a16:creationId xmlns:a16="http://schemas.microsoft.com/office/drawing/2014/main" id="{5D2DD891-2CEA-4FBF-9100-A0BCA4CBDD4B}"/>
-              </a:ext>
-            </a:extLst>
-          </p:cNvPr>
-          <p:cNvSpPr/>
-          <p:nvPr/>
-        </p:nvSpPr>
-        <p:spPr>
-          <a:xfrm>
-            <a:off x="8788879" y="2717799"/>
-            <a:ext cx="431800" cy="423333"/>
-          </a:xfrm>
-          <a:prstGeom prst="ellipse">
-            <a:avLst/>
-          </a:prstGeom>
-        </p:spPr>
-        <p:style>
-          <a:lnRef idx="2">
-            <a:schemeClr val="accent1">
-              <a:shade val="50000"/>
-            </a:schemeClr>
-          </a:lnRef>
-          <a:fillRef idx="1">
-            <a:schemeClr val="accent1"/>
-          </a:fillRef>
-          <a:effectRef idx="0">
-            <a:schemeClr val="accent1"/>
-          </a:effectRef>
-          <a:fontRef idx="minor">
-            <a:schemeClr val="lt1"/>
-          </a:fontRef>
-        </p:style>
-        <p:txBody>
-          <a:bodyPr rtlCol="0" anchor="ctr"/>
-          <a:lstStyle/>
-          <a:p>
-            <a:pPr algn="ctr"/>
-            <a:r>
-              <a:rPr lang="en-GB" dirty="0"/>
-              <a:t>3</a:t>
-            </a:r>
-            <a:endParaRPr lang="en-US" dirty="0"/>
-          </a:p>
-        </p:txBody>
-      </p:sp>
-      <p:sp>
-        <p:nvSpPr>
-          <p:cNvPr id="13" name="Oval 12">
-            <a:extLst>
-              <a:ext uri="{FF2B5EF4-FFF2-40B4-BE49-F238E27FC236}">
-                <a16:creationId xmlns:a16="http://schemas.microsoft.com/office/drawing/2014/main" id="{318C1CE2-8DC1-4A51-B529-7A88829DE8B0}"/>
-              </a:ext>
-            </a:extLst>
-          </p:cNvPr>
-          <p:cNvSpPr/>
-          <p:nvPr/>
-        </p:nvSpPr>
-        <p:spPr>
-          <a:xfrm>
-            <a:off x="5707012" y="4492141"/>
-            <a:ext cx="431800" cy="423333"/>
-          </a:xfrm>
-          <a:prstGeom prst="ellipse">
-            <a:avLst/>
-          </a:prstGeom>
-        </p:spPr>
-        <p:style>
-          <a:lnRef idx="2">
-            <a:schemeClr val="accent1">
-              <a:shade val="50000"/>
-            </a:schemeClr>
-          </a:lnRef>
-          <a:fillRef idx="1">
-            <a:schemeClr val="accent1"/>
-          </a:fillRef>
-          <a:effectRef idx="0">
-            <a:schemeClr val="accent1"/>
-          </a:effectRef>
-          <a:fontRef idx="minor">
-            <a:schemeClr val="lt1"/>
-          </a:fontRef>
-        </p:style>
-        <p:txBody>
-          <a:bodyPr rtlCol="0" anchor="ctr"/>
-          <a:lstStyle/>
-          <a:p>
-            <a:pPr algn="ctr"/>
-            <a:r>
-              <a:rPr lang="en-GB" dirty="0"/>
-              <a:t>1</a:t>
-            </a:r>
-            <a:endParaRPr lang="en-US" dirty="0"/>
+              <a:rPr lang="en-US" dirty="0"/>
+              <a:t>https://code.visualstudio.com/download</a:t>
+            </a:r>
           </a:p>
         </p:txBody>
       </p:sp>
     </p:spTree>
     <p:extLst>
       <p:ext uri="{BB962C8B-B14F-4D97-AF65-F5344CB8AC3E}">
-        <p14:creationId xmlns:p14="http://schemas.microsoft.com/office/powerpoint/2010/main" val="1294030913"/>
+        <p14:creationId xmlns:p14="http://schemas.microsoft.com/office/powerpoint/2010/main" val="1848218500"/>
       </p:ext>
     </p:extLst>
   </p:cSld>

--- a/basic_new/Module 01 - Basic Concepts.pptx
+++ b/basic_new/Module 01 - Basic Concepts.pptx
@@ -8,7 +8,7 @@
     <p:notesMasterId r:id="rId32"/>
   </p:notesMasterIdLst>
   <p:sldIdLst>
-    <p:sldId id="321" r:id="rId2"/>
+    <p:sldId id="336" r:id="rId2"/>
     <p:sldId id="258" r:id="rId3"/>
     <p:sldId id="264" r:id="rId4"/>
     <p:sldId id="334" r:id="rId5"/>
@@ -510,7 +510,7 @@
           <a:p>
             <a:fld id="{81043921-7569-41A3-B947-8944ED878C50}" type="datetimeFigureOut">
               <a:rPr lang="he-IL" smtClean="0"/>
-              <a:t>ט"ז/תמוז/תשפ"ג</a:t>
+              <a:t>כ'/תמוז/תשפ"ג</a:t>
             </a:fld>
             <a:endParaRPr lang="he-IL"/>
           </a:p>
@@ -779,11 +779,11 @@
 </file>
 
 <file path=ppt/notesSlides/notesSlide1.xml><?xml version="1.0" encoding="utf-8"?>
-<p:notes xmlns:a="http://schemas.openxmlformats.org/drawingml/2006/main" xmlns:r="http://schemas.openxmlformats.org/officeDocument/2006/relationships" xmlns:p="http://schemas.openxmlformats.org/presentationml/2006/main">
+<p:notes xmlns:a="http://schemas.openxmlformats.org/drawingml/2006/main" xmlns:r="http://schemas.openxmlformats.org/officeDocument/2006/relationships" xmlns:p="http://schemas.openxmlformats.org/presentationml/2006/main" showMasterSp="0" showMasterPhAnim="0">
   <p:cSld>
     <p:spTree>
       <p:nvGrpSpPr>
-        <p:cNvPr id="1" name=""/>
+        <p:cNvPr id="1" name="Shape 158"/>
         <p:cNvGrpSpPr/>
         <p:nvPr/>
       </p:nvGrpSpPr>
@@ -797,207 +797,84 @@
       </p:grpSpPr>
       <p:sp>
         <p:nvSpPr>
-          <p:cNvPr id="2" name="Slide Image Placeholder 1"/>
-          <p:cNvSpPr>
-            <a:spLocks noGrp="1" noRot="1" noChangeAspect="1"/>
-          </p:cNvSpPr>
-          <p:nvPr>
-            <p:ph type="sldImg"/>
-          </p:nvPr>
-        </p:nvSpPr>
-        <p:spPr/>
-      </p:sp>
-      <p:sp>
-        <p:nvSpPr>
-          <p:cNvPr id="3" name="Notes Placeholder 2"/>
-          <p:cNvSpPr>
+          <p:cNvPr id="159" name="Google Shape;159;p3:notes"/>
+          <p:cNvSpPr txBox="1">
             <a:spLocks noGrp="1"/>
           </p:cNvSpPr>
           <p:nvPr>
             <p:ph type="body" idx="1"/>
           </p:nvPr>
         </p:nvSpPr>
-        <p:spPr/>
-        <p:txBody>
-          <a:bodyPr/>
+        <p:spPr>
+          <a:xfrm>
+            <a:off x="685800" y="4400550"/>
+            <a:ext cx="5486400" cy="3600450"/>
+          </a:xfrm>
+          <a:prstGeom prst="rect">
+            <a:avLst/>
+          </a:prstGeom>
+        </p:spPr>
+        <p:txBody>
+          <a:bodyPr spcFirstLastPara="1" wrap="square" lIns="91425" tIns="45700" rIns="91425" bIns="45700" anchor="t" anchorCtr="0">
+            <a:noAutofit/>
+          </a:bodyPr>
           <a:lstStyle/>
           <a:p>
-            <a:r>
-              <a:rPr lang="en-US" dirty="0"/>
-              <a:t>Python is dynamically-typed and garbage-collected. It supports multiple programming paradigms, including structured (particularly, procedural), object-oriented and functional programming.</a:t>
-            </a:r>
-          </a:p>
-          <a:p>
-            <a:endParaRPr lang="en-US" sz="1200" dirty="0">
-              <a:cs typeface="Calibri"/>
-            </a:endParaRPr>
-          </a:p>
-          <a:p>
-            <a:r>
-              <a:rPr lang="en-US" dirty="0">
-                <a:cs typeface="Calibri"/>
-              </a:rPr>
-              <a:t>It was built to be as readable as possible, and is </a:t>
-            </a:r>
-            <a:r>
-              <a:rPr lang="en-US" dirty="0"/>
-              <a:t>significant indentation driven (Off-side rule).</a:t>
-            </a:r>
-            <a:endParaRPr lang="en-US" dirty="0">
-              <a:cs typeface="Calibri"/>
-            </a:endParaRPr>
-          </a:p>
-          <a:p>
-            <a:pPr algn="l" rtl="0" eaLnBrk="1" hangingPunct="1"/>
-            <a:endParaRPr lang="en-US"/>
-          </a:p>
-          <a:p>
-            <a:r>
-              <a:rPr lang="en-US" dirty="0"/>
-              <a:t>The language's core philosophy is summarized in the document </a:t>
-            </a:r>
-            <a:r>
-              <a:rPr lang="en-US" i="1" dirty="0"/>
-              <a:t>The Zen of Python</a:t>
-            </a:r>
-            <a:r>
-              <a:rPr lang="en-US" dirty="0"/>
-              <a:t> (</a:t>
-            </a:r>
-            <a:r>
-              <a:rPr lang="en-US" i="1" dirty="0"/>
-              <a:t>PEP 20</a:t>
-            </a:r>
-            <a:r>
-              <a:rPr lang="en-US" dirty="0"/>
-              <a:t>), which includes aphorisms such as:</a:t>
-            </a:r>
-            <a:endParaRPr lang="en-US" dirty="0">
-              <a:cs typeface="Calibri"/>
-            </a:endParaRPr>
-          </a:p>
-          <a:p>
-            <a:pPr marL="285750" indent="-285750">
-              <a:buFont typeface="Arial"/>
-              <a:buChar char="•"/>
+            <a:pPr marL="0" lvl="0" indent="0" algn="l" rtl="0">
+              <a:spcBef>
+                <a:spcPts val="0"/>
+              </a:spcBef>
+              <a:spcAft>
+                <a:spcPts val="0"/>
+              </a:spcAft>
+              <a:buNone/>
             </a:pPr>
-            <a:r>
-              <a:rPr lang="en-US" dirty="0"/>
-              <a:t>Beautiful is better than ugly.</a:t>
-            </a:r>
-            <a:endParaRPr lang="en-US" dirty="0">
-              <a:cs typeface="Calibri"/>
-            </a:endParaRPr>
-          </a:p>
-          <a:p>
-            <a:pPr marL="285750" indent="-285750">
-              <a:buFont typeface="Arial"/>
-              <a:buChar char="•"/>
-            </a:pPr>
-            <a:r>
-              <a:rPr lang="en-US" dirty="0"/>
-              <a:t>Explicit is better than implicit.</a:t>
-            </a:r>
-            <a:endParaRPr lang="en-US" dirty="0">
-              <a:cs typeface="Calibri"/>
-            </a:endParaRPr>
-          </a:p>
-          <a:p>
-            <a:pPr marL="285750" indent="-285750">
-              <a:buFont typeface="Arial"/>
-              <a:buChar char="•"/>
-            </a:pPr>
-            <a:r>
-              <a:rPr lang="en-US" dirty="0"/>
-              <a:t>Simple is better than complex.</a:t>
-            </a:r>
-            <a:endParaRPr lang="en-US" dirty="0">
-              <a:cs typeface="Calibri"/>
-            </a:endParaRPr>
-          </a:p>
-          <a:p>
-            <a:pPr marL="285750" indent="-285750">
-              <a:buFont typeface="Arial"/>
-              <a:buChar char="•"/>
-            </a:pPr>
-            <a:r>
-              <a:rPr lang="en-US" dirty="0"/>
-              <a:t>Complex is better than complicated.</a:t>
-            </a:r>
-            <a:endParaRPr lang="en-US" dirty="0">
-              <a:cs typeface="Calibri"/>
-            </a:endParaRPr>
-          </a:p>
-          <a:p>
-            <a:pPr marL="285750" indent="-285750">
-              <a:buFont typeface="Arial"/>
-              <a:buChar char="•"/>
-            </a:pPr>
-            <a:r>
-              <a:rPr lang="en-US" dirty="0"/>
-              <a:t>Readability counts.</a:t>
-            </a:r>
-            <a:endParaRPr lang="en-US" dirty="0">
-              <a:cs typeface="Calibri"/>
-            </a:endParaRPr>
-          </a:p>
-          <a:p>
-            <a:pPr algn="l"/>
-            <a:endParaRPr lang="en-US" dirty="0">
-              <a:cs typeface="Calibri"/>
-            </a:endParaRPr>
-          </a:p>
-          <a:p>
-            <a:endParaRPr lang="en-US" u="sng"/>
-          </a:p>
-          <a:p>
-            <a:pPr algn="l" rtl="0" eaLnBrk="1" hangingPunct="1"/>
-            <a:r>
-              <a:rPr lang="en-US" u="sng" dirty="0"/>
-              <a:t>For further reading:</a:t>
-            </a:r>
-          </a:p>
-          <a:p>
-            <a:r>
-              <a:rPr lang="en-US" dirty="0">
-                <a:hlinkClick r:id="rId3"/>
-              </a:rPr>
-              <a:t>Python (programming language) - Wikipedia</a:t>
-            </a:r>
-            <a:endParaRPr lang="en-US"/>
-          </a:p>
-        </p:txBody>
-      </p:sp>
-      <p:sp>
-        <p:nvSpPr>
-          <p:cNvPr id="4" name="Slide Number Placeholder 3"/>
+            <a:endParaRPr/>
+          </a:p>
+        </p:txBody>
+      </p:sp>
+      <p:sp>
+        <p:nvSpPr>
+          <p:cNvPr id="160" name="Google Shape;160;p3:notes"/>
           <p:cNvSpPr>
-            <a:spLocks noGrp="1"/>
+            <a:spLocks noGrp="1" noRot="1" noChangeAspect="1"/>
           </p:cNvSpPr>
           <p:nvPr>
-            <p:ph type="sldNum" sz="quarter" idx="10"/>
+            <p:ph type="sldImg" idx="2"/>
           </p:nvPr>
         </p:nvSpPr>
-        <p:spPr/>
-        <p:txBody>
-          <a:bodyPr/>
-          <a:lstStyle/>
-          <a:p>
-            <a:fld id="{C18343ED-3762-4D46-A439-B4D407E13EF8}" type="slidenum">
-              <a:rPr lang="en-US" smtClean="0"/>
-              <a:pPr/>
-              <a:t>3</a:t>
-            </a:fld>
-            <a:endParaRPr lang="en-US"/>
-          </a:p>
-        </p:txBody>
+        <p:spPr>
+          <a:xfrm>
+            <a:off x="685800" y="1143000"/>
+            <a:ext cx="5486400" cy="3086100"/>
+          </a:xfrm>
+          <a:custGeom>
+            <a:avLst/>
+            <a:gdLst/>
+            <a:ahLst/>
+            <a:cxnLst/>
+            <a:rect l="l" t="t" r="r" b="b"/>
+            <a:pathLst>
+              <a:path w="120000" h="120000" extrusionOk="0">
+                <a:moveTo>
+                  <a:pt x="0" y="0"/>
+                </a:moveTo>
+                <a:lnTo>
+                  <a:pt x="120000" y="0"/>
+                </a:lnTo>
+                <a:lnTo>
+                  <a:pt x="120000" y="120000"/>
+                </a:lnTo>
+                <a:lnTo>
+                  <a:pt x="0" y="120000"/>
+                </a:lnTo>
+                <a:close/>
+              </a:path>
+            </a:pathLst>
+          </a:custGeom>
+        </p:spPr>
       </p:sp>
     </p:spTree>
-    <p:extLst>
-      <p:ext uri="{BB962C8B-B14F-4D97-AF65-F5344CB8AC3E}">
-        <p14:creationId xmlns:p14="http://schemas.microsoft.com/office/powerpoint/2010/main" val="3003253182"/>
-      </p:ext>
-    </p:extLst>
   </p:cSld>
   <p:clrMapOvr>
     <a:masterClrMapping/>
@@ -1188,7 +1065,7 @@
             <a:fld id="{C18343ED-3762-4D46-A439-B4D407E13EF8}" type="slidenum">
               <a:rPr lang="en-US" smtClean="0"/>
               <a:pPr/>
-              <a:t>14</a:t>
+              <a:t>13</a:t>
             </a:fld>
             <a:endParaRPr lang="en-US"/>
           </a:p>
@@ -1197,7 +1074,7 @@
     </p:spTree>
     <p:extLst>
       <p:ext uri="{BB962C8B-B14F-4D97-AF65-F5344CB8AC3E}">
-        <p14:creationId xmlns:p14="http://schemas.microsoft.com/office/powerpoint/2010/main" val="925471829"/>
+        <p14:creationId xmlns:p14="http://schemas.microsoft.com/office/powerpoint/2010/main" val="89710469"/>
       </p:ext>
     </p:extLst>
   </p:cSld>
@@ -1251,13 +1128,123 @@
           <a:bodyPr/>
           <a:lstStyle/>
           <a:p>
-            <a:pPr algn="l" rtl="0" eaLnBrk="1" hangingPunct="1">
-              <a:lnSpc>
-                <a:spcPct val="80000"/>
-              </a:lnSpc>
+            <a:r>
+              <a:rPr lang="en-US" dirty="0">
+                <a:solidFill>
+                  <a:srgbClr val="000000"/>
+                </a:solidFill>
+                <a:latin typeface="Tahoma"/>
+                <a:ea typeface="Tahoma"/>
+                <a:cs typeface="Tahoma"/>
+              </a:rPr>
+              <a:t>PyCharm is currently one of the most used IDE for python development, It provides code analysis, a graphical debugger, an integrated unit tester, integration with version control systems (VCSes), and supports web development with Django as well as data science with Anaconda.</a:t>
+            </a:r>
+          </a:p>
+          <a:p>
+            <a:endParaRPr lang="en-US" dirty="0">
+              <a:solidFill>
+                <a:srgbClr val="000000"/>
+              </a:solidFill>
+              <a:latin typeface="Tahoma"/>
+              <a:ea typeface="Tahoma"/>
+              <a:cs typeface="Tahoma"/>
+            </a:endParaRPr>
+          </a:p>
+          <a:p>
+            <a:r>
+              <a:rPr lang="en-US" dirty="0">
+                <a:solidFill>
+                  <a:srgbClr val="000000"/>
+                </a:solidFill>
+                <a:latin typeface="Tahoma"/>
+                <a:ea typeface="Tahoma"/>
+                <a:cs typeface="Tahoma"/>
+              </a:rPr>
+              <a:t>It was created by JetBrains</a:t>
+            </a:r>
+          </a:p>
+          <a:p>
+            <a:endParaRPr lang="en-US" dirty="0">
+              <a:solidFill>
+                <a:srgbClr val="000000"/>
+              </a:solidFill>
+              <a:latin typeface="Tahoma"/>
+              <a:ea typeface="Tahoma"/>
+              <a:cs typeface="Tahoma"/>
+            </a:endParaRPr>
+          </a:p>
+          <a:p>
+            <a:r>
+              <a:rPr lang="en-US" dirty="0">
+                <a:solidFill>
+                  <a:srgbClr val="000000"/>
+                </a:solidFill>
+                <a:latin typeface="Tahoma"/>
+                <a:ea typeface="Tahoma"/>
+                <a:cs typeface="Tahoma"/>
+              </a:rPr>
+              <a:t>It is mostly popular because of many things, such as:</a:t>
+            </a:r>
+          </a:p>
+          <a:p>
+            <a:pPr marL="171450" indent="-171450">
+              <a:buFont typeface="Arial"/>
+              <a:buChar char="•"/>
             </a:pPr>
+            <a:r>
+              <a:rPr lang="en-US" dirty="0">
+                <a:solidFill>
+                  <a:srgbClr val="000000"/>
+                </a:solidFill>
+                <a:latin typeface="Tahoma"/>
+                <a:ea typeface="Tahoma"/>
+                <a:cs typeface="Tahoma"/>
+              </a:rPr>
+              <a:t>It is considered as an intelligent code editor, fast and safe refactoring, and smart code.</a:t>
+            </a:r>
+          </a:p>
+          <a:p>
+            <a:pPr marL="171450" indent="-171450">
+              <a:buFont typeface="Arial"/>
+              <a:buChar char="•"/>
+            </a:pPr>
+            <a:r>
+              <a:rPr lang="en-US" dirty="0">
+                <a:solidFill>
+                  <a:srgbClr val="000000"/>
+                </a:solidFill>
+                <a:latin typeface="Tahoma"/>
+                <a:ea typeface="Tahoma"/>
+                <a:cs typeface="Tahoma"/>
+              </a:rPr>
+              <a:t>Features for debugging, profiling, remote development, testing the code, auto code completion, quick fixing, error detection and tools of the database.</a:t>
+            </a:r>
+          </a:p>
+          <a:p>
+            <a:pPr marL="171450" indent="-171450">
+              <a:buFont typeface="Arial"/>
+              <a:buChar char="•"/>
+            </a:pPr>
+            <a:r>
+              <a:rPr lang="en-US" dirty="0">
+                <a:solidFill>
+                  <a:srgbClr val="000000"/>
+                </a:solidFill>
+                <a:latin typeface="Tahoma"/>
+                <a:ea typeface="Tahoma"/>
+                <a:cs typeface="Tahoma"/>
+              </a:rPr>
+              <a:t>Support for Popular web technologies, web frameworks, scientific libraries and version control. </a:t>
+            </a:r>
+          </a:p>
+          <a:p>
             <a:endParaRPr lang="en-US" dirty="0">
-              <a:cs typeface="Calibri"/>
+              <a:solidFill>
+                <a:srgbClr val="000000"/>
+              </a:solidFill>
+              <a:latin typeface="Tahoma"/>
+              <a:ea typeface="Tahoma"/>
+              <a:cs typeface="Tahoma"/>
             </a:endParaRPr>
           </a:p>
         </p:txBody>
@@ -1280,7 +1267,7 @@
             <a:fld id="{C18343ED-3762-4D46-A439-B4D407E13EF8}" type="slidenum">
               <a:rPr lang="en-US" smtClean="0"/>
               <a:pPr/>
-              <a:t>15</a:t>
+              <a:t>14</a:t>
             </a:fld>
             <a:endParaRPr lang="en-US"/>
           </a:p>
@@ -1289,7 +1276,7 @@
     </p:spTree>
     <p:extLst>
       <p:ext uri="{BB962C8B-B14F-4D97-AF65-F5344CB8AC3E}">
-        <p14:creationId xmlns:p14="http://schemas.microsoft.com/office/powerpoint/2010/main" val="662288823"/>
+        <p14:creationId xmlns:p14="http://schemas.microsoft.com/office/powerpoint/2010/main" val="925471829"/>
       </p:ext>
     </p:extLst>
   </p:cSld>
@@ -1343,7 +1330,14 @@
           <a:bodyPr/>
           <a:lstStyle/>
           <a:p>
-            <a:endParaRPr lang="en-US"/>
+            <a:pPr algn="l" rtl="0" eaLnBrk="1" hangingPunct="1">
+              <a:lnSpc>
+                <a:spcPct val="80000"/>
+              </a:lnSpc>
+            </a:pPr>
+            <a:endParaRPr lang="en-US" dirty="0">
+              <a:cs typeface="Calibri"/>
+            </a:endParaRPr>
           </a:p>
         </p:txBody>
       </p:sp>
@@ -1365,7 +1359,7 @@
             <a:fld id="{C18343ED-3762-4D46-A439-B4D407E13EF8}" type="slidenum">
               <a:rPr lang="en-US" smtClean="0"/>
               <a:pPr/>
-              <a:t>16</a:t>
+              <a:t>15</a:t>
             </a:fld>
             <a:endParaRPr lang="en-US"/>
           </a:p>
@@ -1374,7 +1368,7 @@
     </p:spTree>
     <p:extLst>
       <p:ext uri="{BB962C8B-B14F-4D97-AF65-F5344CB8AC3E}">
-        <p14:creationId xmlns:p14="http://schemas.microsoft.com/office/powerpoint/2010/main" val="3896666901"/>
+        <p14:creationId xmlns:p14="http://schemas.microsoft.com/office/powerpoint/2010/main" val="662288823"/>
       </p:ext>
     </p:extLst>
   </p:cSld>
@@ -1428,78 +1422,7 @@
           <a:bodyPr/>
           <a:lstStyle/>
           <a:p>
-            <a:pPr>
-              <a:defRPr/>
-            </a:pPr>
-            <a:r>
-              <a:rPr lang="en-US" dirty="0">
-                <a:cs typeface="Calibri"/>
-              </a:rPr>
-              <a:t>This is the main screen for opening a new project, all project are "of the same type" but not really.</a:t>
-            </a:r>
-          </a:p>
-          <a:p>
-            <a:pPr>
-              <a:defRPr/>
-            </a:pPr>
-            <a:r>
-              <a:rPr lang="en-US" dirty="0">
-                <a:cs typeface="+mn-lt"/>
-              </a:rPr>
-              <a:t>We can choose our projects name by changing the last section of the  location box</a:t>
-            </a:r>
-          </a:p>
-          <a:p>
-            <a:pPr>
-              <a:defRPr/>
-            </a:pPr>
-            <a:br>
-              <a:rPr lang="en-US" dirty="0">
-                <a:cs typeface="+mn-lt"/>
-              </a:rPr>
-            </a:br>
-            <a:r>
-              <a:rPr lang="en-US" dirty="0">
-                <a:cs typeface="Calibri"/>
-              </a:rPr>
-              <a:t>We can choose different environments like Virtualenv(the base one here), or Conda.</a:t>
-            </a:r>
-            <a:endParaRPr lang="en-US" dirty="0"/>
-          </a:p>
-          <a:p>
-            <a:pPr>
-              <a:defRPr/>
-            </a:pPr>
-            <a:endParaRPr lang="en-US" dirty="0">
-              <a:cs typeface="Calibri"/>
-            </a:endParaRPr>
-          </a:p>
-          <a:p>
-            <a:pPr>
-              <a:defRPr/>
-            </a:pPr>
-            <a:r>
-              <a:rPr lang="en-US" dirty="0">
-                <a:cs typeface="Calibri"/>
-              </a:rPr>
-              <a:t>Also, we can use a new (base) interpreter or just pick one of our previously used ones if we choose so.</a:t>
-            </a:r>
-            <a:br>
-              <a:rPr lang="en-US" dirty="0">
-                <a:cs typeface="+mn-lt"/>
-              </a:rPr>
-            </a:br>
-            <a:br>
-              <a:rPr lang="en-US" dirty="0">
-                <a:cs typeface="+mn-lt"/>
-              </a:rPr>
-            </a:br>
-            <a:r>
-              <a:rPr lang="en-US" dirty="0">
-                <a:cs typeface="Calibri"/>
-              </a:rPr>
-              <a:t>For beginners this is all we need to know, we want a new interpreter </a:t>
-            </a:r>
+            <a:endParaRPr lang="en-US"/>
           </a:p>
         </p:txBody>
       </p:sp>
@@ -1521,7 +1444,7 @@
             <a:fld id="{C18343ED-3762-4D46-A439-B4D407E13EF8}" type="slidenum">
               <a:rPr lang="en-US" smtClean="0"/>
               <a:pPr/>
-              <a:t>17</a:t>
+              <a:t>16</a:t>
             </a:fld>
             <a:endParaRPr lang="en-US"/>
           </a:p>
@@ -1530,7 +1453,7 @@
     </p:spTree>
     <p:extLst>
       <p:ext uri="{BB962C8B-B14F-4D97-AF65-F5344CB8AC3E}">
-        <p14:creationId xmlns:p14="http://schemas.microsoft.com/office/powerpoint/2010/main" val="3949587220"/>
+        <p14:creationId xmlns:p14="http://schemas.microsoft.com/office/powerpoint/2010/main" val="3896666901"/>
       </p:ext>
     </p:extLst>
   </p:cSld>
@@ -1584,10 +1507,31 @@
           <a:bodyPr/>
           <a:lstStyle/>
           <a:p>
-            <a:r>
-              <a:rPr lang="en-US" dirty="0"/>
-              <a:t>This is the main work area in PyCharm:</a:t>
-            </a:r>
+            <a:pPr>
+              <a:defRPr/>
+            </a:pPr>
+            <a:r>
+              <a:rPr lang="en-US" dirty="0">
+                <a:cs typeface="Calibri"/>
+              </a:rPr>
+              <a:t>This is the main screen for opening a new project, all project are "of the same type" but not really.</a:t>
+            </a:r>
+          </a:p>
+          <a:p>
+            <a:pPr>
+              <a:defRPr/>
+            </a:pPr>
+            <a:r>
+              <a:rPr lang="en-US" dirty="0">
+                <a:cs typeface="+mn-lt"/>
+              </a:rPr>
+              <a:t>We can choose our projects name by changing the last section of the  location box</a:t>
+            </a:r>
+          </a:p>
+          <a:p>
+            <a:pPr>
+              <a:defRPr/>
+            </a:pPr>
             <a:br>
               <a:rPr lang="en-US" dirty="0">
                 <a:cs typeface="+mn-lt"/>
@@ -1597,45 +1541,44 @@
               <a:rPr lang="en-US" dirty="0">
                 <a:cs typeface="Calibri"/>
               </a:rPr>
-              <a:t>The Coding section is where you write you code</a:t>
-            </a:r>
-          </a:p>
-          <a:p>
-            <a:r>
-              <a:rPr lang="en-US" dirty="0">
-                <a:cs typeface="Calibri"/>
-              </a:rPr>
-              <a:t>Menu bar is all the options, setting etc.</a:t>
-            </a:r>
-          </a:p>
-          <a:p>
-            <a:r>
-              <a:rPr lang="en-US" dirty="0">
-                <a:cs typeface="Calibri"/>
-              </a:rPr>
-              <a:t>Project explorer is where all of our current project files and folders are located, we can navigate between them there</a:t>
-            </a:r>
-          </a:p>
-          <a:p>
-            <a:r>
-              <a:rPr lang="en-US" dirty="0">
-                <a:cs typeface="Calibri"/>
-              </a:rPr>
-              <a:t>The tools are our main uses, like the console, terminal, debug section, etc.</a:t>
-            </a:r>
-          </a:p>
-          <a:p>
-            <a:r>
-              <a:rPr lang="en-US" dirty="0">
-                <a:cs typeface="Calibri"/>
-              </a:rPr>
-              <a:t>The run script section is where we run our current open script, of course our script can run our entire project, depends on what's connected to the script we are running</a:t>
-            </a:r>
-          </a:p>
-          <a:p>
+              <a:t>We can choose different environments like Virtualenv(the base one here), or Conda.</a:t>
+            </a:r>
+            <a:endParaRPr lang="en-US" dirty="0"/>
+          </a:p>
+          <a:p>
+            <a:pPr>
+              <a:defRPr/>
+            </a:pPr>
             <a:endParaRPr lang="en-US" dirty="0">
               <a:cs typeface="Calibri"/>
             </a:endParaRPr>
+          </a:p>
+          <a:p>
+            <a:pPr>
+              <a:defRPr/>
+            </a:pPr>
+            <a:r>
+              <a:rPr lang="en-US" dirty="0">
+                <a:cs typeface="Calibri"/>
+              </a:rPr>
+              <a:t>Also, we can use a new (base) interpreter or just pick one of our previously used ones if we choose so.</a:t>
+            </a:r>
+            <a:br>
+              <a:rPr lang="en-US" dirty="0">
+                <a:cs typeface="+mn-lt"/>
+              </a:rPr>
+            </a:br>
+            <a:br>
+              <a:rPr lang="en-US" dirty="0">
+                <a:cs typeface="+mn-lt"/>
+              </a:rPr>
+            </a:br>
+            <a:r>
+              <a:rPr lang="en-US" dirty="0">
+                <a:cs typeface="Calibri"/>
+              </a:rPr>
+              <a:t>For beginners this is all we need to know, we want a new interpreter </a:t>
+            </a:r>
           </a:p>
         </p:txBody>
       </p:sp>
@@ -1657,7 +1600,7 @@
             <a:fld id="{C18343ED-3762-4D46-A439-B4D407E13EF8}" type="slidenum">
               <a:rPr lang="en-US" smtClean="0"/>
               <a:pPr/>
-              <a:t>18</a:t>
+              <a:t>17</a:t>
             </a:fld>
             <a:endParaRPr lang="en-US"/>
           </a:p>
@@ -1666,7 +1609,7 @@
     </p:spTree>
     <p:extLst>
       <p:ext uri="{BB962C8B-B14F-4D97-AF65-F5344CB8AC3E}">
-        <p14:creationId xmlns:p14="http://schemas.microsoft.com/office/powerpoint/2010/main" val="2368652420"/>
+        <p14:creationId xmlns:p14="http://schemas.microsoft.com/office/powerpoint/2010/main" val="3949587220"/>
       </p:ext>
     </p:extLst>
   </p:cSld>
@@ -1793,7 +1736,7 @@
             <a:fld id="{C18343ED-3762-4D46-A439-B4D407E13EF8}" type="slidenum">
               <a:rPr lang="en-US" smtClean="0"/>
               <a:pPr/>
-              <a:t>19</a:t>
+              <a:t>18</a:t>
             </a:fld>
             <a:endParaRPr lang="en-US"/>
           </a:p>
@@ -1802,7 +1745,7 @@
     </p:spTree>
     <p:extLst>
       <p:ext uri="{BB962C8B-B14F-4D97-AF65-F5344CB8AC3E}">
-        <p14:creationId xmlns:p14="http://schemas.microsoft.com/office/powerpoint/2010/main" val="2292869806"/>
+        <p14:creationId xmlns:p14="http://schemas.microsoft.com/office/powerpoint/2010/main" val="2368652420"/>
       </p:ext>
     </p:extLst>
   </p:cSld>
@@ -1929,7 +1872,7 @@
             <a:fld id="{C18343ED-3762-4D46-A439-B4D407E13EF8}" type="slidenum">
               <a:rPr lang="en-US" smtClean="0"/>
               <a:pPr/>
-              <a:t>20</a:t>
+              <a:t>19</a:t>
             </a:fld>
             <a:endParaRPr lang="en-US"/>
           </a:p>
@@ -1938,7 +1881,7 @@
     </p:spTree>
     <p:extLst>
       <p:ext uri="{BB962C8B-B14F-4D97-AF65-F5344CB8AC3E}">
-        <p14:creationId xmlns:p14="http://schemas.microsoft.com/office/powerpoint/2010/main" val="1504573229"/>
+        <p14:creationId xmlns:p14="http://schemas.microsoft.com/office/powerpoint/2010/main" val="2292869806"/>
       </p:ext>
     </p:extLst>
   </p:cSld>
@@ -2065,7 +2008,7 @@
             <a:fld id="{C18343ED-3762-4D46-A439-B4D407E13EF8}" type="slidenum">
               <a:rPr lang="en-US" smtClean="0"/>
               <a:pPr/>
-              <a:t>21</a:t>
+              <a:t>20</a:t>
             </a:fld>
             <a:endParaRPr lang="en-US"/>
           </a:p>
@@ -2074,7 +2017,7 @@
     </p:spTree>
     <p:extLst>
       <p:ext uri="{BB962C8B-B14F-4D97-AF65-F5344CB8AC3E}">
-        <p14:creationId xmlns:p14="http://schemas.microsoft.com/office/powerpoint/2010/main" val="852432278"/>
+        <p14:creationId xmlns:p14="http://schemas.microsoft.com/office/powerpoint/2010/main" val="1504573229"/>
       </p:ext>
     </p:extLst>
   </p:cSld>
@@ -2201,7 +2144,7 @@
             <a:fld id="{C18343ED-3762-4D46-A439-B4D407E13EF8}" type="slidenum">
               <a:rPr lang="en-US" smtClean="0"/>
               <a:pPr/>
-              <a:t>22</a:t>
+              <a:t>21</a:t>
             </a:fld>
             <a:endParaRPr lang="en-US"/>
           </a:p>
@@ -2210,7 +2153,7 @@
     </p:spTree>
     <p:extLst>
       <p:ext uri="{BB962C8B-B14F-4D97-AF65-F5344CB8AC3E}">
-        <p14:creationId xmlns:p14="http://schemas.microsoft.com/office/powerpoint/2010/main" val="418371177"/>
+        <p14:creationId xmlns:p14="http://schemas.microsoft.com/office/powerpoint/2010/main" val="852432278"/>
       </p:ext>
     </p:extLst>
   </p:cSld>
@@ -2265,18 +2208,8 @@
           <a:lstStyle/>
           <a:p>
             <a:r>
-              <a:rPr lang="en-US" dirty="0">
-                <a:cs typeface="Calibri"/>
-              </a:rPr>
-              <a:t>The Python console has two main methods: print and input.</a:t>
-            </a:r>
-          </a:p>
-          <a:p>
-            <a:r>
-              <a:rPr lang="en-US" dirty="0">
-                <a:cs typeface="Calibri"/>
-              </a:rPr>
-              <a:t>Print, like its name, prints whatever is between the brackets, sometimes things might not be printed like we think they will (like Classes instances), we will see them as we progress.</a:t>
+              <a:rPr lang="en-US" dirty="0"/>
+              <a:t>This is the main work area in PyCharm:</a:t>
             </a:r>
             <a:br>
               <a:rPr lang="en-US" dirty="0">
@@ -2287,20 +2220,45 @@
               <a:rPr lang="en-US" dirty="0">
                 <a:cs typeface="Calibri"/>
               </a:rPr>
-              <a:t>Input, like its name, receives an input from the user in the console, and we can of course use them to do different things (</a:t>
-            </a:r>
-            <a:r>
-              <a:rPr lang="en-US" b="1" dirty="0">
-                <a:cs typeface="Calibri"/>
-              </a:rPr>
-              <a:t>inputs are always of type string! Remember that!</a:t>
-            </a:r>
+              <a:t>The Coding section is where you write you code</a:t>
+            </a:r>
+          </a:p>
+          <a:p>
             <a:r>
               <a:rPr lang="en-US" dirty="0">
                 <a:cs typeface="Calibri"/>
               </a:rPr>
-              <a:t>)</a:t>
-            </a:r>
+              <a:t>Menu bar is all the options, setting etc.</a:t>
+            </a:r>
+          </a:p>
+          <a:p>
+            <a:r>
+              <a:rPr lang="en-US" dirty="0">
+                <a:cs typeface="Calibri"/>
+              </a:rPr>
+              <a:t>Project explorer is where all of our current project files and folders are located, we can navigate between them there</a:t>
+            </a:r>
+          </a:p>
+          <a:p>
+            <a:r>
+              <a:rPr lang="en-US" dirty="0">
+                <a:cs typeface="Calibri"/>
+              </a:rPr>
+              <a:t>The tools are our main uses, like the console, terminal, debug section, etc.</a:t>
+            </a:r>
+          </a:p>
+          <a:p>
+            <a:r>
+              <a:rPr lang="en-US" dirty="0">
+                <a:cs typeface="Calibri"/>
+              </a:rPr>
+              <a:t>The run script section is where we run our current open script, of course our script can run our entire project, depends on what's connected to the script we are running</a:t>
+            </a:r>
+          </a:p>
+          <a:p>
+            <a:endParaRPr lang="en-US" dirty="0">
+              <a:cs typeface="Calibri"/>
+            </a:endParaRPr>
           </a:p>
         </p:txBody>
       </p:sp>
@@ -2311,7 +2269,7 @@
             <a:spLocks noGrp="1"/>
           </p:cNvSpPr>
           <p:nvPr>
-            <p:ph type="sldNum" sz="quarter" idx="5"/>
+            <p:ph type="sldNum" sz="quarter" idx="10"/>
           </p:nvPr>
         </p:nvSpPr>
         <p:spPr/>
@@ -2322,7 +2280,7 @@
             <a:fld id="{C18343ED-3762-4D46-A439-B4D407E13EF8}" type="slidenum">
               <a:rPr lang="en-US" smtClean="0"/>
               <a:pPr/>
-              <a:t>26</a:t>
+              <a:t>22</a:t>
             </a:fld>
             <a:endParaRPr lang="en-US"/>
           </a:p>
@@ -2331,7 +2289,7 @@
     </p:spTree>
     <p:extLst>
       <p:ext uri="{BB962C8B-B14F-4D97-AF65-F5344CB8AC3E}">
-        <p14:creationId xmlns:p14="http://schemas.microsoft.com/office/powerpoint/2010/main" val="873478548"/>
+        <p14:creationId xmlns:p14="http://schemas.microsoft.com/office/powerpoint/2010/main" val="418371177"/>
       </p:ext>
     </p:extLst>
   </p:cSld>
@@ -2549,7 +2507,7 @@
             <a:fld id="{C18343ED-3762-4D46-A439-B4D407E13EF8}" type="slidenum">
               <a:rPr lang="en-US" smtClean="0"/>
               <a:pPr/>
-              <a:t>4</a:t>
+              <a:t>3</a:t>
             </a:fld>
             <a:endParaRPr lang="en-US"/>
           </a:p>
@@ -2558,7 +2516,7 @@
     </p:spTree>
     <p:extLst>
       <p:ext uri="{BB962C8B-B14F-4D97-AF65-F5344CB8AC3E}">
-        <p14:creationId xmlns:p14="http://schemas.microsoft.com/office/powerpoint/2010/main" val="118421158"/>
+        <p14:creationId xmlns:p14="http://schemas.microsoft.com/office/powerpoint/2010/main" val="3003253182"/>
       </p:ext>
     </p:extLst>
   </p:cSld>
@@ -2569,6 +2527,127 @@
 </file>
 
 <file path=ppt/notesSlides/notesSlide20.xml><?xml version="1.0" encoding="utf-8"?>
+<p:notes xmlns:a="http://schemas.openxmlformats.org/drawingml/2006/main" xmlns:r="http://schemas.openxmlformats.org/officeDocument/2006/relationships" xmlns:p="http://schemas.openxmlformats.org/presentationml/2006/main">
+  <p:cSld>
+    <p:spTree>
+      <p:nvGrpSpPr>
+        <p:cNvPr id="1" name=""/>
+        <p:cNvGrpSpPr/>
+        <p:nvPr/>
+      </p:nvGrpSpPr>
+      <p:grpSpPr>
+        <a:xfrm>
+          <a:off x="0" y="0"/>
+          <a:ext cx="0" cy="0"/>
+          <a:chOff x="0" y="0"/>
+          <a:chExt cx="0" cy="0"/>
+        </a:xfrm>
+      </p:grpSpPr>
+      <p:sp>
+        <p:nvSpPr>
+          <p:cNvPr id="2" name="Slide Image Placeholder 1"/>
+          <p:cNvSpPr>
+            <a:spLocks noGrp="1" noRot="1" noChangeAspect="1"/>
+          </p:cNvSpPr>
+          <p:nvPr>
+            <p:ph type="sldImg"/>
+          </p:nvPr>
+        </p:nvSpPr>
+        <p:spPr/>
+      </p:sp>
+      <p:sp>
+        <p:nvSpPr>
+          <p:cNvPr id="3" name="Notes Placeholder 2"/>
+          <p:cNvSpPr>
+            <a:spLocks noGrp="1"/>
+          </p:cNvSpPr>
+          <p:nvPr>
+            <p:ph type="body" idx="1"/>
+          </p:nvPr>
+        </p:nvSpPr>
+        <p:spPr/>
+        <p:txBody>
+          <a:bodyPr/>
+          <a:lstStyle/>
+          <a:p>
+            <a:r>
+              <a:rPr lang="en-US" dirty="0">
+                <a:cs typeface="Calibri"/>
+              </a:rPr>
+              <a:t>The Python console has two main methods: print and input.</a:t>
+            </a:r>
+          </a:p>
+          <a:p>
+            <a:r>
+              <a:rPr lang="en-US" dirty="0">
+                <a:cs typeface="Calibri"/>
+              </a:rPr>
+              <a:t>Print, like its name, prints whatever is between the brackets, sometimes things might not be printed like we think they will (like Classes instances), we will see them as we progress.</a:t>
+            </a:r>
+            <a:br>
+              <a:rPr lang="en-US" dirty="0">
+                <a:cs typeface="+mn-lt"/>
+              </a:rPr>
+            </a:br>
+            <a:r>
+              <a:rPr lang="en-US" dirty="0">
+                <a:cs typeface="Calibri"/>
+              </a:rPr>
+              <a:t>Input, like its name, receives an input from the user in the console, and we can of course use them to do different things (</a:t>
+            </a:r>
+            <a:r>
+              <a:rPr lang="en-US" b="1" dirty="0">
+                <a:cs typeface="Calibri"/>
+              </a:rPr>
+              <a:t>inputs are always of type string! Remember that!</a:t>
+            </a:r>
+            <a:r>
+              <a:rPr lang="en-US" dirty="0">
+                <a:cs typeface="Calibri"/>
+              </a:rPr>
+              <a:t>)</a:t>
+            </a:r>
+          </a:p>
+        </p:txBody>
+      </p:sp>
+      <p:sp>
+        <p:nvSpPr>
+          <p:cNvPr id="4" name="Slide Number Placeholder 3"/>
+          <p:cNvSpPr>
+            <a:spLocks noGrp="1"/>
+          </p:cNvSpPr>
+          <p:nvPr>
+            <p:ph type="sldNum" sz="quarter" idx="5"/>
+          </p:nvPr>
+        </p:nvSpPr>
+        <p:spPr/>
+        <p:txBody>
+          <a:bodyPr/>
+          <a:lstStyle/>
+          <a:p>
+            <a:fld id="{C18343ED-3762-4D46-A439-B4D407E13EF8}" type="slidenum">
+              <a:rPr lang="en-US" smtClean="0"/>
+              <a:pPr/>
+              <a:t>26</a:t>
+            </a:fld>
+            <a:endParaRPr lang="en-US"/>
+          </a:p>
+        </p:txBody>
+      </p:sp>
+    </p:spTree>
+    <p:extLst>
+      <p:ext uri="{BB962C8B-B14F-4D97-AF65-F5344CB8AC3E}">
+        <p14:creationId xmlns:p14="http://schemas.microsoft.com/office/powerpoint/2010/main" val="873478548"/>
+      </p:ext>
+    </p:extLst>
+  </p:cSld>
+  <p:clrMapOvr>
+    <a:masterClrMapping/>
+  </p:clrMapOvr>
+</p:notes>
+</file>
+
+<file path=ppt/notesSlides/notesSlide21.xml><?xml version="1.0" encoding="utf-8"?>
 <p:notes xmlns:a="http://schemas.openxmlformats.org/drawingml/2006/main" xmlns:r="http://schemas.openxmlformats.org/officeDocument/2006/relationships" xmlns:p="http://schemas.openxmlformats.org/presentationml/2006/main">
   <p:cSld>
     <p:spTree>
@@ -2897,7 +2976,7 @@
             <a:fld id="{C18343ED-3762-4D46-A439-B4D407E13EF8}" type="slidenum">
               <a:rPr lang="en-US" smtClean="0"/>
               <a:pPr/>
-              <a:t>5</a:t>
+              <a:t>4</a:t>
             </a:fld>
             <a:endParaRPr lang="en-US"/>
           </a:p>
@@ -2906,7 +2985,7 @@
     </p:spTree>
     <p:extLst>
       <p:ext uri="{BB962C8B-B14F-4D97-AF65-F5344CB8AC3E}">
-        <p14:creationId xmlns:p14="http://schemas.microsoft.com/office/powerpoint/2010/main" val="2030585090"/>
+        <p14:creationId xmlns:p14="http://schemas.microsoft.com/office/powerpoint/2010/main" val="118421158"/>
       </p:ext>
     </p:extLst>
   </p:cSld>
@@ -2961,123 +3040,148 @@
           <a:lstStyle/>
           <a:p>
             <a:r>
+              <a:rPr lang="en-US" dirty="0"/>
+              <a:t>Python is dynamically-typed and garbage-collected. It supports multiple programming paradigms, including structured (particularly, procedural), object-oriented and functional programming.</a:t>
+            </a:r>
+          </a:p>
+          <a:p>
+            <a:endParaRPr lang="en-US" sz="1200" dirty="0">
+              <a:cs typeface="Calibri"/>
+            </a:endParaRPr>
+          </a:p>
+          <a:p>
+            <a:r>
               <a:rPr lang="en-US" dirty="0">
-                <a:solidFill>
-                  <a:srgbClr val="000000"/>
-                </a:solidFill>
-                <a:latin typeface="Tahoma"/>
-                <a:ea typeface="Tahoma"/>
-                <a:cs typeface="Tahoma"/>
-              </a:rPr>
-              <a:t>PyCharm is currently one of the most used IDE for python development, It provides code analysis, a graphical debugger, an integrated unit tester, integration with version control systems (VCSes), and supports web development with Django as well as data science with Anaconda.</a:t>
-            </a:r>
-          </a:p>
-          <a:p>
+                <a:cs typeface="Calibri"/>
+              </a:rPr>
+              <a:t>It was built to be as readable as possible, and is </a:t>
+            </a:r>
+            <a:r>
+              <a:rPr lang="en-US" dirty="0"/>
+              <a:t>significant indentation driven (Off-side rule).</a:t>
+            </a:r>
             <a:endParaRPr lang="en-US" dirty="0">
-              <a:solidFill>
-                <a:srgbClr val="000000"/>
-              </a:solidFill>
-              <a:latin typeface="Tahoma"/>
-              <a:ea typeface="Tahoma"/>
-              <a:cs typeface="Tahoma"/>
+              <a:cs typeface="Calibri"/>
             </a:endParaRPr>
           </a:p>
           <a:p>
-            <a:r>
-              <a:rPr lang="en-US" dirty="0">
-                <a:solidFill>
-                  <a:srgbClr val="000000"/>
-                </a:solidFill>
-                <a:latin typeface="Tahoma"/>
-                <a:ea typeface="Tahoma"/>
-                <a:cs typeface="Tahoma"/>
-              </a:rPr>
-              <a:t>It was created by JetBrains</a:t>
-            </a:r>
-          </a:p>
-          <a:p>
+            <a:pPr algn="l" rtl="0" eaLnBrk="1" hangingPunct="1"/>
+            <a:endParaRPr lang="en-US"/>
+          </a:p>
+          <a:p>
+            <a:r>
+              <a:rPr lang="en-US" dirty="0"/>
+              <a:t>The language's core philosophy is summarized in the document </a:t>
+            </a:r>
+            <a:r>
+              <a:rPr lang="en-US" i="1" dirty="0"/>
+              <a:t>The Zen of Python</a:t>
+            </a:r>
+            <a:r>
+              <a:rPr lang="en-US" dirty="0"/>
+              <a:t> (</a:t>
+            </a:r>
+            <a:r>
+              <a:rPr lang="en-US" i="1" dirty="0"/>
+              <a:t>PEP 20</a:t>
+            </a:r>
+            <a:r>
+              <a:rPr lang="en-US" dirty="0"/>
+              <a:t>), which includes aphorisms such as:</a:t>
+            </a:r>
             <a:endParaRPr lang="en-US" dirty="0">
-              <a:solidFill>
-                <a:srgbClr val="000000"/>
-              </a:solidFill>
-              <a:latin typeface="Tahoma"/>
-              <a:ea typeface="Tahoma"/>
-              <a:cs typeface="Tahoma"/>
+              <a:cs typeface="Calibri"/>
             </a:endParaRPr>
           </a:p>
           <a:p>
-            <a:r>
-              <a:rPr lang="en-US" dirty="0">
-                <a:solidFill>
-                  <a:srgbClr val="000000"/>
-                </a:solidFill>
-                <a:latin typeface="Tahoma"/>
-                <a:ea typeface="Tahoma"/>
-                <a:cs typeface="Tahoma"/>
-              </a:rPr>
-              <a:t>It is mostly popular because of many things, such as:</a:t>
-            </a:r>
-          </a:p>
-          <a:p>
-            <a:pPr marL="171450" indent="-171450">
+            <a:pPr marL="285750" indent="-285750">
               <a:buFont typeface="Arial"/>
               <a:buChar char="•"/>
             </a:pPr>
             <a:r>
-              <a:rPr lang="en-US" dirty="0">
-                <a:solidFill>
-                  <a:srgbClr val="000000"/>
-                </a:solidFill>
-                <a:latin typeface="Tahoma"/>
-                <a:ea typeface="Tahoma"/>
-                <a:cs typeface="Tahoma"/>
-              </a:rPr>
-              <a:t>It is considered as an intelligent code editor, fast and safe refactoring, and smart code.</a:t>
-            </a:r>
-          </a:p>
-          <a:p>
-            <a:pPr marL="171450" indent="-171450">
+              <a:rPr lang="en-US" dirty="0"/>
+              <a:t>Beautiful is better than ugly.</a:t>
+            </a:r>
+            <a:endParaRPr lang="en-US" dirty="0">
+              <a:cs typeface="Calibri"/>
+            </a:endParaRPr>
+          </a:p>
+          <a:p>
+            <a:pPr marL="285750" indent="-285750">
               <a:buFont typeface="Arial"/>
               <a:buChar char="•"/>
             </a:pPr>
             <a:r>
-              <a:rPr lang="en-US" dirty="0">
-                <a:solidFill>
-                  <a:srgbClr val="000000"/>
-                </a:solidFill>
-                <a:latin typeface="Tahoma"/>
-                <a:ea typeface="Tahoma"/>
-                <a:cs typeface="Tahoma"/>
-              </a:rPr>
-              <a:t>Features for debugging, profiling, remote development, testing the code, auto code completion, quick fixing, error detection and tools of the database.</a:t>
-            </a:r>
-          </a:p>
-          <a:p>
-            <a:pPr marL="171450" indent="-171450">
+              <a:rPr lang="en-US" dirty="0"/>
+              <a:t>Explicit is better than implicit.</a:t>
+            </a:r>
+            <a:endParaRPr lang="en-US" dirty="0">
+              <a:cs typeface="Calibri"/>
+            </a:endParaRPr>
+          </a:p>
+          <a:p>
+            <a:pPr marL="285750" indent="-285750">
               <a:buFont typeface="Arial"/>
               <a:buChar char="•"/>
             </a:pPr>
             <a:r>
+              <a:rPr lang="en-US" dirty="0"/>
+              <a:t>Simple is better than complex.</a:t>
+            </a:r>
+            <a:endParaRPr lang="en-US" dirty="0">
+              <a:cs typeface="Calibri"/>
+            </a:endParaRPr>
+          </a:p>
+          <a:p>
+            <a:pPr marL="285750" indent="-285750">
+              <a:buFont typeface="Arial"/>
+              <a:buChar char="•"/>
+            </a:pPr>
+            <a:r>
+              <a:rPr lang="en-US" dirty="0"/>
+              <a:t>Complex is better than complicated.</a:t>
+            </a:r>
+            <a:endParaRPr lang="en-US" dirty="0">
+              <a:cs typeface="Calibri"/>
+            </a:endParaRPr>
+          </a:p>
+          <a:p>
+            <a:pPr marL="285750" indent="-285750">
+              <a:buFont typeface="Arial"/>
+              <a:buChar char="•"/>
+            </a:pPr>
+            <a:r>
+              <a:rPr lang="en-US" dirty="0"/>
+              <a:t>Readability counts.</a:t>
+            </a:r>
+            <a:endParaRPr lang="en-US" dirty="0">
+              <a:cs typeface="Calibri"/>
+            </a:endParaRPr>
+          </a:p>
+          <a:p>
+            <a:pPr algn="l"/>
+            <a:endParaRPr lang="en-US" dirty="0">
+              <a:cs typeface="Calibri"/>
+            </a:endParaRPr>
+          </a:p>
+          <a:p>
+            <a:endParaRPr lang="en-US" u="sng"/>
+          </a:p>
+          <a:p>
+            <a:pPr algn="l" rtl="0" eaLnBrk="1" hangingPunct="1"/>
+            <a:r>
+              <a:rPr lang="en-US" u="sng" dirty="0"/>
+              <a:t>For further reading:</a:t>
+            </a:r>
+          </a:p>
+          <a:p>
+            <a:r>
               <a:rPr lang="en-US" dirty="0">
-                <a:solidFill>
-                  <a:srgbClr val="000000"/>
-                </a:solidFill>
-                <a:latin typeface="Tahoma"/>
-                <a:ea typeface="Tahoma"/>
-                <a:cs typeface="Tahoma"/>
-              </a:rPr>
-              <a:t>Support for Popular web technologies, web frameworks, scientific libraries and version control. </a:t>
-            </a:r>
-          </a:p>
-          <a:p>
-            <a:endParaRPr lang="en-US" dirty="0">
-              <a:solidFill>
-                <a:srgbClr val="000000"/>
-              </a:solidFill>
-              <a:latin typeface="Tahoma"/>
-              <a:ea typeface="Tahoma"/>
-              <a:cs typeface="Tahoma"/>
-            </a:endParaRPr>
+                <a:hlinkClick r:id="rId3"/>
+              </a:rPr>
+              <a:t>Python (programming language) - Wikipedia</a:t>
+            </a:r>
+            <a:endParaRPr lang="en-US"/>
           </a:p>
         </p:txBody>
       </p:sp>
@@ -3099,7 +3203,7 @@
             <a:fld id="{C18343ED-3762-4D46-A439-B4D407E13EF8}" type="slidenum">
               <a:rPr lang="en-US" smtClean="0"/>
               <a:pPr/>
-              <a:t>8</a:t>
+              <a:t>5</a:t>
             </a:fld>
             <a:endParaRPr lang="en-US"/>
           </a:p>
@@ -3108,7 +3212,7 @@
     </p:spTree>
     <p:extLst>
       <p:ext uri="{BB962C8B-B14F-4D97-AF65-F5344CB8AC3E}">
-        <p14:creationId xmlns:p14="http://schemas.microsoft.com/office/powerpoint/2010/main" val="3013686146"/>
+        <p14:creationId xmlns:p14="http://schemas.microsoft.com/office/powerpoint/2010/main" val="2030585090"/>
       </p:ext>
     </p:extLst>
   </p:cSld>
@@ -3301,7 +3405,7 @@
             <a:fld id="{C18343ED-3762-4D46-A439-B4D407E13EF8}" type="slidenum">
               <a:rPr lang="en-US" smtClean="0"/>
               <a:pPr/>
-              <a:t>9</a:t>
+              <a:t>8</a:t>
             </a:fld>
             <a:endParaRPr lang="en-US"/>
           </a:p>
@@ -3310,7 +3414,7 @@
     </p:spTree>
     <p:extLst>
       <p:ext uri="{BB962C8B-B14F-4D97-AF65-F5344CB8AC3E}">
-        <p14:creationId xmlns:p14="http://schemas.microsoft.com/office/powerpoint/2010/main" val="4088648762"/>
+        <p14:creationId xmlns:p14="http://schemas.microsoft.com/office/powerpoint/2010/main" val="3013686146"/>
       </p:ext>
     </p:extLst>
   </p:cSld>
@@ -3503,7 +3607,7 @@
             <a:fld id="{C18343ED-3762-4D46-A439-B4D407E13EF8}" type="slidenum">
               <a:rPr lang="en-US" smtClean="0"/>
               <a:pPr/>
-              <a:t>10</a:t>
+              <a:t>9</a:t>
             </a:fld>
             <a:endParaRPr lang="en-US"/>
           </a:p>
@@ -3512,7 +3616,7 @@
     </p:spTree>
     <p:extLst>
       <p:ext uri="{BB962C8B-B14F-4D97-AF65-F5344CB8AC3E}">
-        <p14:creationId xmlns:p14="http://schemas.microsoft.com/office/powerpoint/2010/main" val="1157867576"/>
+        <p14:creationId xmlns:p14="http://schemas.microsoft.com/office/powerpoint/2010/main" val="4088648762"/>
       </p:ext>
     </p:extLst>
   </p:cSld>
@@ -3705,7 +3809,7 @@
             <a:fld id="{C18343ED-3762-4D46-A439-B4D407E13EF8}" type="slidenum">
               <a:rPr lang="en-US" smtClean="0"/>
               <a:pPr/>
-              <a:t>11</a:t>
+              <a:t>10</a:t>
             </a:fld>
             <a:endParaRPr lang="en-US"/>
           </a:p>
@@ -3714,7 +3818,7 @@
     </p:spTree>
     <p:extLst>
       <p:ext uri="{BB962C8B-B14F-4D97-AF65-F5344CB8AC3E}">
-        <p14:creationId xmlns:p14="http://schemas.microsoft.com/office/powerpoint/2010/main" val="849729191"/>
+        <p14:creationId xmlns:p14="http://schemas.microsoft.com/office/powerpoint/2010/main" val="1157867576"/>
       </p:ext>
     </p:extLst>
   </p:cSld>
@@ -3907,7 +4011,7 @@
             <a:fld id="{C18343ED-3762-4D46-A439-B4D407E13EF8}" type="slidenum">
               <a:rPr lang="en-US" smtClean="0"/>
               <a:pPr/>
-              <a:t>12</a:t>
+              <a:t>11</a:t>
             </a:fld>
             <a:endParaRPr lang="en-US"/>
           </a:p>
@@ -3916,7 +4020,7 @@
     </p:spTree>
     <p:extLst>
       <p:ext uri="{BB962C8B-B14F-4D97-AF65-F5344CB8AC3E}">
-        <p14:creationId xmlns:p14="http://schemas.microsoft.com/office/powerpoint/2010/main" val="2779813135"/>
+        <p14:creationId xmlns:p14="http://schemas.microsoft.com/office/powerpoint/2010/main" val="849729191"/>
       </p:ext>
     </p:extLst>
   </p:cSld>
@@ -4109,7 +4213,7 @@
             <a:fld id="{C18343ED-3762-4D46-A439-B4D407E13EF8}" type="slidenum">
               <a:rPr lang="en-US" smtClean="0"/>
               <a:pPr/>
-              <a:t>13</a:t>
+              <a:t>12</a:t>
             </a:fld>
             <a:endParaRPr lang="en-US"/>
           </a:p>
@@ -4118,7 +4222,7 @@
     </p:spTree>
     <p:extLst>
       <p:ext uri="{BB962C8B-B14F-4D97-AF65-F5344CB8AC3E}">
-        <p14:creationId xmlns:p14="http://schemas.microsoft.com/office/powerpoint/2010/main" val="89710469"/>
+        <p14:creationId xmlns:p14="http://schemas.microsoft.com/office/powerpoint/2010/main" val="2779813135"/>
       </p:ext>
     </p:extLst>
   </p:cSld>
@@ -4277,7 +4381,7 @@
           <a:p>
             <a:fld id="{A9D9B7D1-305C-49A9-9D59-000E5D30F1FD}" type="datetimeFigureOut">
               <a:rPr lang="he-IL" smtClean="0"/>
-              <a:t>ט"ז/תמוז/תשפ"ג</a:t>
+              <a:t>כ'/תמוז/תשפ"ג</a:t>
             </a:fld>
             <a:endParaRPr lang="he-IL"/>
           </a:p>
@@ -4477,7 +4581,7 @@
           <a:p>
             <a:fld id="{A9D9B7D1-305C-49A9-9D59-000E5D30F1FD}" type="datetimeFigureOut">
               <a:rPr lang="he-IL" smtClean="0"/>
-              <a:t>ט"ז/תמוז/תשפ"ג</a:t>
+              <a:t>כ'/תמוז/תשפ"ג</a:t>
             </a:fld>
             <a:endParaRPr lang="he-IL"/>
           </a:p>
@@ -4687,7 +4791,7 @@
           <a:p>
             <a:fld id="{A9D9B7D1-305C-49A9-9D59-000E5D30F1FD}" type="datetimeFigureOut">
               <a:rPr lang="he-IL" smtClean="0"/>
-              <a:t>ט"ז/תמוז/תשפ"ג</a:t>
+              <a:t>כ'/תמוז/תשפ"ג</a:t>
             </a:fld>
             <a:endParaRPr lang="he-IL"/>
           </a:p>
@@ -4761,298 +4865,6 @@
 </file>
 
 <file path=ppt/slideLayouts/slideLayout12.xml><?xml version="1.0" encoding="utf-8"?>
-<p:sldLayout xmlns:a="http://schemas.openxmlformats.org/drawingml/2006/main" xmlns:r="http://schemas.openxmlformats.org/officeDocument/2006/relationships" xmlns:p="http://schemas.openxmlformats.org/presentationml/2006/main" userDrawn="1">
-  <p:cSld name="1_Title Slide">
-    <p:spTree>
-      <p:nvGrpSpPr>
-        <p:cNvPr id="1" name=""/>
-        <p:cNvGrpSpPr/>
-        <p:nvPr/>
-      </p:nvGrpSpPr>
-      <p:grpSpPr>
-        <a:xfrm>
-          <a:off x="0" y="0"/>
-          <a:ext cx="0" cy="0"/>
-          <a:chOff x="0" y="0"/>
-          <a:chExt cx="0" cy="0"/>
-        </a:xfrm>
-      </p:grpSpPr>
-      <p:sp>
-        <p:nvSpPr>
-          <p:cNvPr id="2" name="Title 1"/>
-          <p:cNvSpPr>
-            <a:spLocks noGrp="1"/>
-          </p:cNvSpPr>
-          <p:nvPr>
-            <p:ph type="ctrTitle"/>
-          </p:nvPr>
-        </p:nvSpPr>
-        <p:spPr>
-          <a:xfrm>
-            <a:off x="774049" y="1340768"/>
-            <a:ext cx="9850763" cy="1085850"/>
-          </a:xfrm>
-        </p:spPr>
-        <p:txBody>
-          <a:bodyPr vert="horz" lIns="0" tIns="45720" rIns="91440" bIns="45720" rtlCol="0" anchor="t" anchorCtr="0">
-            <a:normAutofit/>
-          </a:bodyPr>
-          <a:lstStyle>
-            <a:lvl1pPr>
-              <a:defRPr lang="en-US" sz="3200" dirty="0">
-                <a:ln w="3175">
-                  <a:noFill/>
-                </a:ln>
-              </a:defRPr>
-            </a:lvl1pPr>
-          </a:lstStyle>
-          <a:p>
-            <a:pPr lvl="0"/>
-            <a:r>
-              <a:rPr lang="en-US"/>
-              <a:t>Click to edit Master title style</a:t>
-            </a:r>
-          </a:p>
-        </p:txBody>
-      </p:sp>
-      <p:sp>
-        <p:nvSpPr>
-          <p:cNvPr id="11" name="TextBox 10"/>
-          <p:cNvSpPr txBox="1"/>
-          <p:nvPr userDrawn="1"/>
-        </p:nvSpPr>
-        <p:spPr>
-          <a:xfrm>
-            <a:off x="774050" y="6362070"/>
-            <a:ext cx="10506527" cy="261610"/>
-          </a:xfrm>
-          <a:prstGeom prst="rect">
-            <a:avLst/>
-          </a:prstGeom>
-          <a:noFill/>
-        </p:spPr>
-        <p:txBody>
-          <a:bodyPr wrap="square" lIns="0" rtlCol="0">
-            <a:spAutoFit/>
-          </a:bodyPr>
-          <a:lstStyle/>
-          <a:p>
-            <a:pPr algn="l"/>
-            <a:r>
-              <a:rPr lang="en-US" sz="1100" kern="1200">
-                <a:solidFill>
-                  <a:schemeClr val="tx1">
-                    <a:lumMod val="85000"/>
-                    <a:lumOff val="15000"/>
-                  </a:schemeClr>
-                </a:solidFill>
-                <a:latin typeface="Segoe" panose="020B0502040504020203" pitchFamily="34" charset="0"/>
-                <a:ea typeface="+mn-ea"/>
-                <a:cs typeface="+mn-cs"/>
-              </a:rPr>
-              <a:t>Copyright © SELA Software &amp; Education Labs, Ltd. | 14-18 Baruch Hirsch St., </a:t>
-            </a:r>
-            <a:r>
-              <a:rPr lang="en-US" sz="1100" kern="1200" err="1">
-                <a:solidFill>
-                  <a:schemeClr val="tx1">
-                    <a:lumMod val="85000"/>
-                    <a:lumOff val="15000"/>
-                  </a:schemeClr>
-                </a:solidFill>
-                <a:latin typeface="Segoe" panose="020B0502040504020203" pitchFamily="34" charset="0"/>
-                <a:ea typeface="+mn-ea"/>
-                <a:cs typeface="+mn-cs"/>
-              </a:rPr>
-              <a:t>Bnei</a:t>
-            </a:r>
-            <a:r>
-              <a:rPr lang="en-US" sz="1100" kern="1200">
-                <a:solidFill>
-                  <a:schemeClr val="tx1">
-                    <a:lumMod val="85000"/>
-                    <a:lumOff val="15000"/>
-                  </a:schemeClr>
-                </a:solidFill>
-                <a:latin typeface="Segoe" panose="020B0502040504020203" pitchFamily="34" charset="0"/>
-                <a:ea typeface="+mn-ea"/>
-                <a:cs typeface="+mn-cs"/>
-              </a:rPr>
-              <a:t> </a:t>
-            </a:r>
-            <a:r>
-              <a:rPr lang="en-US" sz="1100" kern="1200" err="1">
-                <a:solidFill>
-                  <a:schemeClr val="tx1">
-                    <a:lumMod val="85000"/>
-                    <a:lumOff val="15000"/>
-                  </a:schemeClr>
-                </a:solidFill>
-                <a:latin typeface="Segoe" panose="020B0502040504020203" pitchFamily="34" charset="0"/>
-                <a:ea typeface="+mn-ea"/>
-                <a:cs typeface="+mn-cs"/>
-              </a:rPr>
-              <a:t>Brak</a:t>
-            </a:r>
-            <a:r>
-              <a:rPr lang="en-US" sz="1100" kern="1200">
-                <a:solidFill>
-                  <a:schemeClr val="tx1">
-                    <a:lumMod val="85000"/>
-                    <a:lumOff val="15000"/>
-                  </a:schemeClr>
-                </a:solidFill>
-                <a:latin typeface="Segoe" panose="020B0502040504020203" pitchFamily="34" charset="0"/>
-                <a:ea typeface="+mn-ea"/>
-                <a:cs typeface="+mn-cs"/>
-              </a:rPr>
-              <a:t> 51202, Israel | www.selagroup.com</a:t>
-            </a:r>
-            <a:endParaRPr lang="en-US" sz="800">
-              <a:solidFill>
-                <a:schemeClr val="tx1">
-                  <a:lumMod val="85000"/>
-                  <a:lumOff val="15000"/>
-                </a:schemeClr>
-              </a:solidFill>
-              <a:latin typeface="Segoe" panose="020B0502040504020203" pitchFamily="34" charset="0"/>
-            </a:endParaRPr>
-          </a:p>
-        </p:txBody>
-      </p:sp>
-      <p:pic>
-        <p:nvPicPr>
-          <p:cNvPr id="13" name="Picture 12"/>
-          <p:cNvPicPr>
-            <a:picLocks noChangeAspect="1"/>
-          </p:cNvPicPr>
-          <p:nvPr userDrawn="1"/>
-        </p:nvPicPr>
-        <p:blipFill>
-          <a:blip r:embed="rId2" cstate="print">
-            <a:extLst>
-              <a:ext uri="{28A0092B-C50C-407E-A947-70E740481C1C}">
-                <a14:useLocalDpi xmlns:a14="http://schemas.microsoft.com/office/drawing/2010/main" val="0"/>
-              </a:ext>
-            </a:extLst>
-          </a:blip>
-          <a:stretch>
-            <a:fillRect/>
-          </a:stretch>
-        </p:blipFill>
-        <p:spPr>
-          <a:xfrm>
-            <a:off x="774050" y="534798"/>
-            <a:ext cx="3509932" cy="483907"/>
-          </a:xfrm>
-          <a:prstGeom prst="rect">
-            <a:avLst/>
-          </a:prstGeom>
-        </p:spPr>
-      </p:pic>
-      <p:sp>
-        <p:nvSpPr>
-          <p:cNvPr id="7" name="Text Placeholder 6"/>
-          <p:cNvSpPr>
-            <a:spLocks noGrp="1"/>
-          </p:cNvSpPr>
-          <p:nvPr>
-            <p:ph type="body" sz="quarter" idx="10"/>
-          </p:nvPr>
-        </p:nvSpPr>
-        <p:spPr>
-          <a:xfrm>
-            <a:off x="774701" y="2427289"/>
-            <a:ext cx="9850967" cy="1362075"/>
-          </a:xfrm>
-          <a:prstGeom prst="rect">
-            <a:avLst/>
-          </a:prstGeom>
-        </p:spPr>
-        <p:txBody>
-          <a:bodyPr/>
-          <a:lstStyle>
-            <a:lvl1pPr marL="0" marR="0" indent="0" algn="l" defTabSz="914400" rtl="0" eaLnBrk="1" fontAlgn="auto" latinLnBrk="0" hangingPunct="1">
-              <a:lnSpc>
-                <a:spcPct val="100000"/>
-              </a:lnSpc>
-              <a:spcBef>
-                <a:spcPct val="20000"/>
-              </a:spcBef>
-              <a:spcAft>
-                <a:spcPts val="0"/>
-              </a:spcAft>
-              <a:buClrTx/>
-              <a:buSzTx/>
-              <a:buFontTx/>
-              <a:buNone/>
-              <a:tabLst/>
-              <a:defRPr>
-                <a:solidFill>
-                  <a:srgbClr val="E89636"/>
-                </a:solidFill>
-              </a:defRPr>
-            </a:lvl1pPr>
-            <a:lvl2pPr marL="457200" indent="0" algn="l" rtl="0">
-              <a:buFontTx/>
-              <a:buNone/>
-              <a:defRPr/>
-            </a:lvl2pPr>
-            <a:lvl3pPr marL="914400" indent="0" algn="l" rtl="0">
-              <a:buFontTx/>
-              <a:buNone/>
-              <a:defRPr/>
-            </a:lvl3pPr>
-            <a:lvl4pPr marL="1371600" indent="0" algn="l" rtl="0">
-              <a:buFontTx/>
-              <a:buNone/>
-              <a:defRPr/>
-            </a:lvl4pPr>
-            <a:lvl5pPr marL="1828800" indent="0" algn="l" rtl="0">
-              <a:buFontTx/>
-              <a:buNone/>
-              <a:defRPr/>
-            </a:lvl5pPr>
-          </a:lstStyle>
-          <a:p>
-            <a:pPr lvl="0"/>
-            <a:r>
-              <a:rPr lang="en-US"/>
-              <a:t>Click to edit Master text styles</a:t>
-            </a:r>
-          </a:p>
-        </p:txBody>
-      </p:sp>
-    </p:spTree>
-    <p:extLst>
-      <p:ext uri="{BB962C8B-B14F-4D97-AF65-F5344CB8AC3E}">
-        <p14:creationId xmlns:p14="http://schemas.microsoft.com/office/powerpoint/2010/main" val="2797336940"/>
-      </p:ext>
-    </p:extLst>
-  </p:cSld>
-  <p:clrMapOvr>
-    <a:masterClrMapping/>
-  </p:clrMapOvr>
-  <p:extLst>
-    <p:ext uri="{DCECCB84-F9BA-43D5-87BE-67443E8EF086}">
-      <p15:sldGuideLst xmlns:p15="http://schemas.microsoft.com/office/powerpoint/2012/main">
-        <p15:guide id="1" orient="horz" pos="789">
-          <p15:clr>
-            <a:srgbClr val="FBAE40"/>
-          </p15:clr>
-        </p15:guide>
-        <p15:guide id="2" pos="612">
-          <p15:clr>
-            <a:srgbClr val="FBAE40"/>
-          </p15:clr>
-        </p15:guide>
-      </p15:sldGuideLst>
-    </p:ext>
-  </p:extLst>
-</p:sldLayout>
-</file>
-
-<file path=ppt/slideLayouts/slideLayout13.xml><?xml version="1.0" encoding="utf-8"?>
 <p:sldLayout xmlns:a="http://schemas.openxmlformats.org/drawingml/2006/main" xmlns:r="http://schemas.openxmlformats.org/officeDocument/2006/relationships" xmlns:p="http://schemas.openxmlformats.org/presentationml/2006/main" userDrawn="1">
   <p:cSld name="ModuleAgenda">
     <p:spTree>
@@ -5179,7 +4991,7 @@
 </p:sldLayout>
 </file>
 
-<file path=ppt/slideLayouts/slideLayout14.xml><?xml version="1.0" encoding="utf-8"?>
+<file path=ppt/slideLayouts/slideLayout13.xml><?xml version="1.0" encoding="utf-8"?>
 <p:sldLayout xmlns:a="http://schemas.openxmlformats.org/drawingml/2006/main" xmlns:r="http://schemas.openxmlformats.org/officeDocument/2006/relationships" xmlns:p="http://schemas.openxmlformats.org/presentationml/2006/main" userDrawn="1">
   <p:cSld name="Empty Page">
     <p:spTree>
@@ -5322,7 +5134,7 @@
 </p:sldLayout>
 </file>
 
-<file path=ppt/slideLayouts/slideLayout15.xml><?xml version="1.0" encoding="utf-8"?>
+<file path=ppt/slideLayouts/slideLayout14.xml><?xml version="1.0" encoding="utf-8"?>
 <p:sldLayout xmlns:a="http://schemas.openxmlformats.org/drawingml/2006/main" xmlns:r="http://schemas.openxmlformats.org/officeDocument/2006/relationships" xmlns:p="http://schemas.openxmlformats.org/presentationml/2006/main" userDrawn="1">
   <p:cSld name="Demo Page">
     <p:spTree>
@@ -5839,7 +5651,7 @@
 </p:sldLayout>
 </file>
 
-<file path=ppt/slideLayouts/slideLayout16.xml><?xml version="1.0" encoding="utf-8"?>
+<file path=ppt/slideLayouts/slideLayout15.xml><?xml version="1.0" encoding="utf-8"?>
 <p:sldLayout xmlns:a="http://schemas.openxmlformats.org/drawingml/2006/main" xmlns:r="http://schemas.openxmlformats.org/officeDocument/2006/relationships" xmlns:p="http://schemas.openxmlformats.org/presentationml/2006/main" userDrawn="1">
   <p:cSld name="BulkCode">
     <p:spTree>
@@ -6004,7 +5816,7 @@
 </p:sldLayout>
 </file>
 
-<file path=ppt/slideLayouts/slideLayout17.xml><?xml version="1.0" encoding="utf-8"?>
+<file path=ppt/slideLayouts/slideLayout16.xml><?xml version="1.0" encoding="utf-8"?>
 <p:sldLayout xmlns:a="http://schemas.openxmlformats.org/drawingml/2006/main" xmlns:r="http://schemas.openxmlformats.org/officeDocument/2006/relationships" xmlns:p="http://schemas.openxmlformats.org/presentationml/2006/main" userDrawn="1">
   <p:cSld name="Lab">
     <p:spTree>
@@ -6521,7 +6333,7 @@
 </p:sldLayout>
 </file>
 
-<file path=ppt/slideLayouts/slideLayout18.xml><?xml version="1.0" encoding="utf-8"?>
+<file path=ppt/slideLayouts/slideLayout17.xml><?xml version="1.0" encoding="utf-8"?>
 <p:sldLayout xmlns:a="http://schemas.openxmlformats.org/drawingml/2006/main" xmlns:r="http://schemas.openxmlformats.org/officeDocument/2006/relationships" xmlns:p="http://schemas.openxmlformats.org/presentationml/2006/main" userDrawn="1">
   <p:cSld name="Summary">
     <p:spTree>
@@ -6648,7 +6460,7 @@
 </p:sldLayout>
 </file>
 
-<file path=ppt/slideLayouts/slideLayout19.xml><?xml version="1.0" encoding="utf-8"?>
+<file path=ppt/slideLayouts/slideLayout18.xml><?xml version="1.0" encoding="utf-8"?>
 <p:sldLayout xmlns:a="http://schemas.openxmlformats.org/drawingml/2006/main" xmlns:r="http://schemas.openxmlformats.org/officeDocument/2006/relationships" xmlns:p="http://schemas.openxmlformats.org/presentationml/2006/main" userDrawn="1">
   <p:cSld name="Questions">
     <p:spTree>
@@ -7129,6 +6941,63 @@
 </p:sldLayout>
 </file>
 
+<file path=ppt/slideLayouts/slideLayout19.xml><?xml version="1.0" encoding="utf-8"?>
+<p:sldLayout xmlns:a="http://schemas.openxmlformats.org/drawingml/2006/main" xmlns:r="http://schemas.openxmlformats.org/officeDocument/2006/relationships" xmlns:p="http://schemas.openxmlformats.org/presentationml/2006/main" matchingName="6_Title Slide">
+  <p:cSld name="6_Title Slide">
+    <p:spTree>
+      <p:nvGrpSpPr>
+        <p:cNvPr id="1" name="Shape 16"/>
+        <p:cNvGrpSpPr/>
+        <p:nvPr/>
+      </p:nvGrpSpPr>
+      <p:grpSpPr>
+        <a:xfrm>
+          <a:off x="0" y="0"/>
+          <a:ext cx="0" cy="0"/>
+          <a:chOff x="0" y="0"/>
+          <a:chExt cx="0" cy="0"/>
+        </a:xfrm>
+      </p:grpSpPr>
+      <p:pic>
+        <p:nvPicPr>
+          <p:cNvPr id="17" name="Google Shape;17;p10"/>
+          <p:cNvPicPr preferRelativeResize="0"/>
+          <p:nvPr/>
+        </p:nvPicPr>
+        <p:blipFill rotWithShape="1">
+          <a:blip r:embed="rId2">
+            <a:alphaModFix/>
+          </a:blip>
+          <a:srcRect/>
+          <a:stretch/>
+        </p:blipFill>
+        <p:spPr>
+          <a:xfrm>
+            <a:off x="10668000" y="5981612"/>
+            <a:ext cx="1246029" cy="511263"/>
+          </a:xfrm>
+          <a:prstGeom prst="rect">
+            <a:avLst/>
+          </a:prstGeom>
+          <a:noFill/>
+          <a:ln>
+            <a:noFill/>
+          </a:ln>
+        </p:spPr>
+      </p:pic>
+    </p:spTree>
+    <p:extLst>
+      <p:ext uri="{BB962C8B-B14F-4D97-AF65-F5344CB8AC3E}">
+        <p14:creationId xmlns:p14="http://schemas.microsoft.com/office/powerpoint/2010/main" val="3345507412"/>
+      </p:ext>
+    </p:extLst>
+  </p:cSld>
+  <p:clrMapOvr>
+    <a:masterClrMapping/>
+  </p:clrMapOvr>
+</p:sldLayout>
+</file>
+
 <file path=ppt/slideLayouts/slideLayout2.xml><?xml version="1.0" encoding="utf-8"?>
 <p:sldLayout xmlns:a="http://schemas.openxmlformats.org/drawingml/2006/main" xmlns:r="http://schemas.openxmlformats.org/officeDocument/2006/relationships" xmlns:p="http://schemas.openxmlformats.org/presentationml/2006/main" type="obj" preserve="1">
   <p:cSld name="Title and Content">
@@ -7256,7 +7125,7 @@
           <a:p>
             <a:fld id="{A9D9B7D1-305C-49A9-9D59-000E5D30F1FD}" type="datetimeFigureOut">
               <a:rPr lang="he-IL" smtClean="0"/>
-              <a:t>ט"ז/תמוז/תשפ"ג</a:t>
+              <a:t>כ'/תמוז/תשפ"ג</a:t>
             </a:fld>
             <a:endParaRPr lang="he-IL"/>
           </a:p>
@@ -7532,7 +7401,7 @@
           <a:p>
             <a:fld id="{A9D9B7D1-305C-49A9-9D59-000E5D30F1FD}" type="datetimeFigureOut">
               <a:rPr lang="he-IL" smtClean="0"/>
-              <a:t>ט"ז/תמוז/תשפ"ג</a:t>
+              <a:t>כ'/תמוז/תשפ"ג</a:t>
             </a:fld>
             <a:endParaRPr lang="he-IL"/>
           </a:p>
@@ -7800,7 +7669,7 @@
           <a:p>
             <a:fld id="{A9D9B7D1-305C-49A9-9D59-000E5D30F1FD}" type="datetimeFigureOut">
               <a:rPr lang="he-IL" smtClean="0"/>
-              <a:t>ט"ז/תמוז/תשפ"ג</a:t>
+              <a:t>כ'/תמוז/תשפ"ג</a:t>
             </a:fld>
             <a:endParaRPr lang="he-IL"/>
           </a:p>
@@ -8215,7 +8084,7 @@
           <a:p>
             <a:fld id="{A9D9B7D1-305C-49A9-9D59-000E5D30F1FD}" type="datetimeFigureOut">
               <a:rPr lang="he-IL" smtClean="0"/>
-              <a:t>ט"ז/תמוז/תשפ"ג</a:t>
+              <a:t>כ'/תמוז/תשפ"ג</a:t>
             </a:fld>
             <a:endParaRPr lang="he-IL"/>
           </a:p>
@@ -8357,7 +8226,7 @@
           <a:p>
             <a:fld id="{A9D9B7D1-305C-49A9-9D59-000E5D30F1FD}" type="datetimeFigureOut">
               <a:rPr lang="he-IL" smtClean="0"/>
-              <a:t>ט"ז/תמוז/תשפ"ג</a:t>
+              <a:t>כ'/תמוז/תשפ"ג</a:t>
             </a:fld>
             <a:endParaRPr lang="he-IL"/>
           </a:p>
@@ -8470,7 +8339,7 @@
           <a:p>
             <a:fld id="{A9D9B7D1-305C-49A9-9D59-000E5D30F1FD}" type="datetimeFigureOut">
               <a:rPr lang="he-IL" smtClean="0"/>
-              <a:t>ט"ז/תמוז/תשפ"ג</a:t>
+              <a:t>כ'/תמוז/תשפ"ג</a:t>
             </a:fld>
             <a:endParaRPr lang="he-IL"/>
           </a:p>
@@ -8783,7 +8652,7 @@
           <a:p>
             <a:fld id="{A9D9B7D1-305C-49A9-9D59-000E5D30F1FD}" type="datetimeFigureOut">
               <a:rPr lang="he-IL" smtClean="0"/>
-              <a:t>ט"ז/תמוז/תשפ"ג</a:t>
+              <a:t>כ'/תמוז/תשפ"ג</a:t>
             </a:fld>
             <a:endParaRPr lang="he-IL"/>
           </a:p>
@@ -9072,7 +8941,7 @@
           <a:p>
             <a:fld id="{A9D9B7D1-305C-49A9-9D59-000E5D30F1FD}" type="datetimeFigureOut">
               <a:rPr lang="he-IL" smtClean="0"/>
-              <a:t>ט"ז/תמוז/תשפ"ג</a:t>
+              <a:t>כ'/תמוז/תשפ"ג</a:t>
             </a:fld>
             <a:endParaRPr lang="he-IL"/>
           </a:p>
@@ -9315,7 +9184,7 @@
           <a:p>
             <a:fld id="{A9D9B7D1-305C-49A9-9D59-000E5D30F1FD}" type="datetimeFigureOut">
               <a:rPr lang="he-IL" smtClean="0"/>
-              <a:t>ט"ז/תמוז/תשפ"ג</a:t>
+              <a:t>כ'/תמוז/תשפ"ג</a:t>
             </a:fld>
             <a:endParaRPr lang="he-IL"/>
           </a:p>
@@ -9431,14 +9300,14 @@
     <p:sldLayoutId id="2147483657" r:id="rId9"/>
     <p:sldLayoutId id="2147483658" r:id="rId10"/>
     <p:sldLayoutId id="2147483659" r:id="rId11"/>
-    <p:sldLayoutId id="2147483660" r:id="rId12"/>
-    <p:sldLayoutId id="2147483661" r:id="rId13"/>
-    <p:sldLayoutId id="2147483663" r:id="rId14"/>
-    <p:sldLayoutId id="2147483665" r:id="rId15"/>
-    <p:sldLayoutId id="2147483666" r:id="rId16"/>
-    <p:sldLayoutId id="2147483667" r:id="rId17"/>
-    <p:sldLayoutId id="2147483669" r:id="rId18"/>
-    <p:sldLayoutId id="2147483670" r:id="rId19"/>
+    <p:sldLayoutId id="2147483661" r:id="rId12"/>
+    <p:sldLayoutId id="2147483663" r:id="rId13"/>
+    <p:sldLayoutId id="2147483665" r:id="rId14"/>
+    <p:sldLayoutId id="2147483666" r:id="rId15"/>
+    <p:sldLayoutId id="2147483667" r:id="rId16"/>
+    <p:sldLayoutId id="2147483669" r:id="rId17"/>
+    <p:sldLayoutId id="2147483670" r:id="rId18"/>
+    <p:sldLayoutId id="2147483671" r:id="rId19"/>
   </p:sldLayoutIdLst>
   <p:txStyles>
     <p:titleStyle>
@@ -9728,7 +9597,7 @@
   <p:cSld>
     <p:spTree>
       <p:nvGrpSpPr>
-        <p:cNvPr id="1" name=""/>
+        <p:cNvPr id="1" name="Shape 161"/>
         <p:cNvGrpSpPr/>
         <p:nvPr/>
       </p:nvGrpSpPr>
@@ -9742,50 +9611,501 @@
       </p:grpSpPr>
       <p:sp>
         <p:nvSpPr>
-          <p:cNvPr id="2" name="Title 1"/>
-          <p:cNvSpPr>
-            <a:spLocks noGrp="1"/>
-          </p:cNvSpPr>
-          <p:nvPr>
-            <p:ph type="ctrTitle"/>
-          </p:nvPr>
+          <p:cNvPr id="162" name="Google Shape;162;p3"/>
+          <p:cNvSpPr/>
+          <p:nvPr/>
         </p:nvSpPr>
         <p:spPr>
           <a:xfrm>
-            <a:off x="2135560" y="1700808"/>
-            <a:ext cx="7388072" cy="1085850"/>
+            <a:off x="753215" y="731221"/>
+            <a:ext cx="1852408" cy="1804715"/>
           </a:xfrm>
+          <a:prstGeom prst="rect">
+            <a:avLst/>
+          </a:prstGeom>
+          <a:noFill/>
+          <a:ln w="114300" cap="flat" cmpd="sng">
+            <a:solidFill>
+              <a:srgbClr val="0071F6"/>
+            </a:solidFill>
+            <a:prstDash val="solid"/>
+            <a:miter lim="800000"/>
+            <a:headEnd type="none" w="sm" len="sm"/>
+            <a:tailEnd type="none" w="sm" len="sm"/>
+          </a:ln>
         </p:spPr>
         <p:txBody>
-          <a:bodyPr>
-            <a:normAutofit/>
+          <a:bodyPr spcFirstLastPara="1" wrap="square" lIns="91425" tIns="45700" rIns="91425" bIns="45700" anchor="ctr" anchorCtr="0">
+            <a:noAutofit/>
           </a:bodyPr>
           <a:lstStyle/>
           <a:p>
-            <a:r>
-              <a:rPr lang="en-US" dirty="0"/>
+            <a:pPr marL="0" marR="0" lvl="0" indent="0" algn="ctr" rtl="0">
+              <a:spcBef>
+                <a:spcPts val="0"/>
+              </a:spcBef>
+              <a:spcAft>
+                <a:spcPts val="0"/>
+              </a:spcAft>
+              <a:buNone/>
+            </a:pPr>
+            <a:endParaRPr sz="10000" b="0" i="0" u="none" strike="noStrike" cap="none">
+              <a:solidFill>
+                <a:schemeClr val="lt1"/>
+              </a:solidFill>
+              <a:latin typeface="Calibri"/>
+              <a:ea typeface="Calibri"/>
+              <a:cs typeface="Calibri"/>
+              <a:sym typeface="Calibri"/>
+            </a:endParaRPr>
+          </a:p>
+        </p:txBody>
+      </p:sp>
+      <p:sp>
+        <p:nvSpPr>
+          <p:cNvPr id="163" name="Google Shape;163;p3"/>
+          <p:cNvSpPr/>
+          <p:nvPr/>
+        </p:nvSpPr>
+        <p:spPr>
+          <a:xfrm>
+            <a:off x="1024128" y="974550"/>
+            <a:ext cx="1938528" cy="1220010"/>
+          </a:xfrm>
+          <a:prstGeom prst="rect">
+            <a:avLst/>
+          </a:prstGeom>
+          <a:solidFill>
+            <a:schemeClr val="lt1"/>
+          </a:solidFill>
+          <a:ln>
+            <a:noFill/>
+          </a:ln>
+        </p:spPr>
+        <p:txBody>
+          <a:bodyPr spcFirstLastPara="1" wrap="square" lIns="91425" tIns="45700" rIns="91425" bIns="45700" anchor="ctr" anchorCtr="0">
+            <a:noAutofit/>
+          </a:bodyPr>
+          <a:lstStyle/>
+          <a:p>
+            <a:pPr marL="0" marR="0" lvl="0" indent="0" algn="ctr" rtl="0">
+              <a:spcBef>
+                <a:spcPts val="0"/>
+              </a:spcBef>
+              <a:spcAft>
+                <a:spcPts val="0"/>
+              </a:spcAft>
+              <a:buNone/>
+            </a:pPr>
+            <a:endParaRPr sz="1800" b="0" i="0" u="none" strike="noStrike" cap="none">
+              <a:solidFill>
+                <a:schemeClr val="lt1"/>
+              </a:solidFill>
+              <a:latin typeface="Calibri"/>
+              <a:ea typeface="Calibri"/>
+              <a:cs typeface="Calibri"/>
+              <a:sym typeface="Calibri"/>
+            </a:endParaRPr>
+          </a:p>
+        </p:txBody>
+      </p:sp>
+      <p:sp>
+        <p:nvSpPr>
+          <p:cNvPr id="164" name="Google Shape;164;p3"/>
+          <p:cNvSpPr txBox="1"/>
+          <p:nvPr/>
+        </p:nvSpPr>
+        <p:spPr>
+          <a:xfrm>
+            <a:off x="1197504" y="1264978"/>
+            <a:ext cx="9479731" cy="696987"/>
+          </a:xfrm>
+          <a:prstGeom prst="rect">
+            <a:avLst/>
+          </a:prstGeom>
+          <a:noFill/>
+          <a:ln>
+            <a:noFill/>
+          </a:ln>
+        </p:spPr>
+        <p:txBody>
+          <a:bodyPr spcFirstLastPara="1" wrap="square" lIns="0" tIns="0" rIns="0" bIns="0" anchor="t" anchorCtr="0">
+            <a:noAutofit/>
+          </a:bodyPr>
+          <a:lstStyle/>
+          <a:p>
+            <a:pPr marL="0" marR="0" lvl="0" indent="0" algn="l" rtl="0">
+              <a:lnSpc>
+                <a:spcPct val="90000"/>
+              </a:lnSpc>
+              <a:spcBef>
+                <a:spcPts val="0"/>
+              </a:spcBef>
+              <a:spcAft>
+                <a:spcPts val="0"/>
+              </a:spcAft>
+              <a:buClr>
+                <a:schemeClr val="dk1"/>
+              </a:buClr>
+              <a:buSzPts val="5000"/>
+              <a:buFont typeface="Lexend"/>
+              <a:buNone/>
+            </a:pPr>
+            <a:r>
+              <a:rPr lang="en-US" sz="5400" b="1" dirty="0">
+                <a:latin typeface="Lexend" panose="020B0604020202020204"/>
+              </a:rPr>
               <a:t>Module 01 – Basic Concepts</a:t>
             </a:r>
-            <a:endParaRPr lang="he-IL" dirty="0"/>
-          </a:p>
-        </p:txBody>
-      </p:sp>
+            <a:endParaRPr lang="en-US" sz="3600" b="1" i="0" u="none" strike="noStrike" cap="none" dirty="0">
+              <a:solidFill>
+                <a:schemeClr val="tx2">
+                  <a:lumMod val="25000"/>
+                </a:schemeClr>
+              </a:solidFill>
+              <a:latin typeface="Lexend" panose="020B0604020202020204"/>
+              <a:ea typeface="Lexend" panose="020B0604020202020204"/>
+              <a:cs typeface="Lexend" panose="020B0604020202020204"/>
+              <a:sym typeface="Lexend"/>
+            </a:endParaRPr>
+          </a:p>
+        </p:txBody>
+      </p:sp>
+      <p:grpSp>
+        <p:nvGrpSpPr>
+          <p:cNvPr id="26" name="Group 25">
+            <a:extLst>
+              <a:ext uri="{FF2B5EF4-FFF2-40B4-BE49-F238E27FC236}">
+                <a16:creationId xmlns:a16="http://schemas.microsoft.com/office/drawing/2014/main" id="{3707614E-B472-D72F-3362-F3D5800A79AE}"/>
+              </a:ext>
+            </a:extLst>
+          </p:cNvPr>
+          <p:cNvGrpSpPr/>
+          <p:nvPr/>
+        </p:nvGrpSpPr>
+        <p:grpSpPr>
+          <a:xfrm>
+            <a:off x="4768981" y="6314787"/>
+            <a:ext cx="2898939" cy="435065"/>
+            <a:chOff x="4346126" y="6301065"/>
+            <a:chExt cx="2898939" cy="435065"/>
+          </a:xfrm>
+        </p:grpSpPr>
+        <p:sp>
+          <p:nvSpPr>
+            <p:cNvPr id="27" name="Google Shape;157;p2">
+              <a:extLst>
+                <a:ext uri="{FF2B5EF4-FFF2-40B4-BE49-F238E27FC236}">
+                  <a16:creationId xmlns:a16="http://schemas.microsoft.com/office/drawing/2014/main" id="{4EA5EBB7-68D9-5C27-8971-C58931043AB0}"/>
+                </a:ext>
+              </a:extLst>
+            </p:cNvPr>
+            <p:cNvSpPr txBox="1"/>
+            <p:nvPr/>
+          </p:nvSpPr>
+          <p:spPr>
+            <a:xfrm>
+              <a:off x="4346126" y="6301065"/>
+              <a:ext cx="2898939" cy="260080"/>
+            </a:xfrm>
+            <a:prstGeom prst="rect">
+              <a:avLst/>
+            </a:prstGeom>
+            <a:noFill/>
+            <a:ln>
+              <a:noFill/>
+            </a:ln>
+          </p:spPr>
+          <p:txBody>
+            <a:bodyPr spcFirstLastPara="1" wrap="square" lIns="91425" tIns="45700" rIns="91425" bIns="45700" anchor="t" anchorCtr="0">
+              <a:noAutofit/>
+            </a:bodyPr>
+            <a:lstStyle/>
+            <a:p>
+              <a:pPr marL="0" marR="0" lvl="0" indent="0" algn="ctr" rtl="0">
+                <a:lnSpc>
+                  <a:spcPct val="90000"/>
+                </a:lnSpc>
+                <a:spcBef>
+                  <a:spcPts val="0"/>
+                </a:spcBef>
+                <a:spcAft>
+                  <a:spcPts val="0"/>
+                </a:spcAft>
+                <a:buClr>
+                  <a:schemeClr val="lt1"/>
+                </a:buClr>
+                <a:buSzPts val="4000"/>
+                <a:buFont typeface="Lexend"/>
+                <a:buNone/>
+              </a:pPr>
+              <a:r>
+                <a:rPr lang="en-US" sz="1100" b="1" i="0" u="none" strike="noStrike" cap="none" dirty="0">
+                  <a:solidFill>
+                    <a:srgbClr val="00DBE9"/>
+                  </a:solidFill>
+                  <a:latin typeface="+mn-lt"/>
+                  <a:ea typeface="Lexend"/>
+                  <a:cs typeface="+mn-cs"/>
+                  <a:sym typeface="Lexend"/>
+                  <a:hlinkClick r:id="rId3">
+                    <a:extLst>
+                      <a:ext uri="{A12FA001-AC4F-418D-AE19-62706E023703}">
+                        <ahyp:hlinkClr xmlns:ahyp="http://schemas.microsoft.com/office/drawing/2018/hyperlinkcolor" val="tx"/>
+                      </a:ext>
+                    </a:extLst>
+                  </a:hlinkClick>
+                </a:rPr>
+                <a:t>WWW.SELACLOUD.COM</a:t>
+              </a:r>
+              <a:endParaRPr sz="1100" dirty="0">
+                <a:solidFill>
+                  <a:srgbClr val="00DBE9"/>
+                </a:solidFill>
+                <a:latin typeface="+mn-lt"/>
+                <a:cs typeface="+mn-cs"/>
+              </a:endParaRPr>
+            </a:p>
+            <a:p>
+              <a:pPr marL="0" marR="0" lvl="0" indent="0" algn="ctr" rtl="0">
+                <a:lnSpc>
+                  <a:spcPct val="90000"/>
+                </a:lnSpc>
+                <a:spcBef>
+                  <a:spcPts val="0"/>
+                </a:spcBef>
+                <a:spcAft>
+                  <a:spcPts val="0"/>
+                </a:spcAft>
+                <a:buClr>
+                  <a:schemeClr val="lt1"/>
+                </a:buClr>
+                <a:buSzPts val="4000"/>
+                <a:buFont typeface="Noto Sans Hebrew"/>
+                <a:buNone/>
+              </a:pPr>
+              <a:endParaRPr sz="1100" b="1" i="0" u="none" strike="noStrike" cap="none" dirty="0">
+                <a:solidFill>
+                  <a:srgbClr val="00DBE9"/>
+                </a:solidFill>
+                <a:latin typeface="Lexend Light" pitchFamily="2" charset="0"/>
+                <a:ea typeface="Lexend"/>
+                <a:cs typeface="Lexend"/>
+                <a:sym typeface="Lexend"/>
+              </a:endParaRPr>
+            </a:p>
+          </p:txBody>
+        </p:sp>
+        <p:grpSp>
+          <p:nvGrpSpPr>
+            <p:cNvPr id="28" name="Group 27">
+              <a:extLst>
+                <a:ext uri="{FF2B5EF4-FFF2-40B4-BE49-F238E27FC236}">
+                  <a16:creationId xmlns:a16="http://schemas.microsoft.com/office/drawing/2014/main" id="{60FDA890-33F8-40FC-59E2-9BD7B4CF4B60}"/>
+                </a:ext>
+              </a:extLst>
+            </p:cNvPr>
+            <p:cNvGrpSpPr/>
+            <p:nvPr/>
+          </p:nvGrpSpPr>
+          <p:grpSpPr>
+            <a:xfrm>
+              <a:off x="5196988" y="6503312"/>
+              <a:ext cx="1188416" cy="232818"/>
+              <a:chOff x="5196988" y="6503312"/>
+              <a:chExt cx="1188416" cy="232818"/>
+            </a:xfrm>
+          </p:grpSpPr>
+          <p:pic>
+            <p:nvPicPr>
+              <p:cNvPr id="29" name="Picture 28" descr="Icon&#10;&#10;Description automatically generated">
+                <a:hlinkClick r:id="rId4"/>
+                <a:extLst>
+                  <a:ext uri="{FF2B5EF4-FFF2-40B4-BE49-F238E27FC236}">
+                    <a16:creationId xmlns:a16="http://schemas.microsoft.com/office/drawing/2014/main" id="{64501E28-0CD7-BEAB-240F-3FE7691367B8}"/>
+                  </a:ext>
+                </a:extLst>
+              </p:cNvPr>
+              <p:cNvPicPr>
+                <a:picLocks noChangeAspect="1"/>
+              </p:cNvPicPr>
+              <p:nvPr/>
+            </p:nvPicPr>
+            <p:blipFill>
+              <a:blip r:embed="rId5"/>
+              <a:stretch>
+                <a:fillRect/>
+              </a:stretch>
+            </p:blipFill>
+            <p:spPr>
+              <a:xfrm>
+                <a:off x="5407162" y="6503312"/>
+                <a:ext cx="338919" cy="232817"/>
+              </a:xfrm>
+              <a:prstGeom prst="rect">
+                <a:avLst/>
+              </a:prstGeom>
+            </p:spPr>
+          </p:pic>
+          <p:pic>
+            <p:nvPicPr>
+              <p:cNvPr id="30" name="Picture 29" descr="Logo, icon&#10;&#10;Description automatically generated">
+                <a:hlinkClick r:id="rId6"/>
+                <a:extLst>
+                  <a:ext uri="{FF2B5EF4-FFF2-40B4-BE49-F238E27FC236}">
+                    <a16:creationId xmlns:a16="http://schemas.microsoft.com/office/drawing/2014/main" id="{4D899894-16A2-81DC-1AC3-0E3C481677CD}"/>
+                  </a:ext>
+                </a:extLst>
+              </p:cNvPr>
+              <p:cNvPicPr>
+                <a:picLocks noChangeAspect="1"/>
+              </p:cNvPicPr>
+              <p:nvPr/>
+            </p:nvPicPr>
+            <p:blipFill>
+              <a:blip r:embed="rId7"/>
+              <a:stretch>
+                <a:fillRect/>
+              </a:stretch>
+            </p:blipFill>
+            <p:spPr>
+              <a:xfrm>
+                <a:off x="5837917" y="6503313"/>
+                <a:ext cx="338919" cy="232817"/>
+              </a:xfrm>
+              <a:prstGeom prst="rect">
+                <a:avLst/>
+              </a:prstGeom>
+            </p:spPr>
+          </p:pic>
+          <p:pic>
+            <p:nvPicPr>
+              <p:cNvPr id="31" name="Picture 30" descr="Logo&#10;&#10;Description automatically generated">
+                <a:hlinkClick r:id="rId8"/>
+                <a:extLst>
+                  <a:ext uri="{FF2B5EF4-FFF2-40B4-BE49-F238E27FC236}">
+                    <a16:creationId xmlns:a16="http://schemas.microsoft.com/office/drawing/2014/main" id="{6DECAAD2-14ED-D62E-83E5-01D62FD73E58}"/>
+                  </a:ext>
+                </a:extLst>
+              </p:cNvPr>
+              <p:cNvPicPr>
+                <a:picLocks noChangeAspect="1"/>
+              </p:cNvPicPr>
+              <p:nvPr/>
+            </p:nvPicPr>
+            <p:blipFill>
+              <a:blip r:embed="rId9"/>
+              <a:stretch>
+                <a:fillRect/>
+              </a:stretch>
+            </p:blipFill>
+            <p:spPr>
+              <a:xfrm>
+                <a:off x="6046485" y="6503313"/>
+                <a:ext cx="338919" cy="232817"/>
+              </a:xfrm>
+              <a:prstGeom prst="rect">
+                <a:avLst/>
+              </a:prstGeom>
+            </p:spPr>
+          </p:pic>
+          <p:pic>
+            <p:nvPicPr>
+              <p:cNvPr id="32" name="Picture 31" descr="Icon&#10;&#10;Description automatically generated">
+                <a:hlinkClick r:id="rId10"/>
+                <a:extLst>
+                  <a:ext uri="{FF2B5EF4-FFF2-40B4-BE49-F238E27FC236}">
+                    <a16:creationId xmlns:a16="http://schemas.microsoft.com/office/drawing/2014/main" id="{DC102836-817A-8573-C7AB-C2724E6E5F1C}"/>
+                  </a:ext>
+                </a:extLst>
+              </p:cNvPr>
+              <p:cNvPicPr>
+                <a:picLocks noChangeAspect="1"/>
+              </p:cNvPicPr>
+              <p:nvPr/>
+            </p:nvPicPr>
+            <p:blipFill>
+              <a:blip r:embed="rId11"/>
+              <a:stretch>
+                <a:fillRect/>
+              </a:stretch>
+            </p:blipFill>
+            <p:spPr>
+              <a:xfrm>
+                <a:off x="5196988" y="6503312"/>
+                <a:ext cx="338919" cy="232817"/>
+              </a:xfrm>
+              <a:prstGeom prst="rect">
+                <a:avLst/>
+              </a:prstGeom>
+            </p:spPr>
+          </p:pic>
+          <p:pic>
+            <p:nvPicPr>
+              <p:cNvPr id="33" name="Picture 32" descr="Icon&#10;&#10;Description automatically generated">
+                <a:hlinkClick r:id="rId12"/>
+                <a:extLst>
+                  <a:ext uri="{FF2B5EF4-FFF2-40B4-BE49-F238E27FC236}">
+                    <a16:creationId xmlns:a16="http://schemas.microsoft.com/office/drawing/2014/main" id="{F46B6109-4740-9E76-5C84-B96F79785CAF}"/>
+                  </a:ext>
+                </a:extLst>
+              </p:cNvPr>
+              <p:cNvPicPr>
+                <a:picLocks noChangeAspect="1"/>
+              </p:cNvPicPr>
+              <p:nvPr/>
+            </p:nvPicPr>
+            <p:blipFill>
+              <a:blip r:embed="rId13"/>
+              <a:stretch>
+                <a:fillRect/>
+              </a:stretch>
+            </p:blipFill>
+            <p:spPr>
+              <a:xfrm>
+                <a:off x="5626137" y="6503312"/>
+                <a:ext cx="338919" cy="232817"/>
+              </a:xfrm>
+              <a:prstGeom prst="rect">
+                <a:avLst/>
+              </a:prstGeom>
+            </p:spPr>
+          </p:pic>
+        </p:grpSp>
+      </p:grpSp>
     </p:spTree>
-    <p:extLst>
-      <p:ext uri="{BB962C8B-B14F-4D97-AF65-F5344CB8AC3E}">
-        <p14:creationId xmlns:p14="http://schemas.microsoft.com/office/powerpoint/2010/main" val="2844620833"/>
-      </p:ext>
-    </p:extLst>
   </p:cSld>
   <p:clrMapOvr>
     <a:masterClrMapping/>
   </p:clrMapOvr>
+  <mc:AlternateContent xmlns:mc="http://schemas.openxmlformats.org/markup-compatibility/2006" xmlns:p14="http://schemas.microsoft.com/office/powerpoint/2010/main">
+    <mc:Choice Requires="p14">
+      <p:transition spd="slow" p14:dur="2000" advTm="2283"/>
+    </mc:Choice>
+    <mc:Fallback xmlns="">
+      <p:transition spd="slow" advTm="2283"/>
+    </mc:Fallback>
+  </mc:AlternateContent>
 </p:sld>
 </file>
 
 <file path=ppt/slides/slide10.xml><?xml version="1.0" encoding="utf-8"?>
 <p:sld xmlns:a="http://schemas.openxmlformats.org/drawingml/2006/main" xmlns:r="http://schemas.openxmlformats.org/officeDocument/2006/relationships" xmlns:p="http://schemas.openxmlformats.org/presentationml/2006/main">
   <p:cSld>
+    <p:bg>
+      <p:bgPr>
+        <a:blipFill dpi="0" rotWithShape="1">
+          <a:blip r:embed="rId3">
+            <a:lum/>
+          </a:blip>
+          <a:srcRect/>
+          <a:stretch>
+            <a:fillRect/>
+          </a:stretch>
+        </a:blipFill>
+        <a:effectLst/>
+      </p:bgPr>
+    </p:bg>
     <p:spTree>
       <p:nvGrpSpPr>
         <p:cNvPr id="1" name=""/>
@@ -9818,18 +10138,38 @@
           <a:lstStyle/>
           <a:p>
             <a:r>
-              <a:rPr lang="en-GB" dirty="0"/>
+              <a:rPr lang="en-GB" b="1" dirty="0">
+                <a:solidFill>
+                  <a:srgbClr val="0071F6"/>
+                </a:solidFill>
+                <a:latin typeface="Lexend" panose="020B0604020202020204" charset="0"/>
+              </a:rPr>
               <a:t>Setup </a:t>
             </a:r>
             <a:r>
-              <a:rPr lang="en-GB" dirty="0" err="1"/>
+              <a:rPr lang="en-GB" b="1" dirty="0" err="1">
+                <a:solidFill>
+                  <a:srgbClr val="0071F6"/>
+                </a:solidFill>
+                <a:latin typeface="Lexend" panose="020B0604020202020204" charset="0"/>
+              </a:rPr>
               <a:t>VSCode</a:t>
             </a:r>
             <a:r>
-              <a:rPr lang="en-GB" dirty="0"/>
+              <a:rPr lang="en-GB" b="1" dirty="0">
+                <a:solidFill>
+                  <a:srgbClr val="0071F6"/>
+                </a:solidFill>
+                <a:latin typeface="Lexend" panose="020B0604020202020204" charset="0"/>
+              </a:rPr>
               <a:t> for Python </a:t>
             </a:r>
-            <a:endParaRPr lang="en-US" dirty="0"/>
+            <a:endParaRPr lang="en-US" b="1" dirty="0">
+              <a:solidFill>
+                <a:srgbClr val="0071F6"/>
+              </a:solidFill>
+              <a:latin typeface="Lexend" panose="020B0604020202020204" charset="0"/>
+            </a:endParaRPr>
           </a:p>
         </p:txBody>
       </p:sp>
@@ -9850,7 +10190,7 @@
           </p:nvPr>
         </p:nvPicPr>
         <p:blipFill>
-          <a:blip r:embed="rId3">
+          <a:blip r:embed="rId4">
             <a:extLst>
               <a:ext uri="{28A0092B-C50C-407E-A947-70E740481C1C}">
                 <a14:useLocalDpi xmlns:a14="http://schemas.microsoft.com/office/drawing/2010/main" val="0"/>
@@ -9863,8 +10203,8 @@
         </p:blipFill>
         <p:spPr>
           <a:xfrm>
-            <a:off x="5777159" y="1868487"/>
-            <a:ext cx="6000936" cy="4515380"/>
+            <a:off x="5777159" y="1786361"/>
+            <a:ext cx="5576641" cy="4196121"/>
           </a:xfrm>
         </p:spPr>
       </p:pic>
@@ -9882,8 +10222,8 @@
         </p:nvSpPr>
         <p:spPr>
           <a:xfrm>
-            <a:off x="762000" y="1868486"/>
-            <a:ext cx="4622800" cy="3046988"/>
+            <a:off x="761999" y="1868486"/>
+            <a:ext cx="5015159" cy="4031873"/>
           </a:xfrm>
           <a:prstGeom prst="rect">
             <a:avLst/>
@@ -9900,7 +10240,9 @@
               <a:buAutoNum type="arabicPeriod"/>
             </a:pPr>
             <a:r>
-              <a:rPr lang="en-GB" sz="3200" dirty="0"/>
+              <a:rPr lang="en-GB" sz="3200" dirty="0">
+                <a:latin typeface="Lexend Medium" panose="020B0604020202020204" charset="0"/>
+              </a:rPr>
               <a:t>Click on extension icon in navigation panel.</a:t>
             </a:r>
           </a:p>
@@ -9908,10 +10250,28 @@
             <a:pPr marL="514350" indent="-514350">
               <a:buAutoNum type="arabicPeriod"/>
             </a:pPr>
-            <a:r>
-              <a:rPr lang="en-GB" sz="3200" dirty="0"/>
+            <a:endParaRPr lang="en-GB" sz="3200" dirty="0">
+              <a:latin typeface="Lexend Medium" panose="020B0604020202020204" charset="0"/>
+            </a:endParaRPr>
+          </a:p>
+          <a:p>
+            <a:pPr marL="514350" indent="-514350">
+              <a:buAutoNum type="arabicPeriod"/>
+            </a:pPr>
+            <a:r>
+              <a:rPr lang="en-GB" sz="3200" dirty="0">
+                <a:latin typeface="Lexend Medium" panose="020B0604020202020204" charset="0"/>
+              </a:rPr>
               <a:t>Write in search field “python” to find official Python extension.</a:t>
             </a:r>
+          </a:p>
+          <a:p>
+            <a:pPr marL="514350" indent="-514350">
+              <a:buAutoNum type="arabicPeriod"/>
+            </a:pPr>
+            <a:endParaRPr lang="en-GB" sz="3200" dirty="0">
+              <a:latin typeface="Lexend Medium" panose="020B0604020202020204" charset="0"/>
+            </a:endParaRPr>
           </a:p>
           <a:p>
             <a:pPr marL="514350" indent="-514350">
@@ -9919,7 +10279,9 @@
               <a:buAutoNum type="arabicPeriod"/>
             </a:pPr>
             <a:r>
-              <a:rPr lang="en-GB" sz="3200" dirty="0"/>
+              <a:rPr lang="en-GB" sz="3200" dirty="0">
+                <a:latin typeface="Lexend Medium" panose="020B0604020202020204" charset="0"/>
+              </a:rPr>
               <a:t>Click “Install”</a:t>
             </a:r>
           </a:p>
@@ -9939,7 +10301,7 @@
         </p:nvSpPr>
         <p:spPr>
           <a:xfrm>
-            <a:off x="8788879" y="2235200"/>
+            <a:off x="8641097" y="2076589"/>
             <a:ext cx="431800" cy="423333"/>
           </a:xfrm>
           <a:prstGeom prst="ellipse">
@@ -9989,7 +10351,7 @@
         </p:nvSpPr>
         <p:spPr>
           <a:xfrm>
-            <a:off x="8788879" y="2717799"/>
+            <a:off x="8641097" y="2595595"/>
             <a:ext cx="431800" cy="423333"/>
           </a:xfrm>
           <a:prstGeom prst="ellipse">
@@ -10039,7 +10401,7 @@
         </p:nvSpPr>
         <p:spPr>
           <a:xfrm>
-            <a:off x="5707012" y="4492141"/>
+            <a:off x="5691909" y="4215050"/>
             <a:ext cx="431800" cy="423333"/>
           </a:xfrm>
           <a:prstGeom prst="ellipse">
@@ -10091,6 +10453,20 @@
 <file path=ppt/slides/slide11.xml><?xml version="1.0" encoding="utf-8"?>
 <p:sld xmlns:a="http://schemas.openxmlformats.org/drawingml/2006/main" xmlns:r="http://schemas.openxmlformats.org/officeDocument/2006/relationships" xmlns:p="http://schemas.openxmlformats.org/presentationml/2006/main">
   <p:cSld>
+    <p:bg>
+      <p:bgPr>
+        <a:blipFill dpi="0" rotWithShape="1">
+          <a:blip r:embed="rId3">
+            <a:lum/>
+          </a:blip>
+          <a:srcRect/>
+          <a:stretch>
+            <a:fillRect/>
+          </a:stretch>
+        </a:blipFill>
+        <a:effectLst/>
+      </p:bgPr>
+    </p:bg>
     <p:spTree>
       <p:nvGrpSpPr>
         <p:cNvPr id="1" name=""/>
@@ -10123,18 +10499,38 @@
           <a:lstStyle/>
           <a:p>
             <a:r>
-              <a:rPr lang="en-GB" dirty="0"/>
+              <a:rPr lang="en-GB" b="1" dirty="0">
+                <a:solidFill>
+                  <a:srgbClr val="0071F6"/>
+                </a:solidFill>
+                <a:latin typeface="Lexend "/>
+              </a:rPr>
               <a:t>Setup </a:t>
             </a:r>
             <a:r>
-              <a:rPr lang="en-GB" dirty="0" err="1"/>
+              <a:rPr lang="en-GB" b="1" dirty="0" err="1">
+                <a:solidFill>
+                  <a:srgbClr val="0071F6"/>
+                </a:solidFill>
+                <a:latin typeface="Lexend "/>
+              </a:rPr>
               <a:t>RunTime</a:t>
             </a:r>
             <a:r>
-              <a:rPr lang="en-GB" dirty="0"/>
+              <a:rPr lang="en-GB" b="1" dirty="0">
+                <a:solidFill>
+                  <a:srgbClr val="0071F6"/>
+                </a:solidFill>
+                <a:latin typeface="Lexend "/>
+              </a:rPr>
               <a:t> extension</a:t>
             </a:r>
-            <a:endParaRPr lang="en-US" dirty="0"/>
+            <a:endParaRPr lang="en-US" b="1" dirty="0">
+              <a:solidFill>
+                <a:srgbClr val="0071F6"/>
+              </a:solidFill>
+              <a:latin typeface="Lexend "/>
+            </a:endParaRPr>
           </a:p>
         </p:txBody>
       </p:sp>
@@ -10211,7 +10607,7 @@
           </p:nvPr>
         </p:nvPicPr>
         <p:blipFill>
-          <a:blip r:embed="rId3">
+          <a:blip r:embed="rId4">
             <a:extLst>
               <a:ext uri="{28A0092B-C50C-407E-A947-70E740481C1C}">
                 <a14:useLocalDpi xmlns:a14="http://schemas.microsoft.com/office/drawing/2010/main" val="0"/>
@@ -10224,7 +10620,7 @@
         </p:blipFill>
         <p:spPr>
           <a:xfrm>
-            <a:off x="5762195" y="1868486"/>
+            <a:off x="5752958" y="1415904"/>
             <a:ext cx="6027328" cy="4532314"/>
           </a:xfrm>
         </p:spPr>
@@ -10243,7 +10639,7 @@
         </p:nvSpPr>
         <p:spPr>
           <a:xfrm>
-            <a:off x="5707012" y="4492141"/>
+            <a:off x="5697775" y="4039559"/>
             <a:ext cx="431800" cy="423333"/>
           </a:xfrm>
           <a:prstGeom prst="ellipse">
@@ -10293,7 +10689,7 @@
         </p:nvSpPr>
         <p:spPr>
           <a:xfrm>
-            <a:off x="8932812" y="2798805"/>
+            <a:off x="8923575" y="2346223"/>
             <a:ext cx="431800" cy="423333"/>
           </a:xfrm>
           <a:prstGeom prst="ellipse">
@@ -10343,7 +10739,7 @@
         </p:nvSpPr>
         <p:spPr>
           <a:xfrm>
-            <a:off x="8932812" y="2197674"/>
+            <a:off x="8923575" y="1745092"/>
             <a:ext cx="431800" cy="423333"/>
           </a:xfrm>
           <a:prstGeom prst="ellipse">
@@ -10395,6 +10791,20 @@
 <file path=ppt/slides/slide12.xml><?xml version="1.0" encoding="utf-8"?>
 <p:sld xmlns:a="http://schemas.openxmlformats.org/drawingml/2006/main" xmlns:r="http://schemas.openxmlformats.org/officeDocument/2006/relationships" xmlns:p="http://schemas.openxmlformats.org/presentationml/2006/main">
   <p:cSld>
+    <p:bg>
+      <p:bgPr>
+        <a:blipFill dpi="0" rotWithShape="1">
+          <a:blip r:embed="rId3">
+            <a:lum/>
+          </a:blip>
+          <a:srcRect/>
+          <a:stretch>
+            <a:fillRect/>
+          </a:stretch>
+        </a:blipFill>
+        <a:effectLst/>
+      </p:bgPr>
+    </p:bg>
     <p:spTree>
       <p:nvGrpSpPr>
         <p:cNvPr id="1" name=""/>
@@ -10427,10 +10837,20 @@
           <a:lstStyle/>
           <a:p>
             <a:r>
-              <a:rPr lang="en-GB" dirty="0"/>
+              <a:rPr lang="en-GB" b="1" dirty="0">
+                <a:solidFill>
+                  <a:srgbClr val="0071F6"/>
+                </a:solidFill>
+                <a:latin typeface="Lexend "/>
+              </a:rPr>
               <a:t>Creating new python file</a:t>
             </a:r>
-            <a:endParaRPr lang="en-US" dirty="0"/>
+            <a:endParaRPr lang="en-US" b="1" dirty="0">
+              <a:solidFill>
+                <a:srgbClr val="0071F6"/>
+              </a:solidFill>
+              <a:latin typeface="Lexend "/>
+            </a:endParaRPr>
           </a:p>
         </p:txBody>
       </p:sp>
@@ -10449,7 +10869,7 @@
         <p:spPr>
           <a:xfrm>
             <a:off x="762000" y="1868486"/>
-            <a:ext cx="4580467" cy="2246769"/>
+            <a:ext cx="4580467" cy="3539430"/>
           </a:xfrm>
           <a:prstGeom prst="rect">
             <a:avLst/>
@@ -10466,7 +10886,9 @@
               <a:buAutoNum type="arabicPeriod"/>
             </a:pPr>
             <a:r>
-              <a:rPr lang="en-GB" sz="2800" dirty="0"/>
+              <a:rPr lang="en-GB" sz="2800" dirty="0">
+                <a:latin typeface="Lexend Medium" panose="020B0604020202020204" charset="0"/>
+              </a:rPr>
               <a:t>Click on “File” section</a:t>
             </a:r>
           </a:p>
@@ -10474,17 +10896,37 @@
             <a:pPr marL="514350" indent="-514350">
               <a:buAutoNum type="arabicPeriod"/>
             </a:pPr>
-            <a:r>
-              <a:rPr lang="en-GB" sz="2800" dirty="0"/>
-              <a:t>Then click “New File…” (Or just Ctrl + Alt + Win + N)</a:t>
-            </a:r>
+            <a:endParaRPr lang="en-GB" sz="2800" dirty="0">
+              <a:latin typeface="Lexend Medium" panose="020B0604020202020204" charset="0"/>
+            </a:endParaRPr>
           </a:p>
           <a:p>
             <a:pPr marL="514350" indent="-514350">
               <a:buAutoNum type="arabicPeriod"/>
             </a:pPr>
             <a:r>
-              <a:rPr lang="en-GB" sz="2800" dirty="0"/>
+              <a:rPr lang="en-GB" sz="2800" dirty="0">
+                <a:latin typeface="Lexend Medium" panose="020B0604020202020204" charset="0"/>
+              </a:rPr>
+              <a:t>Then click “New File…” (Or just Ctrl + Alt + Win + N)</a:t>
+            </a:r>
+          </a:p>
+          <a:p>
+            <a:pPr marL="514350" indent="-514350">
+              <a:buAutoNum type="arabicPeriod"/>
+            </a:pPr>
+            <a:endParaRPr lang="en-GB" sz="2800" dirty="0">
+              <a:latin typeface="Lexend Medium" panose="020B0604020202020204" charset="0"/>
+            </a:endParaRPr>
+          </a:p>
+          <a:p>
+            <a:pPr marL="514350" indent="-514350">
+              <a:buAutoNum type="arabicPeriod"/>
+            </a:pPr>
+            <a:r>
+              <a:rPr lang="en-GB" sz="2800" dirty="0">
+                <a:latin typeface="Lexend Medium" panose="020B0604020202020204" charset="0"/>
+              </a:rPr>
               <a:t>Click on “Python File” to create new one.</a:t>
             </a:r>
           </a:p>
@@ -10505,7 +10947,7 @@
           <p:nvPr/>
         </p:nvPicPr>
         <p:blipFill>
-          <a:blip r:embed="rId3">
+          <a:blip r:embed="rId4">
             <a:extLst>
               <a:ext uri="{28A0092B-C50C-407E-A947-70E740481C1C}">
                 <a14:useLocalDpi xmlns:a14="http://schemas.microsoft.com/office/drawing/2010/main" val="0"/>
@@ -10518,7 +10960,7 @@
         </p:blipFill>
         <p:spPr>
           <a:xfrm>
-            <a:off x="6096000" y="1868486"/>
+            <a:off x="6096000" y="1582159"/>
             <a:ext cx="5536938" cy="1764459"/>
           </a:xfrm>
           <a:prstGeom prst="rect">
@@ -10541,7 +10983,7 @@
           <p:nvPr/>
         </p:nvPicPr>
         <p:blipFill>
-          <a:blip r:embed="rId4">
+          <a:blip r:embed="rId5">
             <a:extLst>
               <a:ext uri="{28A0092B-C50C-407E-A947-70E740481C1C}">
                 <a14:useLocalDpi xmlns:a14="http://schemas.microsoft.com/office/drawing/2010/main" val="0"/>
@@ -10554,7 +10996,7 @@
         </p:blipFill>
         <p:spPr>
           <a:xfrm>
-            <a:off x="6096000" y="4423031"/>
+            <a:off x="6096000" y="4136704"/>
             <a:ext cx="5536938" cy="1764458"/>
           </a:xfrm>
           <a:prstGeom prst="rect">
@@ -10576,7 +11018,7 @@
         </p:nvSpPr>
         <p:spPr>
           <a:xfrm>
-            <a:off x="6849534" y="2988733"/>
+            <a:off x="6849534" y="2702406"/>
             <a:ext cx="440266" cy="440267"/>
           </a:xfrm>
           <a:prstGeom prst="ellipse">
@@ -10626,7 +11068,7 @@
         </p:nvSpPr>
         <p:spPr>
           <a:xfrm>
-            <a:off x="8322734" y="2988733"/>
+            <a:off x="8322734" y="2702406"/>
             <a:ext cx="440266" cy="440267"/>
           </a:xfrm>
           <a:prstGeom prst="ellipse">
@@ -10676,7 +11118,7 @@
         </p:nvSpPr>
         <p:spPr>
           <a:xfrm>
-            <a:off x="8585069" y="6187489"/>
+            <a:off x="8585069" y="5901162"/>
             <a:ext cx="440266" cy="440267"/>
           </a:xfrm>
           <a:prstGeom prst="ellipse">
@@ -10728,6 +11170,20 @@
 <file path=ppt/slides/slide13.xml><?xml version="1.0" encoding="utf-8"?>
 <p:sld xmlns:a="http://schemas.openxmlformats.org/drawingml/2006/main" xmlns:r="http://schemas.openxmlformats.org/officeDocument/2006/relationships" xmlns:p="http://schemas.openxmlformats.org/presentationml/2006/main">
   <p:cSld>
+    <p:bg>
+      <p:bgPr>
+        <a:blipFill dpi="0" rotWithShape="1">
+          <a:blip r:embed="rId3">
+            <a:lum/>
+          </a:blip>
+          <a:srcRect/>
+          <a:stretch>
+            <a:fillRect/>
+          </a:stretch>
+        </a:blipFill>
+        <a:effectLst/>
+      </p:bgPr>
+    </p:bg>
     <p:spTree>
       <p:nvGrpSpPr>
         <p:cNvPr id="1" name=""/>
@@ -10760,10 +11216,20 @@
           <a:lstStyle/>
           <a:p>
             <a:r>
-              <a:rPr lang="en-GB" dirty="0"/>
+              <a:rPr lang="en-GB" b="1" dirty="0">
+                <a:solidFill>
+                  <a:srgbClr val="0071F6"/>
+                </a:solidFill>
+                <a:latin typeface="Lexend "/>
+              </a:rPr>
               <a:t>Running python</a:t>
             </a:r>
-            <a:endParaRPr lang="en-US" dirty="0"/>
+            <a:endParaRPr lang="en-US" b="1" dirty="0">
+              <a:solidFill>
+                <a:srgbClr val="0071F6"/>
+              </a:solidFill>
+              <a:latin typeface="Lexend "/>
+            </a:endParaRPr>
           </a:p>
         </p:txBody>
       </p:sp>
@@ -10838,7 +11304,7 @@
           <p:nvPr/>
         </p:nvPicPr>
         <p:blipFill>
-          <a:blip r:embed="rId3">
+          <a:blip r:embed="rId4">
             <a:extLst>
               <a:ext uri="{28A0092B-C50C-407E-A947-70E740481C1C}">
                 <a14:useLocalDpi xmlns:a14="http://schemas.microsoft.com/office/drawing/2010/main" val="0"/>
@@ -11025,6 +11491,20 @@
 <file path=ppt/slides/slide14.xml><?xml version="1.0" encoding="utf-8"?>
 <p:sld xmlns:a="http://schemas.openxmlformats.org/drawingml/2006/main" xmlns:r="http://schemas.openxmlformats.org/officeDocument/2006/relationships" xmlns:p="http://schemas.openxmlformats.org/presentationml/2006/main">
   <p:cSld>
+    <p:bg>
+      <p:bgPr>
+        <a:blipFill dpi="0" rotWithShape="1">
+          <a:blip r:embed="rId3">
+            <a:lum/>
+          </a:blip>
+          <a:srcRect/>
+          <a:stretch>
+            <a:fillRect/>
+          </a:stretch>
+        </a:blipFill>
+        <a:effectLst/>
+      </p:bgPr>
+    </p:bg>
     <p:spTree>
       <p:nvGrpSpPr>
         <p:cNvPr id="1" name=""/>
@@ -11049,7 +11529,12 @@
             <p:ph type="title"/>
           </p:nvPr>
         </p:nvSpPr>
-        <p:spPr/>
+        <p:spPr>
+          <a:xfrm>
+            <a:off x="838200" y="365125"/>
+            <a:ext cx="11353800" cy="1325563"/>
+          </a:xfrm>
+        </p:spPr>
         <p:txBody>
           <a:bodyPr>
             <a:normAutofit/>
@@ -11057,7 +11542,12 @@
           <a:lstStyle/>
           <a:p>
             <a:r>
-              <a:rPr lang="en-US" dirty="0"/>
+              <a:rPr lang="en-US" b="1" dirty="0">
+                <a:solidFill>
+                  <a:srgbClr val="0071F6"/>
+                </a:solidFill>
+                <a:latin typeface="Lexend "/>
+              </a:rPr>
               <a:t>Python PyCharm Environment - alternative</a:t>
             </a:r>
           </a:p>
@@ -11073,25 +11563,36 @@
             <p:ph idx="1"/>
           </p:nvPr>
         </p:nvSpPr>
-        <p:spPr/>
+        <p:spPr>
+          <a:xfrm>
+            <a:off x="838200" y="2141537"/>
+            <a:ext cx="10515600" cy="4351338"/>
+          </a:xfrm>
+        </p:spPr>
         <p:txBody>
           <a:bodyPr/>
           <a:lstStyle/>
           <a:p>
             <a:r>
-              <a:rPr lang="en-US"/>
+              <a:rPr lang="en-US" dirty="0">
+                <a:latin typeface="Lexend Medium" panose="020B0604020202020204" charset="0"/>
+              </a:rPr>
               <a:t>PyCharm is an IDE for software development in Python</a:t>
             </a:r>
           </a:p>
           <a:p>
             <a:r>
-              <a:rPr lang="en-US"/>
+              <a:rPr lang="en-US" dirty="0">
+                <a:latin typeface="Lexend Medium" panose="020B0604020202020204" charset="0"/>
+              </a:rPr>
               <a:t>It is used and loved by many because all it’s features</a:t>
             </a:r>
           </a:p>
           <a:p>
             <a:r>
-              <a:rPr lang="en-US"/>
+              <a:rPr lang="en-US" dirty="0">
+                <a:latin typeface="Lexend Medium" panose="020B0604020202020204" charset="0"/>
+              </a:rPr>
               <a:t>It has easy to use and read debugger</a:t>
             </a:r>
           </a:p>
@@ -11099,7 +11600,9 @@
             <a:pPr marL="0" indent="0">
               <a:buNone/>
             </a:pPr>
-            <a:endParaRPr lang="en-US"/>
+            <a:endParaRPr lang="en-US" dirty="0">
+              <a:latin typeface="Lexend Medium" panose="020B0604020202020204" charset="0"/>
+            </a:endParaRPr>
           </a:p>
         </p:txBody>
       </p:sp>
@@ -11119,6 +11622,20 @@
 <file path=ppt/slides/slide15.xml><?xml version="1.0" encoding="utf-8"?>
 <p:sld xmlns:a="http://schemas.openxmlformats.org/drawingml/2006/main" xmlns:r="http://schemas.openxmlformats.org/officeDocument/2006/relationships" xmlns:p="http://schemas.openxmlformats.org/presentationml/2006/main">
   <p:cSld>
+    <p:bg>
+      <p:bgPr>
+        <a:blipFill dpi="0" rotWithShape="1">
+          <a:blip r:embed="rId3">
+            <a:lum/>
+          </a:blip>
+          <a:srcRect/>
+          <a:stretch>
+            <a:fillRect/>
+          </a:stretch>
+        </a:blipFill>
+        <a:effectLst/>
+      </p:bgPr>
+    </p:bg>
     <p:spTree>
       <p:nvGrpSpPr>
         <p:cNvPr id="1" name=""/>
@@ -11151,12 +11668,21 @@
           <a:lstStyle/>
           <a:p>
             <a:r>
-              <a:rPr lang="en-US" dirty="0">
+              <a:rPr lang="en-US" b="1" dirty="0">
+                <a:solidFill>
+                  <a:srgbClr val="0071F6"/>
+                </a:solidFill>
+                <a:latin typeface="Lexend "/>
                 <a:cs typeface="Times New Roman" pitchFamily="18" charset="0"/>
               </a:rPr>
               <a:t>PyCharm Community Edition</a:t>
             </a:r>
-            <a:endParaRPr lang="he-IL" dirty="0"/>
+            <a:endParaRPr lang="he-IL" b="1" dirty="0">
+              <a:solidFill>
+                <a:srgbClr val="0071F6"/>
+              </a:solidFill>
+              <a:latin typeface="Lexend "/>
+            </a:endParaRPr>
           </a:p>
         </p:txBody>
       </p:sp>
@@ -11178,10 +11704,10 @@
           <a:lstStyle/>
           <a:p>
             <a:r>
-              <a:rPr lang="en-US" sz="2400"/>
+              <a:rPr lang="en-US" sz="2400" dirty="0"/>
               <a:t>https://www.jetbrains.com/pycharm/download/#section=windows</a:t>
             </a:r>
-            <a:endParaRPr lang="he-IL" sz="2400"/>
+            <a:endParaRPr lang="he-IL" sz="2400" dirty="0"/>
           </a:p>
         </p:txBody>
       </p:sp>
@@ -11201,6 +11727,20 @@
 <file path=ppt/slides/slide16.xml><?xml version="1.0" encoding="utf-8"?>
 <p:sld xmlns:a="http://schemas.openxmlformats.org/drawingml/2006/main" xmlns:r="http://schemas.openxmlformats.org/officeDocument/2006/relationships" xmlns:p="http://schemas.openxmlformats.org/presentationml/2006/main">
   <p:cSld>
+    <p:bg>
+      <p:bgPr>
+        <a:blipFill dpi="0" rotWithShape="1">
+          <a:blip r:embed="rId3">
+            <a:lum/>
+          </a:blip>
+          <a:srcRect/>
+          <a:stretch>
+            <a:fillRect/>
+          </a:stretch>
+        </a:blipFill>
+        <a:effectLst/>
+      </p:bgPr>
+    </p:bg>
     <p:spTree>
       <p:nvGrpSpPr>
         <p:cNvPr id="1" name=""/>
@@ -11231,12 +11771,21 @@
           <a:lstStyle/>
           <a:p>
             <a:r>
-              <a:rPr lang="en-US">
+              <a:rPr lang="en-US" b="1" dirty="0">
+                <a:solidFill>
+                  <a:srgbClr val="0071F6"/>
+                </a:solidFill>
+                <a:latin typeface="Lexend "/>
                 <a:cs typeface="Times New Roman" pitchFamily="18" charset="0"/>
               </a:rPr>
               <a:t>Opening New Project</a:t>
             </a:r>
-            <a:endParaRPr lang="he-IL"/>
+            <a:endParaRPr lang="he-IL" b="1" dirty="0">
+              <a:solidFill>
+                <a:srgbClr val="0071F6"/>
+              </a:solidFill>
+              <a:latin typeface="Lexend "/>
+            </a:endParaRPr>
           </a:p>
         </p:txBody>
       </p:sp>
@@ -11255,14 +11804,14 @@
           <p:nvPr/>
         </p:nvPicPr>
         <p:blipFill>
-          <a:blip r:embed="rId3"/>
+          <a:blip r:embed="rId4"/>
           <a:stretch>
             <a:fillRect/>
           </a:stretch>
         </p:blipFill>
         <p:spPr>
           <a:xfrm>
-            <a:off x="815413" y="2050309"/>
+            <a:off x="815413" y="2114964"/>
             <a:ext cx="6381410" cy="4408938"/>
           </a:xfrm>
           <a:prstGeom prst="rect">
@@ -11284,8 +11833,8 @@
         </p:nvSpPr>
         <p:spPr>
           <a:xfrm>
-            <a:off x="815413" y="1268680"/>
-            <a:ext cx="5920509" cy="646331"/>
+            <a:off x="815413" y="1555007"/>
+            <a:ext cx="10561174" cy="369332"/>
           </a:xfrm>
           <a:prstGeom prst="rect">
             <a:avLst/>
@@ -11299,10 +11848,14 @@
           <a:lstStyle/>
           <a:p>
             <a:r>
-              <a:rPr lang="en-US"/>
+              <a:rPr lang="en-US" dirty="0">
+                <a:latin typeface="Lexend Medium" panose="020B0604020202020204" charset="0"/>
+              </a:rPr>
               <a:t>When first opening PyCharm you will see this screen, press the new project button:</a:t>
             </a:r>
-            <a:endParaRPr lang="he-IL"/>
+            <a:endParaRPr lang="he-IL" dirty="0">
+              <a:latin typeface="Lexend Medium" panose="020B0604020202020204" charset="0"/>
+            </a:endParaRPr>
           </a:p>
         </p:txBody>
       </p:sp>
@@ -11322,6 +11875,20 @@
 <file path=ppt/slides/slide17.xml><?xml version="1.0" encoding="utf-8"?>
 <p:sld xmlns:a="http://schemas.openxmlformats.org/drawingml/2006/main" xmlns:r="http://schemas.openxmlformats.org/officeDocument/2006/relationships" xmlns:p="http://schemas.openxmlformats.org/presentationml/2006/main">
   <p:cSld>
+    <p:bg>
+      <p:bgPr>
+        <a:blipFill dpi="0" rotWithShape="1">
+          <a:blip r:embed="rId3">
+            <a:lum/>
+          </a:blip>
+          <a:srcRect/>
+          <a:stretch>
+            <a:fillRect/>
+          </a:stretch>
+        </a:blipFill>
+        <a:effectLst/>
+      </p:bgPr>
+    </p:bg>
     <p:spTree>
       <p:nvGrpSpPr>
         <p:cNvPr id="1" name=""/>
@@ -11352,12 +11919,21 @@
           <a:lstStyle/>
           <a:p>
             <a:r>
-              <a:rPr lang="en-US">
+              <a:rPr lang="en-US" b="1" dirty="0">
+                <a:solidFill>
+                  <a:srgbClr val="0071F6"/>
+                </a:solidFill>
+                <a:latin typeface="Lexend "/>
                 <a:cs typeface="Times New Roman" pitchFamily="18" charset="0"/>
               </a:rPr>
               <a:t>Opening New Project (contd.)</a:t>
             </a:r>
-            <a:endParaRPr lang="he-IL"/>
+            <a:endParaRPr lang="he-IL" b="1" dirty="0">
+              <a:solidFill>
+                <a:srgbClr val="0071F6"/>
+              </a:solidFill>
+              <a:latin typeface="Lexend "/>
+            </a:endParaRPr>
           </a:p>
         </p:txBody>
       </p:sp>
@@ -11376,14 +11952,14 @@
           <p:nvPr/>
         </p:nvPicPr>
         <p:blipFill>
-          <a:blip r:embed="rId3"/>
+          <a:blip r:embed="rId4"/>
           <a:stretch>
             <a:fillRect/>
           </a:stretch>
         </p:blipFill>
         <p:spPr>
           <a:xfrm>
-            <a:off x="4788083" y="1440555"/>
+            <a:off x="3845974" y="1367363"/>
             <a:ext cx="6684514" cy="4941957"/>
           </a:xfrm>
           <a:prstGeom prst="rect">
@@ -11405,7 +11981,7 @@
         </p:nvSpPr>
         <p:spPr>
           <a:xfrm>
-            <a:off x="3045084" y="1358409"/>
+            <a:off x="2102975" y="1285217"/>
             <a:ext cx="1279038" cy="720001"/>
           </a:xfrm>
           <a:prstGeom prst="rect">
@@ -11455,7 +12031,7 @@
         </p:nvSpPr>
         <p:spPr>
           <a:xfrm>
-            <a:off x="2928861" y="2324488"/>
+            <a:off x="1986752" y="2251296"/>
             <a:ext cx="1395260" cy="720001"/>
           </a:xfrm>
           <a:prstGeom prst="rect">
@@ -11505,7 +12081,7 @@
         </p:nvSpPr>
         <p:spPr>
           <a:xfrm>
-            <a:off x="3128974" y="3338578"/>
+            <a:off x="2186865" y="3265386"/>
             <a:ext cx="1279038" cy="720001"/>
           </a:xfrm>
           <a:prstGeom prst="rect">
@@ -11557,7 +12133,7 @@
         </p:nvCxnSpPr>
         <p:spPr>
           <a:xfrm>
-            <a:off x="4324121" y="1718409"/>
+            <a:off x="3382012" y="1645217"/>
             <a:ext cx="576000" cy="180000"/>
           </a:xfrm>
           <a:prstGeom prst="straightConnector1">
@@ -11599,7 +12175,7 @@
         </p:nvCxnSpPr>
         <p:spPr>
           <a:xfrm flipV="1">
-            <a:off x="4408012" y="3154261"/>
+            <a:off x="3465903" y="3081069"/>
             <a:ext cx="776384" cy="544318"/>
           </a:xfrm>
           <a:prstGeom prst="straightConnector1">
@@ -11640,7 +12216,7 @@
         </p:nvCxnSpPr>
         <p:spPr>
           <a:xfrm flipV="1">
-            <a:off x="4324121" y="2573493"/>
+            <a:off x="3382012" y="2500301"/>
             <a:ext cx="1984400" cy="90001"/>
           </a:xfrm>
           <a:prstGeom prst="straightConnector1">
@@ -11681,6 +12257,20 @@
 <file path=ppt/slides/slide18.xml><?xml version="1.0" encoding="utf-8"?>
 <p:sld xmlns:a="http://schemas.openxmlformats.org/drawingml/2006/main" xmlns:r="http://schemas.openxmlformats.org/officeDocument/2006/relationships" xmlns:p="http://schemas.openxmlformats.org/presentationml/2006/main">
   <p:cSld>
+    <p:bg>
+      <p:bgPr>
+        <a:blipFill dpi="0" rotWithShape="1">
+          <a:blip r:embed="rId3">
+            <a:lum/>
+          </a:blip>
+          <a:srcRect/>
+          <a:stretch>
+            <a:fillRect/>
+          </a:stretch>
+        </a:blipFill>
+        <a:effectLst/>
+      </p:bgPr>
+    </p:bg>
     <p:spTree>
       <p:nvGrpSpPr>
         <p:cNvPr id="1" name=""/>
@@ -11710,7 +12300,7 @@
           <p:nvPr/>
         </p:nvPicPr>
         <p:blipFill>
-          <a:blip r:embed="rId3"/>
+          <a:blip r:embed="rId4"/>
           <a:stretch>
             <a:fillRect/>
           </a:stretch>
@@ -11735,20 +12325,34 @@
             <p:ph type="title"/>
           </p:nvPr>
         </p:nvSpPr>
-        <p:spPr/>
+        <p:spPr>
+          <a:xfrm>
+            <a:off x="713348" y="244295"/>
+            <a:ext cx="10657184" cy="720000"/>
+          </a:xfrm>
+        </p:spPr>
         <p:txBody>
           <a:bodyPr>
-            <a:normAutofit/>
+            <a:normAutofit fontScale="90000"/>
           </a:bodyPr>
           <a:lstStyle/>
           <a:p>
             <a:r>
-              <a:rPr lang="en-US">
+              <a:rPr lang="en-US" b="1" dirty="0">
+                <a:solidFill>
+                  <a:srgbClr val="0071F6"/>
+                </a:solidFill>
+                <a:latin typeface="Lexend" panose="020B0604020202020204" charset="0"/>
                 <a:cs typeface="Times New Roman" pitchFamily="18" charset="0"/>
               </a:rPr>
               <a:t>IDE – Integrated Development Environment</a:t>
             </a:r>
-            <a:endParaRPr lang="he-IL"/>
+            <a:endParaRPr lang="he-IL" b="1" dirty="0">
+              <a:solidFill>
+                <a:srgbClr val="0071F6"/>
+              </a:solidFill>
+              <a:latin typeface="Lexend" panose="020B0604020202020204" charset="0"/>
+            </a:endParaRPr>
           </a:p>
         </p:txBody>
       </p:sp>
@@ -12372,6 +12976,20 @@
 <file path=ppt/slides/slide19.xml><?xml version="1.0" encoding="utf-8"?>
 <p:sld xmlns:a="http://schemas.openxmlformats.org/drawingml/2006/main" xmlns:r="http://schemas.openxmlformats.org/officeDocument/2006/relationships" xmlns:p="http://schemas.openxmlformats.org/presentationml/2006/main">
   <p:cSld>
+    <p:bg>
+      <p:bgPr>
+        <a:blipFill dpi="0" rotWithShape="1">
+          <a:blip r:embed="rId3">
+            <a:lum/>
+          </a:blip>
+          <a:srcRect/>
+          <a:stretch>
+            <a:fillRect/>
+          </a:stretch>
+        </a:blipFill>
+        <a:effectLst/>
+      </p:bgPr>
+    </p:bg>
     <p:spTree>
       <p:nvGrpSpPr>
         <p:cNvPr id="1" name=""/>
@@ -12404,12 +13022,21 @@
           <a:lstStyle/>
           <a:p>
             <a:r>
-              <a:rPr lang="en-US" dirty="0">
+              <a:rPr lang="en-US" b="1" dirty="0">
+                <a:solidFill>
+                  <a:srgbClr val="0071F6"/>
+                </a:solidFill>
+                <a:latin typeface="Lexend" panose="020B0604020202020204" charset="0"/>
                 <a:cs typeface="Times New Roman" pitchFamily="18" charset="0"/>
               </a:rPr>
               <a:t>Python is  interpreted language</a:t>
             </a:r>
-            <a:endParaRPr lang="he-IL" dirty="0"/>
+            <a:endParaRPr lang="he-IL" b="1" dirty="0">
+              <a:solidFill>
+                <a:srgbClr val="0071F6"/>
+              </a:solidFill>
+              <a:latin typeface="Lexend" panose="020B0604020202020204" charset="0"/>
+            </a:endParaRPr>
           </a:p>
         </p:txBody>
       </p:sp>
@@ -12428,7 +13055,7 @@
         <p:spPr>
           <a:xfrm>
             <a:off x="815413" y="1761067"/>
-            <a:ext cx="10301320" cy="3323987"/>
+            <a:ext cx="10301320" cy="3914918"/>
           </a:xfrm>
           <a:prstGeom prst="rect">
             <a:avLst/>
@@ -12449,7 +13076,9 @@
               <a:buChar char="•"/>
             </a:pPr>
             <a:r>
-              <a:rPr lang="en-US" sz="2400" dirty="0"/>
+              <a:rPr lang="en-US" sz="2400" dirty="0">
+                <a:latin typeface="Lexend Medium" panose="020B0604020202020204" charset="0"/>
+              </a:rPr>
               <a:t>Python is an interpreted language. It means that our code processed at a real time, by interpreter,  without compiling it before the execution.</a:t>
             </a:r>
           </a:p>
@@ -12462,7 +13091,9 @@
               <a:buChar char="•"/>
             </a:pPr>
             <a:r>
-              <a:rPr lang="en-US" sz="2400" dirty="0"/>
+              <a:rPr lang="en-US" sz="2400" dirty="0">
+                <a:latin typeface="Lexend Medium" panose="020B0604020202020204" charset="0"/>
+              </a:rPr>
               <a:t>Interpreted code runs slower than a compiled one, because the interpreter must analyze each statement of the program each time it is executed. </a:t>
             </a:r>
           </a:p>
@@ -12475,12 +13106,16 @@
               <a:buChar char="•"/>
             </a:pPr>
             <a:r>
-              <a:rPr lang="en-US" sz="2400" dirty="0"/>
+              <a:rPr lang="en-US" sz="2400" dirty="0">
+                <a:latin typeface="Lexend Medium" panose="020B0604020202020204" charset="0"/>
+              </a:rPr>
               <a:t>This run-time analysis is known as "interpretive overhead".</a:t>
             </a:r>
           </a:p>
           <a:p>
-            <a:endParaRPr lang="en-US" dirty="0"/>
+            <a:endParaRPr lang="en-US" dirty="0">
+              <a:latin typeface="Lexend Medium" panose="020B0604020202020204" charset="0"/>
+            </a:endParaRPr>
           </a:p>
         </p:txBody>
       </p:sp>
@@ -12500,6 +13135,20 @@
 <file path=ppt/slides/slide2.xml><?xml version="1.0" encoding="utf-8"?>
 <p:sld xmlns:a="http://schemas.openxmlformats.org/drawingml/2006/main" xmlns:r="http://schemas.openxmlformats.org/officeDocument/2006/relationships" xmlns:p="http://schemas.openxmlformats.org/presentationml/2006/main">
   <p:cSld>
+    <p:bg>
+      <p:bgPr>
+        <a:blipFill dpi="0" rotWithShape="1">
+          <a:blip r:embed="rId2">
+            <a:lum/>
+          </a:blip>
+          <a:srcRect/>
+          <a:stretch>
+            <a:fillRect/>
+          </a:stretch>
+        </a:blipFill>
+        <a:effectLst/>
+      </p:bgPr>
+    </p:bg>
     <p:spTree>
       <p:nvGrpSpPr>
         <p:cNvPr id="1" name=""/>
@@ -12524,7 +13173,12 @@
             <p:ph type="body" sz="quarter" idx="13"/>
           </p:nvPr>
         </p:nvSpPr>
-        <p:spPr/>
+        <p:spPr>
+          <a:xfrm>
+            <a:off x="815414" y="1353618"/>
+            <a:ext cx="10794696" cy="3957292"/>
+          </a:xfrm>
+        </p:spPr>
         <p:txBody>
           <a:bodyPr/>
           <a:lstStyle/>
@@ -12535,7 +13189,9 @@
               </a:lnSpc>
             </a:pPr>
             <a:r>
-              <a:rPr lang="en-US" dirty="0"/>
+              <a:rPr lang="en-US" dirty="0">
+                <a:latin typeface="Lexend Medium" panose="020B0604020202020204" charset="0"/>
+              </a:rPr>
               <a:t>What is Python?</a:t>
             </a:r>
           </a:p>
@@ -12546,7 +13202,9 @@
               </a:lnSpc>
             </a:pPr>
             <a:r>
-              <a:rPr lang="en-US" dirty="0"/>
+              <a:rPr lang="en-US" dirty="0">
+                <a:latin typeface="Lexend Medium" panose="020B0604020202020204" charset="0"/>
+              </a:rPr>
               <a:t>Growth of python</a:t>
             </a:r>
           </a:p>
@@ -12557,7 +13215,9 @@
               </a:lnSpc>
             </a:pPr>
             <a:r>
-              <a:rPr lang="en-US" dirty="0"/>
+              <a:rPr lang="en-US" dirty="0">
+                <a:latin typeface="Lexend Medium" panose="020B0604020202020204" charset="0"/>
+              </a:rPr>
               <a:t>Python – Getting Started</a:t>
             </a:r>
           </a:p>
@@ -12568,7 +13228,9 @@
               </a:lnSpc>
             </a:pPr>
             <a:r>
-              <a:rPr lang="en-US" dirty="0"/>
+              <a:rPr lang="en-US" dirty="0">
+                <a:latin typeface="Lexend Medium" panose="020B0604020202020204" charset="0"/>
+              </a:rPr>
               <a:t>Python is interpreted language</a:t>
             </a:r>
           </a:p>
@@ -12579,7 +13241,9 @@
               </a:lnSpc>
             </a:pPr>
             <a:r>
-              <a:rPr lang="en-US" dirty="0"/>
+              <a:rPr lang="en-US" dirty="0">
+                <a:latin typeface="Lexend Medium" panose="020B0604020202020204" charset="0"/>
+              </a:rPr>
               <a:t>Python first program</a:t>
             </a:r>
           </a:p>
@@ -12590,7 +13254,9 @@
               </a:lnSpc>
             </a:pPr>
             <a:r>
-              <a:rPr lang="en-US" dirty="0"/>
+              <a:rPr lang="en-US" dirty="0">
+                <a:latin typeface="Lexend Medium" panose="020B0604020202020204" charset="0"/>
+              </a:rPr>
               <a:t>Indentations</a:t>
             </a:r>
           </a:p>
@@ -12601,7 +13267,9 @@
               </a:lnSpc>
             </a:pPr>
             <a:r>
-              <a:rPr lang="en-US" dirty="0"/>
+              <a:rPr lang="en-US" dirty="0">
+                <a:latin typeface="Lexend Medium" panose="020B0604020202020204" charset="0"/>
+              </a:rPr>
               <a:t>Error Messages</a:t>
             </a:r>
           </a:p>
@@ -12613,7 +13281,9 @@
               <a:buFont typeface="Arial" panose="020B0604020202020204" pitchFamily="34" charset="0"/>
               <a:buChar char="•"/>
             </a:pPr>
-            <a:endParaRPr lang="en-US" dirty="0"/>
+            <a:endParaRPr lang="en-US" dirty="0">
+              <a:latin typeface="Lexend Medium" panose="020B0604020202020204" charset="0"/>
+            </a:endParaRPr>
           </a:p>
         </p:txBody>
       </p:sp>
@@ -12633,10 +13303,20 @@
           <a:lstStyle/>
           <a:p>
             <a:r>
-              <a:rPr lang="en-US"/>
+              <a:rPr lang="en-US" b="1" dirty="0">
+                <a:solidFill>
+                  <a:srgbClr val="0071F6"/>
+                </a:solidFill>
+                <a:latin typeface="Lexend" panose="020B0604020202020204" charset="0"/>
+              </a:rPr>
               <a:t>Agenda</a:t>
             </a:r>
-            <a:endParaRPr lang="he-IL"/>
+            <a:endParaRPr lang="he-IL" b="1" dirty="0">
+              <a:solidFill>
+                <a:srgbClr val="0071F6"/>
+              </a:solidFill>
+              <a:latin typeface="Lexend" panose="020B0604020202020204" charset="0"/>
+            </a:endParaRPr>
           </a:p>
         </p:txBody>
       </p:sp>
@@ -12656,6 +13336,20 @@
 <file path=ppt/slides/slide20.xml><?xml version="1.0" encoding="utf-8"?>
 <p:sld xmlns:a="http://schemas.openxmlformats.org/drawingml/2006/main" xmlns:r="http://schemas.openxmlformats.org/officeDocument/2006/relationships" xmlns:p="http://schemas.openxmlformats.org/presentationml/2006/main">
   <p:cSld>
+    <p:bg>
+      <p:bgPr>
+        <a:blipFill dpi="0" rotWithShape="1">
+          <a:blip r:embed="rId3">
+            <a:lum/>
+          </a:blip>
+          <a:srcRect/>
+          <a:stretch>
+            <a:fillRect/>
+          </a:stretch>
+        </a:blipFill>
+        <a:effectLst/>
+      </p:bgPr>
+    </p:bg>
     <p:spTree>
       <p:nvGrpSpPr>
         <p:cNvPr id="1" name=""/>
@@ -12688,12 +13382,21 @@
           <a:lstStyle/>
           <a:p>
             <a:r>
-              <a:rPr lang="en-US" dirty="0">
+              <a:rPr lang="en-US" b="1" dirty="0">
+                <a:solidFill>
+                  <a:srgbClr val="0071F6"/>
+                </a:solidFill>
+                <a:latin typeface="Lexend" panose="020B0604020202020204" charset="0"/>
                 <a:cs typeface="Times New Roman" pitchFamily="18" charset="0"/>
               </a:rPr>
               <a:t>Python First program</a:t>
             </a:r>
-            <a:endParaRPr lang="he-IL" dirty="0"/>
+            <a:endParaRPr lang="he-IL" b="1" dirty="0">
+              <a:solidFill>
+                <a:srgbClr val="0071F6"/>
+              </a:solidFill>
+              <a:latin typeface="Lexend" panose="020B0604020202020204" charset="0"/>
+            </a:endParaRPr>
           </a:p>
         </p:txBody>
       </p:sp>
@@ -12730,7 +13433,9 @@
               <a:buChar char="•"/>
             </a:pPr>
             <a:r>
-              <a:rPr lang="en-US" sz="2800" dirty="0"/>
+              <a:rPr lang="en-US" sz="2800" dirty="0">
+                <a:latin typeface="Lexend Medium" panose="020B0604020202020204" charset="0"/>
+              </a:rPr>
               <a:t>One of the ways to run python code is to write a script file that contains python commands </a:t>
             </a:r>
           </a:p>
@@ -12740,18 +13445,26 @@
               <a:buChar char="•"/>
             </a:pPr>
             <a:r>
-              <a:rPr lang="en-US" sz="2800" dirty="0"/>
+              <a:rPr lang="en-US" sz="2800" dirty="0">
+                <a:latin typeface="Lexend Medium" panose="020B0604020202020204" charset="0"/>
+              </a:rPr>
               <a:t>Python scripts usually have an extension of </a:t>
             </a:r>
             <a:r>
-              <a:rPr lang="en-US" sz="2800" b="1" dirty="0"/>
+              <a:rPr lang="en-US" sz="2800" b="1" dirty="0">
+                <a:latin typeface="Lexend Medium" panose="020B0604020202020204" charset="0"/>
+              </a:rPr>
               <a:t>.</a:t>
             </a:r>
             <a:r>
-              <a:rPr lang="en-US" sz="2800" b="1" dirty="0" err="1"/>
+              <a:rPr lang="en-US" sz="2800" b="1" dirty="0" err="1">
+                <a:latin typeface="Lexend Medium" panose="020B0604020202020204" charset="0"/>
+              </a:rPr>
               <a:t>py</a:t>
             </a:r>
-            <a:endParaRPr lang="en-US" sz="2800" b="1" dirty="0"/>
+            <a:endParaRPr lang="en-US" sz="2800" b="1" dirty="0">
+              <a:latin typeface="Lexend Medium" panose="020B0604020202020204" charset="0"/>
+            </a:endParaRPr>
           </a:p>
           <a:p>
             <a:pPr marL="457200" indent="-457200">
@@ -12759,21 +13472,27 @@
               <a:buChar char="•"/>
             </a:pPr>
             <a:r>
-              <a:rPr lang="en-US" sz="2800" dirty="0"/>
+              <a:rPr lang="en-US" sz="2800" dirty="0">
+                <a:latin typeface="Lexend Medium" panose="020B0604020202020204" charset="0"/>
+              </a:rPr>
               <a:t>Lets start with a simple python script – first.py</a:t>
             </a:r>
           </a:p>
           <a:p>
             <a:pPr lvl="2"/>
             <a:r>
-              <a:rPr lang="en-US" sz="2800" dirty="0"/>
+              <a:rPr lang="en-US" sz="2800" dirty="0">
+                <a:latin typeface="Lexend Medium" panose="020B0604020202020204" charset="0"/>
+              </a:rPr>
               <a:t>- Open any text editor or IDE</a:t>
             </a:r>
           </a:p>
           <a:p>
             <a:pPr lvl="2"/>
             <a:r>
-              <a:rPr lang="en-US" sz="2800" dirty="0"/>
+              <a:rPr lang="en-US" sz="2800" dirty="0">
+                <a:latin typeface="Lexend Medium" panose="020B0604020202020204" charset="0"/>
+              </a:rPr>
               <a:t>- Save the first program as first.py</a:t>
             </a:r>
           </a:p>
@@ -12783,7 +13502,9 @@
               <a:buChar char="-"/>
             </a:pPr>
             <a:r>
-              <a:rPr lang="en-US" sz="2800" dirty="0"/>
+              <a:rPr lang="en-US" sz="2800" dirty="0">
+                <a:latin typeface="Lexend Medium" panose="020B0604020202020204" charset="0"/>
+              </a:rPr>
               <a:t>Type the following command in it:</a:t>
             </a:r>
           </a:p>
@@ -12792,27 +13513,37 @@
               <a:buFontTx/>
               <a:buChar char="-"/>
             </a:pPr>
-            <a:endParaRPr lang="en-US" sz="2800" dirty="0"/>
+            <a:endParaRPr lang="en-US" sz="2800" dirty="0">
+              <a:latin typeface="Lexend Medium" panose="020B0604020202020204" charset="0"/>
+            </a:endParaRPr>
           </a:p>
           <a:p>
             <a:pPr marL="1371600" lvl="2" indent="-457200">
               <a:buFontTx/>
               <a:buChar char="-"/>
             </a:pPr>
-            <a:endParaRPr lang="en-US" sz="2800" dirty="0"/>
+            <a:endParaRPr lang="en-US" sz="2800" dirty="0">
+              <a:latin typeface="Lexend Medium" panose="020B0604020202020204" charset="0"/>
+            </a:endParaRPr>
           </a:p>
           <a:p>
             <a:pPr lvl="2"/>
             <a:r>
-              <a:rPr lang="en-US" sz="2800" dirty="0"/>
+              <a:rPr lang="en-US" sz="2800" dirty="0">
+                <a:latin typeface="Lexend Medium" panose="020B0604020202020204" charset="0"/>
+              </a:rPr>
               <a:t>- Run the script. If the commands are correct, python will execute the script</a:t>
             </a:r>
           </a:p>
           <a:p>
-            <a:endParaRPr lang="en-US" sz="2400" b="1" dirty="0"/>
-          </a:p>
-          <a:p>
-            <a:endParaRPr lang="en-US" dirty="0"/>
+            <a:endParaRPr lang="en-US" sz="2400" b="1" dirty="0">
+              <a:latin typeface="Lexend Medium" panose="020B0604020202020204" charset="0"/>
+            </a:endParaRPr>
+          </a:p>
+          <a:p>
+            <a:endParaRPr lang="en-US" dirty="0">
+              <a:latin typeface="Lexend Medium" panose="020B0604020202020204" charset="0"/>
+            </a:endParaRPr>
           </a:p>
         </p:txBody>
       </p:sp>
@@ -12960,6 +13691,20 @@
 <file path=ppt/slides/slide21.xml><?xml version="1.0" encoding="utf-8"?>
 <p:sld xmlns:a="http://schemas.openxmlformats.org/drawingml/2006/main" xmlns:r="http://schemas.openxmlformats.org/officeDocument/2006/relationships" xmlns:p="http://schemas.openxmlformats.org/presentationml/2006/main">
   <p:cSld>
+    <p:bg>
+      <p:bgPr>
+        <a:blipFill dpi="0" rotWithShape="1">
+          <a:blip r:embed="rId3">
+            <a:lum/>
+          </a:blip>
+          <a:srcRect/>
+          <a:stretch>
+            <a:fillRect/>
+          </a:stretch>
+        </a:blipFill>
+        <a:effectLst/>
+      </p:bgPr>
+    </p:bg>
     <p:spTree>
       <p:nvGrpSpPr>
         <p:cNvPr id="1" name=""/>
@@ -12992,12 +13737,21 @@
           <a:lstStyle/>
           <a:p>
             <a:r>
-              <a:rPr lang="en-US" dirty="0">
+              <a:rPr lang="en-US" b="1" dirty="0">
+                <a:solidFill>
+                  <a:srgbClr val="0071F6"/>
+                </a:solidFill>
+                <a:latin typeface="Lexend" panose="020B0604020202020204" charset="0"/>
                 <a:cs typeface="Times New Roman" pitchFamily="18" charset="0"/>
               </a:rPr>
               <a:t>Python First program – cont’d</a:t>
             </a:r>
-            <a:endParaRPr lang="he-IL" dirty="0"/>
+            <a:endParaRPr lang="he-IL" b="1" dirty="0">
+              <a:solidFill>
+                <a:srgbClr val="0071F6"/>
+              </a:solidFill>
+              <a:latin typeface="Lexend" panose="020B0604020202020204" charset="0"/>
+            </a:endParaRPr>
           </a:p>
         </p:txBody>
       </p:sp>
@@ -13034,7 +13788,9 @@
               <a:buChar char="•"/>
             </a:pPr>
             <a:r>
-              <a:rPr lang="en-US" sz="2000" dirty="0"/>
+              <a:rPr lang="en-US" sz="2000" dirty="0">
+                <a:latin typeface="Lexend Medium" panose="020B0604020202020204" charset="0"/>
+              </a:rPr>
               <a:t>Another way to run python commands is to run python shell – the interactive mode</a:t>
             </a:r>
           </a:p>
@@ -13044,23 +13800,33 @@
               <a:buChar char="•"/>
             </a:pPr>
             <a:r>
-              <a:rPr lang="en-US" sz="2000" dirty="0"/>
+              <a:rPr lang="en-US" sz="2000" dirty="0">
+                <a:latin typeface="Lexend Medium" panose="020B0604020202020204" charset="0"/>
+              </a:rPr>
               <a:t>To do so, open shell or command processor (like </a:t>
             </a:r>
             <a:r>
-              <a:rPr lang="en-US" sz="2000" i="1" dirty="0" err="1"/>
+              <a:rPr lang="en-US" sz="2000" i="1" dirty="0" err="1">
+                <a:latin typeface="Lexend Medium" panose="020B0604020202020204" charset="0"/>
+              </a:rPr>
               <a:t>cmd</a:t>
             </a:r>
             <a:r>
-              <a:rPr lang="en-US" sz="2000" dirty="0"/>
+              <a:rPr lang="en-US" sz="2000" dirty="0">
+                <a:latin typeface="Lexend Medium" panose="020B0604020202020204" charset="0"/>
+              </a:rPr>
               <a:t>) and type python exe path and you will see the following output:</a:t>
             </a:r>
           </a:p>
           <a:p>
-            <a:endParaRPr lang="en-US" sz="2400" b="1" dirty="0"/>
-          </a:p>
-          <a:p>
-            <a:endParaRPr lang="en-US" dirty="0"/>
+            <a:endParaRPr lang="en-US" sz="2400" b="1" dirty="0">
+              <a:latin typeface="Lexend Medium" panose="020B0604020202020204" charset="0"/>
+            </a:endParaRPr>
+          </a:p>
+          <a:p>
+            <a:endParaRPr lang="en-US" dirty="0">
+              <a:latin typeface="Lexend Medium" panose="020B0604020202020204" charset="0"/>
+            </a:endParaRPr>
           </a:p>
         </p:txBody>
       </p:sp>
@@ -13079,7 +13845,7 @@
           <p:nvPr/>
         </p:nvPicPr>
         <p:blipFill>
-          <a:blip r:embed="rId3">
+          <a:blip r:embed="rId4">
             <a:extLst>
               <a:ext uri="{28A0092B-C50C-407E-A947-70E740481C1C}">
                 <a14:useLocalDpi xmlns:a14="http://schemas.microsoft.com/office/drawing/2010/main" val="0"/>
@@ -13133,7 +13899,9 @@
               <a:buChar char="•"/>
             </a:pPr>
             <a:r>
-              <a:rPr lang="en-US" sz="2000" dirty="0"/>
+              <a:rPr lang="en-US" sz="2000" dirty="0">
+                <a:latin typeface="Lexend Medium" panose="020B0604020202020204" charset="0"/>
+              </a:rPr>
               <a:t>In interactive mode, python interpreter is waiting for users commands and executes them as given.</a:t>
             </a:r>
           </a:p>
@@ -13143,7 +13911,9 @@
               <a:buChar char="•"/>
             </a:pPr>
             <a:r>
-              <a:rPr lang="en-US" sz="2000" dirty="0"/>
+              <a:rPr lang="en-US" sz="2000" dirty="0">
+                <a:latin typeface="Lexend Medium" panose="020B0604020202020204" charset="0"/>
+              </a:rPr>
               <a:t>Whenever you exit the interactive mode, the commands are gone.</a:t>
             </a:r>
           </a:p>
@@ -13165,6 +13935,20 @@
 <file path=ppt/slides/slide22.xml><?xml version="1.0" encoding="utf-8"?>
 <p:sld xmlns:a="http://schemas.openxmlformats.org/drawingml/2006/main" xmlns:r="http://schemas.openxmlformats.org/officeDocument/2006/relationships" xmlns:p="http://schemas.openxmlformats.org/presentationml/2006/main">
   <p:cSld>
+    <p:bg>
+      <p:bgPr>
+        <a:blipFill dpi="0" rotWithShape="1">
+          <a:blip r:embed="rId3">
+            <a:lum/>
+          </a:blip>
+          <a:srcRect/>
+          <a:stretch>
+            <a:fillRect/>
+          </a:stretch>
+        </a:blipFill>
+        <a:effectLst/>
+      </p:bgPr>
+    </p:bg>
     <p:spTree>
       <p:nvGrpSpPr>
         <p:cNvPr id="1" name=""/>
@@ -13197,12 +13981,21 @@
           <a:lstStyle/>
           <a:p>
             <a:r>
-              <a:rPr lang="en-US" dirty="0">
+              <a:rPr lang="en-US" b="1" dirty="0">
+                <a:solidFill>
+                  <a:srgbClr val="0071F6"/>
+                </a:solidFill>
+                <a:latin typeface="Lexend" panose="020B0604020202020204" charset="0"/>
                 <a:cs typeface="Times New Roman" pitchFamily="18" charset="0"/>
               </a:rPr>
               <a:t>Python First program – cont’d</a:t>
             </a:r>
-            <a:endParaRPr lang="he-IL" dirty="0"/>
+            <a:endParaRPr lang="he-IL" b="1" dirty="0">
+              <a:solidFill>
+                <a:srgbClr val="0071F6"/>
+              </a:solidFill>
+              <a:latin typeface="Lexend" panose="020B0604020202020204" charset="0"/>
+            </a:endParaRPr>
           </a:p>
         </p:txBody>
       </p:sp>
@@ -13239,7 +14032,9 @@
               <a:buChar char="•"/>
             </a:pPr>
             <a:r>
-              <a:rPr lang="en-US" dirty="0"/>
+              <a:rPr lang="en-US" dirty="0">
+                <a:latin typeface="Lexend Medium" panose="020B0604020202020204" charset="0"/>
+              </a:rPr>
               <a:t>One of the most important things for flow controls, functions definitions, classes and other block-defined statements is the fact that there is no braces to indicate blocks of code.</a:t>
             </a:r>
           </a:p>
@@ -13248,7 +14043,9 @@
               <a:buFont typeface="Arial" panose="020B0604020202020204" pitchFamily="34" charset="0"/>
               <a:buChar char="•"/>
             </a:pPr>
-            <a:endParaRPr lang="en-US" dirty="0"/>
+            <a:endParaRPr lang="en-US" dirty="0">
+              <a:latin typeface="Lexend Medium" panose="020B0604020202020204" charset="0"/>
+            </a:endParaRPr>
           </a:p>
           <a:p>
             <a:pPr marL="342900" indent="-342900">
@@ -13256,7 +14053,9 @@
               <a:buChar char="•"/>
             </a:pPr>
             <a:r>
-              <a:rPr lang="en-US" dirty="0"/>
+              <a:rPr lang="en-US" dirty="0">
+                <a:latin typeface="Lexend Medium" panose="020B0604020202020204" charset="0"/>
+              </a:rPr>
               <a:t>Blocks of code are denoted by line indentation</a:t>
             </a:r>
           </a:p>
@@ -13265,7 +14064,9 @@
               <a:buFont typeface="Arial" panose="020B0604020202020204" pitchFamily="34" charset="0"/>
               <a:buChar char="•"/>
             </a:pPr>
-            <a:endParaRPr lang="en-US" dirty="0"/>
+            <a:endParaRPr lang="en-US" dirty="0">
+              <a:latin typeface="Lexend Medium" panose="020B0604020202020204" charset="0"/>
+            </a:endParaRPr>
           </a:p>
           <a:p>
             <a:pPr marL="342900" indent="-342900">
@@ -13273,7 +14074,9 @@
               <a:buChar char="•"/>
             </a:pPr>
             <a:r>
-              <a:rPr lang="en-US" dirty="0"/>
+              <a:rPr lang="en-US" dirty="0">
+                <a:latin typeface="Lexend Medium" panose="020B0604020202020204" charset="0"/>
+              </a:rPr>
               <a:t>Indentations are represented by any number of spaces/tabs, but all statements within the same block must be indented the same.</a:t>
             </a:r>
           </a:p>
@@ -13294,7 +14097,7 @@
           <p:nvPr/>
         </p:nvPicPr>
         <p:blipFill>
-          <a:blip r:embed="rId3">
+          <a:blip r:embed="rId4">
             <a:extLst>
               <a:ext uri="{28A0092B-C50C-407E-A947-70E740481C1C}">
                 <a14:useLocalDpi xmlns:a14="http://schemas.microsoft.com/office/drawing/2010/main" val="0"/>
@@ -13341,6 +14144,20 @@
 <file path=ppt/slides/slide23.xml><?xml version="1.0" encoding="utf-8"?>
 <p:sld xmlns:a="http://schemas.openxmlformats.org/drawingml/2006/main" xmlns:r="http://schemas.openxmlformats.org/officeDocument/2006/relationships" xmlns:p="http://schemas.openxmlformats.org/presentationml/2006/main">
   <p:cSld>
+    <p:bg>
+      <p:bgPr>
+        <a:blipFill dpi="0" rotWithShape="1">
+          <a:blip r:embed="rId2">
+            <a:lum/>
+          </a:blip>
+          <a:srcRect/>
+          <a:stretch>
+            <a:fillRect/>
+          </a:stretch>
+        </a:blipFill>
+        <a:effectLst/>
+      </p:bgPr>
+    </p:bg>
     <p:spTree>
       <p:nvGrpSpPr>
         <p:cNvPr id="1" name=""/>
@@ -13371,10 +14188,14 @@
           <a:lstStyle/>
           <a:p>
             <a:r>
-              <a:rPr lang="en-US"/>
+              <a:rPr lang="en-US" dirty="0">
+                <a:latin typeface="Lexend" panose="020B0604020202020204" charset="0"/>
+              </a:rPr>
               <a:t>Demo 01: Print your name</a:t>
             </a:r>
-            <a:endParaRPr lang="he-IL"/>
+            <a:endParaRPr lang="he-IL" dirty="0">
+              <a:latin typeface="Lexend" panose="020B0604020202020204" charset="0"/>
+            </a:endParaRPr>
           </a:p>
         </p:txBody>
       </p:sp>
@@ -13394,6 +14215,20 @@
 <file path=ppt/slides/slide24.xml><?xml version="1.0" encoding="utf-8"?>
 <p:sld xmlns:a="http://schemas.openxmlformats.org/drawingml/2006/main" xmlns:r="http://schemas.openxmlformats.org/officeDocument/2006/relationships" xmlns:p="http://schemas.openxmlformats.org/presentationml/2006/main">
   <p:cSld>
+    <p:bg>
+      <p:bgPr>
+        <a:blipFill dpi="0" rotWithShape="1">
+          <a:blip r:embed="rId2">
+            <a:lum/>
+          </a:blip>
+          <a:srcRect/>
+          <a:stretch>
+            <a:fillRect/>
+          </a:stretch>
+        </a:blipFill>
+        <a:effectLst/>
+      </p:bgPr>
+    </p:bg>
     <p:spTree>
       <p:nvGrpSpPr>
         <p:cNvPr id="1" name=""/>
@@ -13424,10 +14259,14 @@
           <a:lstStyle/>
           <a:p>
             <a:r>
-              <a:rPr lang="en-US"/>
+              <a:rPr lang="en-US" dirty="0">
+                <a:latin typeface="Lexend Medium" panose="020B0604020202020204" charset="0"/>
+              </a:rPr>
               <a:t>Demo 01: Print your name</a:t>
             </a:r>
-            <a:endParaRPr lang="he-IL"/>
+            <a:endParaRPr lang="he-IL" dirty="0">
+              <a:latin typeface="Lexend Medium" panose="020B0604020202020204" charset="0"/>
+            </a:endParaRPr>
           </a:p>
         </p:txBody>
       </p:sp>
@@ -13446,7 +14285,7 @@
           <p:nvPr/>
         </p:nvPicPr>
         <p:blipFill>
-          <a:blip r:embed="rId2"/>
+          <a:blip r:embed="rId3"/>
           <a:stretch>
             <a:fillRect/>
           </a:stretch>
@@ -13618,6 +14457,20 @@
 <file path=ppt/slides/slide25.xml><?xml version="1.0" encoding="utf-8"?>
 <p:sld xmlns:a="http://schemas.openxmlformats.org/drawingml/2006/main" xmlns:r="http://schemas.openxmlformats.org/officeDocument/2006/relationships" xmlns:p="http://schemas.openxmlformats.org/presentationml/2006/main">
   <p:cSld>
+    <p:bg>
+      <p:bgPr>
+        <a:blipFill dpi="0" rotWithShape="1">
+          <a:blip r:embed="rId2">
+            <a:lum/>
+          </a:blip>
+          <a:srcRect/>
+          <a:stretch>
+            <a:fillRect/>
+          </a:stretch>
+        </a:blipFill>
+        <a:effectLst/>
+      </p:bgPr>
+    </p:bg>
     <p:spTree>
       <p:nvGrpSpPr>
         <p:cNvPr id="1" name=""/>
@@ -13648,10 +14501,14 @@
           <a:lstStyle/>
           <a:p>
             <a:r>
-              <a:rPr lang="en-US"/>
+              <a:rPr lang="en-US" dirty="0">
+                <a:latin typeface="Lexend Medium" panose="020B0604020202020204" charset="0"/>
+              </a:rPr>
               <a:t>Console Methods</a:t>
             </a:r>
-            <a:endParaRPr lang="he-IL"/>
+            <a:endParaRPr lang="he-IL" dirty="0">
+              <a:latin typeface="Lexend Medium" panose="020B0604020202020204" charset="0"/>
+            </a:endParaRPr>
           </a:p>
         </p:txBody>
       </p:sp>
@@ -13671,6 +14528,20 @@
 <file path=ppt/slides/slide26.xml><?xml version="1.0" encoding="utf-8"?>
 <p:sld xmlns:a="http://schemas.openxmlformats.org/drawingml/2006/main" xmlns:r="http://schemas.openxmlformats.org/officeDocument/2006/relationships" xmlns:p="http://schemas.openxmlformats.org/presentationml/2006/main">
   <p:cSld>
+    <p:bg>
+      <p:bgPr>
+        <a:blipFill dpi="0" rotWithShape="1">
+          <a:blip r:embed="rId3">
+            <a:lum/>
+          </a:blip>
+          <a:srcRect/>
+          <a:stretch>
+            <a:fillRect/>
+          </a:stretch>
+        </a:blipFill>
+        <a:effectLst/>
+      </p:bgPr>
+    </p:bg>
     <p:spTree>
       <p:nvGrpSpPr>
         <p:cNvPr id="1" name=""/>
@@ -13701,10 +14572,14 @@
           <a:lstStyle/>
           <a:p>
             <a:r>
-              <a:rPr lang="en-US"/>
+              <a:rPr lang="en-US" dirty="0">
+                <a:latin typeface="Lexend Medium" panose="020B0604020202020204" charset="0"/>
+              </a:rPr>
               <a:t>Demo Code: Console Methods</a:t>
             </a:r>
-            <a:endParaRPr lang="he-IL"/>
+            <a:endParaRPr lang="he-IL" dirty="0">
+              <a:latin typeface="Lexend Medium" panose="020B0604020202020204" charset="0"/>
+            </a:endParaRPr>
           </a:p>
         </p:txBody>
       </p:sp>
@@ -13723,7 +14598,7 @@
           <p:nvPr/>
         </p:nvPicPr>
         <p:blipFill>
-          <a:blip r:embed="rId3"/>
+          <a:blip r:embed="rId4"/>
           <a:stretch>
             <a:fillRect/>
           </a:stretch>
@@ -14291,6 +15166,20 @@
 <file path=ppt/slides/slide27.xml><?xml version="1.0" encoding="utf-8"?>
 <p:sld xmlns:a="http://schemas.openxmlformats.org/drawingml/2006/main" xmlns:r="http://schemas.openxmlformats.org/officeDocument/2006/relationships" xmlns:p="http://schemas.openxmlformats.org/presentationml/2006/main">
   <p:cSld>
+    <p:bg>
+      <p:bgPr>
+        <a:blipFill dpi="0" rotWithShape="1">
+          <a:blip r:embed="rId3">
+            <a:lum/>
+          </a:blip>
+          <a:srcRect/>
+          <a:stretch>
+            <a:fillRect/>
+          </a:stretch>
+        </a:blipFill>
+        <a:effectLst/>
+      </p:bgPr>
+    </p:bg>
     <p:spTree>
       <p:nvGrpSpPr>
         <p:cNvPr id="1" name=""/>
@@ -14321,10 +15210,20 @@
           <a:lstStyle/>
           <a:p>
             <a:r>
-              <a:rPr lang="en-US" dirty="0"/>
+              <a:rPr lang="en-US" b="1" dirty="0">
+                <a:solidFill>
+                  <a:srgbClr val="0071F6"/>
+                </a:solidFill>
+                <a:latin typeface="Lexend" panose="020B0604020202020204" charset="0"/>
+              </a:rPr>
               <a:t>Error Messages</a:t>
             </a:r>
-            <a:endParaRPr lang="he-IL" dirty="0"/>
+            <a:endParaRPr lang="he-IL" b="1" dirty="0">
+              <a:solidFill>
+                <a:srgbClr val="0071F6"/>
+              </a:solidFill>
+              <a:latin typeface="Lexend" panose="020B0604020202020204" charset="0"/>
+            </a:endParaRPr>
           </a:p>
         </p:txBody>
       </p:sp>
@@ -14458,7 +15357,7 @@
                 <a:solidFill>
                   <a:srgbClr val="000000"/>
                 </a:solidFill>
-                <a:latin typeface="Arial Unicode MS" pitchFamily="34" charset="-128"/>
+                <a:latin typeface="Lexend Medium" panose="020B0604020202020204" charset="0"/>
                 <a:ea typeface="Arial Unicode MS" pitchFamily="34" charset="-128"/>
                 <a:cs typeface="Arial Unicode MS" pitchFamily="34" charset="-128"/>
               </a:rPr>
@@ -14468,7 +15367,7 @@
               <a:solidFill>
                 <a:srgbClr val="000000"/>
               </a:solidFill>
-              <a:latin typeface="Arial Unicode MS" pitchFamily="34" charset="-128"/>
+              <a:latin typeface="Lexend Medium" panose="020B0604020202020204" charset="0"/>
               <a:ea typeface="Arial Unicode MS" pitchFamily="34" charset="-128"/>
               <a:cs typeface="Arial Unicode MS" pitchFamily="34" charset="-128"/>
             </a:endParaRPr>
@@ -14486,7 +15385,7 @@
                 <a:solidFill>
                   <a:srgbClr val="000000"/>
                 </a:solidFill>
-                <a:latin typeface="Arial Unicode MS" pitchFamily="34" charset="-128"/>
+                <a:latin typeface="Lexend Medium" panose="020B0604020202020204" charset="0"/>
                 <a:ea typeface="Arial Unicode MS" pitchFamily="34" charset="-128"/>
                 <a:cs typeface="Arial Unicode MS" pitchFamily="34" charset="-128"/>
               </a:rPr>
@@ -14504,7 +15403,7 @@
               <a:solidFill>
                 <a:srgbClr val="000000"/>
               </a:solidFill>
-              <a:latin typeface="Arial Unicode MS" pitchFamily="34" charset="-128"/>
+              <a:latin typeface="Lexend Medium" panose="020B0604020202020204" charset="0"/>
               <a:ea typeface="Arial Unicode MS" pitchFamily="34" charset="-128"/>
               <a:cs typeface="Arial Unicode MS" pitchFamily="34" charset="-128"/>
             </a:endParaRPr>
@@ -14521,7 +15420,7 @@
                 <a:solidFill>
                   <a:srgbClr val="000000"/>
                 </a:solidFill>
-                <a:latin typeface="Arial Unicode MS" pitchFamily="34" charset="-128"/>
+                <a:latin typeface="Lexend Medium" panose="020B0604020202020204" charset="0"/>
                 <a:ea typeface="Arial Unicode MS" pitchFamily="34" charset="-128"/>
                 <a:cs typeface="Arial Unicode MS" pitchFamily="34" charset="-128"/>
               </a:rPr>
@@ -14531,7 +15430,7 @@
               <a:solidFill>
                 <a:srgbClr val="FF0000"/>
               </a:solidFill>
-              <a:latin typeface="Arial Unicode MS" pitchFamily="34" charset="-128"/>
+              <a:latin typeface="Lexend Medium" panose="020B0604020202020204" charset="0"/>
               <a:ea typeface="Arial Unicode MS" pitchFamily="34" charset="-128"/>
               <a:cs typeface="Arial Unicode MS" pitchFamily="34" charset="-128"/>
             </a:endParaRPr>
@@ -14578,7 +15477,7 @@
                 <a:solidFill>
                   <a:srgbClr val="000000"/>
                 </a:solidFill>
-                <a:latin typeface="Arial Unicode MS" pitchFamily="34" charset="-128"/>
+                <a:latin typeface="Lexend Medium" panose="020B0604020202020204" charset="0"/>
                 <a:ea typeface="Arial Unicode MS" pitchFamily="34" charset="-128"/>
                 <a:cs typeface="Arial Unicode MS" pitchFamily="34" charset="-128"/>
               </a:rPr>
@@ -14598,7 +15497,7 @@
                 <a:solidFill>
                   <a:srgbClr val="000000"/>
                 </a:solidFill>
-                <a:latin typeface="Arial Unicode MS" pitchFamily="34" charset="-128"/>
+                <a:latin typeface="Lexend Medium" panose="020B0604020202020204" charset="0"/>
                 <a:ea typeface="Arial Unicode MS" pitchFamily="34" charset="-128"/>
                 <a:cs typeface="Arial Unicode MS" pitchFamily="34" charset="-128"/>
               </a:rPr>
@@ -14623,7 +15522,7 @@
                   </a:srgbClr>
                 </a:outerShdw>
               </a:effectLst>
-              <a:latin typeface="Arial Unicode MS" pitchFamily="34" charset="-128"/>
+              <a:latin typeface="Lexend Medium" panose="020B0604020202020204" charset="0"/>
               <a:ea typeface="Arial Unicode MS" pitchFamily="34" charset="-128"/>
               <a:cs typeface="Arial Unicode MS" pitchFamily="34" charset="-128"/>
             </a:endParaRPr>
@@ -14645,7 +15544,7 @@
           <p:nvPr/>
         </p:nvPicPr>
         <p:blipFill>
-          <a:blip r:embed="rId3"/>
+          <a:blip r:embed="rId4"/>
           <a:stretch>
             <a:fillRect/>
           </a:stretch>
@@ -14693,7 +15592,9 @@
               <a:buChar char="•"/>
             </a:pPr>
             <a:r>
-              <a:rPr lang="en-US" dirty="0"/>
+              <a:rPr lang="en-US" dirty="0">
+                <a:latin typeface="Lexend Medium" panose="020B0604020202020204" charset="0"/>
+              </a:rPr>
               <a:t>Output:</a:t>
             </a:r>
           </a:p>
@@ -14933,6 +15834,20 @@
 <file path=ppt/slides/slide28.xml><?xml version="1.0" encoding="utf-8"?>
 <p:sld xmlns:a="http://schemas.openxmlformats.org/drawingml/2006/main" xmlns:r="http://schemas.openxmlformats.org/officeDocument/2006/relationships" xmlns:p="http://schemas.openxmlformats.org/presentationml/2006/main">
   <p:cSld>
+    <p:bg>
+      <p:bgPr>
+        <a:blipFill dpi="0" rotWithShape="1">
+          <a:blip r:embed="rId2">
+            <a:lum/>
+          </a:blip>
+          <a:srcRect/>
+          <a:stretch>
+            <a:fillRect/>
+          </a:stretch>
+        </a:blipFill>
+        <a:effectLst/>
+      </p:bgPr>
+    </p:bg>
     <p:spTree>
       <p:nvGrpSpPr>
         <p:cNvPr id="1" name=""/>
@@ -14957,39 +15872,56 @@
             <p:ph type="body" sz="quarter" idx="13"/>
           </p:nvPr>
         </p:nvSpPr>
-        <p:spPr/>
+        <p:spPr>
+          <a:xfrm>
+            <a:off x="815413" y="1492163"/>
+            <a:ext cx="10656151" cy="4345220"/>
+          </a:xfrm>
+        </p:spPr>
         <p:txBody>
           <a:bodyPr/>
           <a:lstStyle/>
           <a:p>
             <a:r>
-              <a:rPr lang="en-US" dirty="0"/>
+              <a:rPr lang="en-US" dirty="0">
+                <a:latin typeface="Lexend Medium" panose="020B0604020202020204" charset="0"/>
+              </a:rPr>
               <a:t>The Python programming language is an easy to read-write language</a:t>
             </a:r>
           </a:p>
           <a:p>
             <a:r>
-              <a:rPr lang="en-US" dirty="0"/>
+              <a:rPr lang="en-US" dirty="0">
+                <a:latin typeface="Lexend Medium" panose="020B0604020202020204" charset="0"/>
+              </a:rPr>
               <a:t>Python is now gaining more and more popularity (creating jobs demands)</a:t>
             </a:r>
           </a:p>
           <a:p>
             <a:r>
-              <a:rPr lang="en-US" dirty="0" err="1"/>
+              <a:rPr lang="en-US" dirty="0" err="1">
+                <a:latin typeface="Lexend Medium" panose="020B0604020202020204" charset="0"/>
+              </a:rPr>
               <a:t>VSCode</a:t>
             </a:r>
             <a:r>
-              <a:rPr lang="en-US" dirty="0"/>
+              <a:rPr lang="en-US" dirty="0">
+                <a:latin typeface="Lexend Medium" panose="020B0604020202020204" charset="0"/>
+              </a:rPr>
               <a:t> is one of the most used IDE’s for Python</a:t>
             </a:r>
           </a:p>
           <a:p>
             <a:r>
-              <a:rPr lang="en-US" dirty="0" err="1"/>
+              <a:rPr lang="en-US" dirty="0" err="1">
+                <a:latin typeface="Lexend Medium" panose="020B0604020202020204" charset="0"/>
+              </a:rPr>
               <a:t>VSCode</a:t>
             </a:r>
             <a:r>
-              <a:rPr lang="en-US" dirty="0"/>
+              <a:rPr lang="en-US" dirty="0">
+                <a:latin typeface="Lexend Medium" panose="020B0604020202020204" charset="0"/>
+              </a:rPr>
               <a:t> has built in debugger and console</a:t>
             </a:r>
           </a:p>
@@ -15011,10 +15943,20 @@
           <a:lstStyle/>
           <a:p>
             <a:r>
-              <a:rPr lang="en-US"/>
+              <a:rPr lang="en-US" b="1" dirty="0">
+                <a:solidFill>
+                  <a:srgbClr val="0071F6"/>
+                </a:solidFill>
+                <a:latin typeface="Lexend "/>
+              </a:rPr>
               <a:t>Summary</a:t>
             </a:r>
-            <a:endParaRPr lang="he-IL"/>
+            <a:endParaRPr lang="he-IL" b="1" dirty="0">
+              <a:solidFill>
+                <a:srgbClr val="0071F6"/>
+              </a:solidFill>
+              <a:latin typeface="Lexend "/>
+            </a:endParaRPr>
           </a:p>
         </p:txBody>
       </p:sp>
@@ -15034,6 +15976,20 @@
 <file path=ppt/slides/slide29.xml><?xml version="1.0" encoding="utf-8"?>
 <p:sld xmlns:a="http://schemas.openxmlformats.org/drawingml/2006/main" xmlns:r="http://schemas.openxmlformats.org/officeDocument/2006/relationships" xmlns:p="http://schemas.openxmlformats.org/presentationml/2006/main">
   <p:cSld>
+    <p:bg>
+      <p:bgPr>
+        <a:blipFill dpi="0" rotWithShape="1">
+          <a:blip r:embed="rId2">
+            <a:lum/>
+          </a:blip>
+          <a:srcRect/>
+          <a:stretch>
+            <a:fillRect/>
+          </a:stretch>
+        </a:blipFill>
+        <a:effectLst/>
+      </p:bgPr>
+    </p:bg>
     <p:spTree>
       <p:nvGrpSpPr>
         <p:cNvPr id="1" name=""/>
@@ -15064,10 +16020,14 @@
           <a:lstStyle/>
           <a:p>
             <a:r>
-              <a:rPr lang="en-US"/>
+              <a:rPr lang="en-US" dirty="0">
+                <a:latin typeface="Lexend Medium" panose="020B0604020202020204" charset="0"/>
+              </a:rPr>
               <a:t>Lab 01</a:t>
             </a:r>
-            <a:endParaRPr lang="he-IL"/>
+            <a:endParaRPr lang="he-IL" dirty="0">
+              <a:latin typeface="Lexend Medium" panose="020B0604020202020204" charset="0"/>
+            </a:endParaRPr>
           </a:p>
         </p:txBody>
       </p:sp>
@@ -15087,6 +16047,20 @@
 <file path=ppt/slides/slide3.xml><?xml version="1.0" encoding="utf-8"?>
 <p:sld xmlns:a="http://schemas.openxmlformats.org/drawingml/2006/main" xmlns:r="http://schemas.openxmlformats.org/officeDocument/2006/relationships" xmlns:p="http://schemas.openxmlformats.org/presentationml/2006/main">
   <p:cSld>
+    <p:bg>
+      <p:bgPr>
+        <a:blipFill dpi="0" rotWithShape="1">
+          <a:blip r:embed="rId3">
+            <a:lum/>
+          </a:blip>
+          <a:srcRect/>
+          <a:stretch>
+            <a:fillRect/>
+          </a:stretch>
+        </a:blipFill>
+        <a:effectLst/>
+      </p:bgPr>
+    </p:bg>
     <p:spTree>
       <p:nvGrpSpPr>
         <p:cNvPr id="1" name=""/>
@@ -15117,10 +16091,20 @@
           <a:lstStyle/>
           <a:p>
             <a:r>
-              <a:rPr lang="en-US" dirty="0"/>
+              <a:rPr lang="en-US" b="1" dirty="0">
+                <a:solidFill>
+                  <a:srgbClr val="0071F6"/>
+                </a:solidFill>
+                <a:latin typeface="Lexend "/>
+              </a:rPr>
               <a:t>What is Python?</a:t>
             </a:r>
-            <a:endParaRPr lang="he-IL" dirty="0"/>
+            <a:endParaRPr lang="he-IL" b="1" dirty="0">
+              <a:solidFill>
+                <a:srgbClr val="0071F6"/>
+              </a:solidFill>
+              <a:latin typeface="Lexend "/>
+            </a:endParaRPr>
           </a:p>
         </p:txBody>
       </p:sp>
@@ -15150,26 +16134,38 @@
               <a:buNone/>
             </a:pPr>
             <a:r>
-              <a:rPr lang="en-US" b="0" i="0" u="none" strike="noStrike" dirty="0">
+              <a:rPr lang="en-US" sz="2000" b="0" i="0" u="none" strike="noStrike" dirty="0">
+                <a:solidFill>
+                  <a:srgbClr val="000000"/>
+                </a:solidFill>
+                <a:effectLst/>
+                <a:latin typeface="Lexend Medium" panose="020B0604020202020204" charset="0"/>
+              </a:rPr>
+              <a:t>• Python is a widely used, interactive, general purpose interpreted language</a:t>
+            </a:r>
+            <a:r>
+              <a:rPr lang="ru-RU" sz="2000" b="0" i="0" dirty="0">
                 <a:solidFill>
                   <a:srgbClr val="000000"/>
                 </a:solidFill>
                 <a:effectLst/>
                 <a:latin typeface="Calibri" panose="020F0502020204030204" pitchFamily="34" charset="0"/>
               </a:rPr>
-              <a:t>• Python is a widely used, interactive, general purpose interpreted language</a:t>
-            </a:r>
-            <a:r>
-              <a:rPr lang="ru-RU" b="0" i="0" dirty="0">
-                <a:solidFill>
-                  <a:srgbClr val="000000"/>
-                </a:solidFill>
-                <a:effectLst/>
-                <a:latin typeface="Calibri" panose="020F0502020204030204" pitchFamily="34" charset="0"/>
-              </a:rPr>
               <a:t>​</a:t>
             </a:r>
-            <a:endParaRPr lang="ru-RU" b="0" i="0" dirty="0">
+            <a:endParaRPr lang="en-GB" sz="2000" b="0" i="0" dirty="0">
+              <a:solidFill>
+                <a:srgbClr val="000000"/>
+              </a:solidFill>
+              <a:effectLst/>
+              <a:latin typeface="Calibri" panose="020F0502020204030204" pitchFamily="34" charset="0"/>
+            </a:endParaRPr>
+          </a:p>
+          <a:p>
+            <a:pPr marL="0" indent="0" algn="l" rtl="0" fontAlgn="base">
+              <a:buNone/>
+            </a:pPr>
+            <a:endParaRPr lang="ru-RU" sz="2000" b="0" i="0" dirty="0">
               <a:solidFill>
                 <a:srgbClr val="000000"/>
               </a:solidFill>
@@ -15182,31 +16178,36 @@
               <a:buNone/>
             </a:pPr>
             <a:r>
-              <a:rPr lang="en-US" b="0" i="0" u="none" strike="noStrike" dirty="0">
+              <a:rPr lang="en-US" sz="2000" b="0" i="0" u="none" strike="noStrike" dirty="0">
                 <a:solidFill>
                   <a:srgbClr val="000000"/>
                 </a:solidFill>
                 <a:effectLst/>
-                <a:latin typeface="Calibri" panose="020F0502020204030204" pitchFamily="34" charset="0"/>
+                <a:latin typeface="Lexend Medium" panose="020B0604020202020204" charset="0"/>
               </a:rPr>
               <a:t>• Python is stable, cross platform programming language </a:t>
             </a:r>
             <a:r>
-              <a:rPr lang="en-US" b="0" i="0" dirty="0">
+              <a:rPr lang="en-US" sz="2000" b="0" i="0" dirty="0">
                 <a:solidFill>
                   <a:srgbClr val="000000"/>
                 </a:solidFill>
                 <a:effectLst/>
-                <a:latin typeface="Calibri" panose="020F0502020204030204" pitchFamily="34" charset="0"/>
+                <a:latin typeface="Lexend Medium" panose="020B0604020202020204" charset="0"/>
               </a:rPr>
               <a:t>​</a:t>
             </a:r>
-            <a:endParaRPr lang="en-US" b="0" i="0" dirty="0">
+          </a:p>
+          <a:p>
+            <a:pPr marL="0" indent="0" algn="l" rtl="0" fontAlgn="base">
+              <a:buNone/>
+            </a:pPr>
+            <a:endParaRPr lang="en-US" sz="2000" b="0" i="0" dirty="0">
               <a:solidFill>
                 <a:srgbClr val="000000"/>
               </a:solidFill>
               <a:effectLst/>
-              <a:latin typeface="Segoe UI" panose="020B0502040204020203" pitchFamily="34" charset="0"/>
+              <a:latin typeface="Lexend Medium" panose="020B0604020202020204" charset="0"/>
             </a:endParaRPr>
           </a:p>
           <a:p>
@@ -15214,31 +16215,76 @@
               <a:buNone/>
             </a:pPr>
             <a:r>
-              <a:rPr lang="en-US" b="0" i="0" u="none" strike="noStrike" dirty="0">
+              <a:rPr lang="en-US" sz="2000" b="0" i="0" u="none" strike="noStrike" dirty="0">
                 <a:solidFill>
                   <a:srgbClr val="000000"/>
                 </a:solidFill>
                 <a:effectLst/>
-                <a:latin typeface="Calibri" panose="020F0502020204030204" pitchFamily="34" charset="0"/>
-              </a:rPr>
-              <a:t>• Python is a high level and object-oriented programming language  </a:t>
-            </a:r>
-            <a:r>
-              <a:rPr lang="en-US" b="0" i="0" dirty="0">
+                <a:latin typeface="Lexend Medium" panose="020B0604020202020204" charset="0"/>
+              </a:rPr>
+              <a:t>• Python is a high level and object-oriented programming language </a:t>
+            </a:r>
+          </a:p>
+          <a:p>
+            <a:pPr marL="0" indent="0" algn="l" rtl="0" fontAlgn="base">
+              <a:buNone/>
+            </a:pPr>
+            <a:r>
+              <a:rPr lang="en-US" sz="2000" b="0" i="0" u="none" strike="noStrike" dirty="0">
                 <a:solidFill>
                   <a:srgbClr val="000000"/>
                 </a:solidFill>
                 <a:effectLst/>
-                <a:latin typeface="Calibri" panose="020F0502020204030204" pitchFamily="34" charset="0"/>
+                <a:latin typeface="Lexend Medium" panose="020B0604020202020204" charset="0"/>
+              </a:rPr>
+              <a:t> </a:t>
+            </a:r>
+            <a:r>
+              <a:rPr lang="en-US" sz="2000" b="0" i="0" dirty="0">
+                <a:solidFill>
+                  <a:srgbClr val="000000"/>
+                </a:solidFill>
+                <a:effectLst/>
+                <a:latin typeface="Lexend Medium" panose="020B0604020202020204" charset="0"/>
               </a:rPr>
               <a:t>​</a:t>
             </a:r>
-            <a:endParaRPr lang="en-US" b="0" i="0" dirty="0">
+          </a:p>
+          <a:p>
+            <a:pPr marL="0" indent="0" algn="l" rtl="0" fontAlgn="base">
+              <a:buNone/>
+            </a:pPr>
+            <a:r>
+              <a:rPr lang="en-US" sz="2000" b="0" i="0" u="none" strike="noStrike" dirty="0">
+                <a:solidFill>
+                  <a:srgbClr val="000000"/>
+                </a:solidFill>
+                <a:effectLst/>
+                <a:latin typeface="Lexend Medium" panose="020B0604020202020204" charset="0"/>
+              </a:rPr>
+              <a:t>• Python is an Open Source software, distributed under a liberal license</a:t>
+            </a:r>
+            <a:r>
+              <a:rPr lang="en-US" sz="2000" b="0" i="0" dirty="0">
+                <a:solidFill>
+                  <a:srgbClr val="000000"/>
+                </a:solidFill>
+                <a:effectLst/>
+                <a:latin typeface="Lexend Medium" panose="020B0604020202020204" charset="0"/>
+              </a:rPr>
+              <a:t>​</a:t>
+            </a:r>
+          </a:p>
+          <a:p>
+            <a:pPr marL="0" indent="0" algn="l" rtl="0" fontAlgn="base">
+              <a:buNone/>
+            </a:pPr>
+            <a:endParaRPr lang="en-US" sz="2000" b="0" i="0" dirty="0">
               <a:solidFill>
                 <a:srgbClr val="000000"/>
               </a:solidFill>
               <a:effectLst/>
-              <a:latin typeface="Segoe UI" panose="020B0502040204020203" pitchFamily="34" charset="0"/>
+              <a:latin typeface="Lexend Medium" panose="020B0604020202020204" charset="0"/>
             </a:endParaRPr>
           </a:p>
           <a:p>
@@ -15246,31 +16292,36 @@
               <a:buNone/>
             </a:pPr>
             <a:r>
-              <a:rPr lang="en-US" b="0" i="0" u="none" strike="noStrike" dirty="0">
+              <a:rPr lang="en-US" sz="2000" b="0" i="0" u="none" strike="noStrike" dirty="0">
                 <a:solidFill>
                   <a:srgbClr val="000000"/>
                 </a:solidFill>
                 <a:effectLst/>
-                <a:latin typeface="Calibri" panose="020F0502020204030204" pitchFamily="34" charset="0"/>
-              </a:rPr>
-              <a:t>• Python is an Open Source software, distributed under a liberal license</a:t>
-            </a:r>
-            <a:r>
-              <a:rPr lang="en-US" b="0" i="0" dirty="0">
+                <a:latin typeface="Lexend Medium" panose="020B0604020202020204" charset="0"/>
+              </a:rPr>
+              <a:t>• Python is simple, intuitive, dynamic  and is easy to read and understand</a:t>
+            </a:r>
+            <a:r>
+              <a:rPr lang="en-US" sz="2000" b="0" i="0" dirty="0">
                 <a:solidFill>
                   <a:srgbClr val="000000"/>
                 </a:solidFill>
                 <a:effectLst/>
-                <a:latin typeface="Calibri" panose="020F0502020204030204" pitchFamily="34" charset="0"/>
+                <a:latin typeface="Lexend Medium" panose="020B0604020202020204" charset="0"/>
               </a:rPr>
               <a:t>​</a:t>
             </a:r>
-            <a:endParaRPr lang="en-US" b="0" i="0" dirty="0">
+          </a:p>
+          <a:p>
+            <a:pPr marL="0" indent="0" algn="l" rtl="0" fontAlgn="base">
+              <a:buNone/>
+            </a:pPr>
+            <a:endParaRPr lang="en-US" sz="2000" b="0" i="0" dirty="0">
               <a:solidFill>
                 <a:srgbClr val="000000"/>
               </a:solidFill>
               <a:effectLst/>
-              <a:latin typeface="Segoe UI" panose="020B0502040204020203" pitchFamily="34" charset="0"/>
+              <a:latin typeface="Lexend Medium" panose="020B0604020202020204" charset="0"/>
             </a:endParaRPr>
           </a:p>
           <a:p>
@@ -15278,64 +16329,25 @@
               <a:buNone/>
             </a:pPr>
             <a:r>
-              <a:rPr lang="en-US" b="0" i="0" u="none" strike="noStrike" dirty="0">
+              <a:rPr lang="en-US" sz="2000" b="0" i="0" u="none" strike="noStrike" dirty="0">
                 <a:solidFill>
                   <a:srgbClr val="000000"/>
                 </a:solidFill>
                 <a:effectLst/>
-                <a:latin typeface="Calibri" panose="020F0502020204030204" pitchFamily="34" charset="0"/>
-              </a:rPr>
-              <a:t>• Python is simple, intuitive, dynamic  and is easy to read and understand</a:t>
-            </a:r>
-            <a:r>
-              <a:rPr lang="en-US" b="0" i="0" dirty="0">
+                <a:latin typeface="Lexend Medium" panose="020B0604020202020204" charset="0"/>
+              </a:rPr>
+              <a:t>• Designed by Guido Rossum in the late eighties </a:t>
+            </a:r>
+            <a:r>
+              <a:rPr lang="en-US" sz="2000" b="0" i="0" dirty="0">
                 <a:solidFill>
                   <a:srgbClr val="000000"/>
                 </a:solidFill>
                 <a:effectLst/>
-                <a:latin typeface="Calibri" panose="020F0502020204030204" pitchFamily="34" charset="0"/>
+                <a:latin typeface="Lexend Medium" panose="020B0604020202020204" charset="0"/>
               </a:rPr>
               <a:t>​</a:t>
             </a:r>
-            <a:endParaRPr lang="en-US" b="0" i="0" dirty="0">
-              <a:solidFill>
-                <a:srgbClr val="000000"/>
-              </a:solidFill>
-              <a:effectLst/>
-              <a:latin typeface="Segoe UI" panose="020B0502040204020203" pitchFamily="34" charset="0"/>
-            </a:endParaRPr>
-          </a:p>
-          <a:p>
-            <a:pPr marL="0" indent="0" algn="l" rtl="0" fontAlgn="base">
-              <a:buNone/>
-            </a:pPr>
-            <a:r>
-              <a:rPr lang="en-US" b="0" i="0" u="none" strike="noStrike" dirty="0">
-                <a:solidFill>
-                  <a:srgbClr val="000000"/>
-                </a:solidFill>
-                <a:effectLst/>
-                <a:latin typeface="Calibri" panose="020F0502020204030204" pitchFamily="34" charset="0"/>
-              </a:rPr>
-              <a:t>• Designed by Guido Rossum in the late eighties </a:t>
-            </a:r>
-            <a:r>
-              <a:rPr lang="en-US" b="0" i="0" dirty="0">
-                <a:solidFill>
-                  <a:srgbClr val="000000"/>
-                </a:solidFill>
-                <a:effectLst/>
-                <a:latin typeface="Calibri" panose="020F0502020204030204" pitchFamily="34" charset="0"/>
-              </a:rPr>
-              <a:t>​</a:t>
-            </a:r>
-            <a:endParaRPr lang="en-US" b="0" i="0" dirty="0">
-              <a:solidFill>
-                <a:srgbClr val="000000"/>
-              </a:solidFill>
-              <a:effectLst/>
-              <a:latin typeface="Segoe UI" panose="020B0502040204020203" pitchFamily="34" charset="0"/>
-            </a:endParaRPr>
           </a:p>
         </p:txBody>
       </p:sp>
@@ -15354,14 +16366,14 @@
           <p:nvPr/>
         </p:nvPicPr>
         <p:blipFill>
-          <a:blip r:embed="rId3"/>
+          <a:blip r:embed="rId4"/>
           <a:stretch>
             <a:fillRect/>
           </a:stretch>
         </p:blipFill>
         <p:spPr>
           <a:xfrm>
-            <a:off x="9989840" y="4336432"/>
+            <a:off x="10113081" y="3754541"/>
             <a:ext cx="1497496" cy="2002901"/>
           </a:xfrm>
           <a:prstGeom prst="rect">
@@ -15421,6 +16433,20 @@
 <file path=ppt/slides/slide30.xml><?xml version="1.0" encoding="utf-8"?>
 <p:sld xmlns:a="http://schemas.openxmlformats.org/drawingml/2006/main" xmlns:r="http://schemas.openxmlformats.org/officeDocument/2006/relationships" xmlns:p="http://schemas.openxmlformats.org/presentationml/2006/main">
   <p:cSld>
+    <p:bg>
+      <p:bgPr>
+        <a:blipFill dpi="0" rotWithShape="1">
+          <a:blip r:embed="rId2">
+            <a:lum/>
+          </a:blip>
+          <a:srcRect/>
+          <a:stretch>
+            <a:fillRect/>
+          </a:stretch>
+        </a:blipFill>
+        <a:effectLst/>
+      </p:bgPr>
+    </p:bg>
     <p:spTree>
       <p:nvGrpSpPr>
         <p:cNvPr id="1" name=""/>
@@ -15451,6 +16477,20 @@
 <file path=ppt/slides/slide4.xml><?xml version="1.0" encoding="utf-8"?>
 <p:sld xmlns:a="http://schemas.openxmlformats.org/drawingml/2006/main" xmlns:r="http://schemas.openxmlformats.org/officeDocument/2006/relationships" xmlns:p="http://schemas.openxmlformats.org/presentationml/2006/main">
   <p:cSld>
+    <p:bg>
+      <p:bgPr>
+        <a:blipFill dpi="0" rotWithShape="1">
+          <a:blip r:embed="rId3">
+            <a:lum/>
+          </a:blip>
+          <a:srcRect/>
+          <a:stretch>
+            <a:fillRect/>
+          </a:stretch>
+        </a:blipFill>
+        <a:effectLst/>
+      </p:bgPr>
+    </p:bg>
     <p:spTree>
       <p:nvGrpSpPr>
         <p:cNvPr id="1" name=""/>
@@ -15481,10 +16521,20 @@
           <a:lstStyle/>
           <a:p>
             <a:r>
-              <a:rPr lang="en-US" dirty="0"/>
+              <a:rPr lang="en-US" b="1" dirty="0">
+                <a:solidFill>
+                  <a:srgbClr val="0071F6"/>
+                </a:solidFill>
+                <a:latin typeface="Lexend" panose="020B0604020202020204" charset="0"/>
+              </a:rPr>
               <a:t>Growth of Python</a:t>
             </a:r>
-            <a:endParaRPr lang="he-IL" dirty="0"/>
+            <a:endParaRPr lang="he-IL" b="1" dirty="0">
+              <a:solidFill>
+                <a:srgbClr val="0071F6"/>
+              </a:solidFill>
+              <a:latin typeface="Lexend" panose="020B0604020202020204" charset="0"/>
+            </a:endParaRPr>
           </a:p>
         </p:txBody>
       </p:sp>
@@ -15503,7 +16553,7 @@
           <p:nvPr/>
         </p:nvPicPr>
         <p:blipFill>
-          <a:blip r:embed="rId3">
+          <a:blip r:embed="rId4">
             <a:extLst>
               <a:ext uri="{28A0092B-C50C-407E-A947-70E740481C1C}">
                 <a14:useLocalDpi xmlns:a14="http://schemas.microsoft.com/office/drawing/2010/main" val="0"/>
@@ -15550,14 +16600,14 @@
           <p:nvPr/>
         </p:nvPicPr>
         <p:blipFill>
-          <a:blip r:embed="rId4"/>
+          <a:blip r:embed="rId5"/>
           <a:stretch>
             <a:fillRect/>
           </a:stretch>
         </p:blipFill>
         <p:spPr>
           <a:xfrm>
-            <a:off x="8204610" y="332178"/>
+            <a:off x="7502646" y="332178"/>
             <a:ext cx="3061152" cy="3124341"/>
           </a:xfrm>
           <a:prstGeom prst="rect">
@@ -15580,14 +16630,14 @@
           <p:nvPr/>
         </p:nvPicPr>
         <p:blipFill>
-          <a:blip r:embed="rId5"/>
+          <a:blip r:embed="rId6"/>
           <a:stretch>
             <a:fillRect/>
           </a:stretch>
         </p:blipFill>
         <p:spPr>
           <a:xfrm>
-            <a:off x="8204610" y="3318569"/>
+            <a:off x="7502646" y="3318569"/>
             <a:ext cx="3061152" cy="3207253"/>
           </a:xfrm>
           <a:prstGeom prst="rect">
@@ -15611,6 +16661,20 @@
 <file path=ppt/slides/slide5.xml><?xml version="1.0" encoding="utf-8"?>
 <p:sld xmlns:a="http://schemas.openxmlformats.org/drawingml/2006/main" xmlns:r="http://schemas.openxmlformats.org/officeDocument/2006/relationships" xmlns:p="http://schemas.openxmlformats.org/presentationml/2006/main">
   <p:cSld>
+    <p:bg>
+      <p:bgPr>
+        <a:blipFill dpi="0" rotWithShape="1">
+          <a:blip r:embed="rId3">
+            <a:lum/>
+          </a:blip>
+          <a:srcRect/>
+          <a:stretch>
+            <a:fillRect/>
+          </a:stretch>
+        </a:blipFill>
+        <a:effectLst/>
+      </p:bgPr>
+    </p:bg>
     <p:spTree>
       <p:nvGrpSpPr>
         <p:cNvPr id="1" name=""/>
@@ -15643,16 +16707,21 @@
           <a:lstStyle/>
           <a:p>
             <a:r>
-              <a:rPr lang="en-US" b="0" i="0" dirty="0">
-                <a:solidFill>
-                  <a:srgbClr val="000000"/>
+              <a:rPr lang="en-US" b="1" i="0" dirty="0">
+                <a:solidFill>
+                  <a:srgbClr val="0071F6"/>
                 </a:solidFill>
                 <a:effectLst/>
-                <a:latin typeface="Calibri Light" panose="020F0302020204030204" pitchFamily="34" charset="0"/>
+                <a:latin typeface="Lexend "/>
               </a:rPr>
               <a:t>Getting Python</a:t>
             </a:r>
-            <a:endParaRPr lang="he-IL" dirty="0"/>
+            <a:endParaRPr lang="he-IL" b="1" dirty="0">
+              <a:solidFill>
+                <a:srgbClr val="0071F6"/>
+              </a:solidFill>
+              <a:latin typeface="Lexend "/>
+            </a:endParaRPr>
           </a:p>
         </p:txBody>
       </p:sp>
@@ -15669,37 +16738,37 @@
         <p:spPr>
           <a:xfrm>
             <a:off x="838200" y="1690688"/>
-            <a:ext cx="10515600" cy="4486275"/>
+            <a:ext cx="10515600" cy="3878839"/>
           </a:xfrm>
         </p:spPr>
         <p:txBody>
           <a:bodyPr>
-            <a:normAutofit/>
+            <a:normAutofit fontScale="92500" lnSpcReduction="10000"/>
           </a:bodyPr>
           <a:lstStyle/>
           <a:p>
             <a:pPr algn="l" rtl="0" fontAlgn="base"/>
             <a:r>
-              <a:rPr lang="en-US" sz="2000" b="0" i="0" u="none" strike="noStrike" dirty="0">
+              <a:rPr lang="en-US" sz="2400" b="0" i="0" u="none" strike="noStrike" dirty="0">
+                <a:solidFill>
+                  <a:srgbClr val="000000"/>
+                </a:solidFill>
+                <a:effectLst/>
+                <a:latin typeface="Lexend Medium" panose="020B0604020202020204" charset="0"/>
+              </a:rPr>
+              <a:t>Where Do I Get Python? </a:t>
+            </a:r>
+            <a:r>
+              <a:rPr lang="ru-RU" sz="2400" b="0" i="0" dirty="0">
                 <a:solidFill>
                   <a:srgbClr val="000000"/>
                 </a:solidFill>
                 <a:effectLst/>
                 <a:latin typeface="Calibri" panose="020F0502020204030204" pitchFamily="34" charset="0"/>
               </a:rPr>
-              <a:t>Where Do I Get Python? </a:t>
-            </a:r>
-            <a:r>
-              <a:rPr lang="ru-RU" sz="2000" b="0" i="0" dirty="0">
-                <a:solidFill>
-                  <a:srgbClr val="000000"/>
-                </a:solidFill>
-                <a:effectLst/>
-                <a:latin typeface="Calibri" panose="020F0502020204030204" pitchFamily="34" charset="0"/>
-              </a:rPr>
               <a:t>​</a:t>
             </a:r>
-            <a:endParaRPr lang="ru-RU" sz="2000" b="0" i="0" dirty="0">
+            <a:endParaRPr lang="ru-RU" sz="2400" b="0" i="0" dirty="0">
               <a:solidFill>
                 <a:srgbClr val="000000"/>
               </a:solidFill>
@@ -15710,274 +16779,251 @@
           <a:p>
             <a:pPr algn="l" rtl="0" fontAlgn="base"/>
             <a:r>
-              <a:rPr lang="en-US" sz="2000" b="0" i="0" u="none" strike="noStrike" dirty="0">
+              <a:rPr lang="en-US" sz="2400" b="0" i="0" u="none" strike="noStrike" dirty="0">
                 <a:solidFill>
                   <a:srgbClr val="000000"/>
                 </a:solidFill>
                 <a:effectLst/>
-                <a:latin typeface="Calibri" panose="020F0502020204030204" pitchFamily="34" charset="0"/>
+                <a:latin typeface="Lexend Medium" panose="020B0604020202020204" charset="0"/>
               </a:rPr>
               <a:t>The most up-to-date and current source code, binaries, documentations, news, etc. are available at the official website of Python:</a:t>
             </a:r>
             <a:r>
-              <a:rPr lang="en-US" sz="2000" b="0" i="0" dirty="0">
+              <a:rPr lang="en-US" sz="2400" b="0" i="0" dirty="0">
                 <a:solidFill>
                   <a:srgbClr val="000000"/>
                 </a:solidFill>
                 <a:effectLst/>
-                <a:latin typeface="Calibri" panose="020F0502020204030204" pitchFamily="34" charset="0"/>
+                <a:latin typeface="Lexend Medium" panose="020B0604020202020204" charset="0"/>
               </a:rPr>
               <a:t>​</a:t>
             </a:r>
-            <a:endParaRPr lang="en-US" sz="2000" b="0" i="0" dirty="0">
+          </a:p>
+          <a:p>
+            <a:pPr algn="l" rtl="0" fontAlgn="base"/>
+            <a:endParaRPr lang="en-US" sz="2400" b="0" i="0" dirty="0">
               <a:solidFill>
                 <a:srgbClr val="000000"/>
               </a:solidFill>
               <a:effectLst/>
-              <a:latin typeface="Segoe UI" panose="020B0502040204020203" pitchFamily="34" charset="0"/>
+              <a:latin typeface="Lexend Medium" panose="020B0604020202020204" charset="0"/>
             </a:endParaRPr>
           </a:p>
           <a:p>
-            <a:pPr algn="l" rtl="0" fontAlgn="base"/>
-            <a:r>
-              <a:rPr lang="en-US" sz="2000" b="0" i="0" u="none" strike="noStrike" dirty="0">
+            <a:pPr lvl="1" fontAlgn="base"/>
+            <a:r>
+              <a:rPr lang="en-US" sz="1600" i="0" u="none" strike="noStrike" dirty="0">
                 <a:solidFill>
                   <a:srgbClr val="000000"/>
                 </a:solidFill>
                 <a:effectLst/>
-                <a:latin typeface="Arial" panose="020B0604020202020204" pitchFamily="34" charset="0"/>
-              </a:rPr>
-              <a:t>– </a:t>
-            </a:r>
-            <a:r>
-              <a:rPr lang="en-US" sz="2000" b="1" i="0" u="none" strike="noStrike" dirty="0">
+                <a:latin typeface="Lexend Medium" panose="020B0604020202020204" charset="0"/>
+              </a:rPr>
+              <a:t>Python Official Website : </a:t>
+            </a:r>
+          </a:p>
+          <a:p>
+            <a:pPr marL="457200" lvl="1" indent="0" fontAlgn="base">
+              <a:buNone/>
+            </a:pPr>
+            <a:r>
+              <a:rPr lang="en-US" sz="1600" i="0" u="none" strike="noStrike" dirty="0">
                 <a:solidFill>
                   <a:srgbClr val="000000"/>
                 </a:solidFill>
                 <a:effectLst/>
-                <a:latin typeface="Calibri" panose="020F0502020204030204" pitchFamily="34" charset="0"/>
-              </a:rPr>
-              <a:t>Python Official Website :</a:t>
-            </a:r>
-            <a:r>
-              <a:rPr lang="en-US" sz="2000" b="0" i="0" u="none" strike="noStrike" dirty="0">
+                <a:latin typeface="Lexend Medium" panose="020B0604020202020204" charset="0"/>
+              </a:rPr>
+              <a:t>	- </a:t>
+            </a:r>
+            <a:r>
+              <a:rPr lang="en-US" sz="1600" b="0" i="0" u="sng" strike="noStrike" dirty="0">
+                <a:solidFill>
+                  <a:srgbClr val="0563C1"/>
+                </a:solidFill>
+                <a:effectLst/>
+                <a:latin typeface="Lexend Medium" panose="020B0604020202020204" charset="0"/>
+                <a:hlinkClick r:id="rId4"/>
+              </a:rPr>
+              <a:t>http://www.python.org/</a:t>
+            </a:r>
+            <a:r>
+              <a:rPr lang="en-US" sz="1600" b="0" i="0" dirty="0">
                 <a:solidFill>
                   <a:srgbClr val="000000"/>
                 </a:solidFill>
                 <a:effectLst/>
-                <a:latin typeface="Calibri" panose="020F0502020204030204" pitchFamily="34" charset="0"/>
-              </a:rPr>
-              <a:t> </a:t>
-            </a:r>
-            <a:r>
-              <a:rPr lang="en-US" sz="2000" b="0" i="0" u="sng" strike="noStrike" dirty="0">
-                <a:solidFill>
-                  <a:srgbClr val="0563C1"/>
-                </a:solidFill>
-                <a:effectLst/>
-                <a:latin typeface="Calibri" panose="020F0502020204030204" pitchFamily="34" charset="0"/>
-                <a:hlinkClick r:id="rId3"/>
-              </a:rPr>
-              <a:t>http://www.python.org/</a:t>
-            </a:r>
-            <a:r>
-              <a:rPr lang="en-US" sz="2000" b="0" i="0" dirty="0">
-                <a:solidFill>
-                  <a:srgbClr val="000000"/>
-                </a:solidFill>
-                <a:effectLst/>
-                <a:latin typeface="Calibri" panose="020F0502020204030204" pitchFamily="34" charset="0"/>
+                <a:latin typeface="Lexend Medium" panose="020B0604020202020204" charset="0"/>
               </a:rPr>
               <a:t>​</a:t>
             </a:r>
-            <a:endParaRPr lang="en-US" sz="2000" dirty="0">
+            <a:endParaRPr lang="en-US" sz="1600" dirty="0">
               <a:solidFill>
                 <a:srgbClr val="000000"/>
               </a:solidFill>
-              <a:latin typeface="Segoe UI" panose="020B0502040204020203" pitchFamily="34" charset="0"/>
+              <a:latin typeface="Lexend Medium" panose="020B0604020202020204" charset="0"/>
             </a:endParaRPr>
           </a:p>
           <a:p>
-            <a:pPr algn="l" rtl="0" fontAlgn="base"/>
-            <a:r>
-              <a:rPr lang="en-US" sz="2000" b="0" i="0" u="none" strike="noStrike" dirty="0">
-                <a:solidFill>
-                  <a:srgbClr val="000000"/>
-                </a:solidFill>
-                <a:effectLst/>
-                <a:latin typeface="Calibri" panose="020F0502020204030204" pitchFamily="34" charset="0"/>
-              </a:rPr>
-              <a:t>Python documentation from the following site:</a:t>
-            </a:r>
-            <a:r>
-              <a:rPr lang="en-US" sz="2000" b="0" i="0" dirty="0">
-                <a:solidFill>
-                  <a:srgbClr val="000000"/>
-                </a:solidFill>
-                <a:effectLst/>
-                <a:latin typeface="Calibri" panose="020F0502020204030204" pitchFamily="34" charset="0"/>
-              </a:rPr>
-              <a:t>​</a:t>
-            </a:r>
-            <a:endParaRPr lang="en-US" sz="2000" b="0" i="0" dirty="0">
+            <a:pPr lvl="1" fontAlgn="base"/>
+            <a:endParaRPr lang="en-US" sz="1600" i="0" u="none" strike="noStrike" dirty="0">
               <a:solidFill>
                 <a:srgbClr val="000000"/>
               </a:solidFill>
               <a:effectLst/>
-              <a:latin typeface="Segoe UI" panose="020B0502040204020203" pitchFamily="34" charset="0"/>
+              <a:latin typeface="Lexend Medium" panose="020B0604020202020204" charset="0"/>
             </a:endParaRPr>
           </a:p>
           <a:p>
-            <a:pPr algn="l" rtl="0" fontAlgn="base"/>
-            <a:r>
-              <a:rPr lang="en-US" sz="2000" b="0" i="0" u="none" strike="noStrike" dirty="0">
+            <a:pPr lvl="1" fontAlgn="base"/>
+            <a:r>
+              <a:rPr lang="en-US" sz="1600" b="0" i="0" u="none" strike="noStrike" dirty="0">
                 <a:solidFill>
                   <a:srgbClr val="000000"/>
                 </a:solidFill>
                 <a:effectLst/>
-                <a:latin typeface="Arial" panose="020B0604020202020204" pitchFamily="34" charset="0"/>
-              </a:rPr>
-              <a:t>–</a:t>
-            </a:r>
-            <a:r>
-              <a:rPr lang="en-US" sz="2000" b="0" i="0" u="none" strike="noStrike" dirty="0">
+                <a:latin typeface="Lexend Medium" panose="020B0604020202020204" charset="0"/>
+              </a:rPr>
+              <a:t>Python documentation from the following site:</a:t>
+            </a:r>
+            <a:r>
+              <a:rPr lang="en-US" sz="1600" b="0" i="0" dirty="0">
                 <a:solidFill>
                   <a:srgbClr val="000000"/>
                 </a:solidFill>
                 <a:effectLst/>
-                <a:latin typeface="Calibri" panose="020F0502020204030204" pitchFamily="34" charset="0"/>
-              </a:rPr>
-              <a:t> </a:t>
-            </a:r>
-            <a:r>
-              <a:rPr lang="en-US" sz="2000" b="0" i="0" u="sng" strike="noStrike" dirty="0">
+                <a:latin typeface="Lexend Medium" panose="020B0604020202020204" charset="0"/>
+              </a:rPr>
+              <a:t>​</a:t>
+            </a:r>
+          </a:p>
+          <a:p>
+            <a:pPr marL="457200" lvl="1" indent="0" fontAlgn="base">
+              <a:buNone/>
+            </a:pPr>
+            <a:r>
+              <a:rPr lang="en-US" sz="1600" b="0" i="0" u="none" strike="noStrike" dirty="0">
+                <a:solidFill>
+                  <a:srgbClr val="000000"/>
+                </a:solidFill>
+                <a:effectLst/>
+                <a:latin typeface="Lexend Medium" panose="020B0604020202020204" charset="0"/>
+              </a:rPr>
+              <a:t>	– </a:t>
+            </a:r>
+            <a:r>
+              <a:rPr lang="en-US" sz="1600" b="0" i="0" u="sng" strike="noStrike" dirty="0">
                 <a:solidFill>
                   <a:srgbClr val="0563C1"/>
                 </a:solidFill>
                 <a:effectLst/>
-                <a:latin typeface="Calibri" panose="020F0502020204030204" pitchFamily="34" charset="0"/>
-                <a:hlinkClick r:id="rId4"/>
+                <a:latin typeface="Lexend Medium" panose="020B0604020202020204" charset="0"/>
+                <a:hlinkClick r:id="rId5"/>
               </a:rPr>
               <a:t>www.python.org/doc/</a:t>
             </a:r>
             <a:r>
-              <a:rPr lang="en-US" sz="2000" b="0" i="0" dirty="0">
+              <a:rPr lang="en-US" sz="1600" b="0" i="0" dirty="0">
                 <a:solidFill>
                   <a:srgbClr val="000000"/>
                 </a:solidFill>
                 <a:effectLst/>
-                <a:latin typeface="Calibri" panose="020F0502020204030204" pitchFamily="34" charset="0"/>
+                <a:latin typeface="Lexend Medium" panose="020B0604020202020204" charset="0"/>
               </a:rPr>
               <a:t>​</a:t>
             </a:r>
-            <a:endParaRPr lang="en-US" sz="2000" b="0" i="0" dirty="0">
+          </a:p>
+          <a:p>
+            <a:pPr lvl="1" fontAlgn="base"/>
+            <a:r>
+              <a:rPr lang="en-US" sz="1600" b="0" i="0" u="none" strike="noStrike" dirty="0">
+                <a:solidFill>
+                  <a:srgbClr val="000000"/>
+                </a:solidFill>
+                <a:effectLst/>
+                <a:latin typeface="Lexend Medium" panose="020B0604020202020204" charset="0"/>
+              </a:rPr>
+              <a:t>Python download for Windows, Solaris, Linux:</a:t>
+            </a:r>
+            <a:r>
+              <a:rPr lang="en-US" sz="1600" b="0" i="0" dirty="0">
+                <a:solidFill>
+                  <a:srgbClr val="000000"/>
+                </a:solidFill>
+                <a:effectLst/>
+                <a:latin typeface="Lexend Medium" panose="020B0604020202020204" charset="0"/>
+              </a:rPr>
+              <a:t>​ </a:t>
+            </a:r>
+          </a:p>
+          <a:p>
+            <a:pPr marL="457200" lvl="1" indent="0" fontAlgn="base">
+              <a:buNone/>
+            </a:pPr>
+            <a:r>
+              <a:rPr lang="en-US" sz="1600" b="0" i="0" u="none" strike="noStrike" dirty="0">
+                <a:solidFill>
+                  <a:srgbClr val="000000"/>
+                </a:solidFill>
+                <a:effectLst/>
+                <a:latin typeface="Lexend Medium" panose="020B0604020202020204" charset="0"/>
+              </a:rPr>
+              <a:t>	– </a:t>
+            </a:r>
+            <a:r>
+              <a:rPr lang="en-US" sz="1600" b="0" i="0" u="sng" strike="noStrike" dirty="0">
+                <a:solidFill>
+                  <a:srgbClr val="0563C1"/>
+                </a:solidFill>
+                <a:effectLst/>
+                <a:latin typeface="Lexend Medium" panose="020B0604020202020204" charset="0"/>
+                <a:hlinkClick r:id="rId6"/>
+              </a:rPr>
+              <a:t>http://www.python.org/download/</a:t>
+            </a:r>
+            <a:r>
+              <a:rPr lang="en-US" sz="1600" b="0" i="0" dirty="0">
+                <a:solidFill>
+                  <a:srgbClr val="000000"/>
+                </a:solidFill>
+                <a:effectLst/>
+                <a:latin typeface="Lexend Medium" panose="020B0604020202020204" charset="0"/>
+              </a:rPr>
+              <a:t>​</a:t>
+            </a:r>
+          </a:p>
+          <a:p>
+            <a:pPr lvl="1" fontAlgn="base"/>
+            <a:endParaRPr lang="en-US" sz="1600" b="0" i="0" dirty="0">
               <a:solidFill>
                 <a:srgbClr val="000000"/>
               </a:solidFill>
               <a:effectLst/>
-              <a:latin typeface="Segoe UI" panose="020B0502040204020203" pitchFamily="34" charset="0"/>
+              <a:latin typeface="Lexend Medium" panose="020B0604020202020204" charset="0"/>
             </a:endParaRPr>
           </a:p>
           <a:p>
-            <a:pPr algn="l" rtl="0" fontAlgn="base"/>
-            <a:r>
-              <a:rPr lang="en-US" sz="2000" b="0" i="0" u="none" strike="noStrike" dirty="0">
+            <a:pPr lvl="1" fontAlgn="base"/>
+            <a:r>
+              <a:rPr lang="en-US" sz="1600" b="0" i="0" u="none" strike="noStrike" dirty="0">
                 <a:solidFill>
                   <a:srgbClr val="000000"/>
                 </a:solidFill>
                 <a:effectLst/>
-                <a:latin typeface="Calibri" panose="020F0502020204030204" pitchFamily="34" charset="0"/>
-              </a:rPr>
-              <a:t>Python download for Windows, Solaris, Linux:</a:t>
-            </a:r>
-            <a:r>
-              <a:rPr lang="en-US" sz="2000" b="0" i="0" dirty="0">
+                <a:latin typeface="Lexend Medium" panose="020B0604020202020204" charset="0"/>
+              </a:rPr>
+              <a:t>If you are running a Linux (or most UNIX) system, you probably already have some python version installed on it. </a:t>
+            </a:r>
+            <a:r>
+              <a:rPr lang="en-US" sz="1600" b="0" i="0" dirty="0">
                 <a:solidFill>
                   <a:srgbClr val="000000"/>
                 </a:solidFill>
                 <a:effectLst/>
-                <a:latin typeface="Calibri" panose="020F0502020204030204" pitchFamily="34" charset="0"/>
+                <a:latin typeface="Lexend Medium" panose="020B0604020202020204" charset="0"/>
               </a:rPr>
               <a:t>​</a:t>
             </a:r>
-            <a:endParaRPr lang="en-US" sz="2000" b="0" i="0" dirty="0">
-              <a:solidFill>
-                <a:srgbClr val="000000"/>
-              </a:solidFill>
-              <a:effectLst/>
-              <a:latin typeface="Segoe UI" panose="020B0502040204020203" pitchFamily="34" charset="0"/>
-            </a:endParaRPr>
-          </a:p>
-          <a:p>
-            <a:pPr algn="l" rtl="0" fontAlgn="base"/>
-            <a:r>
-              <a:rPr lang="en-US" sz="2000" b="0" i="0" u="none" strike="noStrike" dirty="0">
-                <a:solidFill>
-                  <a:srgbClr val="000000"/>
-                </a:solidFill>
-                <a:effectLst/>
-                <a:latin typeface="Arial" panose="020B0604020202020204" pitchFamily="34" charset="0"/>
-              </a:rPr>
-              <a:t>– </a:t>
-            </a:r>
-            <a:r>
-              <a:rPr lang="en-US" sz="2000" b="0" i="0" u="sng" strike="noStrike" dirty="0">
-                <a:solidFill>
-                  <a:srgbClr val="0563C1"/>
-                </a:solidFill>
-                <a:effectLst/>
-                <a:latin typeface="Calibri" panose="020F0502020204030204" pitchFamily="34" charset="0"/>
-                <a:hlinkClick r:id="rId5"/>
-              </a:rPr>
-              <a:t>http://www.python.org/download/</a:t>
-            </a:r>
-            <a:r>
-              <a:rPr lang="en-US" sz="2000" b="0" i="0" dirty="0">
-                <a:solidFill>
-                  <a:srgbClr val="000000"/>
-                </a:solidFill>
-                <a:effectLst/>
-                <a:latin typeface="Calibri" panose="020F0502020204030204" pitchFamily="34" charset="0"/>
-              </a:rPr>
-              <a:t>​</a:t>
-            </a:r>
-            <a:endParaRPr lang="en-US" sz="2000" b="0" i="0" dirty="0">
-              <a:solidFill>
-                <a:srgbClr val="000000"/>
-              </a:solidFill>
-              <a:effectLst/>
-              <a:latin typeface="Segoe UI" panose="020B0502040204020203" pitchFamily="34" charset="0"/>
-            </a:endParaRPr>
-          </a:p>
-          <a:p>
-            <a:pPr algn="l" rtl="0" fontAlgn="base"/>
-            <a:r>
-              <a:rPr lang="en-US" sz="2000" b="0" i="0" u="none" strike="noStrike" dirty="0">
-                <a:solidFill>
-                  <a:srgbClr val="000000"/>
-                </a:solidFill>
-                <a:effectLst/>
-                <a:latin typeface="Calibri" panose="020F0502020204030204" pitchFamily="34" charset="0"/>
-              </a:rPr>
-              <a:t>If you are running a Linux (or most UNIX) system, you probably already have some python version installed on it. </a:t>
-            </a:r>
-            <a:r>
-              <a:rPr lang="en-US" sz="2000" b="0" i="0" dirty="0">
-                <a:solidFill>
-                  <a:srgbClr val="000000"/>
-                </a:solidFill>
-                <a:effectLst/>
-                <a:latin typeface="Calibri" panose="020F0502020204030204" pitchFamily="34" charset="0"/>
-              </a:rPr>
-              <a:t>​</a:t>
-            </a:r>
-            <a:endParaRPr lang="en-US" sz="2000" b="0" i="0" dirty="0">
-              <a:solidFill>
-                <a:srgbClr val="000000"/>
-              </a:solidFill>
-              <a:effectLst/>
-              <a:latin typeface="Segoe UI" panose="020B0502040204020203" pitchFamily="34" charset="0"/>
-            </a:endParaRPr>
           </a:p>
         </p:txBody>
       </p:sp>
@@ -15997,6 +17043,20 @@
 <file path=ppt/slides/slide6.xml><?xml version="1.0" encoding="utf-8"?>
 <p:sld xmlns:a="http://schemas.openxmlformats.org/drawingml/2006/main" xmlns:r="http://schemas.openxmlformats.org/officeDocument/2006/relationships" xmlns:p="http://schemas.openxmlformats.org/presentationml/2006/main">
   <p:cSld>
+    <p:bg>
+      <p:bgPr>
+        <a:blipFill dpi="0" rotWithShape="1">
+          <a:blip r:embed="rId2">
+            <a:lum/>
+          </a:blip>
+          <a:srcRect/>
+          <a:stretch>
+            <a:fillRect/>
+          </a:stretch>
+        </a:blipFill>
+        <a:effectLst/>
+      </p:bgPr>
+    </p:bg>
     <p:spTree>
       <p:nvGrpSpPr>
         <p:cNvPr id="1" name=""/>
@@ -16034,12 +17094,21 @@
           <a:lstStyle/>
           <a:p>
             <a:r>
-              <a:rPr lang="en-US" dirty="0">
+              <a:rPr lang="en-US" b="1" dirty="0">
+                <a:solidFill>
+                  <a:srgbClr val="0071F6"/>
+                </a:solidFill>
+                <a:latin typeface="Lexend Medium" panose="020B0604020202020204" charset="0"/>
                 <a:cs typeface="Times New Roman" pitchFamily="18" charset="0"/>
               </a:rPr>
               <a:t>Python – Getting Started</a:t>
             </a:r>
-            <a:endParaRPr lang="he-IL" dirty="0"/>
+            <a:endParaRPr lang="he-IL" b="1" dirty="0">
+              <a:solidFill>
+                <a:srgbClr val="0071F6"/>
+              </a:solidFill>
+              <a:latin typeface="Lexend Medium" panose="020B0604020202020204" charset="0"/>
+            </a:endParaRPr>
           </a:p>
         </p:txBody>
       </p:sp>
@@ -16058,7 +17127,7 @@
         <p:spPr>
           <a:xfrm>
             <a:off x="295564" y="1616718"/>
-            <a:ext cx="5989826" cy="5755422"/>
+            <a:ext cx="5989826" cy="3416320"/>
           </a:xfrm>
           <a:prstGeom prst="rect">
             <a:avLst/>
@@ -16071,52 +17140,52 @@
           </a:bodyPr>
           <a:lstStyle/>
           <a:p>
-            <a:r>
-              <a:rPr lang="en-US" sz="2800" dirty="0"/>
-              <a:t>1. Go to the download page on their website and click Python Version 3.9.9</a:t>
-            </a:r>
-          </a:p>
-          <a:p>
-            <a:r>
-              <a:rPr lang="en-US" sz="2800" dirty="0"/>
+            <a:pPr marL="514350" indent="-514350">
+              <a:buAutoNum type="arabicPeriod"/>
+            </a:pPr>
+            <a:r>
+              <a:rPr lang="en-US" sz="2400" dirty="0">
+                <a:latin typeface="Lexend Medium" panose="020B0604020202020204" charset="0"/>
+              </a:rPr>
+              <a:t>Go to the download page on their website and click Python Version 3.9.9</a:t>
+            </a:r>
+          </a:p>
+          <a:p>
+            <a:pPr marL="514350" indent="-514350">
+              <a:buAutoNum type="arabicPeriod"/>
+            </a:pPr>
+            <a:endParaRPr lang="en-US" sz="2400" dirty="0">
+              <a:latin typeface="Lexend Medium" panose="020B0604020202020204" charset="0"/>
+            </a:endParaRPr>
+          </a:p>
+          <a:p>
+            <a:r>
+              <a:rPr lang="en-US" sz="2400" dirty="0">
+                <a:latin typeface="Lexend Medium" panose="020B0604020202020204" charset="0"/>
+              </a:rPr>
               <a:t>2. Go to the bottom of the page and download the Windows or macOS installer</a:t>
             </a:r>
           </a:p>
           <a:p>
-            <a:r>
-              <a:rPr lang="en-US" sz="2800" dirty="0"/>
+            <a:endParaRPr lang="en-US" sz="2400" dirty="0">
+              <a:latin typeface="Lexend Medium" panose="020B0604020202020204" charset="0"/>
+            </a:endParaRPr>
+          </a:p>
+          <a:p>
+            <a:r>
+              <a:rPr lang="en-US" sz="2400" dirty="0">
+                <a:latin typeface="Lexend Medium" panose="020B0604020202020204" charset="0"/>
+              </a:rPr>
               <a:t>3. When launching the installer Check both boxes at the bottom</a:t>
             </a:r>
           </a:p>
           <a:p>
             <a:r>
-              <a:rPr lang="en-US" sz="2800" dirty="0"/>
+              <a:rPr lang="en-US" sz="2400" dirty="0">
+                <a:latin typeface="Lexend Medium" panose="020B0604020202020204" charset="0"/>
+              </a:rPr>
               <a:t> and click Customize Installation:</a:t>
             </a:r>
-          </a:p>
-          <a:p>
-            <a:endParaRPr lang="en-US" dirty="0"/>
-          </a:p>
-          <a:p>
-            <a:endParaRPr lang="en-US" dirty="0"/>
-          </a:p>
-          <a:p>
-            <a:endParaRPr lang="en-US" dirty="0"/>
-          </a:p>
-          <a:p>
-            <a:endParaRPr lang="en-US" dirty="0"/>
-          </a:p>
-          <a:p>
-            <a:endParaRPr lang="en-US" dirty="0"/>
-          </a:p>
-          <a:p>
-            <a:endParaRPr lang="en-US" dirty="0"/>
-          </a:p>
-          <a:p>
-            <a:endParaRPr lang="en-US" dirty="0"/>
-          </a:p>
-          <a:p>
-            <a:endParaRPr lang="he-IL" dirty="0"/>
           </a:p>
         </p:txBody>
       </p:sp>
@@ -16135,7 +17204,7 @@
           <p:nvPr/>
         </p:nvPicPr>
         <p:blipFill>
-          <a:blip r:embed="rId2"/>
+          <a:blip r:embed="rId3"/>
           <a:stretch>
             <a:fillRect/>
           </a:stretch>
@@ -16166,6 +17235,20 @@
 <file path=ppt/slides/slide7.xml><?xml version="1.0" encoding="utf-8"?>
 <p:sld xmlns:a="http://schemas.openxmlformats.org/drawingml/2006/main" xmlns:r="http://schemas.openxmlformats.org/officeDocument/2006/relationships" xmlns:p="http://schemas.openxmlformats.org/presentationml/2006/main">
   <p:cSld>
+    <p:bg>
+      <p:bgPr>
+        <a:blipFill dpi="0" rotWithShape="1">
+          <a:blip r:embed="rId2">
+            <a:lum/>
+          </a:blip>
+          <a:srcRect/>
+          <a:stretch>
+            <a:fillRect/>
+          </a:stretch>
+        </a:blipFill>
+        <a:effectLst/>
+      </p:bgPr>
+    </p:bg>
     <p:spTree>
       <p:nvGrpSpPr>
         <p:cNvPr id="1" name=""/>
@@ -16207,12 +17290,21 @@
           <a:lstStyle/>
           <a:p>
             <a:r>
-              <a:rPr lang="en-US">
+              <a:rPr lang="en-US" b="1" dirty="0">
+                <a:solidFill>
+                  <a:srgbClr val="0071F6"/>
+                </a:solidFill>
+                <a:latin typeface="Lexend "/>
                 <a:cs typeface="Times New Roman" pitchFamily="18" charset="0"/>
               </a:rPr>
               <a:t>Python – Getting Started (cont.)</a:t>
             </a:r>
-            <a:endParaRPr lang="he-IL"/>
+            <a:endParaRPr lang="he-IL" b="1" dirty="0">
+              <a:solidFill>
+                <a:srgbClr val="0071F6"/>
+              </a:solidFill>
+              <a:latin typeface="Lexend "/>
+            </a:endParaRPr>
           </a:p>
         </p:txBody>
       </p:sp>
@@ -16245,28 +17337,42 @@
           <a:lstStyle/>
           <a:p>
             <a:r>
-              <a:rPr lang="en-US" dirty="0"/>
+              <a:rPr lang="en-US" dirty="0">
+                <a:latin typeface="Lexend Medium" panose="020B0604020202020204" charset="0"/>
+              </a:rPr>
               <a:t>5. Check all the boxes at this page and click next:</a:t>
             </a:r>
           </a:p>
           <a:p>
-            <a:endParaRPr lang="en-US" dirty="0"/>
-          </a:p>
-          <a:p>
-            <a:endParaRPr lang="en-US" dirty="0"/>
-          </a:p>
-          <a:p>
-            <a:endParaRPr lang="en-US" dirty="0"/>
-          </a:p>
-          <a:p>
-            <a:endParaRPr lang="en-US" dirty="0"/>
-          </a:p>
-          <a:p>
-            <a:r>
-              <a:rPr lang="en-US" dirty="0"/>
+            <a:endParaRPr lang="en-US" dirty="0">
+              <a:latin typeface="Lexend Medium" panose="020B0604020202020204" charset="0"/>
+            </a:endParaRPr>
+          </a:p>
+          <a:p>
+            <a:endParaRPr lang="en-US" dirty="0">
+              <a:latin typeface="Lexend Medium" panose="020B0604020202020204" charset="0"/>
+            </a:endParaRPr>
+          </a:p>
+          <a:p>
+            <a:endParaRPr lang="en-US" dirty="0">
+              <a:latin typeface="Lexend Medium" panose="020B0604020202020204" charset="0"/>
+            </a:endParaRPr>
+          </a:p>
+          <a:p>
+            <a:endParaRPr lang="en-US" dirty="0">
+              <a:latin typeface="Lexend Medium" panose="020B0604020202020204" charset="0"/>
+            </a:endParaRPr>
+          </a:p>
+          <a:p>
+            <a:r>
+              <a:rPr lang="en-US" dirty="0">
+                <a:latin typeface="Lexend Medium" panose="020B0604020202020204" charset="0"/>
+              </a:rPr>
               <a:t>6. Check all the boxes at this page also, and change the install location to the Program Files Folder and click Install:</a:t>
             </a:r>
-            <a:endParaRPr lang="he-IL" dirty="0"/>
+            <a:endParaRPr lang="he-IL" dirty="0">
+              <a:latin typeface="Lexend Medium" panose="020B0604020202020204" charset="0"/>
+            </a:endParaRPr>
           </a:p>
         </p:txBody>
       </p:sp>
@@ -16285,7 +17391,7 @@
           <p:nvPr/>
         </p:nvPicPr>
         <p:blipFill>
-          <a:blip r:embed="rId2"/>
+          <a:blip r:embed="rId3"/>
           <a:stretch>
             <a:fillRect/>
           </a:stretch>
@@ -16315,7 +17421,7 @@
           <p:nvPr/>
         </p:nvPicPr>
         <p:blipFill>
-          <a:blip r:embed="rId3"/>
+          <a:blip r:embed="rId4"/>
           <a:stretch>
             <a:fillRect/>
           </a:stretch>
@@ -16346,6 +17452,20 @@
 <file path=ppt/slides/slide8.xml><?xml version="1.0" encoding="utf-8"?>
 <p:sld xmlns:a="http://schemas.openxmlformats.org/drawingml/2006/main" xmlns:r="http://schemas.openxmlformats.org/officeDocument/2006/relationships" xmlns:p="http://schemas.openxmlformats.org/presentationml/2006/main">
   <p:cSld>
+    <p:bg>
+      <p:bgPr>
+        <a:blipFill dpi="0" rotWithShape="1">
+          <a:blip r:embed="rId3">
+            <a:lum/>
+          </a:blip>
+          <a:srcRect/>
+          <a:stretch>
+            <a:fillRect/>
+          </a:stretch>
+        </a:blipFill>
+        <a:effectLst/>
+      </p:bgPr>
+    </p:bg>
     <p:spTree>
       <p:nvGrpSpPr>
         <p:cNvPr id="1" name=""/>
@@ -16378,15 +17498,30 @@
           <a:lstStyle/>
           <a:p>
             <a:r>
-              <a:rPr lang="en-US" dirty="0"/>
+              <a:rPr lang="en-US" b="1" dirty="0">
+                <a:solidFill>
+                  <a:srgbClr val="0071F6"/>
+                </a:solidFill>
+                <a:latin typeface="Lexend Medium" panose="020B0604020202020204" charset="0"/>
+              </a:rPr>
               <a:t>Python </a:t>
             </a:r>
             <a:r>
-              <a:rPr lang="en-US" dirty="0" err="1"/>
+              <a:rPr lang="en-US" b="1" dirty="0" err="1">
+                <a:solidFill>
+                  <a:srgbClr val="0071F6"/>
+                </a:solidFill>
+                <a:latin typeface="Lexend Medium" panose="020B0604020202020204" charset="0"/>
+              </a:rPr>
               <a:t>VSCode</a:t>
             </a:r>
             <a:r>
-              <a:rPr lang="en-US" dirty="0"/>
+              <a:rPr lang="en-US" b="1" dirty="0">
+                <a:solidFill>
+                  <a:srgbClr val="0071F6"/>
+                </a:solidFill>
+                <a:latin typeface="Lexend Medium" panose="020B0604020202020204" charset="0"/>
+              </a:rPr>
               <a:t> Environment</a:t>
             </a:r>
           </a:p>
@@ -16405,22 +17540,28 @@
         <p:spPr/>
         <p:txBody>
           <a:bodyPr>
-            <a:normAutofit fontScale="92500" lnSpcReduction="10000"/>
+            <a:normAutofit fontScale="92500" lnSpcReduction="20000"/>
           </a:bodyPr>
           <a:lstStyle/>
           <a:p>
             <a:pPr marL="0" indent="0">
               <a:buNone/>
             </a:pPr>
-            <a:endParaRPr lang="en-US" dirty="0"/>
-          </a:p>
-          <a:p>
-            <a:r>
-              <a:rPr lang="en-US" dirty="0" err="1"/>
+            <a:endParaRPr lang="en-US" dirty="0">
+              <a:latin typeface="Lexend Medium" panose="020B0604020202020204" charset="0"/>
+            </a:endParaRPr>
+          </a:p>
+          <a:p>
+            <a:r>
+              <a:rPr lang="en-US" dirty="0" err="1">
+                <a:latin typeface="Lexend Medium" panose="020B0604020202020204" charset="0"/>
+              </a:rPr>
               <a:t>VSCode</a:t>
             </a:r>
             <a:r>
-              <a:rPr lang="en-US" dirty="0"/>
+              <a:rPr lang="en-US" dirty="0">
+                <a:latin typeface="Lexend Medium" panose="020B0604020202020204" charset="0"/>
+              </a:rPr>
               <a:t> is a popular code editor with extensive Python support, offering features like code completion, debugging, and an integrated terminal.</a:t>
             </a:r>
           </a:p>
@@ -16428,19 +17569,27 @@
             <a:pPr marL="0" indent="0">
               <a:buNone/>
             </a:pPr>
-            <a:endParaRPr lang="en-US" dirty="0"/>
-          </a:p>
-          <a:p>
-            <a:r>
-              <a:rPr lang="en-US" dirty="0"/>
+            <a:endParaRPr lang="en-US" dirty="0">
+              <a:latin typeface="Lexend Medium" panose="020B0604020202020204" charset="0"/>
+            </a:endParaRPr>
+          </a:p>
+          <a:p>
+            <a:r>
+              <a:rPr lang="en-US" dirty="0">
+                <a:latin typeface="Lexend Medium" panose="020B0604020202020204" charset="0"/>
+              </a:rPr>
               <a:t>With its vast extension ecosystem, </a:t>
             </a:r>
             <a:r>
-              <a:rPr lang="en-US" dirty="0" err="1"/>
+              <a:rPr lang="en-US" dirty="0" err="1">
+                <a:latin typeface="Lexend Medium" panose="020B0604020202020204" charset="0"/>
+              </a:rPr>
               <a:t>VSCode</a:t>
             </a:r>
             <a:r>
-              <a:rPr lang="en-US" dirty="0"/>
+              <a:rPr lang="en-US" dirty="0">
+                <a:latin typeface="Lexend Medium" panose="020B0604020202020204" charset="0"/>
+              </a:rPr>
               <a:t> allows developers to customize and enhance their Python development experience to suit their specific needs.</a:t>
             </a:r>
           </a:p>
@@ -16448,15 +17597,21 @@
             <a:pPr marL="0" indent="0">
               <a:buNone/>
             </a:pPr>
-            <a:endParaRPr lang="en-US" dirty="0"/>
-          </a:p>
-          <a:p>
-            <a:r>
-              <a:rPr lang="en-US" dirty="0" err="1"/>
+            <a:endParaRPr lang="en-US" dirty="0">
+              <a:latin typeface="Lexend Medium" panose="020B0604020202020204" charset="0"/>
+            </a:endParaRPr>
+          </a:p>
+          <a:p>
+            <a:r>
+              <a:rPr lang="en-US" dirty="0" err="1">
+                <a:latin typeface="Lexend Medium" panose="020B0604020202020204" charset="0"/>
+              </a:rPr>
               <a:t>VSCode's</a:t>
             </a:r>
             <a:r>
-              <a:rPr lang="en-US" dirty="0"/>
+              <a:rPr lang="en-US" dirty="0">
+                <a:latin typeface="Lexend Medium" panose="020B0604020202020204" charset="0"/>
+              </a:rPr>
               <a:t> cross-platform compatibility and lightweight design make it a flexible choice for Python developers seeking a versatile and efficient coding environment.</a:t>
             </a:r>
           </a:p>
@@ -16478,6 +17633,20 @@
 <file path=ppt/slides/slide9.xml><?xml version="1.0" encoding="utf-8"?>
 <p:sld xmlns:a="http://schemas.openxmlformats.org/drawingml/2006/main" xmlns:r="http://schemas.openxmlformats.org/officeDocument/2006/relationships" xmlns:p="http://schemas.openxmlformats.org/presentationml/2006/main">
   <p:cSld>
+    <p:bg>
+      <p:bgPr>
+        <a:blipFill dpi="0" rotWithShape="1">
+          <a:blip r:embed="rId3">
+            <a:lum/>
+          </a:blip>
+          <a:srcRect/>
+          <a:stretch>
+            <a:fillRect/>
+          </a:stretch>
+        </a:blipFill>
+        <a:effectLst/>
+      </p:bgPr>
+    </p:bg>
     <p:spTree>
       <p:nvGrpSpPr>
         <p:cNvPr id="1" name=""/>
@@ -16510,15 +17679,20 @@
           <a:lstStyle/>
           <a:p>
             <a:r>
-              <a:rPr lang="en-US" dirty="0"/>
+              <a:rPr lang="en-US" b="1" dirty="0">
+                <a:solidFill>
+                  <a:srgbClr val="0071F6"/>
+                </a:solidFill>
+                <a:latin typeface="Lexend "/>
+              </a:rPr>
               <a:t>Download Visual Studio Code</a:t>
             </a:r>
-            <a:endParaRPr lang="en-US" i="0" dirty="0">
+            <a:endParaRPr lang="en-US" b="1" i="0" dirty="0">
               <a:solidFill>
-                <a:srgbClr val="242424"/>
+                <a:srgbClr val="0071F6"/>
               </a:solidFill>
               <a:effectLst/>
-              <a:latin typeface="Segoe UI" panose="020B0502040204020203" pitchFamily="34" charset="0"/>
+              <a:latin typeface="Lexend "/>
             </a:endParaRPr>
           </a:p>
         </p:txBody>
